--- a/Rouviere/PresentationCPGE_ISM.pptx
+++ b/Rouviere/PresentationCPGE_ISM.pptx
@@ -5,7 +5,7 @@
     <p:sldMasterId id="2147483948" r:id="rId1"/>
   </p:sldMasterIdLst>
   <p:notesMasterIdLst>
-    <p:notesMasterId r:id="rId29"/>
+    <p:notesMasterId r:id="rId25"/>
   </p:notesMasterIdLst>
   <p:sldIdLst>
     <p:sldId id="256" r:id="rId2"/>
@@ -13,28 +13,24 @@
     <p:sldId id="266" r:id="rId4"/>
     <p:sldId id="258" r:id="rId5"/>
     <p:sldId id="286" r:id="rId6"/>
-    <p:sldId id="265" r:id="rId7"/>
-    <p:sldId id="260" r:id="rId8"/>
-    <p:sldId id="267" r:id="rId9"/>
-    <p:sldId id="268" r:id="rId10"/>
-    <p:sldId id="269" r:id="rId11"/>
-    <p:sldId id="270" r:id="rId12"/>
-    <p:sldId id="271" r:id="rId13"/>
-    <p:sldId id="282" r:id="rId14"/>
-    <p:sldId id="278" r:id="rId15"/>
-    <p:sldId id="280" r:id="rId16"/>
-    <p:sldId id="281" r:id="rId17"/>
-    <p:sldId id="283" r:id="rId18"/>
-    <p:sldId id="284" r:id="rId19"/>
-    <p:sldId id="287" r:id="rId20"/>
-    <p:sldId id="275" r:id="rId21"/>
-    <p:sldId id="279" r:id="rId22"/>
-    <p:sldId id="277" r:id="rId23"/>
-    <p:sldId id="273" r:id="rId24"/>
-    <p:sldId id="274" r:id="rId25"/>
-    <p:sldId id="285" r:id="rId26"/>
-    <p:sldId id="263" r:id="rId27"/>
-    <p:sldId id="262" r:id="rId28"/>
+    <p:sldId id="260" r:id="rId7"/>
+    <p:sldId id="267" r:id="rId8"/>
+    <p:sldId id="268" r:id="rId9"/>
+    <p:sldId id="269" r:id="rId10"/>
+    <p:sldId id="270" r:id="rId11"/>
+    <p:sldId id="271" r:id="rId12"/>
+    <p:sldId id="282" r:id="rId13"/>
+    <p:sldId id="278" r:id="rId14"/>
+    <p:sldId id="280" r:id="rId15"/>
+    <p:sldId id="281" r:id="rId16"/>
+    <p:sldId id="287" r:id="rId17"/>
+    <p:sldId id="275" r:id="rId18"/>
+    <p:sldId id="279" r:id="rId19"/>
+    <p:sldId id="277" r:id="rId20"/>
+    <p:sldId id="273" r:id="rId21"/>
+    <p:sldId id="274" r:id="rId22"/>
+    <p:sldId id="285" r:id="rId23"/>
+    <p:sldId id="262" r:id="rId24"/>
   </p:sldIdLst>
   <p:sldSz cx="9144000" cy="6858000" type="screen4x3"/>
   <p:notesSz cx="6858000" cy="9144000"/>
@@ -698,376 +694,6 @@
   <c:roundedCorners val="0"/>
   <mc:AlternateContent xmlns:mc="http://schemas.openxmlformats.org/markup-compatibility/2006">
     <mc:Choice xmlns:c14="http://schemas.microsoft.com/office/drawing/2007/8/2/chart" Requires="c14">
-      <c14:style val="102"/>
-    </mc:Choice>
-    <mc:Fallback>
-      <c:style val="2"/>
-    </mc:Fallback>
-  </mc:AlternateContent>
-  <c:chart>
-    <c:title>
-      <c:tx>
-        <c:rich>
-          <a:bodyPr/>
-          <a:lstStyle/>
-          <a:p>
-            <a:pPr>
-              <a:defRPr/>
-            </a:pPr>
-            <a:r>
-              <a:rPr lang="fr-FR" dirty="0" smtClean="0"/>
-              <a:t>Volumes horaires</a:t>
-            </a:r>
-            <a:r>
-              <a:rPr lang="fr-FR" baseline="0" dirty="0" smtClean="0"/>
-              <a:t> en BCPST</a:t>
-            </a:r>
-            <a:endParaRPr lang="fr-FR" dirty="0"/>
-          </a:p>
-        </c:rich>
-      </c:tx>
-      <c:layout/>
-      <c:overlay val="0"/>
-    </c:title>
-    <c:autoTitleDeleted val="0"/>
-    <c:view3D>
-      <c:rotX val="30"/>
-      <c:rotY val="0"/>
-      <c:rAngAx val="0"/>
-      <c:perspective val="30"/>
-    </c:view3D>
-    <c:floor>
-      <c:thickness val="0"/>
-    </c:floor>
-    <c:sideWall>
-      <c:thickness val="0"/>
-    </c:sideWall>
-    <c:backWall>
-      <c:thickness val="0"/>
-    </c:backWall>
-    <c:plotArea>
-      <c:layout/>
-      <c:pie3DChart>
-        <c:varyColors val="1"/>
-        <c:ser>
-          <c:idx val="0"/>
-          <c:order val="0"/>
-          <c:tx>
-            <c:strRef>
-              <c:f>Feuil1!$B$1</c:f>
-              <c:strCache>
-                <c:ptCount val="1"/>
-                <c:pt idx="0">
-                  <c:v>Volume horaire</c:v>
-                </c:pt>
-              </c:strCache>
-            </c:strRef>
-          </c:tx>
-          <c:explosion val="25"/>
-          <c:cat>
-            <c:strRef>
-              <c:f>Feuil1!$A$2:$A$9</c:f>
-              <c:strCache>
-                <c:ptCount val="8"/>
-                <c:pt idx="0">
-                  <c:v>Mathématiques</c:v>
-                </c:pt>
-                <c:pt idx="1">
-                  <c:v>Physique-Chimie</c:v>
-                </c:pt>
-                <c:pt idx="2">
-                  <c:v>Biologie et géologie</c:v>
-                </c:pt>
-                <c:pt idx="3">
-                  <c:v>Informatique</c:v>
-                </c:pt>
-                <c:pt idx="4">
-                  <c:v>Français et Philosophie</c:v>
-                </c:pt>
-                <c:pt idx="5">
-                  <c:v>LV1</c:v>
-                </c:pt>
-                <c:pt idx="6">
-                  <c:v>EPS</c:v>
-                </c:pt>
-                <c:pt idx="7">
-                  <c:v>TIPE</c:v>
-                </c:pt>
-              </c:strCache>
-            </c:strRef>
-          </c:cat>
-          <c:val>
-            <c:numRef>
-              <c:f>Feuil1!$B$2:$B$9</c:f>
-              <c:numCache>
-                <c:formatCode>General</c:formatCode>
-                <c:ptCount val="8"/>
-                <c:pt idx="0">
-                  <c:v>8</c:v>
-                </c:pt>
-                <c:pt idx="1">
-                  <c:v>7</c:v>
-                </c:pt>
-                <c:pt idx="2">
-                  <c:v>8</c:v>
-                </c:pt>
-                <c:pt idx="3">
-                  <c:v>1.5</c:v>
-                </c:pt>
-                <c:pt idx="4">
-                  <c:v>2</c:v>
-                </c:pt>
-                <c:pt idx="5">
-                  <c:v>2</c:v>
-                </c:pt>
-                <c:pt idx="6">
-                  <c:v>2</c:v>
-                </c:pt>
-                <c:pt idx="7">
-                  <c:v>1</c:v>
-                </c:pt>
-              </c:numCache>
-            </c:numRef>
-          </c:val>
-        </c:ser>
-        <c:dLbls>
-          <c:showLegendKey val="0"/>
-          <c:showVal val="0"/>
-          <c:showCatName val="0"/>
-          <c:showSerName val="0"/>
-          <c:showPercent val="0"/>
-          <c:showBubbleSize val="0"/>
-          <c:showLeaderLines val="1"/>
-        </c:dLbls>
-      </c:pie3DChart>
-    </c:plotArea>
-    <c:legend>
-      <c:legendPos val="r"/>
-      <c:layout/>
-      <c:overlay val="0"/>
-      <c:txPr>
-        <a:bodyPr/>
-        <a:lstStyle/>
-        <a:p>
-          <a:pPr>
-            <a:defRPr sz="1400"/>
-          </a:pPr>
-          <a:endParaRPr lang="fr-FR"/>
-        </a:p>
-      </c:txPr>
-    </c:legend>
-    <c:plotVisOnly val="1"/>
-    <c:dispBlanksAs val="zero"/>
-    <c:showDLblsOverMax val="0"/>
-  </c:chart>
-  <c:txPr>
-    <a:bodyPr/>
-    <a:lstStyle/>
-    <a:p>
-      <a:pPr>
-        <a:defRPr sz="1800"/>
-      </a:pPr>
-      <a:endParaRPr lang="fr-FR"/>
-    </a:p>
-  </c:txPr>
-  <c:externalData r:id="rId1">
-    <c:autoUpdate val="0"/>
-  </c:externalData>
-</c:chartSpace>
-</file>
-
-<file path=ppt/charts/chart5.xml><?xml version="1.0" encoding="utf-8"?>
-<c:chartSpace xmlns:c="http://schemas.openxmlformats.org/drawingml/2006/chart" xmlns:a="http://schemas.openxmlformats.org/drawingml/2006/main" xmlns:r="http://schemas.openxmlformats.org/officeDocument/2006/relationships">
-  <c:date1904 val="0"/>
-  <c:lang val="fr-FR"/>
-  <c:roundedCorners val="0"/>
-  <mc:AlternateContent xmlns:mc="http://schemas.openxmlformats.org/markup-compatibility/2006">
-    <mc:Choice xmlns:c14="http://schemas.microsoft.com/office/drawing/2007/8/2/chart" Requires="c14">
-      <c14:style val="102"/>
-    </mc:Choice>
-    <mc:Fallback>
-      <c:style val="2"/>
-    </mc:Fallback>
-  </mc:AlternateContent>
-  <c:chart>
-    <c:title>
-      <c:tx>
-        <c:rich>
-          <a:bodyPr/>
-          <a:lstStyle/>
-          <a:p>
-            <a:pPr>
-              <a:defRPr/>
-            </a:pPr>
-            <a:r>
-              <a:rPr lang="fr-FR" dirty="0" smtClean="0"/>
-              <a:t>Volumes horaires</a:t>
-            </a:r>
-            <a:r>
-              <a:rPr lang="fr-FR" baseline="0" dirty="0" smtClean="0"/>
-              <a:t> en ECS</a:t>
-            </a:r>
-            <a:endParaRPr lang="fr-FR" dirty="0"/>
-          </a:p>
-        </c:rich>
-      </c:tx>
-      <c:layout/>
-      <c:overlay val="0"/>
-    </c:title>
-    <c:autoTitleDeleted val="0"/>
-    <c:view3D>
-      <c:rotX val="30"/>
-      <c:rotY val="0"/>
-      <c:rAngAx val="0"/>
-      <c:perspective val="30"/>
-    </c:view3D>
-    <c:floor>
-      <c:thickness val="0"/>
-    </c:floor>
-    <c:sideWall>
-      <c:thickness val="0"/>
-    </c:sideWall>
-    <c:backWall>
-      <c:thickness val="0"/>
-    </c:backWall>
-    <c:plotArea>
-      <c:layout/>
-      <c:pie3DChart>
-        <c:varyColors val="1"/>
-        <c:ser>
-          <c:idx val="0"/>
-          <c:order val="0"/>
-          <c:tx>
-            <c:strRef>
-              <c:f>Feuil1!$B$1</c:f>
-              <c:strCache>
-                <c:ptCount val="1"/>
-                <c:pt idx="0">
-                  <c:v>Volume horaire</c:v>
-                </c:pt>
-              </c:strCache>
-            </c:strRef>
-          </c:tx>
-          <c:explosion val="25"/>
-          <c:cat>
-            <c:strRef>
-              <c:f>Feuil1!$A$2:$A$9</c:f>
-              <c:strCache>
-                <c:ptCount val="8"/>
-                <c:pt idx="0">
-                  <c:v>Mathématiques</c:v>
-                </c:pt>
-                <c:pt idx="1">
-                  <c:v>Histoire, Géographie, Géopolitique</c:v>
-                </c:pt>
-                <c:pt idx="2">
-                  <c:v>LV1</c:v>
-                </c:pt>
-                <c:pt idx="3">
-                  <c:v>LV2</c:v>
-                </c:pt>
-                <c:pt idx="4">
-                  <c:v>Informatique</c:v>
-                </c:pt>
-                <c:pt idx="5">
-                  <c:v>Français</c:v>
-                </c:pt>
-                <c:pt idx="6">
-                  <c:v>Philosophie</c:v>
-                </c:pt>
-                <c:pt idx="7">
-                  <c:v>Economie</c:v>
-                </c:pt>
-              </c:strCache>
-            </c:strRef>
-          </c:cat>
-          <c:val>
-            <c:numRef>
-              <c:f>Feuil1!$B$2:$B$9</c:f>
-              <c:numCache>
-                <c:formatCode>General</c:formatCode>
-                <c:ptCount val="8"/>
-                <c:pt idx="0">
-                  <c:v>9</c:v>
-                </c:pt>
-                <c:pt idx="1">
-                  <c:v>6</c:v>
-                </c:pt>
-                <c:pt idx="2">
-                  <c:v>3</c:v>
-                </c:pt>
-                <c:pt idx="3">
-                  <c:v>3</c:v>
-                </c:pt>
-                <c:pt idx="4">
-                  <c:v>1</c:v>
-                </c:pt>
-                <c:pt idx="5">
-                  <c:v>3</c:v>
-                </c:pt>
-                <c:pt idx="6">
-                  <c:v>3</c:v>
-                </c:pt>
-                <c:pt idx="7">
-                  <c:v>1</c:v>
-                </c:pt>
-              </c:numCache>
-            </c:numRef>
-          </c:val>
-        </c:ser>
-        <c:dLbls>
-          <c:showLegendKey val="0"/>
-          <c:showVal val="0"/>
-          <c:showCatName val="0"/>
-          <c:showSerName val="0"/>
-          <c:showPercent val="0"/>
-          <c:showBubbleSize val="0"/>
-          <c:showLeaderLines val="1"/>
-        </c:dLbls>
-      </c:pie3DChart>
-    </c:plotArea>
-    <c:legend>
-      <c:legendPos val="r"/>
-      <c:layout/>
-      <c:overlay val="0"/>
-      <c:txPr>
-        <a:bodyPr/>
-        <a:lstStyle/>
-        <a:p>
-          <a:pPr>
-            <a:defRPr sz="1400"/>
-          </a:pPr>
-          <a:endParaRPr lang="fr-FR"/>
-        </a:p>
-      </c:txPr>
-    </c:legend>
-    <c:plotVisOnly val="1"/>
-    <c:dispBlanksAs val="zero"/>
-    <c:showDLblsOverMax val="0"/>
-  </c:chart>
-  <c:txPr>
-    <a:bodyPr/>
-    <a:lstStyle/>
-    <a:p>
-      <a:pPr>
-        <a:defRPr sz="1800"/>
-      </a:pPr>
-      <a:endParaRPr lang="fr-FR"/>
-    </a:p>
-  </c:txPr>
-  <c:externalData r:id="rId1">
-    <c:autoUpdate val="0"/>
-  </c:externalData>
-</c:chartSpace>
-</file>
-
-<file path=ppt/charts/chart6.xml><?xml version="1.0" encoding="utf-8"?>
-<c:chartSpace xmlns:c="http://schemas.openxmlformats.org/drawingml/2006/chart" xmlns:a="http://schemas.openxmlformats.org/drawingml/2006/main" xmlns:r="http://schemas.openxmlformats.org/officeDocument/2006/relationships">
-  <c:date1904 val="0"/>
-  <c:lang val="fr-FR"/>
-  <c:roundedCorners val="0"/>
-  <mc:AlternateContent xmlns:mc="http://schemas.openxmlformats.org/markup-compatibility/2006">
-    <mc:Choice xmlns:c14="http://schemas.microsoft.com/office/drawing/2007/8/2/chart" Requires="c14">
       <c14:style val="113"/>
     </mc:Choice>
     <mc:Fallback>
@@ -1167,11 +793,11 @@
           <c:showBubbleSize val="0"/>
         </c:dLbls>
         <c:gapWidth val="100"/>
-        <c:axId val="109018112"/>
-        <c:axId val="109024000"/>
+        <c:axId val="33109120"/>
+        <c:axId val="33110656"/>
       </c:barChart>
       <c:catAx>
-        <c:axId val="109018112"/>
+        <c:axId val="33109120"/>
         <c:scaling>
           <c:orientation val="minMax"/>
         </c:scaling>
@@ -1190,7 +816,7 @@
             <a:endParaRPr lang="fr-FR"/>
           </a:p>
         </c:txPr>
-        <c:crossAx val="109024000"/>
+        <c:crossAx val="33110656"/>
         <c:crosses val="autoZero"/>
         <c:auto val="1"/>
         <c:lblAlgn val="ctr"/>
@@ -1198,7 +824,7 @@
         <c:noMultiLvlLbl val="0"/>
       </c:catAx>
       <c:valAx>
-        <c:axId val="109024000"/>
+        <c:axId val="33110656"/>
         <c:scaling>
           <c:orientation val="minMax"/>
           <c:max val="12"/>
@@ -1211,7 +837,7 @@
         <c:majorTickMark val="out"/>
         <c:minorTickMark val="none"/>
         <c:tickLblPos val="nextTo"/>
-        <c:crossAx val="109018112"/>
+        <c:crossAx val="33109120"/>
         <c:crosses val="autoZero"/>
         <c:crossBetween val="between"/>
       </c:valAx>
@@ -1236,7 +862,7 @@
 </c:chartSpace>
 </file>
 
-<file path=ppt/charts/chart7.xml><?xml version="1.0" encoding="utf-8"?>
+<file path=ppt/charts/chart5.xml><?xml version="1.0" encoding="utf-8"?>
 <c:chartSpace xmlns:c="http://schemas.openxmlformats.org/drawingml/2006/chart" xmlns:a="http://schemas.openxmlformats.org/drawingml/2006/main" xmlns:r="http://schemas.openxmlformats.org/officeDocument/2006/relationships">
   <c:date1904 val="0"/>
   <c:lang val="fr-FR"/>
@@ -1342,11 +968,11 @@
           <c:showBubbleSize val="0"/>
         </c:dLbls>
         <c:gapWidth val="100"/>
-        <c:axId val="109138304"/>
-        <c:axId val="109139840"/>
+        <c:axId val="33130752"/>
+        <c:axId val="33136640"/>
       </c:barChart>
       <c:catAx>
-        <c:axId val="109138304"/>
+        <c:axId val="33130752"/>
         <c:scaling>
           <c:orientation val="minMax"/>
         </c:scaling>
@@ -1365,7 +991,7 @@
             <a:endParaRPr lang="fr-FR"/>
           </a:p>
         </c:txPr>
-        <c:crossAx val="109139840"/>
+        <c:crossAx val="33136640"/>
         <c:crosses val="autoZero"/>
         <c:auto val="1"/>
         <c:lblAlgn val="ctr"/>
@@ -1373,7 +999,7 @@
         <c:noMultiLvlLbl val="0"/>
       </c:catAx>
       <c:valAx>
-        <c:axId val="109139840"/>
+        <c:axId val="33136640"/>
         <c:scaling>
           <c:orientation val="minMax"/>
           <c:max val="12"/>
@@ -1386,7 +1012,7 @@
         <c:majorTickMark val="out"/>
         <c:minorTickMark val="none"/>
         <c:tickLblPos val="nextTo"/>
-        <c:crossAx val="109138304"/>
+        <c:crossAx val="33130752"/>
         <c:crosses val="autoZero"/>
         <c:crossBetween val="between"/>
       </c:valAx>
@@ -1411,7 +1037,7 @@
 </c:chartSpace>
 </file>
 
-<file path=ppt/charts/chart8.xml><?xml version="1.0" encoding="utf-8"?>
+<file path=ppt/charts/chart6.xml><?xml version="1.0" encoding="utf-8"?>
 <c:chartSpace xmlns:c="http://schemas.openxmlformats.org/drawingml/2006/chart" xmlns:a="http://schemas.openxmlformats.org/drawingml/2006/main" xmlns:r="http://schemas.openxmlformats.org/officeDocument/2006/relationships">
   <c:date1904 val="0"/>
   <c:lang val="fr-FR"/>
@@ -1517,11 +1143,11 @@
           <c:showBubbleSize val="0"/>
         </c:dLbls>
         <c:gapWidth val="100"/>
-        <c:axId val="109164032"/>
-        <c:axId val="109165568"/>
+        <c:axId val="33148288"/>
+        <c:axId val="40932480"/>
       </c:barChart>
       <c:catAx>
-        <c:axId val="109164032"/>
+        <c:axId val="33148288"/>
         <c:scaling>
           <c:orientation val="minMax"/>
         </c:scaling>
@@ -1540,7 +1166,7 @@
             <a:endParaRPr lang="fr-FR"/>
           </a:p>
         </c:txPr>
-        <c:crossAx val="109165568"/>
+        <c:crossAx val="40932480"/>
         <c:crosses val="autoZero"/>
         <c:auto val="1"/>
         <c:lblAlgn val="ctr"/>
@@ -1548,7 +1174,7 @@
         <c:noMultiLvlLbl val="0"/>
       </c:catAx>
       <c:valAx>
-        <c:axId val="109165568"/>
+        <c:axId val="40932480"/>
         <c:scaling>
           <c:orientation val="minMax"/>
           <c:max val="12"/>
@@ -1561,182 +1187,7 @@
         <c:majorTickMark val="out"/>
         <c:minorTickMark val="none"/>
         <c:tickLblPos val="nextTo"/>
-        <c:crossAx val="109164032"/>
-        <c:crosses val="autoZero"/>
-        <c:crossBetween val="between"/>
-      </c:valAx>
-    </c:plotArea>
-    <c:plotVisOnly val="1"/>
-    <c:dispBlanksAs val="zero"/>
-    <c:showDLblsOverMax val="0"/>
-  </c:chart>
-  <c:txPr>
-    <a:bodyPr/>
-    <a:lstStyle/>
-    <a:p>
-      <a:pPr>
-        <a:defRPr sz="1800"/>
-      </a:pPr>
-      <a:endParaRPr lang="fr-FR"/>
-    </a:p>
-  </c:txPr>
-  <c:externalData r:id="rId1">
-    <c:autoUpdate val="0"/>
-  </c:externalData>
-</c:chartSpace>
-</file>
-
-<file path=ppt/charts/chart9.xml><?xml version="1.0" encoding="utf-8"?>
-<c:chartSpace xmlns:c="http://schemas.openxmlformats.org/drawingml/2006/chart" xmlns:a="http://schemas.openxmlformats.org/drawingml/2006/main" xmlns:r="http://schemas.openxmlformats.org/officeDocument/2006/relationships">
-  <c:date1904 val="0"/>
-  <c:lang val="fr-FR"/>
-  <c:roundedCorners val="0"/>
-  <mc:AlternateContent xmlns:mc="http://schemas.openxmlformats.org/markup-compatibility/2006">
-    <mc:Choice xmlns:c14="http://schemas.microsoft.com/office/drawing/2007/8/2/chart" Requires="c14">
-      <c14:style val="113"/>
-    </mc:Choice>
-    <mc:Fallback>
-      <c:style val="13"/>
-    </mc:Fallback>
-  </mc:AlternateContent>
-  <c:chart>
-    <c:title>
-      <c:tx>
-        <c:rich>
-          <a:bodyPr/>
-          <a:lstStyle/>
-          <a:p>
-            <a:pPr>
-              <a:defRPr sz="1200"/>
-            </a:pPr>
-            <a:r>
-              <a:rPr lang="fr-FR" sz="1200"/>
-              <a:t>Volumes horaires en BCPST</a:t>
-            </a:r>
-          </a:p>
-        </c:rich>
-      </c:tx>
-      <c:layout/>
-      <c:overlay val="0"/>
-    </c:title>
-    <c:autoTitleDeleted val="0"/>
-    <c:plotArea>
-      <c:layout/>
-      <c:barChart>
-        <c:barDir val="col"/>
-        <c:grouping val="clustered"/>
-        <c:varyColors val="0"/>
-        <c:ser>
-          <c:idx val="0"/>
-          <c:order val="0"/>
-          <c:tx>
-            <c:strRef>
-              <c:f>Feuil1!$B$1</c:f>
-              <c:strCache>
-                <c:ptCount val="1"/>
-                <c:pt idx="0">
-                  <c:v>Volume horaire</c:v>
-                </c:pt>
-              </c:strCache>
-            </c:strRef>
-          </c:tx>
-          <c:invertIfNegative val="0"/>
-          <c:cat>
-            <c:strRef>
-              <c:f>Feuil1!$A$2:$A$5</c:f>
-              <c:strCache>
-                <c:ptCount val="4"/>
-                <c:pt idx="0">
-                  <c:v>Mathématiques</c:v>
-                </c:pt>
-                <c:pt idx="1">
-                  <c:v>Physique-Chimie</c:v>
-                </c:pt>
-                <c:pt idx="2">
-                  <c:v>Biologie et géologie</c:v>
-                </c:pt>
-                <c:pt idx="3">
-                  <c:v>Lettres - LV</c:v>
-                </c:pt>
-              </c:strCache>
-            </c:strRef>
-          </c:cat>
-          <c:val>
-            <c:numRef>
-              <c:f>Feuil1!$B$2:$B$5</c:f>
-              <c:numCache>
-                <c:formatCode>General</c:formatCode>
-                <c:ptCount val="4"/>
-                <c:pt idx="0">
-                  <c:v>8</c:v>
-                </c:pt>
-                <c:pt idx="1">
-                  <c:v>7</c:v>
-                </c:pt>
-                <c:pt idx="2">
-                  <c:v>8</c:v>
-                </c:pt>
-                <c:pt idx="3">
-                  <c:v>4</c:v>
-                </c:pt>
-              </c:numCache>
-            </c:numRef>
-          </c:val>
-        </c:ser>
-        <c:dLbls>
-          <c:showLegendKey val="0"/>
-          <c:showVal val="0"/>
-          <c:showCatName val="0"/>
-          <c:showSerName val="0"/>
-          <c:showPercent val="0"/>
-          <c:showBubbleSize val="0"/>
-        </c:dLbls>
-        <c:gapWidth val="100"/>
-        <c:axId val="109193856"/>
-        <c:axId val="109240704"/>
-      </c:barChart>
-      <c:catAx>
-        <c:axId val="109193856"/>
-        <c:scaling>
-          <c:orientation val="minMax"/>
-        </c:scaling>
-        <c:delete val="0"/>
-        <c:axPos val="b"/>
-        <c:majorTickMark val="out"/>
-        <c:minorTickMark val="none"/>
-        <c:tickLblPos val="nextTo"/>
-        <c:txPr>
-          <a:bodyPr/>
-          <a:lstStyle/>
-          <a:p>
-            <a:pPr>
-              <a:defRPr sz="700"/>
-            </a:pPr>
-            <a:endParaRPr lang="fr-FR"/>
-          </a:p>
-        </c:txPr>
-        <c:crossAx val="109240704"/>
-        <c:crosses val="autoZero"/>
-        <c:auto val="1"/>
-        <c:lblAlgn val="ctr"/>
-        <c:lblOffset val="100"/>
-        <c:noMultiLvlLbl val="0"/>
-      </c:catAx>
-      <c:valAx>
-        <c:axId val="109240704"/>
-        <c:scaling>
-          <c:orientation val="minMax"/>
-          <c:max val="12"/>
-          <c:min val="0"/>
-        </c:scaling>
-        <c:delete val="0"/>
-        <c:axPos val="l"/>
-        <c:majorGridlines/>
-        <c:numFmt formatCode="General" sourceLinked="1"/>
-        <c:majorTickMark val="out"/>
-        <c:minorTickMark val="none"/>
-        <c:tickLblPos val="nextTo"/>
-        <c:crossAx val="109193856"/>
+        <c:crossAx val="33148288"/>
         <c:crosses val="autoZero"/>
         <c:crossBetween val="between"/>
       </c:valAx>
@@ -1844,7 +1295,7 @@
             <a:fld id="{D27F0A6E-5B86-4EF6-83C5-0BD3A3DA83B6}" type="datetimeFigureOut">
               <a:rPr lang="fr-FR" smtClean="0"/>
               <a:pPr/>
-              <a:t>04/12/2014</a:t>
+              <a:t>11/12/2014</a:t>
             </a:fld>
             <a:endParaRPr lang="fr-FR"/>
           </a:p>
@@ -2256,7 +1707,7 @@
           <a:p>
             <a:fld id="{9412A1D1-8C66-446D-B3B3-A88879C385FA}" type="datetime1">
               <a:rPr lang="fr-FR" smtClean="0"/>
-              <a:t>04/12/2014</a:t>
+              <a:t>11/12/2014</a:t>
             </a:fld>
             <a:endParaRPr lang="fr-FR"/>
           </a:p>
@@ -2631,7 +2082,7 @@
           <a:p>
             <a:fld id="{C15501DB-A77A-4625-8395-F77309C61A1C}" type="datetime1">
               <a:rPr lang="fr-FR" smtClean="0"/>
-              <a:t>04/12/2014</a:t>
+              <a:t>11/12/2014</a:t>
             </a:fld>
             <a:endParaRPr lang="fr-FR"/>
           </a:p>
@@ -2811,7 +2262,7 @@
           <a:p>
             <a:fld id="{2D07BBF2-E29B-4A17-BF8B-44E90D04E049}" type="datetime1">
               <a:rPr lang="fr-FR" smtClean="0"/>
-              <a:t>04/12/2014</a:t>
+              <a:t>11/12/2014</a:t>
             </a:fld>
             <a:endParaRPr lang="fr-FR"/>
           </a:p>
@@ -3051,7 +2502,7 @@
           <a:p>
             <a:fld id="{0C40AECC-2940-437D-8FB9-83BEF197BECF}" type="datetime1">
               <a:rPr lang="fr-FR" smtClean="0"/>
-              <a:t>04/12/2014</a:t>
+              <a:t>11/12/2014</a:t>
             </a:fld>
             <a:endParaRPr lang="fr-FR"/>
           </a:p>
@@ -3341,7 +2792,7 @@
           <a:p>
             <a:fld id="{E0E26395-D0D1-468A-8B92-F7D75501F986}" type="datetime1">
               <a:rPr lang="fr-FR" smtClean="0"/>
-              <a:t>04/12/2014</a:t>
+              <a:t>11/12/2014</a:t>
             </a:fld>
             <a:endParaRPr lang="fr-FR"/>
           </a:p>
@@ -3577,7 +3028,7 @@
           <a:p>
             <a:fld id="{01276086-76D7-4EEB-97B2-1BB4CD304EF7}" type="datetime1">
               <a:rPr lang="fr-FR" smtClean="0"/>
-              <a:t>04/12/2014</a:t>
+              <a:t>11/12/2014</a:t>
             </a:fld>
             <a:endParaRPr lang="fr-FR"/>
           </a:p>
@@ -3934,7 +3385,7 @@
           <a:p>
             <a:fld id="{D5BE2650-7565-47DB-B507-A23AE880A393}" type="datetime1">
               <a:rPr lang="fr-FR" smtClean="0"/>
-              <a:t>04/12/2014</a:t>
+              <a:t>11/12/2014</a:t>
             </a:fld>
             <a:endParaRPr lang="fr-FR"/>
           </a:p>
@@ -4171,7 +3622,7 @@
           <a:p>
             <a:fld id="{9B5E0AE3-DD66-4999-A6EE-7F7C4179CE32}" type="datetime1">
               <a:rPr lang="fr-FR" smtClean="0"/>
-              <a:t>04/12/2014</a:t>
+              <a:t>11/12/2014</a:t>
             </a:fld>
             <a:endParaRPr lang="fr-FR"/>
           </a:p>
@@ -4316,7 +3767,7 @@
           <a:p>
             <a:fld id="{C1690454-7951-4068-B636-23098A1CD4E7}" type="datetime1">
               <a:rPr lang="fr-FR" smtClean="0"/>
-              <a:t>04/12/2014</a:t>
+              <a:t>11/12/2014</a:t>
             </a:fld>
             <a:endParaRPr lang="fr-FR"/>
           </a:p>
@@ -4598,7 +4049,7 @@
           <a:p>
             <a:fld id="{7E61C516-2415-400F-896D-A617517EFEE3}" type="datetime1">
               <a:rPr lang="fr-FR" smtClean="0"/>
-              <a:t>04/12/2014</a:t>
+              <a:t>11/12/2014</a:t>
             </a:fld>
             <a:endParaRPr lang="fr-FR"/>
           </a:p>
@@ -5010,7 +4461,7 @@
           <a:p>
             <a:fld id="{A8BB4EBE-0302-49B1-B944-C9B4EA9E2D04}" type="datetime1">
               <a:rPr lang="fr-FR" smtClean="0"/>
-              <a:t>04/12/2014</a:t>
+              <a:t>11/12/2014</a:t>
             </a:fld>
             <a:endParaRPr lang="fr-FR"/>
           </a:p>
@@ -5353,7 +4804,7 @@
           <a:p>
             <a:fld id="{C0484D32-8F09-4A1E-B4CB-EE9CAC92F4A6}" type="datetime1">
               <a:rPr lang="fr-FR" smtClean="0"/>
-              <a:t>04/12/2014</a:t>
+              <a:t>11/12/2014</a:t>
             </a:fld>
             <a:endParaRPr lang="fr-FR"/>
           </a:p>
@@ -6075,181 +5526,6 @@
         </p:nvSpPr>
         <p:spPr/>
         <p:txBody>
-          <a:bodyPr>
-            <a:normAutofit fontScale="90000"/>
-          </a:bodyPr>
-          <a:lstStyle/>
-          <a:p>
-            <a:r>
-              <a:rPr lang="fr-FR" dirty="0" smtClean="0"/>
-              <a:t>Les Classes Préparatoires aux </a:t>
-            </a:r>
-            <a:r>
-              <a:rPr lang="fr-FR" dirty="0"/>
-              <a:t>G</a:t>
-            </a:r>
-            <a:r>
-              <a:rPr lang="fr-FR" dirty="0" smtClean="0"/>
-              <a:t>randes Écoles</a:t>
-            </a:r>
-            <a:endParaRPr lang="fr-FR" dirty="0"/>
-          </a:p>
-        </p:txBody>
-      </p:sp>
-      <p:sp>
-        <p:nvSpPr>
-          <p:cNvPr id="3" name="Espace réservé du contenu 2"/>
-          <p:cNvSpPr>
-            <a:spLocks noGrp="1"/>
-          </p:cNvSpPr>
-          <p:nvPr>
-            <p:ph sz="quarter" idx="1"/>
-          </p:nvPr>
-        </p:nvSpPr>
-        <p:spPr/>
-        <p:txBody>
-          <a:bodyPr/>
-          <a:lstStyle/>
-          <a:p>
-            <a:r>
-              <a:rPr lang="fr-FR" dirty="0" smtClean="0"/>
-              <a:t>2 ans de formations (possibilité de redoubler la seconde année)</a:t>
-            </a:r>
-          </a:p>
-          <a:p>
-            <a:endParaRPr lang="fr-FR" dirty="0" smtClean="0"/>
-          </a:p>
-          <a:p>
-            <a:pPr lvl="1"/>
-            <a:r>
-              <a:rPr lang="fr-FR" dirty="0" smtClean="0"/>
-              <a:t>Préparation à des concours d’accès aux grandes écoles (épreuves écrites puis orales) </a:t>
-            </a:r>
-          </a:p>
-          <a:p>
-            <a:pPr lvl="1"/>
-            <a:r>
-              <a:rPr lang="fr-FR" dirty="0" smtClean="0"/>
-              <a:t>Validation de crédits ECTS</a:t>
-            </a:r>
-          </a:p>
-          <a:p>
-            <a:pPr lvl="1"/>
-            <a:endParaRPr lang="fr-FR" dirty="0"/>
-          </a:p>
-          <a:p>
-            <a:r>
-              <a:rPr lang="fr-FR" dirty="0" smtClean="0"/>
-              <a:t>3 à 4 ans de formation en école d’ingénieur</a:t>
-            </a:r>
-          </a:p>
-          <a:p>
-            <a:endParaRPr lang="fr-FR" dirty="0"/>
-          </a:p>
-          <a:p>
-            <a:r>
-              <a:rPr lang="fr-FR" dirty="0" smtClean="0"/>
-              <a:t>Éventuellement 3 ans de doctorat</a:t>
-            </a:r>
-          </a:p>
-        </p:txBody>
-      </p:sp>
-      <p:sp>
-        <p:nvSpPr>
-          <p:cNvPr id="5" name="Espace réservé du pied de page 4"/>
-          <p:cNvSpPr>
-            <a:spLocks noGrp="1"/>
-          </p:cNvSpPr>
-          <p:nvPr>
-            <p:ph type="ftr" sz="quarter" idx="11"/>
-          </p:nvPr>
-        </p:nvSpPr>
-        <p:spPr/>
-        <p:txBody>
-          <a:bodyPr/>
-          <a:lstStyle/>
-          <a:p>
-            <a:r>
-              <a:rPr lang="fr-FR" smtClean="0"/>
-              <a:t>Présentation des CPGE - Institution Sainte-Marie - 15/12/2014</a:t>
-            </a:r>
-            <a:endParaRPr lang="fr-FR"/>
-          </a:p>
-        </p:txBody>
-      </p:sp>
-      <p:sp>
-        <p:nvSpPr>
-          <p:cNvPr id="6" name="Espace réservé du numéro de diapositive 5"/>
-          <p:cNvSpPr>
-            <a:spLocks noGrp="1"/>
-          </p:cNvSpPr>
-          <p:nvPr>
-            <p:ph type="sldNum" sz="quarter" idx="12"/>
-          </p:nvPr>
-        </p:nvSpPr>
-        <p:spPr/>
-        <p:txBody>
-          <a:bodyPr/>
-          <a:lstStyle/>
-          <a:p>
-            <a:fld id="{1CBB6DF8-B4DD-4E80-A138-72D154BCFFEE}" type="slidenum">
-              <a:rPr lang="fr-FR" smtClean="0"/>
-              <a:pPr/>
-              <a:t>10</a:t>
-            </a:fld>
-            <a:endParaRPr lang="fr-FR"/>
-          </a:p>
-        </p:txBody>
-      </p:sp>
-    </p:spTree>
-    <p:extLst>
-      <p:ext uri="{BB962C8B-B14F-4D97-AF65-F5344CB8AC3E}">
-        <p14:creationId xmlns:p14="http://schemas.microsoft.com/office/powerpoint/2010/main" val="254375803"/>
-      </p:ext>
-    </p:extLst>
-  </p:cSld>
-  <p:clrMapOvr>
-    <a:masterClrMapping/>
-  </p:clrMapOvr>
-  <p:timing>
-    <p:tnLst>
-      <p:par>
-        <p:cTn id="1" dur="indefinite" restart="never" nodeType="tmRoot"/>
-      </p:par>
-    </p:tnLst>
-  </p:timing>
-</p:sld>
-</file>
-
-<file path=ppt/slides/slide11.xml><?xml version="1.0" encoding="utf-8"?>
-<p:sld xmlns:a="http://schemas.openxmlformats.org/drawingml/2006/main" xmlns:r="http://schemas.openxmlformats.org/officeDocument/2006/relationships" xmlns:p="http://schemas.openxmlformats.org/presentationml/2006/main">
-  <p:cSld>
-    <p:spTree>
-      <p:nvGrpSpPr>
-        <p:cNvPr id="1" name=""/>
-        <p:cNvGrpSpPr/>
-        <p:nvPr/>
-      </p:nvGrpSpPr>
-      <p:grpSpPr>
-        <a:xfrm>
-          <a:off x="0" y="0"/>
-          <a:ext cx="0" cy="0"/>
-          <a:chOff x="0" y="0"/>
-          <a:chExt cx="0" cy="0"/>
-        </a:xfrm>
-      </p:grpSpPr>
-      <p:sp>
-        <p:nvSpPr>
-          <p:cNvPr id="2" name="Titre 1"/>
-          <p:cNvSpPr>
-            <a:spLocks noGrp="1"/>
-          </p:cNvSpPr>
-          <p:nvPr>
-            <p:ph type="title"/>
-          </p:nvPr>
-        </p:nvSpPr>
-        <p:spPr/>
-        <p:txBody>
           <a:bodyPr/>
           <a:lstStyle/>
           <a:p>
@@ -7443,7 +6719,7 @@
             <a:fld id="{1CBB6DF8-B4DD-4E80-A138-72D154BCFFEE}" type="slidenum">
               <a:rPr lang="fr-FR" smtClean="0"/>
               <a:pPr/>
-              <a:t>11</a:t>
+              <a:t>10</a:t>
             </a:fld>
             <a:endParaRPr lang="fr-FR"/>
           </a:p>
@@ -7459,6 +6735,133 @@
   <p:clrMapOvr>
     <a:masterClrMapping/>
   </p:clrMapOvr>
+  <p:timing>
+    <p:tnLst>
+      <p:par>
+        <p:cTn id="1" dur="indefinite" restart="never" nodeType="tmRoot"/>
+      </p:par>
+    </p:tnLst>
+  </p:timing>
+</p:sld>
+</file>
+
+<file path=ppt/slides/slide11.xml><?xml version="1.0" encoding="utf-8"?>
+<p:sld xmlns:a="http://schemas.openxmlformats.org/drawingml/2006/main" xmlns:r="http://schemas.openxmlformats.org/officeDocument/2006/relationships" xmlns:p="http://schemas.openxmlformats.org/presentationml/2006/main">
+  <p:cSld>
+    <p:spTree>
+      <p:nvGrpSpPr>
+        <p:cNvPr id="1" name=""/>
+        <p:cNvGrpSpPr/>
+        <p:nvPr/>
+      </p:nvGrpSpPr>
+      <p:grpSpPr>
+        <a:xfrm>
+          <a:off x="0" y="0"/>
+          <a:ext cx="0" cy="0"/>
+          <a:chOff x="0" y="0"/>
+          <a:chExt cx="0" cy="0"/>
+        </a:xfrm>
+      </p:grpSpPr>
+      <p:sp>
+        <p:nvSpPr>
+          <p:cNvPr id="4" name="Titre 3"/>
+          <p:cNvSpPr>
+            <a:spLocks noGrp="1"/>
+          </p:cNvSpPr>
+          <p:nvPr>
+            <p:ph type="title"/>
+          </p:nvPr>
+        </p:nvSpPr>
+        <p:spPr/>
+        <p:txBody>
+          <a:bodyPr/>
+          <a:lstStyle/>
+          <a:p>
+            <a:r>
+              <a:rPr lang="fr-FR" dirty="0" smtClean="0"/>
+              <a:t>Les différentes CPGE Scientifiques</a:t>
+            </a:r>
+            <a:endParaRPr lang="fr-FR" dirty="0"/>
+          </a:p>
+        </p:txBody>
+      </p:sp>
+      <p:sp>
+        <p:nvSpPr>
+          <p:cNvPr id="5" name="Espace réservé du texte 4"/>
+          <p:cNvSpPr>
+            <a:spLocks noGrp="1"/>
+          </p:cNvSpPr>
+          <p:nvPr>
+            <p:ph type="body" idx="1"/>
+          </p:nvPr>
+        </p:nvSpPr>
+        <p:spPr/>
+        <p:txBody>
+          <a:bodyPr/>
+          <a:lstStyle/>
+          <a:p>
+            <a:endParaRPr lang="fr-FR"/>
+          </a:p>
+        </p:txBody>
+      </p:sp>
+      <p:sp>
+        <p:nvSpPr>
+          <p:cNvPr id="3" name="Espace réservé du pied de page 2"/>
+          <p:cNvSpPr>
+            <a:spLocks noGrp="1"/>
+          </p:cNvSpPr>
+          <p:nvPr>
+            <p:ph type="ftr" sz="quarter" idx="11"/>
+          </p:nvPr>
+        </p:nvSpPr>
+        <p:spPr/>
+        <p:txBody>
+          <a:bodyPr/>
+          <a:lstStyle/>
+          <a:p>
+            <a:r>
+              <a:rPr lang="fr-FR" smtClean="0"/>
+              <a:t>Présentation des CPGE - Institution Sainte-Marie - 15/12/2014</a:t>
+            </a:r>
+            <a:endParaRPr lang="fr-FR"/>
+          </a:p>
+        </p:txBody>
+      </p:sp>
+      <p:sp>
+        <p:nvSpPr>
+          <p:cNvPr id="2" name="Espace réservé du numéro de diapositive 1"/>
+          <p:cNvSpPr>
+            <a:spLocks noGrp="1"/>
+          </p:cNvSpPr>
+          <p:nvPr>
+            <p:ph type="sldNum" sz="quarter" idx="12"/>
+          </p:nvPr>
+        </p:nvSpPr>
+        <p:spPr/>
+        <p:txBody>
+          <a:bodyPr/>
+          <a:lstStyle/>
+          <a:p>
+            <a:fld id="{1CBB6DF8-B4DD-4E80-A138-72D154BCFFEE}" type="slidenum">
+              <a:rPr lang="fr-FR" smtClean="0"/>
+              <a:pPr/>
+              <a:t>11</a:t>
+            </a:fld>
+            <a:endParaRPr lang="fr-FR"/>
+          </a:p>
+        </p:txBody>
+      </p:sp>
+    </p:spTree>
+    <p:extLst>
+      <p:ext uri="{BB962C8B-B14F-4D97-AF65-F5344CB8AC3E}">
+        <p14:creationId xmlns:p14="http://schemas.microsoft.com/office/powerpoint/2010/main" val="3625453991"/>
+      </p:ext>
+    </p:extLst>
+  </p:cSld>
+  <p:clrMapOvr>
+    <a:masterClrMapping/>
+  </p:clrMapOvr>
+  <p:transition spd="slow"/>
   <p:timing>
     <p:tnLst>
       <p:par>
@@ -7488,7 +6891,7 @@
       </p:grpSpPr>
       <p:sp>
         <p:nvSpPr>
-          <p:cNvPr id="4" name="Titre 3"/>
+          <p:cNvPr id="7" name="Titre 6"/>
           <p:cNvSpPr>
             <a:spLocks noGrp="1"/>
           </p:cNvSpPr>
@@ -7498,12 +6901,14 @@
         </p:nvSpPr>
         <p:spPr/>
         <p:txBody>
-          <a:bodyPr/>
+          <a:bodyPr>
+            <a:normAutofit/>
+          </a:bodyPr>
           <a:lstStyle/>
           <a:p>
             <a:r>
               <a:rPr lang="fr-FR" dirty="0" smtClean="0"/>
-              <a:t>Les différentes CPGE Scientifiques</a:t>
+              <a:t>Les différentes CPGE scientifiques</a:t>
             </a:r>
             <a:endParaRPr lang="fr-FR" dirty="0"/>
           </a:p>
@@ -7511,26 +6916,7 @@
       </p:sp>
       <p:sp>
         <p:nvSpPr>
-          <p:cNvPr id="5" name="Espace réservé du texte 4"/>
-          <p:cNvSpPr>
-            <a:spLocks noGrp="1"/>
-          </p:cNvSpPr>
-          <p:nvPr>
-            <p:ph type="body" idx="1"/>
-          </p:nvPr>
-        </p:nvSpPr>
-        <p:spPr/>
-        <p:txBody>
-          <a:bodyPr/>
-          <a:lstStyle/>
-          <a:p>
-            <a:endParaRPr lang="fr-FR"/>
-          </a:p>
-        </p:txBody>
-      </p:sp>
-      <p:sp>
-        <p:nvSpPr>
-          <p:cNvPr id="3" name="Espace réservé du pied de page 2"/>
+          <p:cNvPr id="4" name="Espace réservé du pied de page 3"/>
           <p:cNvSpPr>
             <a:spLocks noGrp="1"/>
           </p:cNvSpPr>
@@ -7553,7 +6939,7 @@
       </p:sp>
       <p:sp>
         <p:nvSpPr>
-          <p:cNvPr id="2" name="Espace réservé du numéro de diapositive 1"/>
+          <p:cNvPr id="5" name="Espace réservé du numéro de diapositive 4"/>
           <p:cNvSpPr>
             <a:spLocks noGrp="1"/>
           </p:cNvSpPr>
@@ -7570,116 +6956,6 @@
               <a:rPr lang="fr-FR" smtClean="0"/>
               <a:pPr/>
               <a:t>12</a:t>
-            </a:fld>
-            <a:endParaRPr lang="fr-FR"/>
-          </a:p>
-        </p:txBody>
-      </p:sp>
-    </p:spTree>
-    <p:extLst>
-      <p:ext uri="{BB962C8B-B14F-4D97-AF65-F5344CB8AC3E}">
-        <p14:creationId xmlns:p14="http://schemas.microsoft.com/office/powerpoint/2010/main" val="3625453991"/>
-      </p:ext>
-    </p:extLst>
-  </p:cSld>
-  <p:clrMapOvr>
-    <a:masterClrMapping/>
-  </p:clrMapOvr>
-  <p:transition spd="slow"/>
-  <p:timing>
-    <p:tnLst>
-      <p:par>
-        <p:cTn id="1" dur="indefinite" restart="never" nodeType="tmRoot"/>
-      </p:par>
-    </p:tnLst>
-  </p:timing>
-</p:sld>
-</file>
-
-<file path=ppt/slides/slide13.xml><?xml version="1.0" encoding="utf-8"?>
-<p:sld xmlns:a="http://schemas.openxmlformats.org/drawingml/2006/main" xmlns:r="http://schemas.openxmlformats.org/officeDocument/2006/relationships" xmlns:p="http://schemas.openxmlformats.org/presentationml/2006/main">
-  <p:cSld>
-    <p:spTree>
-      <p:nvGrpSpPr>
-        <p:cNvPr id="1" name=""/>
-        <p:cNvGrpSpPr/>
-        <p:nvPr/>
-      </p:nvGrpSpPr>
-      <p:grpSpPr>
-        <a:xfrm>
-          <a:off x="0" y="0"/>
-          <a:ext cx="0" cy="0"/>
-          <a:chOff x="0" y="0"/>
-          <a:chExt cx="0" cy="0"/>
-        </a:xfrm>
-      </p:grpSpPr>
-      <p:sp>
-        <p:nvSpPr>
-          <p:cNvPr id="7" name="Titre 6"/>
-          <p:cNvSpPr>
-            <a:spLocks noGrp="1"/>
-          </p:cNvSpPr>
-          <p:nvPr>
-            <p:ph type="title"/>
-          </p:nvPr>
-        </p:nvSpPr>
-        <p:spPr/>
-        <p:txBody>
-          <a:bodyPr>
-            <a:normAutofit/>
-          </a:bodyPr>
-          <a:lstStyle/>
-          <a:p>
-            <a:r>
-              <a:rPr lang="fr-FR" dirty="0" smtClean="0"/>
-              <a:t>Les différentes CPGE scientifiques</a:t>
-            </a:r>
-            <a:endParaRPr lang="fr-FR" dirty="0"/>
-          </a:p>
-        </p:txBody>
-      </p:sp>
-      <p:sp>
-        <p:nvSpPr>
-          <p:cNvPr id="4" name="Espace réservé du pied de page 3"/>
-          <p:cNvSpPr>
-            <a:spLocks noGrp="1"/>
-          </p:cNvSpPr>
-          <p:nvPr>
-            <p:ph type="ftr" sz="quarter" idx="11"/>
-          </p:nvPr>
-        </p:nvSpPr>
-        <p:spPr/>
-        <p:txBody>
-          <a:bodyPr/>
-          <a:lstStyle/>
-          <a:p>
-            <a:r>
-              <a:rPr lang="fr-FR" smtClean="0"/>
-              <a:t>Présentation des CPGE - Institution Sainte-Marie - 15/12/2014</a:t>
-            </a:r>
-            <a:endParaRPr lang="fr-FR"/>
-          </a:p>
-        </p:txBody>
-      </p:sp>
-      <p:sp>
-        <p:nvSpPr>
-          <p:cNvPr id="5" name="Espace réservé du numéro de diapositive 4"/>
-          <p:cNvSpPr>
-            <a:spLocks noGrp="1"/>
-          </p:cNvSpPr>
-          <p:nvPr>
-            <p:ph type="sldNum" sz="quarter" idx="12"/>
-          </p:nvPr>
-        </p:nvSpPr>
-        <p:spPr/>
-        <p:txBody>
-          <a:bodyPr/>
-          <a:lstStyle/>
-          <a:p>
-            <a:fld id="{1CBB6DF8-B4DD-4E80-A138-72D154BCFFEE}" type="slidenum">
-              <a:rPr lang="fr-FR" smtClean="0"/>
-              <a:pPr/>
-              <a:t>13</a:t>
             </a:fld>
             <a:endParaRPr lang="fr-FR"/>
           </a:p>
@@ -7970,6 +7246,141 @@
 </p:sld>
 </file>
 
+<file path=ppt/slides/slide13.xml><?xml version="1.0" encoding="utf-8"?>
+<p:sld xmlns:a="http://schemas.openxmlformats.org/drawingml/2006/main" xmlns:r="http://schemas.openxmlformats.org/officeDocument/2006/relationships" xmlns:p="http://schemas.openxmlformats.org/presentationml/2006/main">
+  <p:cSld>
+    <p:spTree>
+      <p:nvGrpSpPr>
+        <p:cNvPr id="1" name=""/>
+        <p:cNvGrpSpPr/>
+        <p:nvPr/>
+      </p:nvGrpSpPr>
+      <p:grpSpPr>
+        <a:xfrm>
+          <a:off x="0" y="0"/>
+          <a:ext cx="0" cy="0"/>
+          <a:chOff x="0" y="0"/>
+          <a:chExt cx="0" cy="0"/>
+        </a:xfrm>
+      </p:grpSpPr>
+      <p:sp>
+        <p:nvSpPr>
+          <p:cNvPr id="2" name="Titre 1"/>
+          <p:cNvSpPr>
+            <a:spLocks noGrp="1"/>
+          </p:cNvSpPr>
+          <p:nvPr>
+            <p:ph type="title"/>
+          </p:nvPr>
+        </p:nvSpPr>
+        <p:spPr/>
+        <p:txBody>
+          <a:bodyPr>
+            <a:normAutofit/>
+          </a:bodyPr>
+          <a:lstStyle/>
+          <a:p>
+            <a:r>
+              <a:rPr lang="fr-FR" dirty="0" smtClean="0"/>
+              <a:t>PTSI – PT</a:t>
+            </a:r>
+            <a:endParaRPr lang="fr-FR" dirty="0"/>
+          </a:p>
+        </p:txBody>
+      </p:sp>
+      <p:graphicFrame>
+        <p:nvGraphicFramePr>
+          <p:cNvPr id="4" name="Espace réservé du contenu 3"/>
+          <p:cNvGraphicFramePr>
+            <a:graphicFrameLocks noGrp="1"/>
+          </p:cNvGraphicFramePr>
+          <p:nvPr>
+            <p:ph sz="quarter" idx="1"/>
+            <p:extLst>
+              <p:ext uri="{D42A27DB-BD31-4B8C-83A1-F6EECF244321}">
+                <p14:modId xmlns:p14="http://schemas.microsoft.com/office/powerpoint/2010/main" val="248296591"/>
+              </p:ext>
+            </p:extLst>
+          </p:nvPr>
+        </p:nvGraphicFramePr>
+        <p:xfrm>
+          <a:off x="457200" y="1219201"/>
+          <a:ext cx="8075240" cy="4730079"/>
+        </p:xfrm>
+        <a:graphic>
+          <a:graphicData uri="http://schemas.openxmlformats.org/drawingml/2006/chart">
+            <c:chart xmlns:c="http://schemas.openxmlformats.org/drawingml/2006/chart" xmlns:r="http://schemas.openxmlformats.org/officeDocument/2006/relationships" r:id="rId2"/>
+          </a:graphicData>
+        </a:graphic>
+      </p:graphicFrame>
+      <p:sp>
+        <p:nvSpPr>
+          <p:cNvPr id="5" name="Espace réservé du pied de page 4"/>
+          <p:cNvSpPr>
+            <a:spLocks noGrp="1"/>
+          </p:cNvSpPr>
+          <p:nvPr>
+            <p:ph type="ftr" sz="quarter" idx="11"/>
+          </p:nvPr>
+        </p:nvSpPr>
+        <p:spPr/>
+        <p:txBody>
+          <a:bodyPr/>
+          <a:lstStyle/>
+          <a:p>
+            <a:r>
+              <a:rPr lang="fr-FR" smtClean="0"/>
+              <a:t>Présentation des CPGE - Institution Sainte-Marie - 15/12/2014</a:t>
+            </a:r>
+            <a:endParaRPr lang="fr-FR"/>
+          </a:p>
+        </p:txBody>
+      </p:sp>
+      <p:sp>
+        <p:nvSpPr>
+          <p:cNvPr id="6" name="Espace réservé du numéro de diapositive 5"/>
+          <p:cNvSpPr>
+            <a:spLocks noGrp="1"/>
+          </p:cNvSpPr>
+          <p:nvPr>
+            <p:ph type="sldNum" sz="quarter" idx="12"/>
+          </p:nvPr>
+        </p:nvSpPr>
+        <p:spPr/>
+        <p:txBody>
+          <a:bodyPr/>
+          <a:lstStyle/>
+          <a:p>
+            <a:fld id="{1CBB6DF8-B4DD-4E80-A138-72D154BCFFEE}" type="slidenum">
+              <a:rPr lang="fr-FR" smtClean="0"/>
+              <a:pPr/>
+              <a:t>13</a:t>
+            </a:fld>
+            <a:endParaRPr lang="fr-FR"/>
+          </a:p>
+        </p:txBody>
+      </p:sp>
+    </p:spTree>
+    <p:extLst>
+      <p:ext uri="{BB962C8B-B14F-4D97-AF65-F5344CB8AC3E}">
+        <p14:creationId xmlns:p14="http://schemas.microsoft.com/office/powerpoint/2010/main" val="2876686551"/>
+      </p:ext>
+    </p:extLst>
+  </p:cSld>
+  <p:clrMapOvr>
+    <a:masterClrMapping/>
+  </p:clrMapOvr>
+  <p:transition spd="slow"/>
+  <p:timing>
+    <p:tnLst>
+      <p:par>
+        <p:cTn id="1" dur="indefinite" restart="never" nodeType="tmRoot"/>
+      </p:par>
+    </p:tnLst>
+  </p:timing>
+</p:sld>
+</file>
+
 <file path=ppt/slides/slide14.xml><?xml version="1.0" encoding="utf-8"?>
 <p:sld xmlns:a="http://schemas.openxmlformats.org/drawingml/2006/main" xmlns:r="http://schemas.openxmlformats.org/officeDocument/2006/relationships" xmlns:p="http://schemas.openxmlformats.org/presentationml/2006/main">
   <p:cSld>
@@ -8006,7 +7417,7 @@
           <a:p>
             <a:r>
               <a:rPr lang="fr-FR" dirty="0" smtClean="0"/>
-              <a:t>PTSI – PT</a:t>
+              <a:t>PCSI – PC </a:t>
             </a:r>
             <a:endParaRPr lang="fr-FR" dirty="0"/>
           </a:p>
@@ -8022,7 +7433,7 @@
             <p:ph sz="quarter" idx="1"/>
             <p:extLst>
               <p:ext uri="{D42A27DB-BD31-4B8C-83A1-F6EECF244321}">
-                <p14:modId xmlns:p14="http://schemas.microsoft.com/office/powerpoint/2010/main" val="248296591"/>
+                <p14:modId xmlns:p14="http://schemas.microsoft.com/office/powerpoint/2010/main" val="2225978901"/>
               </p:ext>
             </p:extLst>
           </p:nvPr>
@@ -8087,7 +7498,7 @@
     </p:spTree>
     <p:extLst>
       <p:ext uri="{BB962C8B-B14F-4D97-AF65-F5344CB8AC3E}">
-        <p14:creationId xmlns:p14="http://schemas.microsoft.com/office/powerpoint/2010/main" val="2876686551"/>
+        <p14:creationId xmlns:p14="http://schemas.microsoft.com/office/powerpoint/2010/main" val="3927707649"/>
       </p:ext>
     </p:extLst>
   </p:cSld>
@@ -8141,7 +7552,7 @@
           <a:p>
             <a:r>
               <a:rPr lang="fr-FR" dirty="0" smtClean="0"/>
-              <a:t>PCSI – PC </a:t>
+              <a:t>MPSI – MP </a:t>
             </a:r>
             <a:endParaRPr lang="fr-FR" dirty="0"/>
           </a:p>
@@ -8157,7 +7568,7 @@
             <p:ph sz="quarter" idx="1"/>
             <p:extLst>
               <p:ext uri="{D42A27DB-BD31-4B8C-83A1-F6EECF244321}">
-                <p14:modId xmlns:p14="http://schemas.microsoft.com/office/powerpoint/2010/main" val="2225978901"/>
+                <p14:modId xmlns:p14="http://schemas.microsoft.com/office/powerpoint/2010/main" val="1194340047"/>
               </p:ext>
             </p:extLst>
           </p:nvPr>
@@ -8222,7 +7633,7 @@
     </p:spTree>
     <p:extLst>
       <p:ext uri="{BB962C8B-B14F-4D97-AF65-F5344CB8AC3E}">
-        <p14:creationId xmlns:p14="http://schemas.microsoft.com/office/powerpoint/2010/main" val="3927707649"/>
+        <p14:creationId xmlns:p14="http://schemas.microsoft.com/office/powerpoint/2010/main" val="3024119915"/>
       </p:ext>
     </p:extLst>
   </p:cSld>
@@ -8269,37 +7680,81 @@
         </p:nvSpPr>
         <p:spPr/>
         <p:txBody>
-          <a:bodyPr>
-            <a:normAutofit/>
-          </a:bodyPr>
+          <a:bodyPr/>
           <a:lstStyle/>
           <a:p>
             <a:r>
               <a:rPr lang="fr-FR" dirty="0" smtClean="0"/>
-              <a:t>MPSI – MP </a:t>
+              <a:t>Bilan comparatif</a:t>
             </a:r>
             <a:endParaRPr lang="fr-FR" dirty="0"/>
+          </a:p>
+        </p:txBody>
+      </p:sp>
+      <p:sp>
+        <p:nvSpPr>
+          <p:cNvPr id="3" name="Espace réservé du pied de page 2"/>
+          <p:cNvSpPr>
+            <a:spLocks noGrp="1"/>
+          </p:cNvSpPr>
+          <p:nvPr>
+            <p:ph type="ftr" sz="quarter" idx="11"/>
+          </p:nvPr>
+        </p:nvSpPr>
+        <p:spPr/>
+        <p:txBody>
+          <a:bodyPr/>
+          <a:lstStyle/>
+          <a:p>
+            <a:r>
+              <a:rPr lang="fr-FR" smtClean="0"/>
+              <a:t>Présentation des CPGE - Institution Sainte-Marie - 15/12/2014</a:t>
+            </a:r>
+            <a:endParaRPr lang="fr-FR" dirty="0"/>
+          </a:p>
+        </p:txBody>
+      </p:sp>
+      <p:sp>
+        <p:nvSpPr>
+          <p:cNvPr id="4" name="Espace réservé du numéro de diapositive 3"/>
+          <p:cNvSpPr>
+            <a:spLocks noGrp="1"/>
+          </p:cNvSpPr>
+          <p:nvPr>
+            <p:ph type="sldNum" sz="quarter" idx="12"/>
+          </p:nvPr>
+        </p:nvSpPr>
+        <p:spPr/>
+        <p:txBody>
+          <a:bodyPr/>
+          <a:lstStyle/>
+          <a:p>
+            <a:fld id="{1CBB6DF8-B4DD-4E80-A138-72D154BCFFEE}" type="slidenum">
+              <a:rPr lang="fr-FR" smtClean="0"/>
+              <a:pPr/>
+              <a:t>16</a:t>
+            </a:fld>
+            <a:endParaRPr lang="fr-FR"/>
           </a:p>
         </p:txBody>
       </p:sp>
       <p:graphicFrame>
         <p:nvGraphicFramePr>
-          <p:cNvPr id="4" name="Espace réservé du contenu 3"/>
+          <p:cNvPr id="6" name="Espace réservé du contenu 3"/>
           <p:cNvGraphicFramePr>
-            <a:graphicFrameLocks noGrp="1"/>
+            <a:graphicFrameLocks/>
           </p:cNvGraphicFramePr>
           <p:nvPr>
-            <p:ph sz="quarter" idx="1"/>
             <p:extLst>
               <p:ext uri="{D42A27DB-BD31-4B8C-83A1-F6EECF244321}">
-                <p14:modId xmlns:p14="http://schemas.microsoft.com/office/powerpoint/2010/main" val="1194340047"/>
+                <p14:modId xmlns:p14="http://schemas.microsoft.com/office/powerpoint/2010/main" val="3930054340"/>
               </p:ext>
             </p:extLst>
           </p:nvPr>
         </p:nvGraphicFramePr>
         <p:xfrm>
-          <a:off x="457200" y="1219201"/>
-          <a:ext cx="8075240" cy="4730079"/>
+          <a:off x="971600" y="1268760"/>
+          <a:ext cx="3528392" cy="2448272"/>
         </p:xfrm>
         <a:graphic>
           <a:graphicData uri="http://schemas.openxmlformats.org/drawingml/2006/chart">
@@ -8307,71 +7762,65 @@
           </a:graphicData>
         </a:graphic>
       </p:graphicFrame>
-      <p:sp>
-        <p:nvSpPr>
-          <p:cNvPr id="5" name="Espace réservé du pied de page 4"/>
-          <p:cNvSpPr>
-            <a:spLocks noGrp="1"/>
-          </p:cNvSpPr>
-          <p:nvPr>
-            <p:ph type="ftr" sz="quarter" idx="11"/>
-          </p:nvPr>
-        </p:nvSpPr>
-        <p:spPr/>
-        <p:txBody>
-          <a:bodyPr/>
-          <a:lstStyle/>
-          <a:p>
-            <a:r>
-              <a:rPr lang="fr-FR" smtClean="0"/>
-              <a:t>Présentation des CPGE - Institution Sainte-Marie - 15/12/2014</a:t>
-            </a:r>
-            <a:endParaRPr lang="fr-FR"/>
-          </a:p>
-        </p:txBody>
-      </p:sp>
-      <p:sp>
-        <p:nvSpPr>
-          <p:cNvPr id="6" name="Espace réservé du numéro de diapositive 5"/>
-          <p:cNvSpPr>
-            <a:spLocks noGrp="1"/>
-          </p:cNvSpPr>
-          <p:nvPr>
-            <p:ph type="sldNum" sz="quarter" idx="12"/>
-          </p:nvPr>
-        </p:nvSpPr>
-        <p:spPr/>
-        <p:txBody>
-          <a:bodyPr/>
-          <a:lstStyle/>
-          <a:p>
-            <a:fld id="{1CBB6DF8-B4DD-4E80-A138-72D154BCFFEE}" type="slidenum">
-              <a:rPr lang="fr-FR" smtClean="0"/>
-              <a:pPr/>
-              <a:t>16</a:t>
-            </a:fld>
-            <a:endParaRPr lang="fr-FR"/>
-          </a:p>
-        </p:txBody>
-      </p:sp>
+      <p:graphicFrame>
+        <p:nvGraphicFramePr>
+          <p:cNvPr id="7" name="Espace réservé du contenu 3"/>
+          <p:cNvGraphicFramePr>
+            <a:graphicFrameLocks/>
+          </p:cNvGraphicFramePr>
+          <p:nvPr>
+            <p:extLst>
+              <p:ext uri="{D42A27DB-BD31-4B8C-83A1-F6EECF244321}">
+                <p14:modId xmlns:p14="http://schemas.microsoft.com/office/powerpoint/2010/main" val="607418616"/>
+              </p:ext>
+            </p:extLst>
+          </p:nvPr>
+        </p:nvGraphicFramePr>
+        <p:xfrm>
+          <a:off x="4572000" y="1268760"/>
+          <a:ext cx="3600400" cy="2448272"/>
+        </p:xfrm>
+        <a:graphic>
+          <a:graphicData uri="http://schemas.openxmlformats.org/drawingml/2006/chart">
+            <c:chart xmlns:c="http://schemas.openxmlformats.org/drawingml/2006/chart" xmlns:r="http://schemas.openxmlformats.org/officeDocument/2006/relationships" r:id="rId3"/>
+          </a:graphicData>
+        </a:graphic>
+      </p:graphicFrame>
+      <p:graphicFrame>
+        <p:nvGraphicFramePr>
+          <p:cNvPr id="8" name="Espace réservé du contenu 3"/>
+          <p:cNvGraphicFramePr>
+            <a:graphicFrameLocks noGrp="1"/>
+          </p:cNvGraphicFramePr>
+          <p:nvPr>
+            <p:ph sz="quarter" idx="1"/>
+            <p:extLst>
+              <p:ext uri="{D42A27DB-BD31-4B8C-83A1-F6EECF244321}">
+                <p14:modId xmlns:p14="http://schemas.microsoft.com/office/powerpoint/2010/main" val="440460321"/>
+              </p:ext>
+            </p:extLst>
+          </p:nvPr>
+        </p:nvGraphicFramePr>
+        <p:xfrm>
+          <a:off x="2555776" y="3717032"/>
+          <a:ext cx="3528392" cy="2592288"/>
+        </p:xfrm>
+        <a:graphic>
+          <a:graphicData uri="http://schemas.openxmlformats.org/drawingml/2006/chart">
+            <c:chart xmlns:c="http://schemas.openxmlformats.org/drawingml/2006/chart" xmlns:r="http://schemas.openxmlformats.org/officeDocument/2006/relationships" r:id="rId4"/>
+          </a:graphicData>
+        </a:graphic>
+      </p:graphicFrame>
     </p:spTree>
     <p:extLst>
       <p:ext uri="{BB962C8B-B14F-4D97-AF65-F5344CB8AC3E}">
-        <p14:creationId xmlns:p14="http://schemas.microsoft.com/office/powerpoint/2010/main" val="3024119915"/>
+        <p14:creationId xmlns:p14="http://schemas.microsoft.com/office/powerpoint/2010/main" val="2784981509"/>
       </p:ext>
     </p:extLst>
   </p:cSld>
   <p:clrMapOvr>
     <a:masterClrMapping/>
   </p:clrMapOvr>
-  <p:transition spd="slow"/>
-  <p:timing>
-    <p:tnLst>
-      <p:par>
-        <p:cTn id="1" dur="indefinite" restart="never" nodeType="tmRoot"/>
-      </p:par>
-    </p:tnLst>
-  </p:timing>
 </p:sld>
 </file>
 
@@ -8394,7 +7843,7 @@
       </p:grpSpPr>
       <p:sp>
         <p:nvSpPr>
-          <p:cNvPr id="2" name="Titre 1"/>
+          <p:cNvPr id="4" name="Titre 3"/>
           <p:cNvSpPr>
             <a:spLocks noGrp="1"/>
           </p:cNvSpPr>
@@ -8404,47 +7853,39 @@
         </p:nvSpPr>
         <p:spPr/>
         <p:txBody>
-          <a:bodyPr>
-            <a:normAutofit/>
-          </a:bodyPr>
+          <a:bodyPr/>
           <a:lstStyle/>
           <a:p>
             <a:r>
               <a:rPr lang="fr-FR" dirty="0" smtClean="0"/>
-              <a:t>BCPST</a:t>
+              <a:t>Les spécificités des CPGE</a:t>
             </a:r>
             <a:endParaRPr lang="fr-FR" dirty="0"/>
           </a:p>
         </p:txBody>
       </p:sp>
-      <p:graphicFrame>
-        <p:nvGraphicFramePr>
-          <p:cNvPr id="4" name="Espace réservé du contenu 3"/>
-          <p:cNvGraphicFramePr>
-            <a:graphicFrameLocks noGrp="1"/>
-          </p:cNvGraphicFramePr>
-          <p:nvPr>
-            <p:ph sz="quarter" idx="1"/>
-            <p:extLst>
-              <p:ext uri="{D42A27DB-BD31-4B8C-83A1-F6EECF244321}">
-                <p14:modId xmlns:p14="http://schemas.microsoft.com/office/powerpoint/2010/main" val="2560467522"/>
-              </p:ext>
-            </p:extLst>
-          </p:nvPr>
-        </p:nvGraphicFramePr>
-        <p:xfrm>
-          <a:off x="457200" y="1219201"/>
-          <a:ext cx="8075240" cy="4730079"/>
-        </p:xfrm>
-        <a:graphic>
-          <a:graphicData uri="http://schemas.openxmlformats.org/drawingml/2006/chart">
-            <c:chart xmlns:c="http://schemas.openxmlformats.org/drawingml/2006/chart" xmlns:r="http://schemas.openxmlformats.org/officeDocument/2006/relationships" r:id="rId2"/>
-          </a:graphicData>
-        </a:graphic>
-      </p:graphicFrame>
-      <p:sp>
-        <p:nvSpPr>
-          <p:cNvPr id="5" name="Espace réservé du pied de page 4"/>
+      <p:sp>
+        <p:nvSpPr>
+          <p:cNvPr id="5" name="Espace réservé du texte 4"/>
+          <p:cNvSpPr>
+            <a:spLocks noGrp="1"/>
+          </p:cNvSpPr>
+          <p:nvPr>
+            <p:ph type="body" idx="1"/>
+          </p:nvPr>
+        </p:nvSpPr>
+        <p:spPr/>
+        <p:txBody>
+          <a:bodyPr/>
+          <a:lstStyle/>
+          <a:p>
+            <a:endParaRPr lang="fr-FR"/>
+          </a:p>
+        </p:txBody>
+      </p:sp>
+      <p:sp>
+        <p:nvSpPr>
+          <p:cNvPr id="3" name="Espace réservé du pied de page 2"/>
           <p:cNvSpPr>
             <a:spLocks noGrp="1"/>
           </p:cNvSpPr>
@@ -8467,7 +7908,7 @@
       </p:sp>
       <p:sp>
         <p:nvSpPr>
-          <p:cNvPr id="6" name="Espace réservé du numéro de diapositive 5"/>
+          <p:cNvPr id="2" name="Espace réservé du numéro de diapositive 1"/>
           <p:cNvSpPr>
             <a:spLocks noGrp="1"/>
           </p:cNvSpPr>
@@ -8492,14 +7933,13 @@
     </p:spTree>
     <p:extLst>
       <p:ext uri="{BB962C8B-B14F-4D97-AF65-F5344CB8AC3E}">
-        <p14:creationId xmlns:p14="http://schemas.microsoft.com/office/powerpoint/2010/main" val="289855745"/>
+        <p14:creationId xmlns:p14="http://schemas.microsoft.com/office/powerpoint/2010/main" val="10568022"/>
       </p:ext>
     </p:extLst>
   </p:cSld>
   <p:clrMapOvr>
     <a:masterClrMapping/>
   </p:clrMapOvr>
-  <p:transition spd="slow"/>
   <p:timing>
     <p:tnLst>
       <p:par>
@@ -8529,7 +7969,7 @@
       </p:grpSpPr>
       <p:sp>
         <p:nvSpPr>
-          <p:cNvPr id="2" name="Titre 1"/>
+          <p:cNvPr id="6" name="Titre 5"/>
           <p:cNvSpPr>
             <a:spLocks noGrp="1"/>
           </p:cNvSpPr>
@@ -8540,46 +7980,28 @@
         <p:spPr/>
         <p:txBody>
           <a:bodyPr>
-            <a:normAutofit/>
+            <a:normAutofit fontScale="90000"/>
           </a:bodyPr>
           <a:lstStyle/>
           <a:p>
             <a:r>
               <a:rPr lang="fr-FR" dirty="0" smtClean="0"/>
-              <a:t>ECS</a:t>
+              <a:t>Les spécificités des CPGE</a:t>
+            </a:r>
+            <a:br>
+              <a:rPr lang="fr-FR" dirty="0" smtClean="0"/>
+            </a:br>
+            <a:r>
+              <a:rPr lang="fr-FR" dirty="0" smtClean="0"/>
+              <a:t>Comment choisir sa prépa ?</a:t>
             </a:r>
             <a:endParaRPr lang="fr-FR" dirty="0"/>
           </a:p>
         </p:txBody>
       </p:sp>
-      <p:graphicFrame>
-        <p:nvGraphicFramePr>
-          <p:cNvPr id="4" name="Espace réservé du contenu 3"/>
-          <p:cNvGraphicFramePr>
-            <a:graphicFrameLocks noGrp="1"/>
-          </p:cNvGraphicFramePr>
-          <p:nvPr>
-            <p:ph sz="quarter" idx="1"/>
-            <p:extLst>
-              <p:ext uri="{D42A27DB-BD31-4B8C-83A1-F6EECF244321}">
-                <p14:modId xmlns:p14="http://schemas.microsoft.com/office/powerpoint/2010/main" val="268200363"/>
-              </p:ext>
-            </p:extLst>
-          </p:nvPr>
-        </p:nvGraphicFramePr>
-        <p:xfrm>
-          <a:off x="457200" y="1219201"/>
-          <a:ext cx="8075240" cy="4730079"/>
-        </p:xfrm>
-        <a:graphic>
-          <a:graphicData uri="http://schemas.openxmlformats.org/drawingml/2006/chart">
-            <c:chart xmlns:c="http://schemas.openxmlformats.org/drawingml/2006/chart" xmlns:r="http://schemas.openxmlformats.org/officeDocument/2006/relationships" r:id="rId2"/>
-          </a:graphicData>
-        </a:graphic>
-      </p:graphicFrame>
-      <p:sp>
-        <p:nvSpPr>
-          <p:cNvPr id="5" name="Espace réservé du pied de page 4"/>
+      <p:sp>
+        <p:nvSpPr>
+          <p:cNvPr id="4" name="Espace réservé du pied de page 3"/>
           <p:cNvSpPr>
             <a:spLocks noGrp="1"/>
           </p:cNvSpPr>
@@ -8602,7 +8024,7 @@
       </p:sp>
       <p:sp>
         <p:nvSpPr>
-          <p:cNvPr id="6" name="Espace réservé du numéro de diapositive 5"/>
+          <p:cNvPr id="5" name="Espace réservé du numéro de diapositive 4"/>
           <p:cNvSpPr>
             <a:spLocks noGrp="1"/>
           </p:cNvSpPr>
@@ -8624,24 +8046,189 @@
           </a:p>
         </p:txBody>
       </p:sp>
+      <p:sp>
+        <p:nvSpPr>
+          <p:cNvPr id="7" name="Espace réservé du contenu 6"/>
+          <p:cNvSpPr>
+            <a:spLocks noGrp="1"/>
+          </p:cNvSpPr>
+          <p:nvPr>
+            <p:ph sz="quarter" idx="1"/>
+          </p:nvPr>
+        </p:nvSpPr>
+        <p:spPr/>
+        <p:txBody>
+          <a:bodyPr>
+            <a:normAutofit fontScale="77500" lnSpcReduction="20000"/>
+          </a:bodyPr>
+          <a:lstStyle/>
+          <a:p>
+            <a:r>
+              <a:rPr lang="fr-FR" dirty="0" smtClean="0"/>
+              <a:t>Les CPGE sont des filières généralistes</a:t>
+            </a:r>
+          </a:p>
+          <a:p>
+            <a:pPr lvl="1"/>
+            <a:r>
+              <a:rPr lang="fr-FR" dirty="0" smtClean="0"/>
+              <a:t>En y entrant, on ne se ferme pas de portes</a:t>
+            </a:r>
+          </a:p>
+          <a:p>
+            <a:pPr lvl="1"/>
+            <a:r>
+              <a:rPr lang="fr-FR" dirty="0" smtClean="0"/>
+              <a:t>On n’y apprend pas de métier, mais on y fait des sciences</a:t>
+            </a:r>
+          </a:p>
+          <a:p>
+            <a:r>
+              <a:rPr lang="fr-FR" dirty="0" smtClean="0"/>
+              <a:t>Profil scientifique</a:t>
+            </a:r>
+          </a:p>
+          <a:p>
+            <a:pPr lvl="1"/>
+            <a:r>
+              <a:rPr lang="fr-FR" dirty="0" smtClean="0"/>
+              <a:t>Goût prononcé pour les mathématiques</a:t>
+            </a:r>
+          </a:p>
+          <a:p>
+            <a:pPr lvl="2"/>
+            <a:r>
+              <a:rPr lang="fr-FR" dirty="0" smtClean="0"/>
+              <a:t>MPSI</a:t>
+            </a:r>
+          </a:p>
+          <a:p>
+            <a:pPr lvl="1"/>
+            <a:r>
+              <a:rPr lang="fr-FR" dirty="0" smtClean="0"/>
+              <a:t>Goût prononcé pour la physique et la chimie</a:t>
+            </a:r>
+          </a:p>
+          <a:p>
+            <a:pPr lvl="2"/>
+            <a:r>
+              <a:rPr lang="fr-FR" dirty="0" smtClean="0"/>
+              <a:t>PCSI</a:t>
+            </a:r>
+          </a:p>
+          <a:p>
+            <a:pPr lvl="1"/>
+            <a:r>
+              <a:rPr lang="fr-FR" dirty="0" smtClean="0"/>
+              <a:t>Goût prononcé pour les sciences et technologie</a:t>
+            </a:r>
+          </a:p>
+          <a:p>
+            <a:pPr lvl="2"/>
+            <a:r>
+              <a:rPr lang="fr-FR" dirty="0" smtClean="0"/>
+              <a:t>PTSI</a:t>
+            </a:r>
+          </a:p>
+          <a:p>
+            <a:r>
+              <a:rPr lang="fr-FR" dirty="0" smtClean="0"/>
+              <a:t>Profil « Biologie – Chimie »</a:t>
+            </a:r>
+          </a:p>
+          <a:p>
+            <a:pPr lvl="1"/>
+            <a:r>
+              <a:rPr lang="fr-FR" dirty="0" smtClean="0"/>
+              <a:t>BCPST</a:t>
+            </a:r>
+          </a:p>
+          <a:p>
+            <a:r>
+              <a:rPr lang="fr-FR" dirty="0" smtClean="0"/>
+              <a:t>Profil économie, finances, management …</a:t>
+            </a:r>
+          </a:p>
+          <a:p>
+            <a:pPr lvl="1"/>
+            <a:r>
+              <a:rPr lang="fr-FR" dirty="0" smtClean="0"/>
+              <a:t>ECS</a:t>
+            </a:r>
+          </a:p>
+          <a:p>
+            <a:pPr lvl="1"/>
+            <a:endParaRPr lang="fr-FR" dirty="0" smtClean="0"/>
+          </a:p>
+          <a:p>
+            <a:r>
+              <a:rPr lang="fr-FR" b="1" dirty="0" smtClean="0">
+                <a:solidFill>
+                  <a:srgbClr val="C00000"/>
+                </a:solidFill>
+              </a:rPr>
+              <a:t>Il faut faire son choix en fonction de ses goûts !</a:t>
+            </a:r>
+            <a:endParaRPr lang="fr-FR" b="1" dirty="0">
+              <a:solidFill>
+                <a:srgbClr val="C00000"/>
+              </a:solidFill>
+            </a:endParaRPr>
+          </a:p>
+        </p:txBody>
+      </p:sp>
+      <p:sp>
+        <p:nvSpPr>
+          <p:cNvPr id="10" name="Rectangle 9"/>
+          <p:cNvSpPr/>
+          <p:nvPr/>
+        </p:nvSpPr>
+        <p:spPr>
+          <a:xfrm>
+            <a:off x="6444208" y="2420888"/>
+            <a:ext cx="2520280" cy="1656184"/>
+          </a:xfrm>
+          <a:prstGeom prst="rect">
+            <a:avLst/>
+          </a:prstGeom>
+        </p:spPr>
+        <p:style>
+          <a:lnRef idx="3">
+            <a:schemeClr val="lt1"/>
+          </a:lnRef>
+          <a:fillRef idx="1">
+            <a:schemeClr val="accent5"/>
+          </a:fillRef>
+          <a:effectRef idx="1">
+            <a:schemeClr val="accent5"/>
+          </a:effectRef>
+          <a:fontRef idx="minor">
+            <a:schemeClr val="lt1"/>
+          </a:fontRef>
+        </p:style>
+        <p:txBody>
+          <a:bodyPr rtlCol="0" anchor="ctr"/>
+          <a:lstStyle/>
+          <a:p>
+            <a:pPr algn="ctr"/>
+            <a:r>
+              <a:rPr lang="fr-FR" b="1" dirty="0" smtClean="0"/>
+              <a:t>Globalement ces 3 filières mènent aux mêmes écoles</a:t>
+            </a:r>
+            <a:endParaRPr lang="fr-FR" b="1" dirty="0"/>
+          </a:p>
+        </p:txBody>
+      </p:sp>
     </p:spTree>
     <p:extLst>
       <p:ext uri="{BB962C8B-B14F-4D97-AF65-F5344CB8AC3E}">
-        <p14:creationId xmlns:p14="http://schemas.microsoft.com/office/powerpoint/2010/main" val="4186299133"/>
+        <p14:creationId xmlns:p14="http://schemas.microsoft.com/office/powerpoint/2010/main" val="3734614943"/>
       </p:ext>
     </p:extLst>
   </p:cSld>
   <p:clrMapOvr>
     <a:masterClrMapping/>
   </p:clrMapOvr>
-  <p:transition spd="slow"/>
-  <p:timing>
-    <p:tnLst>
-      <p:par>
-        <p:cTn id="1" dur="indefinite" restart="never" nodeType="tmRoot"/>
-      </p:par>
-    </p:tnLst>
-  </p:timing>
 </p:sld>
 </file>
 
@@ -8674,20 +8261,126 @@
         </p:nvSpPr>
         <p:spPr/>
         <p:txBody>
+          <a:bodyPr>
+            <a:normAutofit fontScale="90000"/>
+          </a:bodyPr>
+          <a:lstStyle/>
+          <a:p>
+            <a:r>
+              <a:rPr lang="fr-FR" dirty="0" smtClean="0"/>
+              <a:t>Les spécificités des CPGE</a:t>
+            </a:r>
+            <a:br>
+              <a:rPr lang="fr-FR" dirty="0" smtClean="0"/>
+            </a:br>
+            <a:r>
+              <a:rPr lang="fr-FR" dirty="0" smtClean="0"/>
+              <a:t>Déroulement de la formation</a:t>
+            </a:r>
+            <a:endParaRPr lang="fr-FR" dirty="0"/>
+          </a:p>
+        </p:txBody>
+      </p:sp>
+      <p:sp>
+        <p:nvSpPr>
+          <p:cNvPr id="3" name="Espace réservé du contenu 2"/>
+          <p:cNvSpPr>
+            <a:spLocks noGrp="1"/>
+          </p:cNvSpPr>
+          <p:nvPr>
+            <p:ph sz="quarter" idx="1"/>
+          </p:nvPr>
+        </p:nvSpPr>
+        <p:spPr/>
+        <p:txBody>
           <a:bodyPr/>
           <a:lstStyle/>
           <a:p>
             <a:r>
               <a:rPr lang="fr-FR" dirty="0" smtClean="0"/>
-              <a:t>Bilan comparatif</a:t>
+              <a:t>Première année</a:t>
+            </a:r>
+          </a:p>
+          <a:p>
+            <a:pPr lvl="1"/>
+            <a:r>
+              <a:rPr lang="fr-FR" dirty="0" smtClean="0"/>
+              <a:t>Deux semestres d’enseignement</a:t>
             </a:r>
             <a:endParaRPr lang="fr-FR" dirty="0"/>
           </a:p>
-        </p:txBody>
-      </p:sp>
-      <p:sp>
-        <p:nvSpPr>
-          <p:cNvPr id="3" name="Espace réservé du pied de page 2"/>
+          <a:p>
+            <a:r>
+              <a:rPr lang="fr-FR" dirty="0" smtClean="0"/>
+              <a:t>Passage en seconde année</a:t>
+            </a:r>
+          </a:p>
+          <a:p>
+            <a:pPr lvl="1"/>
+            <a:r>
+              <a:rPr lang="fr-FR" dirty="0" smtClean="0"/>
+              <a:t>Conditionné par le conseil de classe de fin d’année</a:t>
+            </a:r>
+          </a:p>
+          <a:p>
+            <a:pPr lvl="1"/>
+            <a:r>
+              <a:rPr lang="fr-FR" dirty="0" smtClean="0"/>
+              <a:t>Réorientation éventuelle préparée tout au long de l’année</a:t>
+            </a:r>
+            <a:endParaRPr lang="fr-FR" dirty="0"/>
+          </a:p>
+          <a:p>
+            <a:r>
+              <a:rPr lang="fr-FR" dirty="0"/>
+              <a:t>S</a:t>
+            </a:r>
+            <a:r>
+              <a:rPr lang="fr-FR" dirty="0" smtClean="0"/>
+              <a:t>econde année</a:t>
+            </a:r>
+          </a:p>
+          <a:p>
+            <a:pPr lvl="1"/>
+            <a:r>
+              <a:rPr lang="fr-FR" dirty="0" smtClean="0"/>
+              <a:t>Septembre – avril : enseignement</a:t>
+            </a:r>
+          </a:p>
+          <a:p>
+            <a:pPr lvl="1"/>
+            <a:r>
+              <a:rPr lang="fr-FR" dirty="0" smtClean="0"/>
+              <a:t>Avril – mai : concours</a:t>
+            </a:r>
+          </a:p>
+          <a:p>
+            <a:pPr lvl="1"/>
+            <a:r>
+              <a:rPr lang="fr-FR" dirty="0" smtClean="0"/>
+              <a:t>Mai – juin : préparation spécifique aux oraux</a:t>
+            </a:r>
+          </a:p>
+          <a:p>
+            <a:pPr lvl="1"/>
+            <a:r>
+              <a:rPr lang="fr-FR" dirty="0" smtClean="0"/>
+              <a:t>Juin – juillet : épreuves orales</a:t>
+            </a:r>
+          </a:p>
+          <a:p>
+            <a:pPr lvl="2"/>
+            <a:endParaRPr lang="fr-FR" dirty="0" smtClean="0"/>
+          </a:p>
+          <a:p>
+            <a:pPr lvl="2"/>
+            <a:endParaRPr lang="fr-FR" dirty="0"/>
+          </a:p>
+        </p:txBody>
+      </p:sp>
+      <p:sp>
+        <p:nvSpPr>
+          <p:cNvPr id="5" name="Espace réservé du pied de page 4"/>
           <p:cNvSpPr>
             <a:spLocks noGrp="1"/>
           </p:cNvSpPr>
@@ -8704,7 +8397,7 @@
               <a:rPr lang="fr-FR" smtClean="0"/>
               <a:t>Présentation des CPGE - Institution Sainte-Marie - 15/12/2014</a:t>
             </a:r>
-            <a:endParaRPr lang="fr-FR" dirty="0"/>
+            <a:endParaRPr lang="fr-FR"/>
           </a:p>
         </p:txBody>
       </p:sp>
@@ -8732,113 +8425,23 @@
           </a:p>
         </p:txBody>
       </p:sp>
-      <p:graphicFrame>
-        <p:nvGraphicFramePr>
-          <p:cNvPr id="6" name="Espace réservé du contenu 3"/>
-          <p:cNvGraphicFramePr>
-            <a:graphicFrameLocks/>
-          </p:cNvGraphicFramePr>
-          <p:nvPr>
-            <p:extLst>
-              <p:ext uri="{D42A27DB-BD31-4B8C-83A1-F6EECF244321}">
-                <p14:modId xmlns:p14="http://schemas.microsoft.com/office/powerpoint/2010/main" val="3930054340"/>
-              </p:ext>
-            </p:extLst>
-          </p:nvPr>
-        </p:nvGraphicFramePr>
-        <p:xfrm>
-          <a:off x="971600" y="1268760"/>
-          <a:ext cx="3528392" cy="2448272"/>
-        </p:xfrm>
-        <a:graphic>
-          <a:graphicData uri="http://schemas.openxmlformats.org/drawingml/2006/chart">
-            <c:chart xmlns:c="http://schemas.openxmlformats.org/drawingml/2006/chart" xmlns:r="http://schemas.openxmlformats.org/officeDocument/2006/relationships" r:id="rId2"/>
-          </a:graphicData>
-        </a:graphic>
-      </p:graphicFrame>
-      <p:graphicFrame>
-        <p:nvGraphicFramePr>
-          <p:cNvPr id="7" name="Espace réservé du contenu 3"/>
-          <p:cNvGraphicFramePr>
-            <a:graphicFrameLocks/>
-          </p:cNvGraphicFramePr>
-          <p:nvPr>
-            <p:extLst>
-              <p:ext uri="{D42A27DB-BD31-4B8C-83A1-F6EECF244321}">
-                <p14:modId xmlns:p14="http://schemas.microsoft.com/office/powerpoint/2010/main" val="607418616"/>
-              </p:ext>
-            </p:extLst>
-          </p:nvPr>
-        </p:nvGraphicFramePr>
-        <p:xfrm>
-          <a:off x="4572000" y="1268760"/>
-          <a:ext cx="3600400" cy="2448272"/>
-        </p:xfrm>
-        <a:graphic>
-          <a:graphicData uri="http://schemas.openxmlformats.org/drawingml/2006/chart">
-            <c:chart xmlns:c="http://schemas.openxmlformats.org/drawingml/2006/chart" xmlns:r="http://schemas.openxmlformats.org/officeDocument/2006/relationships" r:id="rId3"/>
-          </a:graphicData>
-        </a:graphic>
-      </p:graphicFrame>
-      <p:graphicFrame>
-        <p:nvGraphicFramePr>
-          <p:cNvPr id="8" name="Espace réservé du contenu 3"/>
-          <p:cNvGraphicFramePr>
-            <a:graphicFrameLocks noGrp="1"/>
-          </p:cNvGraphicFramePr>
-          <p:nvPr>
-            <p:ph sz="quarter" idx="1"/>
-            <p:extLst>
-              <p:ext uri="{D42A27DB-BD31-4B8C-83A1-F6EECF244321}">
-                <p14:modId xmlns:p14="http://schemas.microsoft.com/office/powerpoint/2010/main" val="3133750319"/>
-              </p:ext>
-            </p:extLst>
-          </p:nvPr>
-        </p:nvGraphicFramePr>
-        <p:xfrm>
-          <a:off x="1043608" y="3717032"/>
-          <a:ext cx="3528392" cy="2592288"/>
-        </p:xfrm>
-        <a:graphic>
-          <a:graphicData uri="http://schemas.openxmlformats.org/drawingml/2006/chart">
-            <c:chart xmlns:c="http://schemas.openxmlformats.org/drawingml/2006/chart" xmlns:r="http://schemas.openxmlformats.org/officeDocument/2006/relationships" r:id="rId4"/>
-          </a:graphicData>
-        </a:graphic>
-      </p:graphicFrame>
-      <p:graphicFrame>
-        <p:nvGraphicFramePr>
-          <p:cNvPr id="9" name="Espace réservé du contenu 3"/>
-          <p:cNvGraphicFramePr>
-            <a:graphicFrameLocks/>
-          </p:cNvGraphicFramePr>
-          <p:nvPr>
-            <p:extLst>
-              <p:ext uri="{D42A27DB-BD31-4B8C-83A1-F6EECF244321}">
-                <p14:modId xmlns:p14="http://schemas.microsoft.com/office/powerpoint/2010/main" val="1426206529"/>
-              </p:ext>
-            </p:extLst>
-          </p:nvPr>
-        </p:nvGraphicFramePr>
-        <p:xfrm>
-          <a:off x="4572000" y="3717032"/>
-          <a:ext cx="3600400" cy="2520280"/>
-        </p:xfrm>
-        <a:graphic>
-          <a:graphicData uri="http://schemas.openxmlformats.org/drawingml/2006/chart">
-            <c:chart xmlns:c="http://schemas.openxmlformats.org/drawingml/2006/chart" xmlns:r="http://schemas.openxmlformats.org/officeDocument/2006/relationships" r:id="rId5"/>
-          </a:graphicData>
-        </a:graphic>
-      </p:graphicFrame>
     </p:spTree>
     <p:extLst>
       <p:ext uri="{BB962C8B-B14F-4D97-AF65-F5344CB8AC3E}">
-        <p14:creationId xmlns:p14="http://schemas.microsoft.com/office/powerpoint/2010/main" val="2784981509"/>
+        <p14:creationId xmlns:p14="http://schemas.microsoft.com/office/powerpoint/2010/main" val="828930698"/>
       </p:ext>
     </p:extLst>
   </p:cSld>
   <p:clrMapOvr>
     <a:masterClrMapping/>
   </p:clrMapOvr>
+  <p:timing>
+    <p:tnLst>
+      <p:par>
+        <p:cTn id="1" dur="indefinite" restart="never" nodeType="tmRoot"/>
+      </p:par>
+    </p:tnLst>
+  </p:timing>
 </p:sld>
 </file>
 
@@ -8942,10 +8545,9 @@
             </a:r>
           </a:p>
           <a:p>
-            <a:r>
-              <a:rPr lang="fr-FR" dirty="0" smtClean="0"/>
-              <a:t>Les CPGE de l’académie de Nice</a:t>
-            </a:r>
+            <a:pPr marL="0" indent="0">
+              <a:buNone/>
+            </a:pPr>
             <a:endParaRPr lang="fr-FR" dirty="0"/>
           </a:p>
         </p:txBody>
@@ -9036,7 +8638,7 @@
       </p:grpSpPr>
       <p:sp>
         <p:nvSpPr>
-          <p:cNvPr id="4" name="Titre 3"/>
+          <p:cNvPr id="2" name="Titre 1"/>
           <p:cNvSpPr>
             <a:spLocks noGrp="1"/>
           </p:cNvSpPr>
@@ -9046,39 +8648,138 @@
         </p:nvSpPr>
         <p:spPr/>
         <p:txBody>
-          <a:bodyPr/>
+          <a:bodyPr>
+            <a:normAutofit fontScale="90000"/>
+          </a:bodyPr>
           <a:lstStyle/>
           <a:p>
             <a:r>
               <a:rPr lang="fr-FR" dirty="0" smtClean="0"/>
               <a:t>Les spécificités des CPGE</a:t>
             </a:r>
+            <a:br>
+              <a:rPr lang="fr-FR" dirty="0" smtClean="0"/>
+            </a:br>
+            <a:r>
+              <a:rPr lang="fr-FR" dirty="0" smtClean="0"/>
+              <a:t>Les points forts de la formation</a:t>
+            </a:r>
             <a:endParaRPr lang="fr-FR" dirty="0"/>
           </a:p>
         </p:txBody>
       </p:sp>
       <p:sp>
         <p:nvSpPr>
-          <p:cNvPr id="5" name="Espace réservé du texte 4"/>
-          <p:cNvSpPr>
-            <a:spLocks noGrp="1"/>
-          </p:cNvSpPr>
-          <p:nvPr>
-            <p:ph type="body" idx="1"/>
+          <p:cNvPr id="3" name="Espace réservé du contenu 2"/>
+          <p:cNvSpPr>
+            <a:spLocks noGrp="1"/>
+          </p:cNvSpPr>
+          <p:nvPr>
+            <p:ph sz="quarter" idx="1"/>
           </p:nvPr>
         </p:nvSpPr>
         <p:spPr/>
         <p:txBody>
-          <a:bodyPr/>
-          <a:lstStyle/>
-          <a:p>
-            <a:endParaRPr lang="fr-FR"/>
-          </a:p>
-        </p:txBody>
-      </p:sp>
-      <p:sp>
-        <p:nvSpPr>
-          <p:cNvPr id="3" name="Espace réservé du pied de page 2"/>
+          <a:bodyPr>
+            <a:normAutofit fontScale="92500" lnSpcReduction="20000"/>
+          </a:bodyPr>
+          <a:lstStyle/>
+          <a:p>
+            <a:r>
+              <a:rPr lang="fr-FR" dirty="0" smtClean="0"/>
+              <a:t>Proximité de l’équipe pédagogique avec les élèves</a:t>
+            </a:r>
+          </a:p>
+          <a:p>
+            <a:pPr lvl="1"/>
+            <a:r>
+              <a:rPr lang="fr-FR" dirty="0" smtClean="0"/>
+              <a:t>Cadre et structures de lycées</a:t>
+            </a:r>
+          </a:p>
+          <a:p>
+            <a:pPr lvl="1"/>
+            <a:r>
+              <a:rPr lang="fr-FR" dirty="0" smtClean="0"/>
+              <a:t>Suivi individuel</a:t>
+            </a:r>
+          </a:p>
+          <a:p>
+            <a:pPr lvl="1"/>
+            <a:r>
+              <a:rPr lang="fr-FR" dirty="0" smtClean="0"/>
+              <a:t>Climat de travail sécurisant et agréable</a:t>
+            </a:r>
+          </a:p>
+          <a:p>
+            <a:pPr lvl="1"/>
+            <a:r>
+              <a:rPr lang="fr-FR" dirty="0" smtClean="0"/>
+              <a:t>Généralement un enseignant pour une classe</a:t>
+            </a:r>
+          </a:p>
+          <a:p>
+            <a:pPr marL="0" indent="0">
+              <a:buNone/>
+            </a:pPr>
+            <a:endParaRPr lang="fr-FR" dirty="0" smtClean="0"/>
+          </a:p>
+          <a:p>
+            <a:r>
+              <a:rPr lang="fr-FR" dirty="0" smtClean="0"/>
+              <a:t>Évaluation continue tout au long des deux ans</a:t>
+            </a:r>
+          </a:p>
+          <a:p>
+            <a:pPr lvl="1"/>
+            <a:r>
+              <a:rPr lang="fr-FR" dirty="0" smtClean="0"/>
+              <a:t>Devoirs surveillés et devoirs maisons réguliers</a:t>
+            </a:r>
+          </a:p>
+          <a:p>
+            <a:pPr lvl="1"/>
+            <a:r>
+              <a:rPr lang="fr-FR" dirty="0" smtClean="0"/>
+              <a:t>Interrogations orales hebdomadaires (colles)</a:t>
+            </a:r>
+          </a:p>
+          <a:p>
+            <a:pPr lvl="1"/>
+            <a:endParaRPr lang="fr-FR" dirty="0" smtClean="0"/>
+          </a:p>
+          <a:p>
+            <a:r>
+              <a:rPr lang="fr-FR" dirty="0" smtClean="0"/>
+              <a:t>Un parcours sécurisé</a:t>
+            </a:r>
+          </a:p>
+          <a:p>
+            <a:pPr lvl="1"/>
+            <a:r>
+              <a:rPr lang="fr-FR" dirty="0" smtClean="0"/>
+              <a:t>Nombreuses places aux concours</a:t>
+            </a:r>
+          </a:p>
+          <a:p>
+            <a:pPr lvl="1"/>
+            <a:r>
+              <a:rPr lang="fr-FR" dirty="0" smtClean="0"/>
+              <a:t>Nombreux débouchés en sortie d’école</a:t>
+            </a:r>
+          </a:p>
+          <a:p>
+            <a:pPr lvl="1"/>
+            <a:r>
+              <a:rPr lang="fr-FR" dirty="0" smtClean="0"/>
+              <a:t>Réorientation suivie si nécessaire</a:t>
+            </a:r>
+          </a:p>
+        </p:txBody>
+      </p:sp>
+      <p:sp>
+        <p:nvSpPr>
+          <p:cNvPr id="5" name="Espace réservé du pied de page 4"/>
           <p:cNvSpPr>
             <a:spLocks noGrp="1"/>
           </p:cNvSpPr>
@@ -9101,7 +8802,7 @@
       </p:sp>
       <p:sp>
         <p:nvSpPr>
-          <p:cNvPr id="2" name="Espace réservé du numéro de diapositive 1"/>
+          <p:cNvPr id="4" name="Espace réservé du numéro de diapositive 3"/>
           <p:cNvSpPr>
             <a:spLocks noGrp="1"/>
           </p:cNvSpPr>
@@ -9126,7 +8827,7 @@
     </p:spTree>
     <p:extLst>
       <p:ext uri="{BB962C8B-B14F-4D97-AF65-F5344CB8AC3E}">
-        <p14:creationId xmlns:p14="http://schemas.microsoft.com/office/powerpoint/2010/main" val="10568022"/>
+        <p14:creationId xmlns:p14="http://schemas.microsoft.com/office/powerpoint/2010/main" val="1630853213"/>
       </p:ext>
     </p:extLst>
   </p:cSld>
@@ -9162,7 +8863,7 @@
       </p:grpSpPr>
       <p:sp>
         <p:nvSpPr>
-          <p:cNvPr id="6" name="Titre 5"/>
+          <p:cNvPr id="2" name="Titre 1"/>
           <p:cNvSpPr>
             <a:spLocks noGrp="1"/>
           </p:cNvSpPr>
@@ -9186,7 +8887,7 @@
             </a:br>
             <a:r>
               <a:rPr lang="fr-FR" dirty="0" smtClean="0"/>
-              <a:t>Comment choisir sa prépa ?</a:t>
+              <a:t>Les qualités attendues</a:t>
             </a:r>
             <a:endParaRPr lang="fr-FR" dirty="0"/>
           </a:p>
@@ -9194,7 +8895,66 @@
       </p:sp>
       <p:sp>
         <p:nvSpPr>
-          <p:cNvPr id="4" name="Espace réservé du pied de page 3"/>
+          <p:cNvPr id="3" name="Espace réservé du contenu 2"/>
+          <p:cNvSpPr>
+            <a:spLocks noGrp="1"/>
+          </p:cNvSpPr>
+          <p:nvPr>
+            <p:ph sz="quarter" idx="1"/>
+          </p:nvPr>
+        </p:nvSpPr>
+        <p:spPr/>
+        <p:txBody>
+          <a:bodyPr/>
+          <a:lstStyle/>
+          <a:p>
+            <a:r>
+              <a:rPr lang="fr-FR" dirty="0" smtClean="0"/>
+              <a:t>Sélection en CPGE </a:t>
+            </a:r>
+          </a:p>
+          <a:p>
+            <a:pPr lvl="1"/>
+            <a:r>
+              <a:rPr lang="fr-FR" dirty="0" smtClean="0"/>
+              <a:t>Bulletins scolaires de Première et Terminale</a:t>
+            </a:r>
+          </a:p>
+          <a:p>
+            <a:pPr lvl="2"/>
+            <a:r>
+              <a:rPr lang="fr-FR" dirty="0" smtClean="0"/>
+              <a:t>Résultats &amp; Appréciations</a:t>
+            </a:r>
+          </a:p>
+          <a:p>
+            <a:endParaRPr lang="fr-FR" dirty="0" smtClean="0"/>
+          </a:p>
+          <a:p>
+            <a:r>
+              <a:rPr lang="fr-FR" dirty="0" smtClean="0"/>
+              <a:t>Attitude requise en CPGE</a:t>
+            </a:r>
+          </a:p>
+          <a:p>
+            <a:pPr lvl="1"/>
+            <a:r>
+              <a:rPr lang="fr-FR" dirty="0" smtClean="0"/>
+              <a:t>Assiduité et participation en cours</a:t>
+            </a:r>
+          </a:p>
+          <a:p>
+            <a:pPr lvl="1"/>
+            <a:r>
+              <a:rPr lang="fr-FR" dirty="0" smtClean="0"/>
+              <a:t>Travail sérieux et régulier pendant 2 ans</a:t>
+            </a:r>
+          </a:p>
+        </p:txBody>
+      </p:sp>
+      <p:sp>
+        <p:nvSpPr>
+          <p:cNvPr id="5" name="Espace réservé du pied de page 4"/>
           <p:cNvSpPr>
             <a:spLocks noGrp="1"/>
           </p:cNvSpPr>
@@ -9211,13 +8971,13 @@
               <a:rPr lang="fr-FR" smtClean="0"/>
               <a:t>Présentation des CPGE - Institution Sainte-Marie - 15/12/2014</a:t>
             </a:r>
-            <a:endParaRPr lang="fr-FR"/>
-          </a:p>
-        </p:txBody>
-      </p:sp>
-      <p:sp>
-        <p:nvSpPr>
-          <p:cNvPr id="5" name="Espace réservé du numéro de diapositive 4"/>
+            <a:endParaRPr lang="fr-FR" dirty="0"/>
+          </a:p>
+        </p:txBody>
+      </p:sp>
+      <p:sp>
+        <p:nvSpPr>
+          <p:cNvPr id="4" name="Espace réservé du numéro de diapositive 3"/>
           <p:cNvSpPr>
             <a:spLocks noGrp="1"/>
           </p:cNvSpPr>
@@ -9239,189 +8999,23 @@
           </a:p>
         </p:txBody>
       </p:sp>
-      <p:sp>
-        <p:nvSpPr>
-          <p:cNvPr id="7" name="Espace réservé du contenu 6"/>
-          <p:cNvSpPr>
-            <a:spLocks noGrp="1"/>
-          </p:cNvSpPr>
-          <p:nvPr>
-            <p:ph sz="quarter" idx="1"/>
-          </p:nvPr>
-        </p:nvSpPr>
-        <p:spPr/>
-        <p:txBody>
-          <a:bodyPr>
-            <a:normAutofit fontScale="77500" lnSpcReduction="20000"/>
-          </a:bodyPr>
-          <a:lstStyle/>
-          <a:p>
-            <a:r>
-              <a:rPr lang="fr-FR" dirty="0" smtClean="0"/>
-              <a:t>Les CPGE sont des filières généralistes</a:t>
-            </a:r>
-          </a:p>
-          <a:p>
-            <a:pPr lvl="1"/>
-            <a:r>
-              <a:rPr lang="fr-FR" dirty="0" smtClean="0"/>
-              <a:t>En y entrant, on ne se ferme pas de portes</a:t>
-            </a:r>
-          </a:p>
-          <a:p>
-            <a:pPr lvl="1"/>
-            <a:r>
-              <a:rPr lang="fr-FR" dirty="0" smtClean="0"/>
-              <a:t>On n’y apprend pas de métier, mais on y fait des sciences</a:t>
-            </a:r>
-          </a:p>
-          <a:p>
-            <a:r>
-              <a:rPr lang="fr-FR" dirty="0" smtClean="0"/>
-              <a:t>Profil scientifique</a:t>
-            </a:r>
-          </a:p>
-          <a:p>
-            <a:pPr lvl="1"/>
-            <a:r>
-              <a:rPr lang="fr-FR" dirty="0" smtClean="0"/>
-              <a:t>Goût prononcé pour les mathématiques</a:t>
-            </a:r>
-          </a:p>
-          <a:p>
-            <a:pPr lvl="2"/>
-            <a:r>
-              <a:rPr lang="fr-FR" dirty="0" smtClean="0"/>
-              <a:t>MPSI</a:t>
-            </a:r>
-          </a:p>
-          <a:p>
-            <a:pPr lvl="1"/>
-            <a:r>
-              <a:rPr lang="fr-FR" dirty="0" smtClean="0"/>
-              <a:t>Goût prononcé pour la physique et la chimie</a:t>
-            </a:r>
-          </a:p>
-          <a:p>
-            <a:pPr lvl="2"/>
-            <a:r>
-              <a:rPr lang="fr-FR" dirty="0" smtClean="0"/>
-              <a:t>PCSI</a:t>
-            </a:r>
-          </a:p>
-          <a:p>
-            <a:pPr lvl="1"/>
-            <a:r>
-              <a:rPr lang="fr-FR" dirty="0" smtClean="0"/>
-              <a:t>Goût prononcé pour les sciences et technologie</a:t>
-            </a:r>
-          </a:p>
-          <a:p>
-            <a:pPr lvl="2"/>
-            <a:r>
-              <a:rPr lang="fr-FR" dirty="0" smtClean="0"/>
-              <a:t>PTSI</a:t>
-            </a:r>
-          </a:p>
-          <a:p>
-            <a:r>
-              <a:rPr lang="fr-FR" dirty="0" smtClean="0"/>
-              <a:t>Profil « Biologie – Chimie »</a:t>
-            </a:r>
-          </a:p>
-          <a:p>
-            <a:pPr lvl="1"/>
-            <a:r>
-              <a:rPr lang="fr-FR" dirty="0" smtClean="0"/>
-              <a:t>BCPST</a:t>
-            </a:r>
-          </a:p>
-          <a:p>
-            <a:r>
-              <a:rPr lang="fr-FR" dirty="0" smtClean="0"/>
-              <a:t>Profil économie, finances, management …</a:t>
-            </a:r>
-          </a:p>
-          <a:p>
-            <a:pPr lvl="1"/>
-            <a:r>
-              <a:rPr lang="fr-FR" dirty="0" smtClean="0"/>
-              <a:t>ECS</a:t>
-            </a:r>
-          </a:p>
-          <a:p>
-            <a:pPr lvl="1"/>
-            <a:endParaRPr lang="fr-FR" dirty="0" smtClean="0"/>
-          </a:p>
-          <a:p>
-            <a:r>
-              <a:rPr lang="fr-FR" b="1" dirty="0" smtClean="0">
-                <a:solidFill>
-                  <a:srgbClr val="C00000"/>
-                </a:solidFill>
-              </a:rPr>
-              <a:t>Il faut faire son choix en fonction de ses goûts !</a:t>
-            </a:r>
-            <a:endParaRPr lang="fr-FR" b="1" dirty="0">
-              <a:solidFill>
-                <a:srgbClr val="C00000"/>
-              </a:solidFill>
-            </a:endParaRPr>
-          </a:p>
-        </p:txBody>
-      </p:sp>
-      <p:sp>
-        <p:nvSpPr>
-          <p:cNvPr id="10" name="Rectangle 9"/>
-          <p:cNvSpPr/>
-          <p:nvPr/>
-        </p:nvSpPr>
-        <p:spPr>
-          <a:xfrm>
-            <a:off x="6444208" y="2420888"/>
-            <a:ext cx="2520280" cy="1656184"/>
-          </a:xfrm>
-          <a:prstGeom prst="rect">
-            <a:avLst/>
-          </a:prstGeom>
-        </p:spPr>
-        <p:style>
-          <a:lnRef idx="3">
-            <a:schemeClr val="lt1"/>
-          </a:lnRef>
-          <a:fillRef idx="1">
-            <a:schemeClr val="accent5"/>
-          </a:fillRef>
-          <a:effectRef idx="1">
-            <a:schemeClr val="accent5"/>
-          </a:effectRef>
-          <a:fontRef idx="minor">
-            <a:schemeClr val="lt1"/>
-          </a:fontRef>
-        </p:style>
-        <p:txBody>
-          <a:bodyPr rtlCol="0" anchor="ctr"/>
-          <a:lstStyle/>
-          <a:p>
-            <a:pPr algn="ctr"/>
-            <a:r>
-              <a:rPr lang="fr-FR" b="1" dirty="0" smtClean="0"/>
-              <a:t>Globalement ces 3 filières mènent aux mêmes écoles</a:t>
-            </a:r>
-            <a:endParaRPr lang="fr-FR" b="1" dirty="0"/>
-          </a:p>
-        </p:txBody>
-      </p:sp>
     </p:spTree>
     <p:extLst>
       <p:ext uri="{BB962C8B-B14F-4D97-AF65-F5344CB8AC3E}">
-        <p14:creationId xmlns:p14="http://schemas.microsoft.com/office/powerpoint/2010/main" val="3734614943"/>
+        <p14:creationId xmlns:p14="http://schemas.microsoft.com/office/powerpoint/2010/main" val="257158660"/>
       </p:ext>
     </p:extLst>
   </p:cSld>
   <p:clrMapOvr>
     <a:masterClrMapping/>
   </p:clrMapOvr>
+  <p:timing>
+    <p:tnLst>
+      <p:par>
+        <p:cTn id="1" dur="indefinite" restart="never" nodeType="tmRoot"/>
+      </p:par>
+    </p:tnLst>
+  </p:timing>
 </p:sld>
 </file>
 
@@ -9454,21 +9048,12 @@
         </p:nvSpPr>
         <p:spPr/>
         <p:txBody>
-          <a:bodyPr>
-            <a:normAutofit fontScale="90000"/>
-          </a:bodyPr>
+          <a:bodyPr/>
           <a:lstStyle/>
           <a:p>
             <a:r>
               <a:rPr lang="fr-FR" dirty="0" smtClean="0"/>
-              <a:t>Les spécificités des CPGE</a:t>
-            </a:r>
-            <a:br>
-              <a:rPr lang="fr-FR" dirty="0" smtClean="0"/>
-            </a:br>
-            <a:r>
-              <a:rPr lang="fr-FR" dirty="0" smtClean="0"/>
-              <a:t>Déroulement de la formation</a:t>
+              <a:t>Inscription / Candidatures</a:t>
             </a:r>
             <a:endParaRPr lang="fr-FR" dirty="0"/>
           </a:p>
@@ -9476,104 +9061,7 @@
       </p:sp>
       <p:sp>
         <p:nvSpPr>
-          <p:cNvPr id="3" name="Espace réservé du contenu 2"/>
-          <p:cNvSpPr>
-            <a:spLocks noGrp="1"/>
-          </p:cNvSpPr>
-          <p:nvPr>
-            <p:ph sz="quarter" idx="1"/>
-          </p:nvPr>
-        </p:nvSpPr>
-        <p:spPr/>
-        <p:txBody>
-          <a:bodyPr/>
-          <a:lstStyle/>
-          <a:p>
-            <a:r>
-              <a:rPr lang="fr-FR" dirty="0" smtClean="0"/>
-              <a:t>Première année</a:t>
-            </a:r>
-          </a:p>
-          <a:p>
-            <a:pPr lvl="1"/>
-            <a:r>
-              <a:rPr lang="fr-FR" dirty="0" smtClean="0"/>
-              <a:t>Deux semestres d’enseignement</a:t>
-            </a:r>
-            <a:endParaRPr lang="fr-FR" dirty="0"/>
-          </a:p>
-          <a:p>
-            <a:r>
-              <a:rPr lang="fr-FR" dirty="0" smtClean="0"/>
-              <a:t>Passage en seconde année</a:t>
-            </a:r>
-          </a:p>
-          <a:p>
-            <a:pPr lvl="1"/>
-            <a:r>
-              <a:rPr lang="fr-FR" dirty="0" smtClean="0"/>
-              <a:t>Conditionné par le conseil de classe de fin d’année</a:t>
-            </a:r>
-          </a:p>
-          <a:p>
-            <a:pPr lvl="1"/>
-            <a:r>
-              <a:rPr lang="fr-FR" dirty="0" smtClean="0"/>
-              <a:t>Réorientation éventuelle préparée tout au long de l’année</a:t>
-            </a:r>
-            <a:endParaRPr lang="fr-FR" dirty="0"/>
-          </a:p>
-          <a:p>
-            <a:r>
-              <a:rPr lang="fr-FR" dirty="0"/>
-              <a:t>S</a:t>
-            </a:r>
-            <a:r>
-              <a:rPr lang="fr-FR" dirty="0" smtClean="0"/>
-              <a:t>econde année</a:t>
-            </a:r>
-          </a:p>
-          <a:p>
-            <a:pPr lvl="1"/>
-            <a:r>
-              <a:rPr lang="fr-FR" dirty="0" smtClean="0"/>
-              <a:t>Septembre – avril : enseignement</a:t>
-            </a:r>
-          </a:p>
-          <a:p>
-            <a:pPr lvl="1"/>
-            <a:r>
-              <a:rPr lang="fr-FR" dirty="0" smtClean="0"/>
-              <a:t>Avril – mai : concours</a:t>
-            </a:r>
-          </a:p>
-          <a:p>
-            <a:pPr lvl="1"/>
-            <a:r>
-              <a:rPr lang="fr-FR" dirty="0" smtClean="0"/>
-              <a:t>Mai – juin : préparation spécifique aux oraux</a:t>
-            </a:r>
-          </a:p>
-          <a:p>
-            <a:pPr lvl="1"/>
-            <a:r>
-              <a:rPr lang="fr-FR" dirty="0" smtClean="0"/>
-              <a:t>Juin – juillet : épreuves orales</a:t>
-            </a:r>
-          </a:p>
-          <a:p>
-            <a:pPr lvl="2"/>
-            <a:endParaRPr lang="fr-FR" dirty="0" smtClean="0"/>
-          </a:p>
-          <a:p>
-            <a:pPr lvl="2"/>
-            <a:endParaRPr lang="fr-FR" dirty="0"/>
-          </a:p>
-        </p:txBody>
-      </p:sp>
-      <p:sp>
-        <p:nvSpPr>
-          <p:cNvPr id="5" name="Espace réservé du pied de page 4"/>
+          <p:cNvPr id="3" name="Espace réservé du pied de page 2"/>
           <p:cNvSpPr>
             <a:spLocks noGrp="1"/>
           </p:cNvSpPr>
@@ -9590,7 +9078,7 @@
               <a:rPr lang="fr-FR" smtClean="0"/>
               <a:t>Présentation des CPGE - Institution Sainte-Marie - 15/12/2014</a:t>
             </a:r>
-            <a:endParaRPr lang="fr-FR"/>
+            <a:endParaRPr lang="fr-FR" dirty="0"/>
           </a:p>
         </p:txBody>
       </p:sp>
@@ -9613,513 +9101,6 @@
               <a:rPr lang="fr-FR" smtClean="0"/>
               <a:pPr/>
               <a:t>22</a:t>
-            </a:fld>
-            <a:endParaRPr lang="fr-FR"/>
-          </a:p>
-        </p:txBody>
-      </p:sp>
-    </p:spTree>
-    <p:extLst>
-      <p:ext uri="{BB962C8B-B14F-4D97-AF65-F5344CB8AC3E}">
-        <p14:creationId xmlns:p14="http://schemas.microsoft.com/office/powerpoint/2010/main" val="828930698"/>
-      </p:ext>
-    </p:extLst>
-  </p:cSld>
-  <p:clrMapOvr>
-    <a:masterClrMapping/>
-  </p:clrMapOvr>
-  <p:timing>
-    <p:tnLst>
-      <p:par>
-        <p:cTn id="1" dur="indefinite" restart="never" nodeType="tmRoot"/>
-      </p:par>
-    </p:tnLst>
-  </p:timing>
-</p:sld>
-</file>
-
-<file path=ppt/slides/slide23.xml><?xml version="1.0" encoding="utf-8"?>
-<p:sld xmlns:a="http://schemas.openxmlformats.org/drawingml/2006/main" xmlns:r="http://schemas.openxmlformats.org/officeDocument/2006/relationships" xmlns:p="http://schemas.openxmlformats.org/presentationml/2006/main">
-  <p:cSld>
-    <p:spTree>
-      <p:nvGrpSpPr>
-        <p:cNvPr id="1" name=""/>
-        <p:cNvGrpSpPr/>
-        <p:nvPr/>
-      </p:nvGrpSpPr>
-      <p:grpSpPr>
-        <a:xfrm>
-          <a:off x="0" y="0"/>
-          <a:ext cx="0" cy="0"/>
-          <a:chOff x="0" y="0"/>
-          <a:chExt cx="0" cy="0"/>
-        </a:xfrm>
-      </p:grpSpPr>
-      <p:sp>
-        <p:nvSpPr>
-          <p:cNvPr id="2" name="Titre 1"/>
-          <p:cNvSpPr>
-            <a:spLocks noGrp="1"/>
-          </p:cNvSpPr>
-          <p:nvPr>
-            <p:ph type="title"/>
-          </p:nvPr>
-        </p:nvSpPr>
-        <p:spPr/>
-        <p:txBody>
-          <a:bodyPr>
-            <a:normAutofit fontScale="90000"/>
-          </a:bodyPr>
-          <a:lstStyle/>
-          <a:p>
-            <a:r>
-              <a:rPr lang="fr-FR" dirty="0" smtClean="0"/>
-              <a:t>Les spécificités des CPGE</a:t>
-            </a:r>
-            <a:br>
-              <a:rPr lang="fr-FR" dirty="0" smtClean="0"/>
-            </a:br>
-            <a:r>
-              <a:rPr lang="fr-FR" dirty="0" smtClean="0"/>
-              <a:t>Les points forts de la formation</a:t>
-            </a:r>
-            <a:endParaRPr lang="fr-FR" dirty="0"/>
-          </a:p>
-        </p:txBody>
-      </p:sp>
-      <p:sp>
-        <p:nvSpPr>
-          <p:cNvPr id="3" name="Espace réservé du contenu 2"/>
-          <p:cNvSpPr>
-            <a:spLocks noGrp="1"/>
-          </p:cNvSpPr>
-          <p:nvPr>
-            <p:ph sz="quarter" idx="1"/>
-          </p:nvPr>
-        </p:nvSpPr>
-        <p:spPr/>
-        <p:txBody>
-          <a:bodyPr>
-            <a:normAutofit fontScale="92500" lnSpcReduction="20000"/>
-          </a:bodyPr>
-          <a:lstStyle/>
-          <a:p>
-            <a:r>
-              <a:rPr lang="fr-FR" dirty="0" smtClean="0"/>
-              <a:t>Proximité de l’équipe pédagogique avec les élèves</a:t>
-            </a:r>
-          </a:p>
-          <a:p>
-            <a:pPr lvl="1"/>
-            <a:r>
-              <a:rPr lang="fr-FR" dirty="0" smtClean="0"/>
-              <a:t>Cadre et structures de lycées</a:t>
-            </a:r>
-          </a:p>
-          <a:p>
-            <a:pPr lvl="1"/>
-            <a:r>
-              <a:rPr lang="fr-FR" dirty="0" smtClean="0"/>
-              <a:t>Suivi individuel</a:t>
-            </a:r>
-          </a:p>
-          <a:p>
-            <a:pPr lvl="1"/>
-            <a:r>
-              <a:rPr lang="fr-FR" dirty="0" smtClean="0"/>
-              <a:t>Climat de travail sécurisant et agréable</a:t>
-            </a:r>
-          </a:p>
-          <a:p>
-            <a:pPr lvl="1"/>
-            <a:r>
-              <a:rPr lang="fr-FR" dirty="0" smtClean="0"/>
-              <a:t>Généralement un enseignant pour une classe</a:t>
-            </a:r>
-          </a:p>
-          <a:p>
-            <a:pPr marL="0" indent="0">
-              <a:buNone/>
-            </a:pPr>
-            <a:endParaRPr lang="fr-FR" dirty="0" smtClean="0"/>
-          </a:p>
-          <a:p>
-            <a:r>
-              <a:rPr lang="fr-FR" dirty="0" smtClean="0"/>
-              <a:t>Évaluation continue tout au long des deux ans</a:t>
-            </a:r>
-          </a:p>
-          <a:p>
-            <a:pPr lvl="1"/>
-            <a:r>
-              <a:rPr lang="fr-FR" dirty="0" smtClean="0"/>
-              <a:t>Devoirs surveillés et devoirs maisons réguliers</a:t>
-            </a:r>
-          </a:p>
-          <a:p>
-            <a:pPr lvl="1"/>
-            <a:r>
-              <a:rPr lang="fr-FR" dirty="0" smtClean="0"/>
-              <a:t>Interrogations orales hebdomadaires (colles)</a:t>
-            </a:r>
-          </a:p>
-          <a:p>
-            <a:pPr lvl="1"/>
-            <a:endParaRPr lang="fr-FR" dirty="0" smtClean="0"/>
-          </a:p>
-          <a:p>
-            <a:r>
-              <a:rPr lang="fr-FR" dirty="0" smtClean="0"/>
-              <a:t>Un parcours sécurisé</a:t>
-            </a:r>
-          </a:p>
-          <a:p>
-            <a:pPr lvl="1"/>
-            <a:r>
-              <a:rPr lang="fr-FR" dirty="0" smtClean="0"/>
-              <a:t>Nombreuses places aux concours</a:t>
-            </a:r>
-          </a:p>
-          <a:p>
-            <a:pPr lvl="1"/>
-            <a:r>
-              <a:rPr lang="fr-FR" dirty="0" smtClean="0"/>
-              <a:t>Nombreux débouchés en sortie d’école</a:t>
-            </a:r>
-          </a:p>
-          <a:p>
-            <a:pPr lvl="1"/>
-            <a:r>
-              <a:rPr lang="fr-FR" dirty="0" smtClean="0"/>
-              <a:t>Réorientation suivie si nécessaire</a:t>
-            </a:r>
-          </a:p>
-        </p:txBody>
-      </p:sp>
-      <p:sp>
-        <p:nvSpPr>
-          <p:cNvPr id="5" name="Espace réservé du pied de page 4"/>
-          <p:cNvSpPr>
-            <a:spLocks noGrp="1"/>
-          </p:cNvSpPr>
-          <p:nvPr>
-            <p:ph type="ftr" sz="quarter" idx="11"/>
-          </p:nvPr>
-        </p:nvSpPr>
-        <p:spPr/>
-        <p:txBody>
-          <a:bodyPr/>
-          <a:lstStyle/>
-          <a:p>
-            <a:r>
-              <a:rPr lang="fr-FR" smtClean="0"/>
-              <a:t>Présentation des CPGE - Institution Sainte-Marie - 15/12/2014</a:t>
-            </a:r>
-            <a:endParaRPr lang="fr-FR"/>
-          </a:p>
-        </p:txBody>
-      </p:sp>
-      <p:sp>
-        <p:nvSpPr>
-          <p:cNvPr id="4" name="Espace réservé du numéro de diapositive 3"/>
-          <p:cNvSpPr>
-            <a:spLocks noGrp="1"/>
-          </p:cNvSpPr>
-          <p:nvPr>
-            <p:ph type="sldNum" sz="quarter" idx="12"/>
-          </p:nvPr>
-        </p:nvSpPr>
-        <p:spPr/>
-        <p:txBody>
-          <a:bodyPr/>
-          <a:lstStyle/>
-          <a:p>
-            <a:fld id="{1CBB6DF8-B4DD-4E80-A138-72D154BCFFEE}" type="slidenum">
-              <a:rPr lang="fr-FR" smtClean="0"/>
-              <a:pPr/>
-              <a:t>23</a:t>
-            </a:fld>
-            <a:endParaRPr lang="fr-FR"/>
-          </a:p>
-        </p:txBody>
-      </p:sp>
-    </p:spTree>
-    <p:extLst>
-      <p:ext uri="{BB962C8B-B14F-4D97-AF65-F5344CB8AC3E}">
-        <p14:creationId xmlns:p14="http://schemas.microsoft.com/office/powerpoint/2010/main" val="1630853213"/>
-      </p:ext>
-    </p:extLst>
-  </p:cSld>
-  <p:clrMapOvr>
-    <a:masterClrMapping/>
-  </p:clrMapOvr>
-  <p:timing>
-    <p:tnLst>
-      <p:par>
-        <p:cTn id="1" dur="indefinite" restart="never" nodeType="tmRoot"/>
-      </p:par>
-    </p:tnLst>
-  </p:timing>
-</p:sld>
-</file>
-
-<file path=ppt/slides/slide24.xml><?xml version="1.0" encoding="utf-8"?>
-<p:sld xmlns:a="http://schemas.openxmlformats.org/drawingml/2006/main" xmlns:r="http://schemas.openxmlformats.org/officeDocument/2006/relationships" xmlns:p="http://schemas.openxmlformats.org/presentationml/2006/main">
-  <p:cSld>
-    <p:spTree>
-      <p:nvGrpSpPr>
-        <p:cNvPr id="1" name=""/>
-        <p:cNvGrpSpPr/>
-        <p:nvPr/>
-      </p:nvGrpSpPr>
-      <p:grpSpPr>
-        <a:xfrm>
-          <a:off x="0" y="0"/>
-          <a:ext cx="0" cy="0"/>
-          <a:chOff x="0" y="0"/>
-          <a:chExt cx="0" cy="0"/>
-        </a:xfrm>
-      </p:grpSpPr>
-      <p:sp>
-        <p:nvSpPr>
-          <p:cNvPr id="2" name="Titre 1"/>
-          <p:cNvSpPr>
-            <a:spLocks noGrp="1"/>
-          </p:cNvSpPr>
-          <p:nvPr>
-            <p:ph type="title"/>
-          </p:nvPr>
-        </p:nvSpPr>
-        <p:spPr/>
-        <p:txBody>
-          <a:bodyPr>
-            <a:normAutofit fontScale="90000"/>
-          </a:bodyPr>
-          <a:lstStyle/>
-          <a:p>
-            <a:r>
-              <a:rPr lang="fr-FR" dirty="0" smtClean="0"/>
-              <a:t>Les spécificités des CPGE</a:t>
-            </a:r>
-            <a:br>
-              <a:rPr lang="fr-FR" dirty="0" smtClean="0"/>
-            </a:br>
-            <a:r>
-              <a:rPr lang="fr-FR" dirty="0" smtClean="0"/>
-              <a:t>Les qualités attendues</a:t>
-            </a:r>
-            <a:endParaRPr lang="fr-FR" dirty="0"/>
-          </a:p>
-        </p:txBody>
-      </p:sp>
-      <p:sp>
-        <p:nvSpPr>
-          <p:cNvPr id="3" name="Espace réservé du contenu 2"/>
-          <p:cNvSpPr>
-            <a:spLocks noGrp="1"/>
-          </p:cNvSpPr>
-          <p:nvPr>
-            <p:ph sz="quarter" idx="1"/>
-          </p:nvPr>
-        </p:nvSpPr>
-        <p:spPr/>
-        <p:txBody>
-          <a:bodyPr/>
-          <a:lstStyle/>
-          <a:p>
-            <a:r>
-              <a:rPr lang="fr-FR" dirty="0" smtClean="0"/>
-              <a:t>Sélection en CPGE </a:t>
-            </a:r>
-          </a:p>
-          <a:p>
-            <a:pPr lvl="1"/>
-            <a:r>
-              <a:rPr lang="fr-FR" dirty="0" smtClean="0"/>
-              <a:t>Bulletins scolaires de Première et Terminale</a:t>
-            </a:r>
-          </a:p>
-          <a:p>
-            <a:pPr lvl="2"/>
-            <a:r>
-              <a:rPr lang="fr-FR" dirty="0" smtClean="0"/>
-              <a:t>Résultats &amp; Appréciations</a:t>
-            </a:r>
-          </a:p>
-          <a:p>
-            <a:endParaRPr lang="fr-FR" dirty="0" smtClean="0"/>
-          </a:p>
-          <a:p>
-            <a:r>
-              <a:rPr lang="fr-FR" dirty="0" smtClean="0"/>
-              <a:t>Attitude requise en CPGE</a:t>
-            </a:r>
-          </a:p>
-          <a:p>
-            <a:pPr lvl="1"/>
-            <a:r>
-              <a:rPr lang="fr-FR" dirty="0" smtClean="0"/>
-              <a:t>Assiduité et participation en cours</a:t>
-            </a:r>
-          </a:p>
-          <a:p>
-            <a:pPr lvl="1"/>
-            <a:r>
-              <a:rPr lang="fr-FR" dirty="0" smtClean="0"/>
-              <a:t>Travail sérieux et régulier pendant 2 ans</a:t>
-            </a:r>
-          </a:p>
-        </p:txBody>
-      </p:sp>
-      <p:sp>
-        <p:nvSpPr>
-          <p:cNvPr id="5" name="Espace réservé du pied de page 4"/>
-          <p:cNvSpPr>
-            <a:spLocks noGrp="1"/>
-          </p:cNvSpPr>
-          <p:nvPr>
-            <p:ph type="ftr" sz="quarter" idx="11"/>
-          </p:nvPr>
-        </p:nvSpPr>
-        <p:spPr/>
-        <p:txBody>
-          <a:bodyPr/>
-          <a:lstStyle/>
-          <a:p>
-            <a:r>
-              <a:rPr lang="fr-FR" smtClean="0"/>
-              <a:t>Présentation des CPGE - Institution Sainte-Marie - 15/12/2014</a:t>
-            </a:r>
-            <a:endParaRPr lang="fr-FR" dirty="0"/>
-          </a:p>
-        </p:txBody>
-      </p:sp>
-      <p:sp>
-        <p:nvSpPr>
-          <p:cNvPr id="4" name="Espace réservé du numéro de diapositive 3"/>
-          <p:cNvSpPr>
-            <a:spLocks noGrp="1"/>
-          </p:cNvSpPr>
-          <p:nvPr>
-            <p:ph type="sldNum" sz="quarter" idx="12"/>
-          </p:nvPr>
-        </p:nvSpPr>
-        <p:spPr/>
-        <p:txBody>
-          <a:bodyPr/>
-          <a:lstStyle/>
-          <a:p>
-            <a:fld id="{1CBB6DF8-B4DD-4E80-A138-72D154BCFFEE}" type="slidenum">
-              <a:rPr lang="fr-FR" smtClean="0"/>
-              <a:pPr/>
-              <a:t>24</a:t>
-            </a:fld>
-            <a:endParaRPr lang="fr-FR"/>
-          </a:p>
-        </p:txBody>
-      </p:sp>
-    </p:spTree>
-    <p:extLst>
-      <p:ext uri="{BB962C8B-B14F-4D97-AF65-F5344CB8AC3E}">
-        <p14:creationId xmlns:p14="http://schemas.microsoft.com/office/powerpoint/2010/main" val="257158660"/>
-      </p:ext>
-    </p:extLst>
-  </p:cSld>
-  <p:clrMapOvr>
-    <a:masterClrMapping/>
-  </p:clrMapOvr>
-  <p:timing>
-    <p:tnLst>
-      <p:par>
-        <p:cTn id="1" dur="indefinite" restart="never" nodeType="tmRoot"/>
-      </p:par>
-    </p:tnLst>
-  </p:timing>
-</p:sld>
-</file>
-
-<file path=ppt/slides/slide25.xml><?xml version="1.0" encoding="utf-8"?>
-<p:sld xmlns:a="http://schemas.openxmlformats.org/drawingml/2006/main" xmlns:r="http://schemas.openxmlformats.org/officeDocument/2006/relationships" xmlns:p="http://schemas.openxmlformats.org/presentationml/2006/main">
-  <p:cSld>
-    <p:spTree>
-      <p:nvGrpSpPr>
-        <p:cNvPr id="1" name=""/>
-        <p:cNvGrpSpPr/>
-        <p:nvPr/>
-      </p:nvGrpSpPr>
-      <p:grpSpPr>
-        <a:xfrm>
-          <a:off x="0" y="0"/>
-          <a:ext cx="0" cy="0"/>
-          <a:chOff x="0" y="0"/>
-          <a:chExt cx="0" cy="0"/>
-        </a:xfrm>
-      </p:grpSpPr>
-      <p:sp>
-        <p:nvSpPr>
-          <p:cNvPr id="2" name="Titre 1"/>
-          <p:cNvSpPr>
-            <a:spLocks noGrp="1"/>
-          </p:cNvSpPr>
-          <p:nvPr>
-            <p:ph type="title"/>
-          </p:nvPr>
-        </p:nvSpPr>
-        <p:spPr/>
-        <p:txBody>
-          <a:bodyPr/>
-          <a:lstStyle/>
-          <a:p>
-            <a:r>
-              <a:rPr lang="fr-FR" dirty="0" smtClean="0"/>
-              <a:t>Inscription / Candidatures</a:t>
-            </a:r>
-            <a:endParaRPr lang="fr-FR" dirty="0"/>
-          </a:p>
-        </p:txBody>
-      </p:sp>
-      <p:sp>
-        <p:nvSpPr>
-          <p:cNvPr id="3" name="Espace réservé du pied de page 2"/>
-          <p:cNvSpPr>
-            <a:spLocks noGrp="1"/>
-          </p:cNvSpPr>
-          <p:nvPr>
-            <p:ph type="ftr" sz="quarter" idx="11"/>
-          </p:nvPr>
-        </p:nvSpPr>
-        <p:spPr/>
-        <p:txBody>
-          <a:bodyPr/>
-          <a:lstStyle/>
-          <a:p>
-            <a:r>
-              <a:rPr lang="fr-FR" smtClean="0"/>
-              <a:t>Présentation des CPGE - Institution Sainte-Marie - 15/12/2014</a:t>
-            </a:r>
-            <a:endParaRPr lang="fr-FR" dirty="0"/>
-          </a:p>
-        </p:txBody>
-      </p:sp>
-      <p:sp>
-        <p:nvSpPr>
-          <p:cNvPr id="4" name="Espace réservé du numéro de diapositive 3"/>
-          <p:cNvSpPr>
-            <a:spLocks noGrp="1"/>
-          </p:cNvSpPr>
-          <p:nvPr>
-            <p:ph type="sldNum" sz="quarter" idx="12"/>
-          </p:nvPr>
-        </p:nvSpPr>
-        <p:spPr/>
-        <p:txBody>
-          <a:bodyPr/>
-          <a:lstStyle/>
-          <a:p>
-            <a:fld id="{1CBB6DF8-B4DD-4E80-A138-72D154BCFFEE}" type="slidenum">
-              <a:rPr lang="fr-FR" smtClean="0"/>
-              <a:pPr/>
-              <a:t>25</a:t>
             </a:fld>
             <a:endParaRPr lang="fr-FR"/>
           </a:p>
@@ -10275,7 +9256,7 @@
 </p:sld>
 </file>
 
-<file path=ppt/slides/slide26.xml><?xml version="1.0" encoding="utf-8"?>
+<file path=ppt/slides/slide23.xml><?xml version="1.0" encoding="utf-8"?>
 <p:sld xmlns:a="http://schemas.openxmlformats.org/drawingml/2006/main" xmlns:r="http://schemas.openxmlformats.org/officeDocument/2006/relationships" xmlns:p="http://schemas.openxmlformats.org/presentationml/2006/main">
   <p:cSld>
     <p:spTree>
@@ -10294,132 +9275,6 @@
       </p:grpSpPr>
       <p:sp>
         <p:nvSpPr>
-          <p:cNvPr id="4" name="Titre 3"/>
-          <p:cNvSpPr>
-            <a:spLocks noGrp="1"/>
-          </p:cNvSpPr>
-          <p:nvPr>
-            <p:ph type="title"/>
-          </p:nvPr>
-        </p:nvSpPr>
-        <p:spPr/>
-        <p:txBody>
-          <a:bodyPr/>
-          <a:lstStyle/>
-          <a:p>
-            <a:r>
-              <a:rPr lang="fr-FR" dirty="0" smtClean="0"/>
-              <a:t>Les CPGE de l’académie de Nice</a:t>
-            </a:r>
-            <a:endParaRPr lang="fr-FR" dirty="0"/>
-          </a:p>
-        </p:txBody>
-      </p:sp>
-      <p:sp>
-        <p:nvSpPr>
-          <p:cNvPr id="5" name="Espace réservé du texte 4"/>
-          <p:cNvSpPr>
-            <a:spLocks noGrp="1"/>
-          </p:cNvSpPr>
-          <p:nvPr>
-            <p:ph type="body" idx="1"/>
-          </p:nvPr>
-        </p:nvSpPr>
-        <p:spPr/>
-        <p:txBody>
-          <a:bodyPr/>
-          <a:lstStyle/>
-          <a:p>
-            <a:endParaRPr lang="fr-FR"/>
-          </a:p>
-        </p:txBody>
-      </p:sp>
-      <p:sp>
-        <p:nvSpPr>
-          <p:cNvPr id="7" name="Espace réservé du pied de page 6"/>
-          <p:cNvSpPr>
-            <a:spLocks noGrp="1"/>
-          </p:cNvSpPr>
-          <p:nvPr>
-            <p:ph type="ftr" sz="quarter" idx="11"/>
-          </p:nvPr>
-        </p:nvSpPr>
-        <p:spPr/>
-        <p:txBody>
-          <a:bodyPr/>
-          <a:lstStyle/>
-          <a:p>
-            <a:r>
-              <a:rPr lang="fr-FR" smtClean="0"/>
-              <a:t>Présentation des CPGE - Institution Sainte-Marie - 15/12/2014</a:t>
-            </a:r>
-            <a:endParaRPr lang="fr-FR"/>
-          </a:p>
-        </p:txBody>
-      </p:sp>
-      <p:sp>
-        <p:nvSpPr>
-          <p:cNvPr id="8" name="Espace réservé du numéro de diapositive 7"/>
-          <p:cNvSpPr>
-            <a:spLocks noGrp="1"/>
-          </p:cNvSpPr>
-          <p:nvPr>
-            <p:ph type="sldNum" sz="quarter" idx="12"/>
-          </p:nvPr>
-        </p:nvSpPr>
-        <p:spPr/>
-        <p:txBody>
-          <a:bodyPr/>
-          <a:lstStyle/>
-          <a:p>
-            <a:fld id="{1CBB6DF8-B4DD-4E80-A138-72D154BCFFEE}" type="slidenum">
-              <a:rPr lang="fr-FR" smtClean="0"/>
-              <a:pPr/>
-              <a:t>26</a:t>
-            </a:fld>
-            <a:endParaRPr lang="fr-FR"/>
-          </a:p>
-        </p:txBody>
-      </p:sp>
-    </p:spTree>
-    <p:extLst>
-      <p:ext uri="{BB962C8B-B14F-4D97-AF65-F5344CB8AC3E}">
-        <p14:creationId xmlns:p14="http://schemas.microsoft.com/office/powerpoint/2010/main" val="3340554524"/>
-      </p:ext>
-    </p:extLst>
-  </p:cSld>
-  <p:clrMapOvr>
-    <a:masterClrMapping/>
-  </p:clrMapOvr>
-  <p:timing>
-    <p:tnLst>
-      <p:par>
-        <p:cTn id="1" dur="indefinite" restart="never" nodeType="tmRoot"/>
-      </p:par>
-    </p:tnLst>
-  </p:timing>
-</p:sld>
-</file>
-
-<file path=ppt/slides/slide27.xml><?xml version="1.0" encoding="utf-8"?>
-<p:sld xmlns:a="http://schemas.openxmlformats.org/drawingml/2006/main" xmlns:r="http://schemas.openxmlformats.org/officeDocument/2006/relationships" xmlns:p="http://schemas.openxmlformats.org/presentationml/2006/main">
-  <p:cSld>
-    <p:spTree>
-      <p:nvGrpSpPr>
-        <p:cNvPr id="1" name=""/>
-        <p:cNvGrpSpPr/>
-        <p:nvPr/>
-      </p:nvGrpSpPr>
-      <p:grpSpPr>
-        <a:xfrm>
-          <a:off x="0" y="0"/>
-          <a:ext cx="0" cy="0"/>
-          <a:chOff x="0" y="0"/>
-          <a:chExt cx="0" cy="0"/>
-        </a:xfrm>
-      </p:grpSpPr>
-      <p:sp>
-        <p:nvSpPr>
           <p:cNvPr id="2" name="Titre 1"/>
           <p:cNvSpPr>
             <a:spLocks noGrp="1"/>
@@ -10437,11 +9292,8 @@
           <a:p>
             <a:r>
               <a:rPr lang="fr-FR" dirty="0" smtClean="0"/>
-              <a:t>Les CPGE du VAR</a:t>
-            </a:r>
-            <a:br>
-              <a:rPr lang="fr-FR" dirty="0" smtClean="0"/>
-            </a:br>
+              <a:t>Filières des lycées Dumont D’Urville et Rouvière</a:t>
+            </a:r>
             <a:endParaRPr lang="fr-FR" dirty="0"/>
           </a:p>
         </p:txBody>
@@ -10535,7 +9387,7 @@
             <a:fld id="{1CBB6DF8-B4DD-4E80-A138-72D154BCFFEE}" type="slidenum">
               <a:rPr lang="fr-FR" smtClean="0"/>
               <a:pPr/>
-              <a:t>27</a:t>
+              <a:t>23</a:t>
             </a:fld>
             <a:endParaRPr lang="fr-FR"/>
           </a:p>
@@ -10560,7 +9412,7 @@
         </p:spPr>
         <p:txBody>
           <a:bodyPr vert="horz">
-            <a:normAutofit fontScale="92500" lnSpcReduction="10000"/>
+            <a:normAutofit/>
           </a:bodyPr>
           <a:lstStyle>
             <a:lvl1pPr marL="274320" indent="-274320" algn="l" rtl="0" eaLnBrk="1" latinLnBrk="0" hangingPunct="1">
@@ -10766,74 +9618,40 @@
                   <a:srgbClr val="FF0000"/>
                 </a:solidFill>
               </a:rPr>
-              <a:t>PO le </a:t>
-            </a:r>
+              <a:t>PO le 24/01/2015</a:t>
+            </a:r>
+          </a:p>
+          <a:p>
+            <a:r>
+              <a:rPr lang="fr-FR" dirty="0" smtClean="0"/>
+              <a:t>MPSI</a:t>
+            </a:r>
+          </a:p>
+          <a:p>
+            <a:pPr lvl="1"/>
+            <a:r>
+              <a:rPr lang="fr-FR" dirty="0" smtClean="0"/>
+              <a:t>Lycée Dumont D'Urville à Toulon</a:t>
+            </a:r>
+          </a:p>
+          <a:p>
+            <a:pPr lvl="2"/>
             <a:r>
               <a:rPr lang="fr-FR" dirty="0" smtClean="0">
                 <a:solidFill>
                   <a:srgbClr val="FF0000"/>
                 </a:solidFill>
               </a:rPr>
-              <a:t>24/01/2015</a:t>
-            </a:r>
-            <a:endParaRPr lang="fr-FR" dirty="0" smtClean="0">
-              <a:solidFill>
-                <a:srgbClr val="FF0000"/>
-              </a:solidFill>
-            </a:endParaRPr>
-          </a:p>
-          <a:p>
-            <a:r>
-              <a:rPr lang="fr-FR" dirty="0" smtClean="0"/>
-              <a:t>MPSI</a:t>
-            </a:r>
-          </a:p>
-          <a:p>
-            <a:pPr lvl="1"/>
-            <a:r>
-              <a:rPr lang="fr-FR" dirty="0" smtClean="0"/>
-              <a:t>Lycée Dumont D'Urville à Toulon</a:t>
-            </a:r>
-          </a:p>
-          <a:p>
-            <a:pPr lvl="2"/>
-            <a:r>
-              <a:rPr lang="fr-FR" smtClean="0">
-                <a:solidFill>
-                  <a:srgbClr val="FF0000"/>
-                </a:solidFill>
-              </a:rPr>
-              <a:t>PO </a:t>
-            </a:r>
-            <a:r>
-              <a:rPr lang="fr-FR" smtClean="0">
-                <a:solidFill>
-                  <a:srgbClr val="FF0000"/>
-                </a:solidFill>
-              </a:rPr>
-              <a:t>le 24/01/2015</a:t>
+              <a:t>PO le 24/01/2015</a:t>
             </a:r>
             <a:endParaRPr lang="fr-FR" dirty="0" smtClean="0"/>
-          </a:p>
-          <a:p>
-            <a:pPr lvl="1"/>
-            <a:r>
-              <a:rPr lang="fr-FR" dirty="0" smtClean="0"/>
-              <a:t>Lycée Masséna à Nice</a:t>
-            </a:r>
-          </a:p>
-          <a:p>
-            <a:pPr lvl="1"/>
-            <a:r>
-              <a:rPr lang="fr-FR" dirty="0" smtClean="0"/>
-              <a:t>Lycée St-Joseph à Toulon </a:t>
-            </a:r>
           </a:p>
           <a:p>
             <a:r>
               <a:rPr lang="fr-FR" dirty="0" smtClean="0"/>
               <a:t>PCSI</a:t>
             </a:r>
+            <a:endParaRPr lang="fr-FR" dirty="0" smtClean="0"/>
           </a:p>
           <a:p>
             <a:pPr lvl="1"/>
@@ -12255,186 +11073,6 @@
           <a:lstStyle/>
           <a:p>
             <a:r>
-              <a:rPr lang="fr-FR" sz="2400" dirty="0"/>
-              <a:t>Quelques métiers</a:t>
-            </a:r>
-            <a:br>
-              <a:rPr lang="fr-FR" sz="2400" dirty="0"/>
-            </a:br>
-            <a:r>
-              <a:rPr lang="fr-FR" sz="2400" dirty="0" smtClean="0"/>
-              <a:t>Économie, Droit, Gestion, Finance, Comptabilité</a:t>
-            </a:r>
-            <a:endParaRPr lang="fr-FR" sz="2400" dirty="0"/>
-          </a:p>
-        </p:txBody>
-      </p:sp>
-      <p:sp>
-        <p:nvSpPr>
-          <p:cNvPr id="3" name="Espace réservé du contenu 2"/>
-          <p:cNvSpPr>
-            <a:spLocks noGrp="1"/>
-          </p:cNvSpPr>
-          <p:nvPr>
-            <p:ph sz="quarter" idx="1"/>
-          </p:nvPr>
-        </p:nvSpPr>
-        <p:spPr/>
-        <p:txBody>
-          <a:bodyPr/>
-          <a:lstStyle/>
-          <a:p>
-            <a:r>
-              <a:rPr lang="fr-FR" dirty="0" smtClean="0"/>
-              <a:t>Comptabilité des entreprises</a:t>
-            </a:r>
-          </a:p>
-          <a:p>
-            <a:r>
-              <a:rPr lang="fr-FR" dirty="0" smtClean="0"/>
-              <a:t>Droit</a:t>
-            </a:r>
-          </a:p>
-          <a:p>
-            <a:r>
-              <a:rPr lang="fr-FR" dirty="0" smtClean="0"/>
-              <a:t>Économie de l’entreprise</a:t>
-            </a:r>
-          </a:p>
-          <a:p>
-            <a:r>
-              <a:rPr lang="fr-FR" dirty="0" smtClean="0"/>
-              <a:t>Économie financière</a:t>
-            </a:r>
-          </a:p>
-          <a:p>
-            <a:r>
-              <a:rPr lang="fr-FR" dirty="0" smtClean="0"/>
-              <a:t>Marchés financiers</a:t>
-            </a:r>
-          </a:p>
-          <a:p>
-            <a:r>
-              <a:rPr lang="fr-FR" dirty="0" smtClean="0"/>
-              <a:t>Statistiques</a:t>
-            </a:r>
-          </a:p>
-          <a:p>
-            <a:r>
-              <a:rPr lang="fr-FR" dirty="0" smtClean="0"/>
-              <a:t>Marketing</a:t>
-            </a:r>
-          </a:p>
-          <a:p>
-            <a:r>
-              <a:rPr lang="fr-FR" dirty="0" smtClean="0"/>
-              <a:t>Management</a:t>
-            </a:r>
-          </a:p>
-        </p:txBody>
-      </p:sp>
-      <p:sp>
-        <p:nvSpPr>
-          <p:cNvPr id="5" name="Espace réservé du pied de page 4"/>
-          <p:cNvSpPr>
-            <a:spLocks noGrp="1"/>
-          </p:cNvSpPr>
-          <p:nvPr>
-            <p:ph type="ftr" sz="quarter" idx="11"/>
-          </p:nvPr>
-        </p:nvSpPr>
-        <p:spPr/>
-        <p:txBody>
-          <a:bodyPr/>
-          <a:lstStyle/>
-          <a:p>
-            <a:r>
-              <a:rPr lang="fr-FR" smtClean="0"/>
-              <a:t>Présentation des CPGE - Institution Sainte-Marie - 15/12/2014</a:t>
-            </a:r>
-            <a:endParaRPr lang="fr-FR"/>
-          </a:p>
-        </p:txBody>
-      </p:sp>
-      <p:sp>
-        <p:nvSpPr>
-          <p:cNvPr id="6" name="Espace réservé du numéro de diapositive 5"/>
-          <p:cNvSpPr>
-            <a:spLocks noGrp="1"/>
-          </p:cNvSpPr>
-          <p:nvPr>
-            <p:ph type="sldNum" sz="quarter" idx="12"/>
-          </p:nvPr>
-        </p:nvSpPr>
-        <p:spPr/>
-        <p:txBody>
-          <a:bodyPr/>
-          <a:lstStyle/>
-          <a:p>
-            <a:fld id="{1CBB6DF8-B4DD-4E80-A138-72D154BCFFEE}" type="slidenum">
-              <a:rPr lang="fr-FR" smtClean="0"/>
-              <a:pPr/>
-              <a:t>6</a:t>
-            </a:fld>
-            <a:endParaRPr lang="fr-FR"/>
-          </a:p>
-        </p:txBody>
-      </p:sp>
-    </p:spTree>
-    <p:extLst>
-      <p:ext uri="{BB962C8B-B14F-4D97-AF65-F5344CB8AC3E}">
-        <p14:creationId xmlns:p14="http://schemas.microsoft.com/office/powerpoint/2010/main" val="1593473014"/>
-      </p:ext>
-    </p:extLst>
-  </p:cSld>
-  <p:clrMapOvr>
-    <a:masterClrMapping/>
-  </p:clrMapOvr>
-  <p:timing>
-    <p:tnLst>
-      <p:par>
-        <p:cTn id="1" dur="indefinite" restart="never" nodeType="tmRoot"/>
-      </p:par>
-    </p:tnLst>
-  </p:timing>
-</p:sld>
-</file>
-
-<file path=ppt/slides/slide7.xml><?xml version="1.0" encoding="utf-8"?>
-<p:sld xmlns:a="http://schemas.openxmlformats.org/drawingml/2006/main" xmlns:r="http://schemas.openxmlformats.org/officeDocument/2006/relationships" xmlns:p="http://schemas.openxmlformats.org/presentationml/2006/main">
-  <p:cSld>
-    <p:spTree>
-      <p:nvGrpSpPr>
-        <p:cNvPr id="1" name=""/>
-        <p:cNvGrpSpPr/>
-        <p:nvPr/>
-      </p:nvGrpSpPr>
-      <p:grpSpPr>
-        <a:xfrm>
-          <a:off x="0" y="0"/>
-          <a:ext cx="0" cy="0"/>
-          <a:chOff x="0" y="0"/>
-          <a:chExt cx="0" cy="0"/>
-        </a:xfrm>
-      </p:grpSpPr>
-      <p:sp>
-        <p:nvSpPr>
-          <p:cNvPr id="2" name="Titre 1"/>
-          <p:cNvSpPr>
-            <a:spLocks noGrp="1"/>
-          </p:cNvSpPr>
-          <p:nvPr>
-            <p:ph type="title"/>
-          </p:nvPr>
-        </p:nvSpPr>
-        <p:spPr/>
-        <p:txBody>
-          <a:bodyPr>
-            <a:noAutofit/>
-          </a:bodyPr>
-          <a:lstStyle/>
-          <a:p>
-            <a:r>
               <a:rPr lang="fr-FR" sz="2400" dirty="0" smtClean="0"/>
               <a:t>Quelques métiers</a:t>
             </a:r>
@@ -12443,7 +11081,11 @@
             </a:br>
             <a:r>
               <a:rPr lang="fr-FR" sz="2400" dirty="0" smtClean="0"/>
-              <a:t>Vétérinaire, Enseignant, Enseignant Chercheur</a:t>
+              <a:t> </a:t>
+            </a:r>
+            <a:r>
+              <a:rPr lang="fr-FR" sz="2400" dirty="0" smtClean="0"/>
+              <a:t>Enseignant, Enseignant Chercheur</a:t>
             </a:r>
             <a:endParaRPr lang="fr-FR" sz="2400" dirty="0"/>
           </a:p>
@@ -12487,6 +11129,9 @@
             </a:r>
           </a:p>
           <a:p>
+            <a:pPr marL="0" indent="0">
+              <a:buNone/>
+            </a:pPr>
             <a:r>
               <a:rPr lang="fr-FR" dirty="0" smtClean="0"/>
               <a:t>université, écoles d’ingénieurs)</a:t>
@@ -12496,13 +11141,6 @@
             <a:endParaRPr lang="fr-FR" dirty="0" smtClean="0"/>
           </a:p>
           <a:p>
-            <a:endParaRPr lang="fr-FR" dirty="0"/>
-          </a:p>
-          <a:p>
-            <a:r>
-              <a:rPr lang="fr-FR" dirty="0" smtClean="0"/>
-              <a:t>Vétérinaire</a:t>
-            </a:r>
             <a:endParaRPr lang="fr-FR" dirty="0"/>
           </a:p>
         </p:txBody>
@@ -12620,167 +11258,6 @@
           </a:extLst>
         </p:spPr>
       </p:pic>
-      <p:grpSp>
-        <p:nvGrpSpPr>
-          <p:cNvPr id="5" name="Groupe 4"/>
-          <p:cNvGrpSpPr/>
-          <p:nvPr/>
-        </p:nvGrpSpPr>
-        <p:grpSpPr>
-          <a:xfrm>
-            <a:off x="649003" y="4440156"/>
-            <a:ext cx="1800000" cy="1810953"/>
-            <a:chOff x="7344000" y="1628800"/>
-            <a:chExt cx="1800000" cy="1810953"/>
-          </a:xfrm>
-        </p:grpSpPr>
-        <p:pic>
-          <p:nvPicPr>
-            <p:cNvPr id="1029" name="Picture 5"/>
-            <p:cNvPicPr>
-              <a:picLocks noChangeAspect="1" noChangeArrowheads="1"/>
-            </p:cNvPicPr>
-            <p:nvPr/>
-          </p:nvPicPr>
-          <p:blipFill>
-            <a:blip r:embed="rId5">
-              <a:extLst>
-                <a:ext uri="{28A0092B-C50C-407E-A947-70E740481C1C}">
-                  <a14:useLocalDpi xmlns:a14="http://schemas.microsoft.com/office/drawing/2010/main" val="0"/>
-                </a:ext>
-              </a:extLst>
-            </a:blip>
-            <a:srcRect/>
-            <a:stretch>
-              <a:fillRect/>
-            </a:stretch>
-          </p:blipFill>
-          <p:spPr bwMode="auto">
-            <a:xfrm>
-              <a:off x="7344000" y="1628800"/>
-              <a:ext cx="1800000" cy="607038"/>
-            </a:xfrm>
-            <a:prstGeom prst="rect">
-              <a:avLst/>
-            </a:prstGeom>
-            <a:noFill/>
-            <a:ln>
-              <a:noFill/>
-            </a:ln>
-            <a:effectLst/>
-            <a:extLst>
-              <a:ext uri="{909E8E84-426E-40DD-AFC4-6F175D3DCCD1}">
-                <a14:hiddenFill xmlns:a14="http://schemas.microsoft.com/office/drawing/2010/main">
-                  <a:solidFill>
-                    <a:schemeClr val="accent1"/>
-                  </a:solidFill>
-                </a14:hiddenFill>
-              </a:ext>
-              <a:ext uri="{91240B29-F687-4F45-9708-019B960494DF}">
-                <a14:hiddenLine xmlns:a14="http://schemas.microsoft.com/office/drawing/2010/main" w="9525">
-                  <a:solidFill>
-                    <a:schemeClr val="tx1"/>
-                  </a:solidFill>
-                  <a:miter lim="800000"/>
-                  <a:headEnd/>
-                  <a:tailEnd/>
-                </a14:hiddenLine>
-              </a:ext>
-              <a:ext uri="{AF507438-7753-43E0-B8FC-AC1667EBCBE1}">
-                <a14:hiddenEffects xmlns:a14="http://schemas.microsoft.com/office/drawing/2010/main">
-                  <a:effectLst>
-                    <a:outerShdw dist="35921" dir="2700000" algn="ctr" rotWithShape="0">
-                      <a:schemeClr val="bg2"/>
-                    </a:outerShdw>
-                  </a:effectLst>
-                </a14:hiddenEffects>
-              </a:ext>
-            </a:extLst>
-          </p:spPr>
-        </p:pic>
-        <p:pic>
-          <p:nvPicPr>
-            <p:cNvPr id="1031" name="Picture 7" descr="http://www.envt.fr/sites/all/themes/envtblueprint/images/bandeau9.jpg"/>
-            <p:cNvPicPr>
-              <a:picLocks noChangeAspect="1" noChangeArrowheads="1"/>
-            </p:cNvPicPr>
-            <p:nvPr/>
-          </p:nvPicPr>
-          <p:blipFill>
-            <a:blip r:embed="rId6">
-              <a:extLst>
-                <a:ext uri="{28A0092B-C50C-407E-A947-70E740481C1C}">
-                  <a14:useLocalDpi xmlns:a14="http://schemas.microsoft.com/office/drawing/2010/main" val="0"/>
-                </a:ext>
-              </a:extLst>
-            </a:blip>
-            <a:srcRect/>
-            <a:stretch>
-              <a:fillRect/>
-            </a:stretch>
-          </p:blipFill>
-          <p:spPr bwMode="auto">
-            <a:xfrm>
-              <a:off x="7344000" y="2235838"/>
-              <a:ext cx="1800000" cy="607039"/>
-            </a:xfrm>
-            <a:prstGeom prst="rect">
-              <a:avLst/>
-            </a:prstGeom>
-            <a:noFill/>
-            <a:extLst>
-              <a:ext uri="{909E8E84-426E-40DD-AFC4-6F175D3DCCD1}">
-                <a14:hiddenFill xmlns:a14="http://schemas.microsoft.com/office/drawing/2010/main">
-                  <a:solidFill>
-                    <a:srgbClr val="FFFFFF"/>
-                  </a:solidFill>
-                </a14:hiddenFill>
-              </a:ext>
-            </a:extLst>
-          </p:spPr>
-        </p:pic>
-        <p:pic>
-          <p:nvPicPr>
-            <p:cNvPr id="1033" name="Picture 9" descr="http://www.envt.fr/sites/all/themes/envtblueprint/images/bandeau11.jpg"/>
-            <p:cNvPicPr>
-              <a:picLocks noChangeAspect="1" noChangeArrowheads="1"/>
-            </p:cNvPicPr>
-            <p:nvPr/>
-          </p:nvPicPr>
-          <p:blipFill>
-            <a:blip r:embed="rId7">
-              <a:extLst>
-                <a:ext uri="{28A0092B-C50C-407E-A947-70E740481C1C}">
-                  <a14:useLocalDpi xmlns:a14="http://schemas.microsoft.com/office/drawing/2010/main" val="0"/>
-                </a:ext>
-              </a:extLst>
-            </a:blip>
-            <a:srcRect/>
-            <a:stretch>
-              <a:fillRect/>
-            </a:stretch>
-          </p:blipFill>
-          <p:spPr bwMode="auto">
-            <a:xfrm>
-              <a:off x="7344000" y="2832714"/>
-              <a:ext cx="1800000" cy="607039"/>
-            </a:xfrm>
-            <a:prstGeom prst="rect">
-              <a:avLst/>
-            </a:prstGeom>
-            <a:noFill/>
-            <a:extLst>
-              <a:ext uri="{909E8E84-426E-40DD-AFC4-6F175D3DCCD1}">
-                <a14:hiddenFill xmlns:a14="http://schemas.microsoft.com/office/drawing/2010/main">
-                  <a:solidFill>
-                    <a:srgbClr val="FFFFFF"/>
-                  </a:solidFill>
-                </a14:hiddenFill>
-              </a:ext>
-            </a:extLst>
-          </p:spPr>
-        </p:pic>
-      </p:grpSp>
       <p:sp>
         <p:nvSpPr>
           <p:cNvPr id="7" name="Espace réservé du pied de page 6"/>
@@ -12822,7 +11299,7 @@
             <a:fld id="{1CBB6DF8-B4DD-4E80-A138-72D154BCFFEE}" type="slidenum">
               <a:rPr lang="fr-FR" smtClean="0"/>
               <a:pPr/>
-              <a:t>7</a:t>
+              <a:t>6</a:t>
             </a:fld>
             <a:endParaRPr lang="fr-FR"/>
           </a:p>
@@ -12848,7 +11325,7 @@
 </p:sld>
 </file>
 
-<file path=ppt/slides/slide8.xml><?xml version="1.0" encoding="utf-8"?>
+<file path=ppt/slides/slide7.xml><?xml version="1.0" encoding="utf-8"?>
 <p:sld xmlns:a="http://schemas.openxmlformats.org/drawingml/2006/main" xmlns:r="http://schemas.openxmlformats.org/officeDocument/2006/relationships" xmlns:p="http://schemas.openxmlformats.org/presentationml/2006/main">
   <p:cSld>
     <p:spTree>
@@ -12948,7 +11425,7 @@
             <a:fld id="{1CBB6DF8-B4DD-4E80-A138-72D154BCFFEE}" type="slidenum">
               <a:rPr lang="fr-FR" smtClean="0"/>
               <a:pPr/>
-              <a:t>8</a:t>
+              <a:t>7</a:t>
             </a:fld>
             <a:endParaRPr lang="fr-FR"/>
           </a:p>
@@ -12974,7 +11451,7 @@
 </p:sld>
 </file>
 
-<file path=ppt/slides/slide9.xml><?xml version="1.0" encoding="utf-8"?>
+<file path=ppt/slides/slide8.xml><?xml version="1.0" encoding="utf-8"?>
 <p:sld xmlns:a="http://schemas.openxmlformats.org/drawingml/2006/main" xmlns:r="http://schemas.openxmlformats.org/officeDocument/2006/relationships" xmlns:p="http://schemas.openxmlformats.org/presentationml/2006/main">
   <p:cSld>
     <p:spTree>
@@ -14423,7 +12900,7 @@
             <a:fld id="{1CBB6DF8-B4DD-4E80-A138-72D154BCFFEE}" type="slidenum">
               <a:rPr lang="fr-FR" smtClean="0"/>
               <a:pPr/>
-              <a:t>9</a:t>
+              <a:t>8</a:t>
             </a:fld>
             <a:endParaRPr lang="fr-FR"/>
           </a:p>
@@ -14577,6 +13054,181 @@
     <p:extLst>
       <p:ext uri="{BB962C8B-B14F-4D97-AF65-F5344CB8AC3E}">
         <p14:creationId xmlns:p14="http://schemas.microsoft.com/office/powerpoint/2010/main" val="1865767082"/>
+      </p:ext>
+    </p:extLst>
+  </p:cSld>
+  <p:clrMapOvr>
+    <a:masterClrMapping/>
+  </p:clrMapOvr>
+  <p:timing>
+    <p:tnLst>
+      <p:par>
+        <p:cTn id="1" dur="indefinite" restart="never" nodeType="tmRoot"/>
+      </p:par>
+    </p:tnLst>
+  </p:timing>
+</p:sld>
+</file>
+
+<file path=ppt/slides/slide9.xml><?xml version="1.0" encoding="utf-8"?>
+<p:sld xmlns:a="http://schemas.openxmlformats.org/drawingml/2006/main" xmlns:r="http://schemas.openxmlformats.org/officeDocument/2006/relationships" xmlns:p="http://schemas.openxmlformats.org/presentationml/2006/main">
+  <p:cSld>
+    <p:spTree>
+      <p:nvGrpSpPr>
+        <p:cNvPr id="1" name=""/>
+        <p:cNvGrpSpPr/>
+        <p:nvPr/>
+      </p:nvGrpSpPr>
+      <p:grpSpPr>
+        <a:xfrm>
+          <a:off x="0" y="0"/>
+          <a:ext cx="0" cy="0"/>
+          <a:chOff x="0" y="0"/>
+          <a:chExt cx="0" cy="0"/>
+        </a:xfrm>
+      </p:grpSpPr>
+      <p:sp>
+        <p:nvSpPr>
+          <p:cNvPr id="2" name="Titre 1"/>
+          <p:cNvSpPr>
+            <a:spLocks noGrp="1"/>
+          </p:cNvSpPr>
+          <p:nvPr>
+            <p:ph type="title"/>
+          </p:nvPr>
+        </p:nvSpPr>
+        <p:spPr/>
+        <p:txBody>
+          <a:bodyPr>
+            <a:normAutofit fontScale="90000"/>
+          </a:bodyPr>
+          <a:lstStyle/>
+          <a:p>
+            <a:r>
+              <a:rPr lang="fr-FR" dirty="0" smtClean="0"/>
+              <a:t>Les Classes Préparatoires aux </a:t>
+            </a:r>
+            <a:r>
+              <a:rPr lang="fr-FR" dirty="0"/>
+              <a:t>G</a:t>
+            </a:r>
+            <a:r>
+              <a:rPr lang="fr-FR" dirty="0" smtClean="0"/>
+              <a:t>randes Écoles</a:t>
+            </a:r>
+            <a:endParaRPr lang="fr-FR" dirty="0"/>
+          </a:p>
+        </p:txBody>
+      </p:sp>
+      <p:sp>
+        <p:nvSpPr>
+          <p:cNvPr id="3" name="Espace réservé du contenu 2"/>
+          <p:cNvSpPr>
+            <a:spLocks noGrp="1"/>
+          </p:cNvSpPr>
+          <p:nvPr>
+            <p:ph sz="quarter" idx="1"/>
+          </p:nvPr>
+        </p:nvSpPr>
+        <p:spPr/>
+        <p:txBody>
+          <a:bodyPr/>
+          <a:lstStyle/>
+          <a:p>
+            <a:r>
+              <a:rPr lang="fr-FR" dirty="0" smtClean="0"/>
+              <a:t>2 ans de formations (possibilité de redoubler la seconde année)</a:t>
+            </a:r>
+          </a:p>
+          <a:p>
+            <a:endParaRPr lang="fr-FR" dirty="0" smtClean="0"/>
+          </a:p>
+          <a:p>
+            <a:pPr lvl="1"/>
+            <a:r>
+              <a:rPr lang="fr-FR" dirty="0" smtClean="0"/>
+              <a:t>Préparation à des concours d’accès aux grandes écoles (épreuves écrites puis orales) </a:t>
+            </a:r>
+          </a:p>
+          <a:p>
+            <a:pPr lvl="1"/>
+            <a:r>
+              <a:rPr lang="fr-FR" dirty="0" smtClean="0"/>
+              <a:t>Validation de crédits ECTS</a:t>
+            </a:r>
+          </a:p>
+          <a:p>
+            <a:pPr lvl="1"/>
+            <a:endParaRPr lang="fr-FR" dirty="0"/>
+          </a:p>
+          <a:p>
+            <a:r>
+              <a:rPr lang="fr-FR" dirty="0" smtClean="0"/>
+              <a:t>3 à 4 ans de formation en école d’ingénieur</a:t>
+            </a:r>
+          </a:p>
+          <a:p>
+            <a:endParaRPr lang="fr-FR" dirty="0"/>
+          </a:p>
+          <a:p>
+            <a:r>
+              <a:rPr lang="fr-FR" dirty="0" smtClean="0"/>
+              <a:t>Éventuellement 3 ans de doctorat</a:t>
+            </a:r>
+          </a:p>
+        </p:txBody>
+      </p:sp>
+      <p:sp>
+        <p:nvSpPr>
+          <p:cNvPr id="5" name="Espace réservé du pied de page 4"/>
+          <p:cNvSpPr>
+            <a:spLocks noGrp="1"/>
+          </p:cNvSpPr>
+          <p:nvPr>
+            <p:ph type="ftr" sz="quarter" idx="11"/>
+          </p:nvPr>
+        </p:nvSpPr>
+        <p:spPr/>
+        <p:txBody>
+          <a:bodyPr/>
+          <a:lstStyle/>
+          <a:p>
+            <a:r>
+              <a:rPr lang="fr-FR" smtClean="0"/>
+              <a:t>Présentation des CPGE - Institution Sainte-Marie - 15/12/2014</a:t>
+            </a:r>
+            <a:endParaRPr lang="fr-FR"/>
+          </a:p>
+        </p:txBody>
+      </p:sp>
+      <p:sp>
+        <p:nvSpPr>
+          <p:cNvPr id="6" name="Espace réservé du numéro de diapositive 5"/>
+          <p:cNvSpPr>
+            <a:spLocks noGrp="1"/>
+          </p:cNvSpPr>
+          <p:nvPr>
+            <p:ph type="sldNum" sz="quarter" idx="12"/>
+          </p:nvPr>
+        </p:nvSpPr>
+        <p:spPr/>
+        <p:txBody>
+          <a:bodyPr/>
+          <a:lstStyle/>
+          <a:p>
+            <a:fld id="{1CBB6DF8-B4DD-4E80-A138-72D154BCFFEE}" type="slidenum">
+              <a:rPr lang="fr-FR" smtClean="0"/>
+              <a:pPr/>
+              <a:t>9</a:t>
+            </a:fld>
+            <a:endParaRPr lang="fr-FR"/>
+          </a:p>
+        </p:txBody>
+      </p:sp>
+    </p:spTree>
+    <p:extLst>
+      <p:ext uri="{BB962C8B-B14F-4D97-AF65-F5344CB8AC3E}">
+        <p14:creationId xmlns:p14="http://schemas.microsoft.com/office/powerpoint/2010/main" val="254375803"/>
       </p:ext>
     </p:extLst>
   </p:cSld>

--- a/Rouviere/PresentationCPGE_ISM.pptx
+++ b/Rouviere/PresentationCPGE_ISM.pptx
@@ -5,32 +5,35 @@
     <p:sldMasterId id="2147483948" r:id="rId1"/>
   </p:sldMasterIdLst>
   <p:notesMasterIdLst>
-    <p:notesMasterId r:id="rId25"/>
+    <p:notesMasterId r:id="rId28"/>
   </p:notesMasterIdLst>
   <p:sldIdLst>
     <p:sldId id="256" r:id="rId2"/>
     <p:sldId id="257" r:id="rId3"/>
     <p:sldId id="266" r:id="rId4"/>
     <p:sldId id="258" r:id="rId5"/>
-    <p:sldId id="286" r:id="rId6"/>
-    <p:sldId id="260" r:id="rId7"/>
-    <p:sldId id="267" r:id="rId8"/>
-    <p:sldId id="268" r:id="rId9"/>
-    <p:sldId id="269" r:id="rId10"/>
-    <p:sldId id="270" r:id="rId11"/>
-    <p:sldId id="271" r:id="rId12"/>
-    <p:sldId id="282" r:id="rId13"/>
-    <p:sldId id="278" r:id="rId14"/>
-    <p:sldId id="280" r:id="rId15"/>
-    <p:sldId id="281" r:id="rId16"/>
-    <p:sldId id="287" r:id="rId17"/>
-    <p:sldId id="275" r:id="rId18"/>
-    <p:sldId id="279" r:id="rId19"/>
-    <p:sldId id="277" r:id="rId20"/>
-    <p:sldId id="273" r:id="rId21"/>
-    <p:sldId id="274" r:id="rId22"/>
-    <p:sldId id="285" r:id="rId23"/>
-    <p:sldId id="262" r:id="rId24"/>
+    <p:sldId id="260" r:id="rId6"/>
+    <p:sldId id="267" r:id="rId7"/>
+    <p:sldId id="268" r:id="rId8"/>
+    <p:sldId id="269" r:id="rId9"/>
+    <p:sldId id="270" r:id="rId10"/>
+    <p:sldId id="271" r:id="rId11"/>
+    <p:sldId id="282" r:id="rId12"/>
+    <p:sldId id="278" r:id="rId13"/>
+    <p:sldId id="280" r:id="rId14"/>
+    <p:sldId id="281" r:id="rId15"/>
+    <p:sldId id="287" r:id="rId16"/>
+    <p:sldId id="275" r:id="rId17"/>
+    <p:sldId id="279" r:id="rId18"/>
+    <p:sldId id="277" r:id="rId19"/>
+    <p:sldId id="273" r:id="rId20"/>
+    <p:sldId id="274" r:id="rId21"/>
+    <p:sldId id="285" r:id="rId22"/>
+    <p:sldId id="262" r:id="rId23"/>
+    <p:sldId id="289" r:id="rId24"/>
+    <p:sldId id="290" r:id="rId25"/>
+    <p:sldId id="291" r:id="rId26"/>
+    <p:sldId id="286" r:id="rId27"/>
   </p:sldIdLst>
   <p:sldSz cx="9144000" cy="6858000" type="screen4x3"/>
   <p:notesSz cx="6858000" cy="9144000"/>
@@ -793,11 +796,11 @@
           <c:showBubbleSize val="0"/>
         </c:dLbls>
         <c:gapWidth val="100"/>
-        <c:axId val="33109120"/>
-        <c:axId val="33110656"/>
+        <c:axId val="95553792"/>
+        <c:axId val="95608832"/>
       </c:barChart>
       <c:catAx>
-        <c:axId val="33109120"/>
+        <c:axId val="95553792"/>
         <c:scaling>
           <c:orientation val="minMax"/>
         </c:scaling>
@@ -816,7 +819,7 @@
             <a:endParaRPr lang="fr-FR"/>
           </a:p>
         </c:txPr>
-        <c:crossAx val="33110656"/>
+        <c:crossAx val="95608832"/>
         <c:crosses val="autoZero"/>
         <c:auto val="1"/>
         <c:lblAlgn val="ctr"/>
@@ -824,7 +827,7 @@
         <c:noMultiLvlLbl val="0"/>
       </c:catAx>
       <c:valAx>
-        <c:axId val="33110656"/>
+        <c:axId val="95608832"/>
         <c:scaling>
           <c:orientation val="minMax"/>
           <c:max val="12"/>
@@ -837,7 +840,7 @@
         <c:majorTickMark val="out"/>
         <c:minorTickMark val="none"/>
         <c:tickLblPos val="nextTo"/>
-        <c:crossAx val="33109120"/>
+        <c:crossAx val="95553792"/>
         <c:crosses val="autoZero"/>
         <c:crossBetween val="between"/>
       </c:valAx>
@@ -968,11 +971,11 @@
           <c:showBubbleSize val="0"/>
         </c:dLbls>
         <c:gapWidth val="100"/>
-        <c:axId val="33130752"/>
-        <c:axId val="33136640"/>
+        <c:axId val="95665536"/>
+        <c:axId val="95667328"/>
       </c:barChart>
       <c:catAx>
-        <c:axId val="33130752"/>
+        <c:axId val="95665536"/>
         <c:scaling>
           <c:orientation val="minMax"/>
         </c:scaling>
@@ -991,7 +994,7 @@
             <a:endParaRPr lang="fr-FR"/>
           </a:p>
         </c:txPr>
-        <c:crossAx val="33136640"/>
+        <c:crossAx val="95667328"/>
         <c:crosses val="autoZero"/>
         <c:auto val="1"/>
         <c:lblAlgn val="ctr"/>
@@ -999,7 +1002,7 @@
         <c:noMultiLvlLbl val="0"/>
       </c:catAx>
       <c:valAx>
-        <c:axId val="33136640"/>
+        <c:axId val="95667328"/>
         <c:scaling>
           <c:orientation val="minMax"/>
           <c:max val="12"/>
@@ -1012,7 +1015,7 @@
         <c:majorTickMark val="out"/>
         <c:minorTickMark val="none"/>
         <c:tickLblPos val="nextTo"/>
-        <c:crossAx val="33130752"/>
+        <c:crossAx val="95665536"/>
         <c:crosses val="autoZero"/>
         <c:crossBetween val="between"/>
       </c:valAx>
@@ -1143,11 +1146,11 @@
           <c:showBubbleSize val="0"/>
         </c:dLbls>
         <c:gapWidth val="100"/>
-        <c:axId val="33148288"/>
-        <c:axId val="40932480"/>
+        <c:axId val="98489088"/>
+        <c:axId val="98490624"/>
       </c:barChart>
       <c:catAx>
-        <c:axId val="33148288"/>
+        <c:axId val="98489088"/>
         <c:scaling>
           <c:orientation val="minMax"/>
         </c:scaling>
@@ -1166,7 +1169,7 @@
             <a:endParaRPr lang="fr-FR"/>
           </a:p>
         </c:txPr>
-        <c:crossAx val="40932480"/>
+        <c:crossAx val="98490624"/>
         <c:crosses val="autoZero"/>
         <c:auto val="1"/>
         <c:lblAlgn val="ctr"/>
@@ -1174,7 +1177,7 @@
         <c:noMultiLvlLbl val="0"/>
       </c:catAx>
       <c:valAx>
-        <c:axId val="40932480"/>
+        <c:axId val="98490624"/>
         <c:scaling>
           <c:orientation val="minMax"/>
           <c:max val="12"/>
@@ -1187,7 +1190,7 @@
         <c:majorTickMark val="out"/>
         <c:minorTickMark val="none"/>
         <c:tickLblPos val="nextTo"/>
-        <c:crossAx val="33148288"/>
+        <c:crossAx val="98489088"/>
         <c:crosses val="autoZero"/>
         <c:crossBetween val="between"/>
       </c:valAx>
@@ -1295,7 +1298,7 @@
             <a:fld id="{D27F0A6E-5B86-4EF6-83C5-0BD3A3DA83B6}" type="datetimeFigureOut">
               <a:rPr lang="fr-FR" smtClean="0"/>
               <a:pPr/>
-              <a:t>11/12/2014</a:t>
+              <a:t>14/12/2014</a:t>
             </a:fld>
             <a:endParaRPr lang="fr-FR"/>
           </a:p>
@@ -1707,7 +1710,7 @@
           <a:p>
             <a:fld id="{9412A1D1-8C66-446D-B3B3-A88879C385FA}" type="datetime1">
               <a:rPr lang="fr-FR" smtClean="0"/>
-              <a:t>11/12/2014</a:t>
+              <a:t>14/12/2014</a:t>
             </a:fld>
             <a:endParaRPr lang="fr-FR"/>
           </a:p>
@@ -2082,7 +2085,7 @@
           <a:p>
             <a:fld id="{C15501DB-A77A-4625-8395-F77309C61A1C}" type="datetime1">
               <a:rPr lang="fr-FR" smtClean="0"/>
-              <a:t>11/12/2014</a:t>
+              <a:t>14/12/2014</a:t>
             </a:fld>
             <a:endParaRPr lang="fr-FR"/>
           </a:p>
@@ -2262,7 +2265,7 @@
           <a:p>
             <a:fld id="{2D07BBF2-E29B-4A17-BF8B-44E90D04E049}" type="datetime1">
               <a:rPr lang="fr-FR" smtClean="0"/>
-              <a:t>11/12/2014</a:t>
+              <a:t>14/12/2014</a:t>
             </a:fld>
             <a:endParaRPr lang="fr-FR"/>
           </a:p>
@@ -2502,7 +2505,7 @@
           <a:p>
             <a:fld id="{0C40AECC-2940-437D-8FB9-83BEF197BECF}" type="datetime1">
               <a:rPr lang="fr-FR" smtClean="0"/>
-              <a:t>11/12/2014</a:t>
+              <a:t>14/12/2014</a:t>
             </a:fld>
             <a:endParaRPr lang="fr-FR"/>
           </a:p>
@@ -2792,7 +2795,7 @@
           <a:p>
             <a:fld id="{E0E26395-D0D1-468A-8B92-F7D75501F986}" type="datetime1">
               <a:rPr lang="fr-FR" smtClean="0"/>
-              <a:t>11/12/2014</a:t>
+              <a:t>14/12/2014</a:t>
             </a:fld>
             <a:endParaRPr lang="fr-FR"/>
           </a:p>
@@ -3028,7 +3031,7 @@
           <a:p>
             <a:fld id="{01276086-76D7-4EEB-97B2-1BB4CD304EF7}" type="datetime1">
               <a:rPr lang="fr-FR" smtClean="0"/>
-              <a:t>11/12/2014</a:t>
+              <a:t>14/12/2014</a:t>
             </a:fld>
             <a:endParaRPr lang="fr-FR"/>
           </a:p>
@@ -3385,7 +3388,7 @@
           <a:p>
             <a:fld id="{D5BE2650-7565-47DB-B507-A23AE880A393}" type="datetime1">
               <a:rPr lang="fr-FR" smtClean="0"/>
-              <a:t>11/12/2014</a:t>
+              <a:t>14/12/2014</a:t>
             </a:fld>
             <a:endParaRPr lang="fr-FR"/>
           </a:p>
@@ -3622,7 +3625,7 @@
           <a:p>
             <a:fld id="{9B5E0AE3-DD66-4999-A6EE-7F7C4179CE32}" type="datetime1">
               <a:rPr lang="fr-FR" smtClean="0"/>
-              <a:t>11/12/2014</a:t>
+              <a:t>14/12/2014</a:t>
             </a:fld>
             <a:endParaRPr lang="fr-FR"/>
           </a:p>
@@ -3767,7 +3770,7 @@
           <a:p>
             <a:fld id="{C1690454-7951-4068-B636-23098A1CD4E7}" type="datetime1">
               <a:rPr lang="fr-FR" smtClean="0"/>
-              <a:t>11/12/2014</a:t>
+              <a:t>14/12/2014</a:t>
             </a:fld>
             <a:endParaRPr lang="fr-FR"/>
           </a:p>
@@ -4049,7 +4052,7 @@
           <a:p>
             <a:fld id="{7E61C516-2415-400F-896D-A617517EFEE3}" type="datetime1">
               <a:rPr lang="fr-FR" smtClean="0"/>
-              <a:t>11/12/2014</a:t>
+              <a:t>14/12/2014</a:t>
             </a:fld>
             <a:endParaRPr lang="fr-FR"/>
           </a:p>
@@ -4461,7 +4464,7 @@
           <a:p>
             <a:fld id="{A8BB4EBE-0302-49B1-B944-C9B4EA9E2D04}" type="datetime1">
               <a:rPr lang="fr-FR" smtClean="0"/>
-              <a:t>11/12/2014</a:t>
+              <a:t>14/12/2014</a:t>
             </a:fld>
             <a:endParaRPr lang="fr-FR"/>
           </a:p>
@@ -4804,7 +4807,7 @@
           <a:p>
             <a:fld id="{C0484D32-8F09-4A1E-B4CB-EE9CAC92F4A6}" type="datetime1">
               <a:rPr lang="fr-FR" smtClean="0"/>
-              <a:t>11/12/2014</a:t>
+              <a:t>14/12/2014</a:t>
             </a:fld>
             <a:endParaRPr lang="fr-FR"/>
           </a:p>
@@ -5516,7 +5519,7 @@
       </p:grpSpPr>
       <p:sp>
         <p:nvSpPr>
-          <p:cNvPr id="2" name="Titre 1"/>
+          <p:cNvPr id="4" name="Titre 3"/>
           <p:cNvSpPr>
             <a:spLocks noGrp="1"/>
           </p:cNvSpPr>
@@ -5531,9 +5534,28 @@
           <a:p>
             <a:r>
               <a:rPr lang="fr-FR" dirty="0" smtClean="0"/>
-              <a:t>Quelle prépa pour quelle école ?</a:t>
+              <a:t>Les différentes CPGE Scientifiques</a:t>
             </a:r>
             <a:endParaRPr lang="fr-FR" dirty="0"/>
+          </a:p>
+        </p:txBody>
+      </p:sp>
+      <p:sp>
+        <p:nvSpPr>
+          <p:cNvPr id="5" name="Espace réservé du texte 4"/>
+          <p:cNvSpPr>
+            <a:spLocks noGrp="1"/>
+          </p:cNvSpPr>
+          <p:nvPr>
+            <p:ph type="body" idx="1"/>
+          </p:nvPr>
+        </p:nvSpPr>
+        <p:spPr/>
+        <p:txBody>
+          <a:bodyPr/>
+          <a:lstStyle/>
+          <a:p>
+            <a:endParaRPr lang="fr-FR"/>
           </a:p>
         </p:txBody>
       </p:sp>
@@ -5556,1154 +5578,13 @@
               <a:rPr lang="fr-FR" smtClean="0"/>
               <a:t>Présentation des CPGE - Institution Sainte-Marie - 15/12/2014</a:t>
             </a:r>
-            <a:endParaRPr lang="fr-FR" dirty="0"/>
-          </a:p>
-        </p:txBody>
-      </p:sp>
-      <p:sp>
-        <p:nvSpPr>
-          <p:cNvPr id="5" name="Rectangle 4"/>
-          <p:cNvSpPr/>
-          <p:nvPr/>
-        </p:nvSpPr>
-        <p:spPr>
-          <a:xfrm>
-            <a:off x="225922" y="5805264"/>
-            <a:ext cx="8666558" cy="432048"/>
-          </a:xfrm>
-          <a:prstGeom prst="rect">
-            <a:avLst/>
-          </a:prstGeom>
-        </p:spPr>
-        <p:style>
-          <a:lnRef idx="2">
-            <a:schemeClr val="accent1">
-              <a:shade val="50000"/>
-            </a:schemeClr>
-          </a:lnRef>
-          <a:fillRef idx="1">
-            <a:schemeClr val="accent1"/>
-          </a:fillRef>
-          <a:effectRef idx="0">
-            <a:schemeClr val="accent1"/>
-          </a:effectRef>
-          <a:fontRef idx="minor">
-            <a:schemeClr val="lt1"/>
-          </a:fontRef>
-        </p:style>
-        <p:txBody>
-          <a:bodyPr rtlCol="0" anchor="ctr"/>
-          <a:lstStyle/>
-          <a:p>
-            <a:pPr algn="ctr"/>
-            <a:r>
-              <a:rPr lang="fr-FR" sz="1600" b="1" dirty="0" smtClean="0"/>
-              <a:t>Baccalauréat Scientifique</a:t>
-            </a:r>
-            <a:endParaRPr lang="fr-FR" sz="1600" b="1" dirty="0"/>
-          </a:p>
-        </p:txBody>
-      </p:sp>
-      <p:sp>
-        <p:nvSpPr>
-          <p:cNvPr id="6" name="Rectangle 5"/>
-          <p:cNvSpPr/>
-          <p:nvPr/>
-        </p:nvSpPr>
-        <p:spPr>
-          <a:xfrm>
-            <a:off x="225922" y="5181298"/>
-            <a:ext cx="2545878" cy="440784"/>
-          </a:xfrm>
-          <a:prstGeom prst="rect">
-            <a:avLst/>
-          </a:prstGeom>
-        </p:spPr>
-        <p:style>
-          <a:lnRef idx="2">
-            <a:schemeClr val="accent5">
-              <a:shade val="50000"/>
-            </a:schemeClr>
-          </a:lnRef>
-          <a:fillRef idx="1">
-            <a:schemeClr val="accent5"/>
-          </a:fillRef>
-          <a:effectRef idx="0">
-            <a:schemeClr val="accent5"/>
-          </a:effectRef>
-          <a:fontRef idx="minor">
-            <a:schemeClr val="lt1"/>
-          </a:fontRef>
-        </p:style>
-        <p:txBody>
-          <a:bodyPr rtlCol="0" anchor="ctr"/>
-          <a:lstStyle/>
-          <a:p>
-            <a:pPr algn="ctr"/>
-            <a:r>
-              <a:rPr lang="fr-FR" sz="1400" b="1" dirty="0" smtClean="0"/>
-              <a:t>PTSI – PCSI – MPSI</a:t>
-            </a:r>
-            <a:endParaRPr lang="fr-FR" sz="1400" b="1" dirty="0"/>
-          </a:p>
-        </p:txBody>
-      </p:sp>
-      <p:sp>
-        <p:nvSpPr>
-          <p:cNvPr id="7" name="Rectangle 6"/>
-          <p:cNvSpPr/>
-          <p:nvPr/>
-        </p:nvSpPr>
-        <p:spPr>
-          <a:xfrm>
-            <a:off x="3635896" y="5181298"/>
-            <a:ext cx="2520280" cy="440784"/>
-          </a:xfrm>
-          <a:prstGeom prst="rect">
-            <a:avLst/>
-          </a:prstGeom>
-        </p:spPr>
-        <p:style>
-          <a:lnRef idx="2">
-            <a:schemeClr val="accent5">
-              <a:shade val="50000"/>
-            </a:schemeClr>
-          </a:lnRef>
-          <a:fillRef idx="1">
-            <a:schemeClr val="accent5"/>
-          </a:fillRef>
-          <a:effectRef idx="0">
-            <a:schemeClr val="accent5"/>
-          </a:effectRef>
-          <a:fontRef idx="minor">
-            <a:schemeClr val="lt1"/>
-          </a:fontRef>
-        </p:style>
-        <p:txBody>
-          <a:bodyPr rtlCol="0" anchor="ctr"/>
-          <a:lstStyle/>
-          <a:p>
-            <a:pPr algn="ctr"/>
-            <a:r>
-              <a:rPr lang="fr-FR" sz="1400" b="1" dirty="0" smtClean="0"/>
-              <a:t>BCPST</a:t>
-            </a:r>
-            <a:endParaRPr lang="fr-FR" sz="1400" b="1" dirty="0"/>
-          </a:p>
-        </p:txBody>
-      </p:sp>
-      <p:sp>
-        <p:nvSpPr>
-          <p:cNvPr id="8" name="Rectangle 7"/>
-          <p:cNvSpPr/>
-          <p:nvPr/>
-        </p:nvSpPr>
-        <p:spPr>
-          <a:xfrm>
-            <a:off x="6706642" y="5181298"/>
-            <a:ext cx="2185838" cy="440784"/>
-          </a:xfrm>
-          <a:prstGeom prst="rect">
-            <a:avLst/>
-          </a:prstGeom>
-        </p:spPr>
-        <p:style>
-          <a:lnRef idx="2">
-            <a:schemeClr val="accent5">
-              <a:shade val="50000"/>
-            </a:schemeClr>
-          </a:lnRef>
-          <a:fillRef idx="1">
-            <a:schemeClr val="accent5"/>
-          </a:fillRef>
-          <a:effectRef idx="0">
-            <a:schemeClr val="accent5"/>
-          </a:effectRef>
-          <a:fontRef idx="minor">
-            <a:schemeClr val="lt1"/>
-          </a:fontRef>
-        </p:style>
-        <p:txBody>
-          <a:bodyPr rtlCol="0" anchor="ctr"/>
-          <a:lstStyle/>
-          <a:p>
-            <a:pPr algn="ctr"/>
-            <a:r>
-              <a:rPr lang="fr-FR" sz="1400" b="1" dirty="0" smtClean="0"/>
-              <a:t>Prépa EC</a:t>
-            </a:r>
-            <a:endParaRPr lang="fr-FR" sz="1400" b="1" dirty="0"/>
-          </a:p>
-        </p:txBody>
-      </p:sp>
-      <p:sp>
-        <p:nvSpPr>
-          <p:cNvPr id="9" name="Espace réservé du contenu 8"/>
-          <p:cNvSpPr>
-            <a:spLocks noGrp="1"/>
-          </p:cNvSpPr>
-          <p:nvPr>
-            <p:ph sz="quarter" idx="1"/>
-          </p:nvPr>
-        </p:nvSpPr>
-        <p:spPr>
-          <a:xfrm>
-            <a:off x="2411760" y="1988840"/>
-            <a:ext cx="1584177" cy="2295912"/>
-          </a:xfrm>
-          <a:prstGeom prst="rect">
-            <a:avLst/>
-          </a:prstGeom>
-        </p:spPr>
-        <p:style>
-          <a:lnRef idx="2">
-            <a:schemeClr val="accent3">
-              <a:shade val="50000"/>
-            </a:schemeClr>
-          </a:lnRef>
-          <a:fillRef idx="1">
-            <a:schemeClr val="accent3"/>
-          </a:fillRef>
-          <a:effectRef idx="0">
-            <a:schemeClr val="accent3"/>
-          </a:effectRef>
-          <a:fontRef idx="minor">
-            <a:schemeClr val="lt1"/>
-          </a:fontRef>
-        </p:style>
-        <p:txBody>
-          <a:bodyPr rtlCol="0" anchor="ctr">
-            <a:normAutofit/>
-          </a:bodyPr>
-          <a:lstStyle/>
-          <a:p>
-            <a:pPr marL="0" indent="0" algn="ctr">
-              <a:buNone/>
-            </a:pPr>
-            <a:r>
-              <a:rPr lang="fr-FR" sz="1600" b="1" dirty="0" smtClean="0"/>
-              <a:t>Écoles Normales Supérieurs</a:t>
-            </a:r>
-          </a:p>
-          <a:p>
-            <a:pPr marL="0" indent="0" algn="ctr">
-              <a:buNone/>
-            </a:pPr>
-            <a:r>
-              <a:rPr lang="fr-FR" sz="1600" b="1" dirty="0" smtClean="0"/>
-              <a:t>Écoles d’ingénieur </a:t>
-            </a:r>
-          </a:p>
-          <a:p>
-            <a:pPr marL="0" indent="0" algn="ctr">
-              <a:buNone/>
-            </a:pPr>
-            <a:r>
-              <a:rPr lang="fr-FR" sz="1600" b="1" dirty="0" smtClean="0"/>
-              <a:t>(Chimie Paris, ESPCI, Réseau </a:t>
-            </a:r>
-            <a:r>
-              <a:rPr lang="fr-FR" sz="1600" b="1" dirty="0" err="1" smtClean="0"/>
-              <a:t>Polytech</a:t>
-            </a:r>
-            <a:r>
-              <a:rPr lang="fr-FR" sz="1600" b="1" dirty="0" smtClean="0"/>
-              <a:t> …)</a:t>
-            </a:r>
-            <a:endParaRPr lang="fr-FR" sz="1600" b="1" dirty="0"/>
-          </a:p>
-        </p:txBody>
-      </p:sp>
-      <p:sp>
-        <p:nvSpPr>
-          <p:cNvPr id="10" name="Espace réservé du contenu 8"/>
-          <p:cNvSpPr txBox="1">
-            <a:spLocks/>
-          </p:cNvSpPr>
-          <p:nvPr/>
-        </p:nvSpPr>
-        <p:spPr>
-          <a:xfrm>
-            <a:off x="256738" y="1999469"/>
-            <a:ext cx="1938998" cy="2295912"/>
-          </a:xfrm>
-          <a:prstGeom prst="rect">
-            <a:avLst/>
-          </a:prstGeom>
-        </p:spPr>
-        <p:style>
-          <a:lnRef idx="2">
-            <a:schemeClr val="accent3">
-              <a:shade val="50000"/>
-            </a:schemeClr>
-          </a:lnRef>
-          <a:fillRef idx="1">
-            <a:schemeClr val="accent3"/>
-          </a:fillRef>
-          <a:effectRef idx="0">
-            <a:schemeClr val="accent3"/>
-          </a:effectRef>
-          <a:fontRef idx="minor">
-            <a:schemeClr val="lt1"/>
-          </a:fontRef>
-        </p:style>
-        <p:txBody>
-          <a:bodyPr rot="0" spcFirstLastPara="0" vertOverflow="overflow" horzOverflow="overflow" vert="horz" wrap="square" lIns="91440" tIns="45720" rIns="91440" bIns="45720" numCol="1" spcCol="0" rtlCol="0" fromWordArt="0" anchor="ctr" anchorCtr="0" forceAA="0" compatLnSpc="1">
-            <a:prstTxWarp prst="textNoShape">
-              <a:avLst/>
-            </a:prstTxWarp>
-            <a:noAutofit/>
-          </a:bodyPr>
-          <a:lstStyle>
-            <a:lvl1pPr marL="274320" indent="-274320" algn="l" rtl="0" eaLnBrk="1" latinLnBrk="0" hangingPunct="1">
-              <a:spcBef>
-                <a:spcPts val="600"/>
-              </a:spcBef>
-              <a:buClr>
-                <a:schemeClr val="accent1"/>
-              </a:buClr>
-              <a:buSzPct val="76000"/>
-              <a:buFont typeface="Wingdings 3"/>
-              <a:buChar char=""/>
-              <a:defRPr kumimoji="0" sz="2600" kern="1200">
-                <a:solidFill>
-                  <a:schemeClr val="lt1"/>
-                </a:solidFill>
-                <a:latin typeface="+mn-lt"/>
-                <a:ea typeface="+mn-ea"/>
-                <a:cs typeface="+mn-cs"/>
-              </a:defRPr>
-            </a:lvl1pPr>
-            <a:lvl2pPr marL="548640" indent="-274320" algn="l" rtl="0" eaLnBrk="1" latinLnBrk="0" hangingPunct="1">
-              <a:spcBef>
-                <a:spcPts val="500"/>
-              </a:spcBef>
-              <a:buClr>
-                <a:schemeClr val="accent2"/>
-              </a:buClr>
-              <a:buSzPct val="76000"/>
-              <a:buFont typeface="Wingdings 3"/>
-              <a:buChar char=""/>
-              <a:defRPr kumimoji="0" sz="2300" kern="1200">
-                <a:solidFill>
-                  <a:schemeClr val="lt1"/>
-                </a:solidFill>
-                <a:latin typeface="+mn-lt"/>
-                <a:ea typeface="+mn-ea"/>
-                <a:cs typeface="+mn-cs"/>
-              </a:defRPr>
-            </a:lvl2pPr>
-            <a:lvl3pPr marL="822960" indent="-228600" algn="l" rtl="0" eaLnBrk="1" latinLnBrk="0" hangingPunct="1">
-              <a:spcBef>
-                <a:spcPts val="500"/>
-              </a:spcBef>
-              <a:buClr>
-                <a:schemeClr val="bg1">
-                  <a:shade val="50000"/>
-                </a:schemeClr>
-              </a:buClr>
-              <a:buSzPct val="76000"/>
-              <a:buFont typeface="Wingdings 3"/>
-              <a:buChar char=""/>
-              <a:defRPr kumimoji="0" sz="2000" kern="1200">
-                <a:solidFill>
-                  <a:schemeClr val="lt1"/>
-                </a:solidFill>
-                <a:latin typeface="+mn-lt"/>
-                <a:ea typeface="+mn-ea"/>
-                <a:cs typeface="+mn-cs"/>
-              </a:defRPr>
-            </a:lvl3pPr>
-            <a:lvl4pPr marL="1097280" indent="-228600" algn="l" rtl="0" eaLnBrk="1" latinLnBrk="0" hangingPunct="1">
-              <a:spcBef>
-                <a:spcPts val="400"/>
-              </a:spcBef>
-              <a:buClr>
-                <a:schemeClr val="accent2">
-                  <a:shade val="75000"/>
-                </a:schemeClr>
-              </a:buClr>
-              <a:buSzPct val="70000"/>
-              <a:buFont typeface="Wingdings"/>
-              <a:buChar char=""/>
-              <a:defRPr kumimoji="0" sz="1800" kern="1200">
-                <a:solidFill>
-                  <a:schemeClr val="lt1"/>
-                </a:solidFill>
-                <a:latin typeface="+mn-lt"/>
-                <a:ea typeface="+mn-ea"/>
-                <a:cs typeface="+mn-cs"/>
-              </a:defRPr>
-            </a:lvl4pPr>
-            <a:lvl5pPr marL="1371600" indent="-228600" algn="l" rtl="0" eaLnBrk="1" latinLnBrk="0" hangingPunct="1">
-              <a:spcBef>
-                <a:spcPts val="300"/>
-              </a:spcBef>
-              <a:buClr>
-                <a:schemeClr val="accent2"/>
-              </a:buClr>
-              <a:buSzPct val="70000"/>
-              <a:buFont typeface="Wingdings"/>
-              <a:buChar char=""/>
-              <a:defRPr kumimoji="0" sz="1600" kern="1200">
-                <a:solidFill>
-                  <a:schemeClr val="lt1"/>
-                </a:solidFill>
-                <a:latin typeface="+mn-lt"/>
-                <a:ea typeface="+mn-ea"/>
-                <a:cs typeface="+mn-cs"/>
-              </a:defRPr>
-            </a:lvl5pPr>
-            <a:lvl6pPr marL="1645920" indent="-182880" algn="l" rtl="0" eaLnBrk="1" latinLnBrk="0" hangingPunct="1">
-              <a:spcBef>
-                <a:spcPts val="300"/>
-              </a:spcBef>
-              <a:buClr>
-                <a:srgbClr val="9FB8CD">
-                  <a:shade val="75000"/>
-                </a:srgbClr>
-              </a:buClr>
-              <a:buSzPct val="75000"/>
-              <a:buFont typeface="Wingdings 3"/>
-              <a:buChar char=""/>
-              <a:defRPr kumimoji="0" lang="en-US" sz="1600" kern="1200" smtClean="0">
-                <a:solidFill>
-                  <a:schemeClr val="lt1"/>
-                </a:solidFill>
-                <a:latin typeface="+mn-lt"/>
-                <a:ea typeface="+mn-ea"/>
-                <a:cs typeface="+mn-cs"/>
-              </a:defRPr>
-            </a:lvl6pPr>
-            <a:lvl7pPr marL="1828800" indent="-182880" algn="l" rtl="0" eaLnBrk="1" latinLnBrk="0" hangingPunct="1">
-              <a:spcBef>
-                <a:spcPts val="300"/>
-              </a:spcBef>
-              <a:buClr>
-                <a:srgbClr val="727CA3">
-                  <a:shade val="75000"/>
-                </a:srgbClr>
-              </a:buClr>
-              <a:buSzPct val="75000"/>
-              <a:buFont typeface="Wingdings 3"/>
-              <a:buChar char=""/>
-              <a:defRPr kumimoji="0" lang="en-US" sz="1400" kern="1200" smtClean="0">
-                <a:solidFill>
-                  <a:schemeClr val="lt1"/>
-                </a:solidFill>
-                <a:latin typeface="+mn-lt"/>
-                <a:ea typeface="+mn-ea"/>
-                <a:cs typeface="+mn-cs"/>
-              </a:defRPr>
-            </a:lvl7pPr>
-            <a:lvl8pPr marL="2011680" indent="-182880" algn="l" rtl="0" eaLnBrk="1" latinLnBrk="0" hangingPunct="1">
-              <a:spcBef>
-                <a:spcPts val="300"/>
-              </a:spcBef>
-              <a:buClr>
-                <a:prstClr val="white">
-                  <a:shade val="50000"/>
-                </a:prstClr>
-              </a:buClr>
-              <a:buSzPct val="75000"/>
-              <a:buFont typeface="Wingdings 3"/>
-              <a:buChar char=""/>
-              <a:defRPr kumimoji="0" lang="en-US" sz="1400" kern="1200" smtClean="0">
-                <a:solidFill>
-                  <a:schemeClr val="lt1"/>
-                </a:solidFill>
-                <a:latin typeface="+mn-lt"/>
-                <a:ea typeface="+mn-ea"/>
-                <a:cs typeface="+mn-cs"/>
-              </a:defRPr>
-            </a:lvl8pPr>
-            <a:lvl9pPr marL="2194560" indent="-182880" algn="l" rtl="0" eaLnBrk="1" latinLnBrk="0" hangingPunct="1">
-              <a:spcBef>
-                <a:spcPts val="300"/>
-              </a:spcBef>
-              <a:buClr>
-                <a:srgbClr val="9FB8CD"/>
-              </a:buClr>
-              <a:buSzPct val="75000"/>
-              <a:buFont typeface="Wingdings 3"/>
-              <a:buChar char=""/>
-              <a:defRPr kumimoji="0" lang="en-US" sz="1200" kern="1200" smtClean="0">
-                <a:solidFill>
-                  <a:schemeClr val="lt1"/>
-                </a:solidFill>
-                <a:latin typeface="+mn-lt"/>
-                <a:ea typeface="+mn-ea"/>
-                <a:cs typeface="+mn-cs"/>
-              </a:defRPr>
-            </a:lvl9pPr>
-          </a:lstStyle>
-          <a:p>
-            <a:pPr marL="0" indent="0" algn="ctr">
-              <a:buFont typeface="Wingdings 3"/>
-              <a:buNone/>
-            </a:pPr>
-            <a:r>
-              <a:rPr lang="fr-FR" sz="1600" b="1" dirty="0" smtClean="0"/>
-              <a:t>Écoles d’ingénieur</a:t>
-            </a:r>
-          </a:p>
-          <a:p>
-            <a:pPr marL="0" indent="0" algn="ctr">
-              <a:buFont typeface="Wingdings 3"/>
-              <a:buNone/>
-            </a:pPr>
-            <a:endParaRPr lang="fr-FR" sz="1600" b="1" dirty="0" smtClean="0"/>
-          </a:p>
-          <a:p>
-            <a:pPr marL="0" indent="0" algn="ctr">
-              <a:buFont typeface="Wingdings 3"/>
-              <a:buNone/>
-            </a:pPr>
-            <a:r>
-              <a:rPr lang="fr-FR" sz="1600" b="1" dirty="0" smtClean="0"/>
-              <a:t>Polytechnique, Centrale, Mines, Ponts, Arts et Métiers Paris Tech, ENSI …</a:t>
-            </a:r>
-            <a:endParaRPr lang="fr-FR" sz="1600" b="1" dirty="0"/>
-          </a:p>
-        </p:txBody>
-      </p:sp>
-      <p:sp>
-        <p:nvSpPr>
-          <p:cNvPr id="11" name="Rectangle 10"/>
-          <p:cNvSpPr/>
-          <p:nvPr/>
-        </p:nvSpPr>
-        <p:spPr>
-          <a:xfrm>
-            <a:off x="225922" y="4581128"/>
-            <a:ext cx="2545878" cy="440784"/>
-          </a:xfrm>
-          <a:prstGeom prst="rect">
-            <a:avLst/>
-          </a:prstGeom>
-        </p:spPr>
-        <p:style>
-          <a:lnRef idx="2">
-            <a:schemeClr val="accent2">
-              <a:shade val="50000"/>
-            </a:schemeClr>
-          </a:lnRef>
-          <a:fillRef idx="1">
-            <a:schemeClr val="accent2"/>
-          </a:fillRef>
-          <a:effectRef idx="0">
-            <a:schemeClr val="accent2"/>
-          </a:effectRef>
-          <a:fontRef idx="minor">
-            <a:schemeClr val="lt1"/>
-          </a:fontRef>
-        </p:style>
-        <p:txBody>
-          <a:bodyPr rtlCol="0" anchor="ctr"/>
-          <a:lstStyle/>
-          <a:p>
-            <a:pPr algn="ctr"/>
-            <a:r>
-              <a:rPr lang="fr-FR" sz="1400" b="1" dirty="0" smtClean="0"/>
-              <a:t>Concours spécifiques</a:t>
-            </a:r>
-            <a:endParaRPr lang="fr-FR" sz="1400" b="1" dirty="0"/>
-          </a:p>
-        </p:txBody>
-      </p:sp>
-      <p:sp>
-        <p:nvSpPr>
-          <p:cNvPr id="13" name="Rectangle 12"/>
-          <p:cNvSpPr/>
-          <p:nvPr/>
-        </p:nvSpPr>
-        <p:spPr>
-          <a:xfrm>
-            <a:off x="3623097" y="4581128"/>
-            <a:ext cx="2545878" cy="440784"/>
-          </a:xfrm>
-          <a:prstGeom prst="rect">
-            <a:avLst/>
-          </a:prstGeom>
-        </p:spPr>
-        <p:style>
-          <a:lnRef idx="2">
-            <a:schemeClr val="accent2">
-              <a:shade val="50000"/>
-            </a:schemeClr>
-          </a:lnRef>
-          <a:fillRef idx="1">
-            <a:schemeClr val="accent2"/>
-          </a:fillRef>
-          <a:effectRef idx="0">
-            <a:schemeClr val="accent2"/>
-          </a:effectRef>
-          <a:fontRef idx="minor">
-            <a:schemeClr val="lt1"/>
-          </a:fontRef>
-        </p:style>
-        <p:txBody>
-          <a:bodyPr rtlCol="0" anchor="ctr"/>
-          <a:lstStyle/>
-          <a:p>
-            <a:pPr algn="ctr"/>
-            <a:r>
-              <a:rPr lang="fr-FR" sz="1400" b="1" dirty="0" smtClean="0"/>
-              <a:t>Concours spécifiques</a:t>
-            </a:r>
-            <a:endParaRPr lang="fr-FR" sz="1400" b="1" dirty="0"/>
-          </a:p>
-        </p:txBody>
-      </p:sp>
-      <p:sp>
-        <p:nvSpPr>
-          <p:cNvPr id="14" name="Rectangle 13"/>
-          <p:cNvSpPr/>
-          <p:nvPr/>
-        </p:nvSpPr>
-        <p:spPr>
-          <a:xfrm>
-            <a:off x="6706642" y="4581128"/>
-            <a:ext cx="2185838" cy="440784"/>
-          </a:xfrm>
-          <a:prstGeom prst="rect">
-            <a:avLst/>
-          </a:prstGeom>
-        </p:spPr>
-        <p:style>
-          <a:lnRef idx="2">
-            <a:schemeClr val="accent2">
-              <a:shade val="50000"/>
-            </a:schemeClr>
-          </a:lnRef>
-          <a:fillRef idx="1">
-            <a:schemeClr val="accent2"/>
-          </a:fillRef>
-          <a:effectRef idx="0">
-            <a:schemeClr val="accent2"/>
-          </a:effectRef>
-          <a:fontRef idx="minor">
-            <a:schemeClr val="lt1"/>
-          </a:fontRef>
-        </p:style>
-        <p:txBody>
-          <a:bodyPr rtlCol="0" anchor="ctr"/>
-          <a:lstStyle/>
-          <a:p>
-            <a:pPr algn="ctr"/>
-            <a:r>
-              <a:rPr lang="fr-FR" sz="1400" b="1" dirty="0" smtClean="0"/>
-              <a:t>Concours spécifiques</a:t>
-            </a:r>
-            <a:endParaRPr lang="fr-FR" sz="1400" b="1" dirty="0"/>
-          </a:p>
-        </p:txBody>
-      </p:sp>
-      <p:sp>
-        <p:nvSpPr>
-          <p:cNvPr id="15" name="Espace réservé du contenu 8"/>
-          <p:cNvSpPr txBox="1">
-            <a:spLocks/>
-          </p:cNvSpPr>
-          <p:nvPr/>
-        </p:nvSpPr>
-        <p:spPr>
-          <a:xfrm>
-            <a:off x="4283968" y="1999469"/>
-            <a:ext cx="1872208" cy="2295912"/>
-          </a:xfrm>
-          <a:prstGeom prst="rect">
-            <a:avLst/>
-          </a:prstGeom>
-        </p:spPr>
-        <p:style>
-          <a:lnRef idx="2">
-            <a:schemeClr val="accent3">
-              <a:shade val="50000"/>
-            </a:schemeClr>
-          </a:lnRef>
-          <a:fillRef idx="1">
-            <a:schemeClr val="accent3"/>
-          </a:fillRef>
-          <a:effectRef idx="0">
-            <a:schemeClr val="accent3"/>
-          </a:effectRef>
-          <a:fontRef idx="minor">
-            <a:schemeClr val="lt1"/>
-          </a:fontRef>
-        </p:style>
-        <p:txBody>
-          <a:bodyPr rot="0" spcFirstLastPara="0" vertOverflow="overflow" horzOverflow="overflow" vert="horz" wrap="square" lIns="91440" tIns="45720" rIns="91440" bIns="45720" numCol="1" spcCol="0" rtlCol="0" fromWordArt="0" anchor="ctr" anchorCtr="0" forceAA="0" compatLnSpc="1">
-            <a:prstTxWarp prst="textNoShape">
-              <a:avLst/>
-            </a:prstTxWarp>
-            <a:noAutofit/>
-          </a:bodyPr>
-          <a:lstStyle>
-            <a:lvl1pPr marL="274320" indent="-274320" algn="l" rtl="0" eaLnBrk="1" latinLnBrk="0" hangingPunct="1">
-              <a:spcBef>
-                <a:spcPts val="600"/>
-              </a:spcBef>
-              <a:buClr>
-                <a:schemeClr val="accent1"/>
-              </a:buClr>
-              <a:buSzPct val="76000"/>
-              <a:buFont typeface="Wingdings 3"/>
-              <a:buChar char=""/>
-              <a:defRPr kumimoji="0" sz="2600" kern="1200">
-                <a:solidFill>
-                  <a:schemeClr val="lt1"/>
-                </a:solidFill>
-                <a:latin typeface="+mn-lt"/>
-                <a:ea typeface="+mn-ea"/>
-                <a:cs typeface="+mn-cs"/>
-              </a:defRPr>
-            </a:lvl1pPr>
-            <a:lvl2pPr marL="548640" indent="-274320" algn="l" rtl="0" eaLnBrk="1" latinLnBrk="0" hangingPunct="1">
-              <a:spcBef>
-                <a:spcPts val="500"/>
-              </a:spcBef>
-              <a:buClr>
-                <a:schemeClr val="accent2"/>
-              </a:buClr>
-              <a:buSzPct val="76000"/>
-              <a:buFont typeface="Wingdings 3"/>
-              <a:buChar char=""/>
-              <a:defRPr kumimoji="0" sz="2300" kern="1200">
-                <a:solidFill>
-                  <a:schemeClr val="lt1"/>
-                </a:solidFill>
-                <a:latin typeface="+mn-lt"/>
-                <a:ea typeface="+mn-ea"/>
-                <a:cs typeface="+mn-cs"/>
-              </a:defRPr>
-            </a:lvl2pPr>
-            <a:lvl3pPr marL="822960" indent="-228600" algn="l" rtl="0" eaLnBrk="1" latinLnBrk="0" hangingPunct="1">
-              <a:spcBef>
-                <a:spcPts val="500"/>
-              </a:spcBef>
-              <a:buClr>
-                <a:schemeClr val="bg1">
-                  <a:shade val="50000"/>
-                </a:schemeClr>
-              </a:buClr>
-              <a:buSzPct val="76000"/>
-              <a:buFont typeface="Wingdings 3"/>
-              <a:buChar char=""/>
-              <a:defRPr kumimoji="0" sz="2000" kern="1200">
-                <a:solidFill>
-                  <a:schemeClr val="lt1"/>
-                </a:solidFill>
-                <a:latin typeface="+mn-lt"/>
-                <a:ea typeface="+mn-ea"/>
-                <a:cs typeface="+mn-cs"/>
-              </a:defRPr>
-            </a:lvl3pPr>
-            <a:lvl4pPr marL="1097280" indent="-228600" algn="l" rtl="0" eaLnBrk="1" latinLnBrk="0" hangingPunct="1">
-              <a:spcBef>
-                <a:spcPts val="400"/>
-              </a:spcBef>
-              <a:buClr>
-                <a:schemeClr val="accent2">
-                  <a:shade val="75000"/>
-                </a:schemeClr>
-              </a:buClr>
-              <a:buSzPct val="70000"/>
-              <a:buFont typeface="Wingdings"/>
-              <a:buChar char=""/>
-              <a:defRPr kumimoji="0" sz="1800" kern="1200">
-                <a:solidFill>
-                  <a:schemeClr val="lt1"/>
-                </a:solidFill>
-                <a:latin typeface="+mn-lt"/>
-                <a:ea typeface="+mn-ea"/>
-                <a:cs typeface="+mn-cs"/>
-              </a:defRPr>
-            </a:lvl4pPr>
-            <a:lvl5pPr marL="1371600" indent="-228600" algn="l" rtl="0" eaLnBrk="1" latinLnBrk="0" hangingPunct="1">
-              <a:spcBef>
-                <a:spcPts val="300"/>
-              </a:spcBef>
-              <a:buClr>
-                <a:schemeClr val="accent2"/>
-              </a:buClr>
-              <a:buSzPct val="70000"/>
-              <a:buFont typeface="Wingdings"/>
-              <a:buChar char=""/>
-              <a:defRPr kumimoji="0" sz="1600" kern="1200">
-                <a:solidFill>
-                  <a:schemeClr val="lt1"/>
-                </a:solidFill>
-                <a:latin typeface="+mn-lt"/>
-                <a:ea typeface="+mn-ea"/>
-                <a:cs typeface="+mn-cs"/>
-              </a:defRPr>
-            </a:lvl5pPr>
-            <a:lvl6pPr marL="1645920" indent="-182880" algn="l" rtl="0" eaLnBrk="1" latinLnBrk="0" hangingPunct="1">
-              <a:spcBef>
-                <a:spcPts val="300"/>
-              </a:spcBef>
-              <a:buClr>
-                <a:srgbClr val="9FB8CD">
-                  <a:shade val="75000"/>
-                </a:srgbClr>
-              </a:buClr>
-              <a:buSzPct val="75000"/>
-              <a:buFont typeface="Wingdings 3"/>
-              <a:buChar char=""/>
-              <a:defRPr kumimoji="0" lang="en-US" sz="1600" kern="1200" smtClean="0">
-                <a:solidFill>
-                  <a:schemeClr val="lt1"/>
-                </a:solidFill>
-                <a:latin typeface="+mn-lt"/>
-                <a:ea typeface="+mn-ea"/>
-                <a:cs typeface="+mn-cs"/>
-              </a:defRPr>
-            </a:lvl6pPr>
-            <a:lvl7pPr marL="1828800" indent="-182880" algn="l" rtl="0" eaLnBrk="1" latinLnBrk="0" hangingPunct="1">
-              <a:spcBef>
-                <a:spcPts val="300"/>
-              </a:spcBef>
-              <a:buClr>
-                <a:srgbClr val="727CA3">
-                  <a:shade val="75000"/>
-                </a:srgbClr>
-              </a:buClr>
-              <a:buSzPct val="75000"/>
-              <a:buFont typeface="Wingdings 3"/>
-              <a:buChar char=""/>
-              <a:defRPr kumimoji="0" lang="en-US" sz="1400" kern="1200" smtClean="0">
-                <a:solidFill>
-                  <a:schemeClr val="lt1"/>
-                </a:solidFill>
-                <a:latin typeface="+mn-lt"/>
-                <a:ea typeface="+mn-ea"/>
-                <a:cs typeface="+mn-cs"/>
-              </a:defRPr>
-            </a:lvl7pPr>
-            <a:lvl8pPr marL="2011680" indent="-182880" algn="l" rtl="0" eaLnBrk="1" latinLnBrk="0" hangingPunct="1">
-              <a:spcBef>
-                <a:spcPts val="300"/>
-              </a:spcBef>
-              <a:buClr>
-                <a:prstClr val="white">
-                  <a:shade val="50000"/>
-                </a:prstClr>
-              </a:buClr>
-              <a:buSzPct val="75000"/>
-              <a:buFont typeface="Wingdings 3"/>
-              <a:buChar char=""/>
-              <a:defRPr kumimoji="0" lang="en-US" sz="1400" kern="1200" smtClean="0">
-                <a:solidFill>
-                  <a:schemeClr val="lt1"/>
-                </a:solidFill>
-                <a:latin typeface="+mn-lt"/>
-                <a:ea typeface="+mn-ea"/>
-                <a:cs typeface="+mn-cs"/>
-              </a:defRPr>
-            </a:lvl8pPr>
-            <a:lvl9pPr marL="2194560" indent="-182880" algn="l" rtl="0" eaLnBrk="1" latinLnBrk="0" hangingPunct="1">
-              <a:spcBef>
-                <a:spcPts val="300"/>
-              </a:spcBef>
-              <a:buClr>
-                <a:srgbClr val="9FB8CD"/>
-              </a:buClr>
-              <a:buSzPct val="75000"/>
-              <a:buFont typeface="Wingdings 3"/>
-              <a:buChar char=""/>
-              <a:defRPr kumimoji="0" lang="en-US" sz="1200" kern="1200" smtClean="0">
-                <a:solidFill>
-                  <a:schemeClr val="lt1"/>
-                </a:solidFill>
-                <a:latin typeface="+mn-lt"/>
-                <a:ea typeface="+mn-ea"/>
-                <a:cs typeface="+mn-cs"/>
-              </a:defRPr>
-            </a:lvl9pPr>
-          </a:lstStyle>
-          <a:p>
-            <a:pPr marL="0" indent="0" algn="ctr">
-              <a:buFont typeface="Wingdings 3"/>
-              <a:buNone/>
-            </a:pPr>
-            <a:r>
-              <a:rPr lang="fr-FR" sz="1600" b="1" dirty="0" smtClean="0"/>
-              <a:t>Écoles vétérinaires</a:t>
-            </a:r>
-          </a:p>
-          <a:p>
-            <a:pPr marL="0" indent="0" algn="ctr">
-              <a:buFont typeface="Wingdings 3"/>
-              <a:buNone/>
-            </a:pPr>
-            <a:r>
-              <a:rPr lang="fr-FR" sz="1600" b="1" dirty="0" smtClean="0"/>
-              <a:t>Écoles agronomiques</a:t>
-            </a:r>
-            <a:endParaRPr lang="fr-FR" sz="1600" b="1" dirty="0"/>
-          </a:p>
-        </p:txBody>
-      </p:sp>
-      <p:sp>
-        <p:nvSpPr>
-          <p:cNvPr id="16" name="Espace réservé du contenu 8"/>
-          <p:cNvSpPr txBox="1">
-            <a:spLocks/>
-          </p:cNvSpPr>
-          <p:nvPr/>
-        </p:nvSpPr>
-        <p:spPr>
-          <a:xfrm>
-            <a:off x="6706642" y="1999469"/>
-            <a:ext cx="2185838" cy="2295912"/>
-          </a:xfrm>
-          <a:prstGeom prst="rect">
-            <a:avLst/>
-          </a:prstGeom>
-        </p:spPr>
-        <p:style>
-          <a:lnRef idx="2">
-            <a:schemeClr val="accent3">
-              <a:shade val="50000"/>
-            </a:schemeClr>
-          </a:lnRef>
-          <a:fillRef idx="1">
-            <a:schemeClr val="accent3"/>
-          </a:fillRef>
-          <a:effectRef idx="0">
-            <a:schemeClr val="accent3"/>
-          </a:effectRef>
-          <a:fontRef idx="minor">
-            <a:schemeClr val="lt1"/>
-          </a:fontRef>
-        </p:style>
-        <p:txBody>
-          <a:bodyPr rot="0" spcFirstLastPara="0" vertOverflow="overflow" horzOverflow="overflow" vert="horz" wrap="square" lIns="91440" tIns="45720" rIns="91440" bIns="45720" numCol="1" spcCol="0" rtlCol="0" fromWordArt="0" anchor="ctr" anchorCtr="0" forceAA="0" compatLnSpc="1">
-            <a:prstTxWarp prst="textNoShape">
-              <a:avLst/>
-            </a:prstTxWarp>
-            <a:noAutofit/>
-          </a:bodyPr>
-          <a:lstStyle>
-            <a:lvl1pPr marL="274320" indent="-274320" algn="l" rtl="0" eaLnBrk="1" latinLnBrk="0" hangingPunct="1">
-              <a:spcBef>
-                <a:spcPts val="600"/>
-              </a:spcBef>
-              <a:buClr>
-                <a:schemeClr val="accent1"/>
-              </a:buClr>
-              <a:buSzPct val="76000"/>
-              <a:buFont typeface="Wingdings 3"/>
-              <a:buChar char=""/>
-              <a:defRPr kumimoji="0" sz="2600" kern="1200">
-                <a:solidFill>
-                  <a:schemeClr val="lt1"/>
-                </a:solidFill>
-                <a:latin typeface="+mn-lt"/>
-                <a:ea typeface="+mn-ea"/>
-                <a:cs typeface="+mn-cs"/>
-              </a:defRPr>
-            </a:lvl1pPr>
-            <a:lvl2pPr marL="548640" indent="-274320" algn="l" rtl="0" eaLnBrk="1" latinLnBrk="0" hangingPunct="1">
-              <a:spcBef>
-                <a:spcPts val="500"/>
-              </a:spcBef>
-              <a:buClr>
-                <a:schemeClr val="accent2"/>
-              </a:buClr>
-              <a:buSzPct val="76000"/>
-              <a:buFont typeface="Wingdings 3"/>
-              <a:buChar char=""/>
-              <a:defRPr kumimoji="0" sz="2300" kern="1200">
-                <a:solidFill>
-                  <a:schemeClr val="lt1"/>
-                </a:solidFill>
-                <a:latin typeface="+mn-lt"/>
-                <a:ea typeface="+mn-ea"/>
-                <a:cs typeface="+mn-cs"/>
-              </a:defRPr>
-            </a:lvl2pPr>
-            <a:lvl3pPr marL="822960" indent="-228600" algn="l" rtl="0" eaLnBrk="1" latinLnBrk="0" hangingPunct="1">
-              <a:spcBef>
-                <a:spcPts val="500"/>
-              </a:spcBef>
-              <a:buClr>
-                <a:schemeClr val="bg1">
-                  <a:shade val="50000"/>
-                </a:schemeClr>
-              </a:buClr>
-              <a:buSzPct val="76000"/>
-              <a:buFont typeface="Wingdings 3"/>
-              <a:buChar char=""/>
-              <a:defRPr kumimoji="0" sz="2000" kern="1200">
-                <a:solidFill>
-                  <a:schemeClr val="lt1"/>
-                </a:solidFill>
-                <a:latin typeface="+mn-lt"/>
-                <a:ea typeface="+mn-ea"/>
-                <a:cs typeface="+mn-cs"/>
-              </a:defRPr>
-            </a:lvl3pPr>
-            <a:lvl4pPr marL="1097280" indent="-228600" algn="l" rtl="0" eaLnBrk="1" latinLnBrk="0" hangingPunct="1">
-              <a:spcBef>
-                <a:spcPts val="400"/>
-              </a:spcBef>
-              <a:buClr>
-                <a:schemeClr val="accent2">
-                  <a:shade val="75000"/>
-                </a:schemeClr>
-              </a:buClr>
-              <a:buSzPct val="70000"/>
-              <a:buFont typeface="Wingdings"/>
-              <a:buChar char=""/>
-              <a:defRPr kumimoji="0" sz="1800" kern="1200">
-                <a:solidFill>
-                  <a:schemeClr val="lt1"/>
-                </a:solidFill>
-                <a:latin typeface="+mn-lt"/>
-                <a:ea typeface="+mn-ea"/>
-                <a:cs typeface="+mn-cs"/>
-              </a:defRPr>
-            </a:lvl4pPr>
-            <a:lvl5pPr marL="1371600" indent="-228600" algn="l" rtl="0" eaLnBrk="1" latinLnBrk="0" hangingPunct="1">
-              <a:spcBef>
-                <a:spcPts val="300"/>
-              </a:spcBef>
-              <a:buClr>
-                <a:schemeClr val="accent2"/>
-              </a:buClr>
-              <a:buSzPct val="70000"/>
-              <a:buFont typeface="Wingdings"/>
-              <a:buChar char=""/>
-              <a:defRPr kumimoji="0" sz="1600" kern="1200">
-                <a:solidFill>
-                  <a:schemeClr val="lt1"/>
-                </a:solidFill>
-                <a:latin typeface="+mn-lt"/>
-                <a:ea typeface="+mn-ea"/>
-                <a:cs typeface="+mn-cs"/>
-              </a:defRPr>
-            </a:lvl5pPr>
-            <a:lvl6pPr marL="1645920" indent="-182880" algn="l" rtl="0" eaLnBrk="1" latinLnBrk="0" hangingPunct="1">
-              <a:spcBef>
-                <a:spcPts val="300"/>
-              </a:spcBef>
-              <a:buClr>
-                <a:srgbClr val="9FB8CD">
-                  <a:shade val="75000"/>
-                </a:srgbClr>
-              </a:buClr>
-              <a:buSzPct val="75000"/>
-              <a:buFont typeface="Wingdings 3"/>
-              <a:buChar char=""/>
-              <a:defRPr kumimoji="0" lang="en-US" sz="1600" kern="1200" smtClean="0">
-                <a:solidFill>
-                  <a:schemeClr val="lt1"/>
-                </a:solidFill>
-                <a:latin typeface="+mn-lt"/>
-                <a:ea typeface="+mn-ea"/>
-                <a:cs typeface="+mn-cs"/>
-              </a:defRPr>
-            </a:lvl6pPr>
-            <a:lvl7pPr marL="1828800" indent="-182880" algn="l" rtl="0" eaLnBrk="1" latinLnBrk="0" hangingPunct="1">
-              <a:spcBef>
-                <a:spcPts val="300"/>
-              </a:spcBef>
-              <a:buClr>
-                <a:srgbClr val="727CA3">
-                  <a:shade val="75000"/>
-                </a:srgbClr>
-              </a:buClr>
-              <a:buSzPct val="75000"/>
-              <a:buFont typeface="Wingdings 3"/>
-              <a:buChar char=""/>
-              <a:defRPr kumimoji="0" lang="en-US" sz="1400" kern="1200" smtClean="0">
-                <a:solidFill>
-                  <a:schemeClr val="lt1"/>
-                </a:solidFill>
-                <a:latin typeface="+mn-lt"/>
-                <a:ea typeface="+mn-ea"/>
-                <a:cs typeface="+mn-cs"/>
-              </a:defRPr>
-            </a:lvl7pPr>
-            <a:lvl8pPr marL="2011680" indent="-182880" algn="l" rtl="0" eaLnBrk="1" latinLnBrk="0" hangingPunct="1">
-              <a:spcBef>
-                <a:spcPts val="300"/>
-              </a:spcBef>
-              <a:buClr>
-                <a:prstClr val="white">
-                  <a:shade val="50000"/>
-                </a:prstClr>
-              </a:buClr>
-              <a:buSzPct val="75000"/>
-              <a:buFont typeface="Wingdings 3"/>
-              <a:buChar char=""/>
-              <a:defRPr kumimoji="0" lang="en-US" sz="1400" kern="1200" smtClean="0">
-                <a:solidFill>
-                  <a:schemeClr val="lt1"/>
-                </a:solidFill>
-                <a:latin typeface="+mn-lt"/>
-                <a:ea typeface="+mn-ea"/>
-                <a:cs typeface="+mn-cs"/>
-              </a:defRPr>
-            </a:lvl8pPr>
-            <a:lvl9pPr marL="2194560" indent="-182880" algn="l" rtl="0" eaLnBrk="1" latinLnBrk="0" hangingPunct="1">
-              <a:spcBef>
-                <a:spcPts val="300"/>
-              </a:spcBef>
-              <a:buClr>
-                <a:srgbClr val="9FB8CD"/>
-              </a:buClr>
-              <a:buSzPct val="75000"/>
-              <a:buFont typeface="Wingdings 3"/>
-              <a:buChar char=""/>
-              <a:defRPr kumimoji="0" lang="en-US" sz="1200" kern="1200" smtClean="0">
-                <a:solidFill>
-                  <a:schemeClr val="lt1"/>
-                </a:solidFill>
-                <a:latin typeface="+mn-lt"/>
-                <a:ea typeface="+mn-ea"/>
-                <a:cs typeface="+mn-cs"/>
-              </a:defRPr>
-            </a:lvl9pPr>
-          </a:lstStyle>
-          <a:p>
-            <a:pPr marL="0" indent="0" algn="ctr">
-              <a:buFont typeface="Wingdings 3"/>
-              <a:buNone/>
-            </a:pPr>
-            <a:r>
-              <a:rPr lang="fr-FR" sz="1600" b="1" dirty="0" smtClean="0"/>
-              <a:t>Écoles de commerce Écoles de management</a:t>
-            </a:r>
-          </a:p>
-          <a:p>
-            <a:pPr marL="0" indent="0" algn="ctr">
-              <a:buNone/>
-            </a:pPr>
-            <a:r>
-              <a:rPr lang="fr-FR" sz="1600" b="1" dirty="0"/>
-              <a:t>(HEC, ESSEC, </a:t>
-            </a:r>
-            <a:r>
-              <a:rPr lang="fr-FR" sz="1600" b="1" dirty="0" smtClean="0"/>
-              <a:t>ESCP, …)</a:t>
-            </a:r>
-            <a:endParaRPr lang="fr-FR" sz="1600" b="1" dirty="0"/>
-          </a:p>
-          <a:p>
-            <a:pPr marL="0" indent="0" algn="ctr">
-              <a:buFont typeface="Wingdings 3"/>
-              <a:buNone/>
-            </a:pPr>
-            <a:endParaRPr lang="fr-FR" sz="1600" b="1" dirty="0"/>
-          </a:p>
-        </p:txBody>
-      </p:sp>
-      <p:sp>
-        <p:nvSpPr>
-          <p:cNvPr id="17" name="Espace réservé du numéro de diapositive 16"/>
+            <a:endParaRPr lang="fr-FR"/>
+          </a:p>
+        </p:txBody>
+      </p:sp>
+      <p:sp>
+        <p:nvSpPr>
+          <p:cNvPr id="2" name="Espace réservé du numéro de diapositive 1"/>
           <p:cNvSpPr>
             <a:spLocks noGrp="1"/>
           </p:cNvSpPr>
@@ -6728,13 +5609,14 @@
     </p:spTree>
     <p:extLst>
       <p:ext uri="{BB962C8B-B14F-4D97-AF65-F5344CB8AC3E}">
-        <p14:creationId xmlns:p14="http://schemas.microsoft.com/office/powerpoint/2010/main" val="1039484304"/>
+        <p14:creationId xmlns:p14="http://schemas.microsoft.com/office/powerpoint/2010/main" val="3625453991"/>
       </p:ext>
     </p:extLst>
   </p:cSld>
   <p:clrMapOvr>
     <a:masterClrMapping/>
   </p:clrMapOvr>
+  <p:transition spd="slow"/>
   <p:timing>
     <p:tnLst>
       <p:par>
@@ -6764,7 +5646,7 @@
       </p:grpSpPr>
       <p:sp>
         <p:nvSpPr>
-          <p:cNvPr id="4" name="Titre 3"/>
+          <p:cNvPr id="7" name="Titre 6"/>
           <p:cNvSpPr>
             <a:spLocks noGrp="1"/>
           </p:cNvSpPr>
@@ -6774,12 +5656,14 @@
         </p:nvSpPr>
         <p:spPr/>
         <p:txBody>
-          <a:bodyPr/>
-          <a:lstStyle/>
-          <a:p>
-            <a:r>
-              <a:rPr lang="fr-FR" dirty="0" smtClean="0"/>
-              <a:t>Les différentes CPGE Scientifiques</a:t>
+          <a:bodyPr>
+            <a:normAutofit/>
+          </a:bodyPr>
+          <a:lstStyle/>
+          <a:p>
+            <a:r>
+              <a:rPr lang="fr-FR" dirty="0" smtClean="0"/>
+              <a:t>Les différentes CPGE scientifiques</a:t>
             </a:r>
             <a:endParaRPr lang="fr-FR" dirty="0"/>
           </a:p>
@@ -6787,26 +5671,7 @@
       </p:sp>
       <p:sp>
         <p:nvSpPr>
-          <p:cNvPr id="5" name="Espace réservé du texte 4"/>
-          <p:cNvSpPr>
-            <a:spLocks noGrp="1"/>
-          </p:cNvSpPr>
-          <p:nvPr>
-            <p:ph type="body" idx="1"/>
-          </p:nvPr>
-        </p:nvSpPr>
-        <p:spPr/>
-        <p:txBody>
-          <a:bodyPr/>
-          <a:lstStyle/>
-          <a:p>
-            <a:endParaRPr lang="fr-FR"/>
-          </a:p>
-        </p:txBody>
-      </p:sp>
-      <p:sp>
-        <p:nvSpPr>
-          <p:cNvPr id="3" name="Espace réservé du pied de page 2"/>
+          <p:cNvPr id="4" name="Espace réservé du pied de page 3"/>
           <p:cNvSpPr>
             <a:spLocks noGrp="1"/>
           </p:cNvSpPr>
@@ -6829,7 +5694,7 @@
       </p:sp>
       <p:sp>
         <p:nvSpPr>
-          <p:cNvPr id="2" name="Espace réservé du numéro de diapositive 1"/>
+          <p:cNvPr id="5" name="Espace réservé du numéro de diapositive 4"/>
           <p:cNvSpPr>
             <a:spLocks noGrp="1"/>
           </p:cNvSpPr>
@@ -6846,116 +5711,6 @@
               <a:rPr lang="fr-FR" smtClean="0"/>
               <a:pPr/>
               <a:t>11</a:t>
-            </a:fld>
-            <a:endParaRPr lang="fr-FR"/>
-          </a:p>
-        </p:txBody>
-      </p:sp>
-    </p:spTree>
-    <p:extLst>
-      <p:ext uri="{BB962C8B-B14F-4D97-AF65-F5344CB8AC3E}">
-        <p14:creationId xmlns:p14="http://schemas.microsoft.com/office/powerpoint/2010/main" val="3625453991"/>
-      </p:ext>
-    </p:extLst>
-  </p:cSld>
-  <p:clrMapOvr>
-    <a:masterClrMapping/>
-  </p:clrMapOvr>
-  <p:transition spd="slow"/>
-  <p:timing>
-    <p:tnLst>
-      <p:par>
-        <p:cTn id="1" dur="indefinite" restart="never" nodeType="tmRoot"/>
-      </p:par>
-    </p:tnLst>
-  </p:timing>
-</p:sld>
-</file>
-
-<file path=ppt/slides/slide12.xml><?xml version="1.0" encoding="utf-8"?>
-<p:sld xmlns:a="http://schemas.openxmlformats.org/drawingml/2006/main" xmlns:r="http://schemas.openxmlformats.org/officeDocument/2006/relationships" xmlns:p="http://schemas.openxmlformats.org/presentationml/2006/main">
-  <p:cSld>
-    <p:spTree>
-      <p:nvGrpSpPr>
-        <p:cNvPr id="1" name=""/>
-        <p:cNvGrpSpPr/>
-        <p:nvPr/>
-      </p:nvGrpSpPr>
-      <p:grpSpPr>
-        <a:xfrm>
-          <a:off x="0" y="0"/>
-          <a:ext cx="0" cy="0"/>
-          <a:chOff x="0" y="0"/>
-          <a:chExt cx="0" cy="0"/>
-        </a:xfrm>
-      </p:grpSpPr>
-      <p:sp>
-        <p:nvSpPr>
-          <p:cNvPr id="7" name="Titre 6"/>
-          <p:cNvSpPr>
-            <a:spLocks noGrp="1"/>
-          </p:cNvSpPr>
-          <p:nvPr>
-            <p:ph type="title"/>
-          </p:nvPr>
-        </p:nvSpPr>
-        <p:spPr/>
-        <p:txBody>
-          <a:bodyPr>
-            <a:normAutofit/>
-          </a:bodyPr>
-          <a:lstStyle/>
-          <a:p>
-            <a:r>
-              <a:rPr lang="fr-FR" dirty="0" smtClean="0"/>
-              <a:t>Les différentes CPGE scientifiques</a:t>
-            </a:r>
-            <a:endParaRPr lang="fr-FR" dirty="0"/>
-          </a:p>
-        </p:txBody>
-      </p:sp>
-      <p:sp>
-        <p:nvSpPr>
-          <p:cNvPr id="4" name="Espace réservé du pied de page 3"/>
-          <p:cNvSpPr>
-            <a:spLocks noGrp="1"/>
-          </p:cNvSpPr>
-          <p:nvPr>
-            <p:ph type="ftr" sz="quarter" idx="11"/>
-          </p:nvPr>
-        </p:nvSpPr>
-        <p:spPr/>
-        <p:txBody>
-          <a:bodyPr/>
-          <a:lstStyle/>
-          <a:p>
-            <a:r>
-              <a:rPr lang="fr-FR" smtClean="0"/>
-              <a:t>Présentation des CPGE - Institution Sainte-Marie - 15/12/2014</a:t>
-            </a:r>
-            <a:endParaRPr lang="fr-FR"/>
-          </a:p>
-        </p:txBody>
-      </p:sp>
-      <p:sp>
-        <p:nvSpPr>
-          <p:cNvPr id="5" name="Espace réservé du numéro de diapositive 4"/>
-          <p:cNvSpPr>
-            <a:spLocks noGrp="1"/>
-          </p:cNvSpPr>
-          <p:nvPr>
-            <p:ph type="sldNum" sz="quarter" idx="12"/>
-          </p:nvPr>
-        </p:nvSpPr>
-        <p:spPr/>
-        <p:txBody>
-          <a:bodyPr/>
-          <a:lstStyle/>
-          <a:p>
-            <a:fld id="{1CBB6DF8-B4DD-4E80-A138-72D154BCFFEE}" type="slidenum">
-              <a:rPr lang="fr-FR" smtClean="0"/>
-              <a:pPr/>
-              <a:t>12</a:t>
             </a:fld>
             <a:endParaRPr lang="fr-FR"/>
           </a:p>
@@ -7246,6 +6001,141 @@
 </p:sld>
 </file>
 
+<file path=ppt/slides/slide12.xml><?xml version="1.0" encoding="utf-8"?>
+<p:sld xmlns:a="http://schemas.openxmlformats.org/drawingml/2006/main" xmlns:r="http://schemas.openxmlformats.org/officeDocument/2006/relationships" xmlns:p="http://schemas.openxmlformats.org/presentationml/2006/main">
+  <p:cSld>
+    <p:spTree>
+      <p:nvGrpSpPr>
+        <p:cNvPr id="1" name=""/>
+        <p:cNvGrpSpPr/>
+        <p:nvPr/>
+      </p:nvGrpSpPr>
+      <p:grpSpPr>
+        <a:xfrm>
+          <a:off x="0" y="0"/>
+          <a:ext cx="0" cy="0"/>
+          <a:chOff x="0" y="0"/>
+          <a:chExt cx="0" cy="0"/>
+        </a:xfrm>
+      </p:grpSpPr>
+      <p:sp>
+        <p:nvSpPr>
+          <p:cNvPr id="2" name="Titre 1"/>
+          <p:cNvSpPr>
+            <a:spLocks noGrp="1"/>
+          </p:cNvSpPr>
+          <p:nvPr>
+            <p:ph type="title"/>
+          </p:nvPr>
+        </p:nvSpPr>
+        <p:spPr/>
+        <p:txBody>
+          <a:bodyPr>
+            <a:normAutofit/>
+          </a:bodyPr>
+          <a:lstStyle/>
+          <a:p>
+            <a:r>
+              <a:rPr lang="fr-FR" dirty="0" smtClean="0"/>
+              <a:t>PTSI – PT</a:t>
+            </a:r>
+            <a:endParaRPr lang="fr-FR" dirty="0"/>
+          </a:p>
+        </p:txBody>
+      </p:sp>
+      <p:graphicFrame>
+        <p:nvGraphicFramePr>
+          <p:cNvPr id="4" name="Espace réservé du contenu 3"/>
+          <p:cNvGraphicFramePr>
+            <a:graphicFrameLocks noGrp="1"/>
+          </p:cNvGraphicFramePr>
+          <p:nvPr>
+            <p:ph sz="quarter" idx="1"/>
+            <p:extLst>
+              <p:ext uri="{D42A27DB-BD31-4B8C-83A1-F6EECF244321}">
+                <p14:modId xmlns:p14="http://schemas.microsoft.com/office/powerpoint/2010/main" val="248296591"/>
+              </p:ext>
+            </p:extLst>
+          </p:nvPr>
+        </p:nvGraphicFramePr>
+        <p:xfrm>
+          <a:off x="457200" y="1219201"/>
+          <a:ext cx="8075240" cy="4730079"/>
+        </p:xfrm>
+        <a:graphic>
+          <a:graphicData uri="http://schemas.openxmlformats.org/drawingml/2006/chart">
+            <c:chart xmlns:c="http://schemas.openxmlformats.org/drawingml/2006/chart" xmlns:r="http://schemas.openxmlformats.org/officeDocument/2006/relationships" r:id="rId2"/>
+          </a:graphicData>
+        </a:graphic>
+      </p:graphicFrame>
+      <p:sp>
+        <p:nvSpPr>
+          <p:cNvPr id="5" name="Espace réservé du pied de page 4"/>
+          <p:cNvSpPr>
+            <a:spLocks noGrp="1"/>
+          </p:cNvSpPr>
+          <p:nvPr>
+            <p:ph type="ftr" sz="quarter" idx="11"/>
+          </p:nvPr>
+        </p:nvSpPr>
+        <p:spPr/>
+        <p:txBody>
+          <a:bodyPr/>
+          <a:lstStyle/>
+          <a:p>
+            <a:r>
+              <a:rPr lang="fr-FR" smtClean="0"/>
+              <a:t>Présentation des CPGE - Institution Sainte-Marie - 15/12/2014</a:t>
+            </a:r>
+            <a:endParaRPr lang="fr-FR"/>
+          </a:p>
+        </p:txBody>
+      </p:sp>
+      <p:sp>
+        <p:nvSpPr>
+          <p:cNvPr id="6" name="Espace réservé du numéro de diapositive 5"/>
+          <p:cNvSpPr>
+            <a:spLocks noGrp="1"/>
+          </p:cNvSpPr>
+          <p:nvPr>
+            <p:ph type="sldNum" sz="quarter" idx="12"/>
+          </p:nvPr>
+        </p:nvSpPr>
+        <p:spPr/>
+        <p:txBody>
+          <a:bodyPr/>
+          <a:lstStyle/>
+          <a:p>
+            <a:fld id="{1CBB6DF8-B4DD-4E80-A138-72D154BCFFEE}" type="slidenum">
+              <a:rPr lang="fr-FR" smtClean="0"/>
+              <a:pPr/>
+              <a:t>12</a:t>
+            </a:fld>
+            <a:endParaRPr lang="fr-FR"/>
+          </a:p>
+        </p:txBody>
+      </p:sp>
+    </p:spTree>
+    <p:extLst>
+      <p:ext uri="{BB962C8B-B14F-4D97-AF65-F5344CB8AC3E}">
+        <p14:creationId xmlns:p14="http://schemas.microsoft.com/office/powerpoint/2010/main" val="2876686551"/>
+      </p:ext>
+    </p:extLst>
+  </p:cSld>
+  <p:clrMapOvr>
+    <a:masterClrMapping/>
+  </p:clrMapOvr>
+  <p:transition spd="slow"/>
+  <p:timing>
+    <p:tnLst>
+      <p:par>
+        <p:cTn id="1" dur="indefinite" restart="never" nodeType="tmRoot"/>
+      </p:par>
+    </p:tnLst>
+  </p:timing>
+</p:sld>
+</file>
+
 <file path=ppt/slides/slide13.xml><?xml version="1.0" encoding="utf-8"?>
 <p:sld xmlns:a="http://schemas.openxmlformats.org/drawingml/2006/main" xmlns:r="http://schemas.openxmlformats.org/officeDocument/2006/relationships" xmlns:p="http://schemas.openxmlformats.org/presentationml/2006/main">
   <p:cSld>
@@ -7282,7 +6172,7 @@
           <a:p>
             <a:r>
               <a:rPr lang="fr-FR" dirty="0" smtClean="0"/>
-              <a:t>PTSI – PT</a:t>
+              <a:t>PCSI – PC </a:t>
             </a:r>
             <a:endParaRPr lang="fr-FR" dirty="0"/>
           </a:p>
@@ -7298,7 +6188,7 @@
             <p:ph sz="quarter" idx="1"/>
             <p:extLst>
               <p:ext uri="{D42A27DB-BD31-4B8C-83A1-F6EECF244321}">
-                <p14:modId xmlns:p14="http://schemas.microsoft.com/office/powerpoint/2010/main" val="248296591"/>
+                <p14:modId xmlns:p14="http://schemas.microsoft.com/office/powerpoint/2010/main" val="2225978901"/>
               </p:ext>
             </p:extLst>
           </p:nvPr>
@@ -7363,7 +6253,7 @@
     </p:spTree>
     <p:extLst>
       <p:ext uri="{BB962C8B-B14F-4D97-AF65-F5344CB8AC3E}">
-        <p14:creationId xmlns:p14="http://schemas.microsoft.com/office/powerpoint/2010/main" val="2876686551"/>
+        <p14:creationId xmlns:p14="http://schemas.microsoft.com/office/powerpoint/2010/main" val="3927707649"/>
       </p:ext>
     </p:extLst>
   </p:cSld>
@@ -7417,7 +6307,7 @@
           <a:p>
             <a:r>
               <a:rPr lang="fr-FR" dirty="0" smtClean="0"/>
-              <a:t>PCSI – PC </a:t>
+              <a:t>MPSI – MP </a:t>
             </a:r>
             <a:endParaRPr lang="fr-FR" dirty="0"/>
           </a:p>
@@ -7433,7 +6323,7 @@
             <p:ph sz="quarter" idx="1"/>
             <p:extLst>
               <p:ext uri="{D42A27DB-BD31-4B8C-83A1-F6EECF244321}">
-                <p14:modId xmlns:p14="http://schemas.microsoft.com/office/powerpoint/2010/main" val="2225978901"/>
+                <p14:modId xmlns:p14="http://schemas.microsoft.com/office/powerpoint/2010/main" val="1194340047"/>
               </p:ext>
             </p:extLst>
           </p:nvPr>
@@ -7498,7 +6388,7 @@
     </p:spTree>
     <p:extLst>
       <p:ext uri="{BB962C8B-B14F-4D97-AF65-F5344CB8AC3E}">
-        <p14:creationId xmlns:p14="http://schemas.microsoft.com/office/powerpoint/2010/main" val="3927707649"/>
+        <p14:creationId xmlns:p14="http://schemas.microsoft.com/office/powerpoint/2010/main" val="3024119915"/>
       </p:ext>
     </p:extLst>
   </p:cSld>
@@ -7545,47 +6435,20 @@
         </p:nvSpPr>
         <p:spPr/>
         <p:txBody>
-          <a:bodyPr>
-            <a:normAutofit/>
-          </a:bodyPr>
-          <a:lstStyle/>
-          <a:p>
-            <a:r>
-              <a:rPr lang="fr-FR" dirty="0" smtClean="0"/>
-              <a:t>MPSI – MP </a:t>
+          <a:bodyPr/>
+          <a:lstStyle/>
+          <a:p>
+            <a:r>
+              <a:rPr lang="fr-FR" dirty="0" smtClean="0"/>
+              <a:t>Bilan comparatif</a:t>
             </a:r>
             <a:endParaRPr lang="fr-FR" dirty="0"/>
           </a:p>
         </p:txBody>
       </p:sp>
-      <p:graphicFrame>
-        <p:nvGraphicFramePr>
-          <p:cNvPr id="4" name="Espace réservé du contenu 3"/>
-          <p:cNvGraphicFramePr>
-            <a:graphicFrameLocks noGrp="1"/>
-          </p:cNvGraphicFramePr>
-          <p:nvPr>
-            <p:ph sz="quarter" idx="1"/>
-            <p:extLst>
-              <p:ext uri="{D42A27DB-BD31-4B8C-83A1-F6EECF244321}">
-                <p14:modId xmlns:p14="http://schemas.microsoft.com/office/powerpoint/2010/main" val="1194340047"/>
-              </p:ext>
-            </p:extLst>
-          </p:nvPr>
-        </p:nvGraphicFramePr>
-        <p:xfrm>
-          <a:off x="457200" y="1219201"/>
-          <a:ext cx="8075240" cy="4730079"/>
-        </p:xfrm>
-        <a:graphic>
-          <a:graphicData uri="http://schemas.openxmlformats.org/drawingml/2006/chart">
-            <c:chart xmlns:c="http://schemas.openxmlformats.org/drawingml/2006/chart" xmlns:r="http://schemas.openxmlformats.org/officeDocument/2006/relationships" r:id="rId2"/>
-          </a:graphicData>
-        </a:graphic>
-      </p:graphicFrame>
-      <p:sp>
-        <p:nvSpPr>
-          <p:cNvPr id="5" name="Espace réservé du pied de page 4"/>
+      <p:sp>
+        <p:nvSpPr>
+          <p:cNvPr id="3" name="Espace réservé du pied de page 2"/>
           <p:cNvSpPr>
             <a:spLocks noGrp="1"/>
           </p:cNvSpPr>
@@ -7602,13 +6465,13 @@
               <a:rPr lang="fr-FR" smtClean="0"/>
               <a:t>Présentation des CPGE - Institution Sainte-Marie - 15/12/2014</a:t>
             </a:r>
-            <a:endParaRPr lang="fr-FR"/>
-          </a:p>
-        </p:txBody>
-      </p:sp>
-      <p:sp>
-        <p:nvSpPr>
-          <p:cNvPr id="6" name="Espace réservé du numéro de diapositive 5"/>
+            <a:endParaRPr lang="fr-FR" dirty="0"/>
+          </a:p>
+        </p:txBody>
+      </p:sp>
+      <p:sp>
+        <p:nvSpPr>
+          <p:cNvPr id="4" name="Espace réservé du numéro de diapositive 3"/>
           <p:cNvSpPr>
             <a:spLocks noGrp="1"/>
           </p:cNvSpPr>
@@ -7625,114 +6488,6 @@
               <a:rPr lang="fr-FR" smtClean="0"/>
               <a:pPr/>
               <a:t>15</a:t>
-            </a:fld>
-            <a:endParaRPr lang="fr-FR"/>
-          </a:p>
-        </p:txBody>
-      </p:sp>
-    </p:spTree>
-    <p:extLst>
-      <p:ext uri="{BB962C8B-B14F-4D97-AF65-F5344CB8AC3E}">
-        <p14:creationId xmlns:p14="http://schemas.microsoft.com/office/powerpoint/2010/main" val="3024119915"/>
-      </p:ext>
-    </p:extLst>
-  </p:cSld>
-  <p:clrMapOvr>
-    <a:masterClrMapping/>
-  </p:clrMapOvr>
-  <p:transition spd="slow"/>
-  <p:timing>
-    <p:tnLst>
-      <p:par>
-        <p:cTn id="1" dur="indefinite" restart="never" nodeType="tmRoot"/>
-      </p:par>
-    </p:tnLst>
-  </p:timing>
-</p:sld>
-</file>
-
-<file path=ppt/slides/slide16.xml><?xml version="1.0" encoding="utf-8"?>
-<p:sld xmlns:a="http://schemas.openxmlformats.org/drawingml/2006/main" xmlns:r="http://schemas.openxmlformats.org/officeDocument/2006/relationships" xmlns:p="http://schemas.openxmlformats.org/presentationml/2006/main">
-  <p:cSld>
-    <p:spTree>
-      <p:nvGrpSpPr>
-        <p:cNvPr id="1" name=""/>
-        <p:cNvGrpSpPr/>
-        <p:nvPr/>
-      </p:nvGrpSpPr>
-      <p:grpSpPr>
-        <a:xfrm>
-          <a:off x="0" y="0"/>
-          <a:ext cx="0" cy="0"/>
-          <a:chOff x="0" y="0"/>
-          <a:chExt cx="0" cy="0"/>
-        </a:xfrm>
-      </p:grpSpPr>
-      <p:sp>
-        <p:nvSpPr>
-          <p:cNvPr id="2" name="Titre 1"/>
-          <p:cNvSpPr>
-            <a:spLocks noGrp="1"/>
-          </p:cNvSpPr>
-          <p:nvPr>
-            <p:ph type="title"/>
-          </p:nvPr>
-        </p:nvSpPr>
-        <p:spPr/>
-        <p:txBody>
-          <a:bodyPr/>
-          <a:lstStyle/>
-          <a:p>
-            <a:r>
-              <a:rPr lang="fr-FR" dirty="0" smtClean="0"/>
-              <a:t>Bilan comparatif</a:t>
-            </a:r>
-            <a:endParaRPr lang="fr-FR" dirty="0"/>
-          </a:p>
-        </p:txBody>
-      </p:sp>
-      <p:sp>
-        <p:nvSpPr>
-          <p:cNvPr id="3" name="Espace réservé du pied de page 2"/>
-          <p:cNvSpPr>
-            <a:spLocks noGrp="1"/>
-          </p:cNvSpPr>
-          <p:nvPr>
-            <p:ph type="ftr" sz="quarter" idx="11"/>
-          </p:nvPr>
-        </p:nvSpPr>
-        <p:spPr/>
-        <p:txBody>
-          <a:bodyPr/>
-          <a:lstStyle/>
-          <a:p>
-            <a:r>
-              <a:rPr lang="fr-FR" smtClean="0"/>
-              <a:t>Présentation des CPGE - Institution Sainte-Marie - 15/12/2014</a:t>
-            </a:r>
-            <a:endParaRPr lang="fr-FR" dirty="0"/>
-          </a:p>
-        </p:txBody>
-      </p:sp>
-      <p:sp>
-        <p:nvSpPr>
-          <p:cNvPr id="4" name="Espace réservé du numéro de diapositive 3"/>
-          <p:cNvSpPr>
-            <a:spLocks noGrp="1"/>
-          </p:cNvSpPr>
-          <p:nvPr>
-            <p:ph type="sldNum" sz="quarter" idx="12"/>
-          </p:nvPr>
-        </p:nvSpPr>
-        <p:spPr/>
-        <p:txBody>
-          <a:bodyPr/>
-          <a:lstStyle/>
-          <a:p>
-            <a:fld id="{1CBB6DF8-B4DD-4E80-A138-72D154BCFFEE}" type="slidenum">
-              <a:rPr lang="fr-FR" smtClean="0"/>
-              <a:pPr/>
-              <a:t>16</a:t>
             </a:fld>
             <a:endParaRPr lang="fr-FR"/>
           </a:p>
@@ -7824,7 +6579,7 @@
 </p:sld>
 </file>
 
-<file path=ppt/slides/slide17.xml><?xml version="1.0" encoding="utf-8"?>
+<file path=ppt/slides/slide16.xml><?xml version="1.0" encoding="utf-8"?>
 <p:sld xmlns:a="http://schemas.openxmlformats.org/drawingml/2006/main" xmlns:r="http://schemas.openxmlformats.org/officeDocument/2006/relationships" xmlns:p="http://schemas.openxmlformats.org/presentationml/2006/main">
   <p:cSld>
     <p:spTree>
@@ -7924,7 +6679,7 @@
             <a:fld id="{1CBB6DF8-B4DD-4E80-A138-72D154BCFFEE}" type="slidenum">
               <a:rPr lang="fr-FR" smtClean="0"/>
               <a:pPr/>
-              <a:t>17</a:t>
+              <a:t>16</a:t>
             </a:fld>
             <a:endParaRPr lang="fr-FR"/>
           </a:p>
@@ -7950,7 +6705,7 @@
 </p:sld>
 </file>
 
-<file path=ppt/slides/slide18.xml><?xml version="1.0" encoding="utf-8"?>
+<file path=ppt/slides/slide17.xml><?xml version="1.0" encoding="utf-8"?>
 <p:sld xmlns:a="http://schemas.openxmlformats.org/drawingml/2006/main" xmlns:r="http://schemas.openxmlformats.org/officeDocument/2006/relationships" xmlns:p="http://schemas.openxmlformats.org/presentationml/2006/main">
   <p:cSld>
     <p:spTree>
@@ -8040,7 +6795,7 @@
             <a:fld id="{1CBB6DF8-B4DD-4E80-A138-72D154BCFFEE}" type="slidenum">
               <a:rPr lang="fr-FR" smtClean="0"/>
               <a:pPr/>
-              <a:t>18</a:t>
+              <a:t>17</a:t>
             </a:fld>
             <a:endParaRPr lang="fr-FR"/>
           </a:p>
@@ -8232,6 +6987,219 @@
 </p:sld>
 </file>
 
+<file path=ppt/slides/slide18.xml><?xml version="1.0" encoding="utf-8"?>
+<p:sld xmlns:a="http://schemas.openxmlformats.org/drawingml/2006/main" xmlns:r="http://schemas.openxmlformats.org/officeDocument/2006/relationships" xmlns:p="http://schemas.openxmlformats.org/presentationml/2006/main">
+  <p:cSld>
+    <p:spTree>
+      <p:nvGrpSpPr>
+        <p:cNvPr id="1" name=""/>
+        <p:cNvGrpSpPr/>
+        <p:nvPr/>
+      </p:nvGrpSpPr>
+      <p:grpSpPr>
+        <a:xfrm>
+          <a:off x="0" y="0"/>
+          <a:ext cx="0" cy="0"/>
+          <a:chOff x="0" y="0"/>
+          <a:chExt cx="0" cy="0"/>
+        </a:xfrm>
+      </p:grpSpPr>
+      <p:sp>
+        <p:nvSpPr>
+          <p:cNvPr id="2" name="Titre 1"/>
+          <p:cNvSpPr>
+            <a:spLocks noGrp="1"/>
+          </p:cNvSpPr>
+          <p:nvPr>
+            <p:ph type="title"/>
+          </p:nvPr>
+        </p:nvSpPr>
+        <p:spPr/>
+        <p:txBody>
+          <a:bodyPr>
+            <a:normAutofit fontScale="90000"/>
+          </a:bodyPr>
+          <a:lstStyle/>
+          <a:p>
+            <a:r>
+              <a:rPr lang="fr-FR" dirty="0" smtClean="0"/>
+              <a:t>Les spécificités des CPGE</a:t>
+            </a:r>
+            <a:br>
+              <a:rPr lang="fr-FR" dirty="0" smtClean="0"/>
+            </a:br>
+            <a:r>
+              <a:rPr lang="fr-FR" dirty="0" smtClean="0"/>
+              <a:t>Déroulement de la formation</a:t>
+            </a:r>
+            <a:endParaRPr lang="fr-FR" dirty="0"/>
+          </a:p>
+        </p:txBody>
+      </p:sp>
+      <p:sp>
+        <p:nvSpPr>
+          <p:cNvPr id="3" name="Espace réservé du contenu 2"/>
+          <p:cNvSpPr>
+            <a:spLocks noGrp="1"/>
+          </p:cNvSpPr>
+          <p:nvPr>
+            <p:ph sz="quarter" idx="1"/>
+          </p:nvPr>
+        </p:nvSpPr>
+        <p:spPr/>
+        <p:txBody>
+          <a:bodyPr/>
+          <a:lstStyle/>
+          <a:p>
+            <a:r>
+              <a:rPr lang="fr-FR" dirty="0" smtClean="0"/>
+              <a:t>Première année</a:t>
+            </a:r>
+          </a:p>
+          <a:p>
+            <a:pPr lvl="1"/>
+            <a:r>
+              <a:rPr lang="fr-FR" dirty="0" smtClean="0"/>
+              <a:t>Deux semestres d’enseignement</a:t>
+            </a:r>
+            <a:endParaRPr lang="fr-FR" dirty="0"/>
+          </a:p>
+          <a:p>
+            <a:r>
+              <a:rPr lang="fr-FR" dirty="0" smtClean="0"/>
+              <a:t>Passage en seconde année</a:t>
+            </a:r>
+          </a:p>
+          <a:p>
+            <a:pPr lvl="1"/>
+            <a:r>
+              <a:rPr lang="fr-FR" dirty="0" smtClean="0"/>
+              <a:t>Conditionné par le conseil de classe de fin d’année</a:t>
+            </a:r>
+          </a:p>
+          <a:p>
+            <a:pPr lvl="1"/>
+            <a:r>
+              <a:rPr lang="fr-FR" dirty="0" smtClean="0"/>
+              <a:t>Réorientation éventuelle préparée tout au long de l’année</a:t>
+            </a:r>
+            <a:endParaRPr lang="fr-FR" dirty="0"/>
+          </a:p>
+          <a:p>
+            <a:r>
+              <a:rPr lang="fr-FR" dirty="0"/>
+              <a:t>S</a:t>
+            </a:r>
+            <a:r>
+              <a:rPr lang="fr-FR" dirty="0" smtClean="0"/>
+              <a:t>econde année</a:t>
+            </a:r>
+          </a:p>
+          <a:p>
+            <a:pPr lvl="1"/>
+            <a:r>
+              <a:rPr lang="fr-FR" dirty="0" smtClean="0"/>
+              <a:t>Septembre – avril : enseignement</a:t>
+            </a:r>
+          </a:p>
+          <a:p>
+            <a:pPr lvl="1"/>
+            <a:r>
+              <a:rPr lang="fr-FR" dirty="0" smtClean="0"/>
+              <a:t>Avril – mai : concours</a:t>
+            </a:r>
+          </a:p>
+          <a:p>
+            <a:pPr lvl="1"/>
+            <a:r>
+              <a:rPr lang="fr-FR" dirty="0" smtClean="0"/>
+              <a:t>Mai – juin : préparation spécifique aux oraux</a:t>
+            </a:r>
+          </a:p>
+          <a:p>
+            <a:pPr lvl="1"/>
+            <a:r>
+              <a:rPr lang="fr-FR" dirty="0" smtClean="0"/>
+              <a:t>Juin – juillet : épreuves orales</a:t>
+            </a:r>
+          </a:p>
+          <a:p>
+            <a:pPr lvl="2"/>
+            <a:endParaRPr lang="fr-FR" dirty="0" smtClean="0"/>
+          </a:p>
+          <a:p>
+            <a:pPr lvl="2"/>
+            <a:endParaRPr lang="fr-FR" dirty="0"/>
+          </a:p>
+        </p:txBody>
+      </p:sp>
+      <p:sp>
+        <p:nvSpPr>
+          <p:cNvPr id="5" name="Espace réservé du pied de page 4"/>
+          <p:cNvSpPr>
+            <a:spLocks noGrp="1"/>
+          </p:cNvSpPr>
+          <p:nvPr>
+            <p:ph type="ftr" sz="quarter" idx="11"/>
+          </p:nvPr>
+        </p:nvSpPr>
+        <p:spPr/>
+        <p:txBody>
+          <a:bodyPr/>
+          <a:lstStyle/>
+          <a:p>
+            <a:r>
+              <a:rPr lang="fr-FR" smtClean="0"/>
+              <a:t>Présentation des CPGE - Institution Sainte-Marie - 15/12/2014</a:t>
+            </a:r>
+            <a:endParaRPr lang="fr-FR"/>
+          </a:p>
+        </p:txBody>
+      </p:sp>
+      <p:sp>
+        <p:nvSpPr>
+          <p:cNvPr id="4" name="Espace réservé du numéro de diapositive 3"/>
+          <p:cNvSpPr>
+            <a:spLocks noGrp="1"/>
+          </p:cNvSpPr>
+          <p:nvPr>
+            <p:ph type="sldNum" sz="quarter" idx="12"/>
+          </p:nvPr>
+        </p:nvSpPr>
+        <p:spPr/>
+        <p:txBody>
+          <a:bodyPr/>
+          <a:lstStyle/>
+          <a:p>
+            <a:fld id="{1CBB6DF8-B4DD-4E80-A138-72D154BCFFEE}" type="slidenum">
+              <a:rPr lang="fr-FR" smtClean="0"/>
+              <a:pPr/>
+              <a:t>18</a:t>
+            </a:fld>
+            <a:endParaRPr lang="fr-FR"/>
+          </a:p>
+        </p:txBody>
+      </p:sp>
+    </p:spTree>
+    <p:extLst>
+      <p:ext uri="{BB962C8B-B14F-4D97-AF65-F5344CB8AC3E}">
+        <p14:creationId xmlns:p14="http://schemas.microsoft.com/office/powerpoint/2010/main" val="828930698"/>
+      </p:ext>
+    </p:extLst>
+  </p:cSld>
+  <p:clrMapOvr>
+    <a:masterClrMapping/>
+  </p:clrMapOvr>
+  <p:timing>
+    <p:tnLst>
+      <p:par>
+        <p:cTn id="1" dur="indefinite" restart="never" nodeType="tmRoot"/>
+      </p:par>
+    </p:tnLst>
+  </p:timing>
+</p:sld>
+</file>
+
 <file path=ppt/slides/slide19.xml><?xml version="1.0" encoding="utf-8"?>
 <p:sld xmlns:a="http://schemas.openxmlformats.org/drawingml/2006/main" xmlns:r="http://schemas.openxmlformats.org/officeDocument/2006/relationships" xmlns:p="http://schemas.openxmlformats.org/presentationml/2006/main">
   <p:cSld>
@@ -8275,7 +7243,7 @@
             </a:br>
             <a:r>
               <a:rPr lang="fr-FR" dirty="0" smtClean="0"/>
-              <a:t>Déroulement de la formation</a:t>
+              <a:t>Les points forts de la formation</a:t>
             </a:r>
             <a:endParaRPr lang="fr-FR" dirty="0"/>
           </a:p>
@@ -8293,88 +7261,100 @@
         </p:nvSpPr>
         <p:spPr/>
         <p:txBody>
-          <a:bodyPr/>
-          <a:lstStyle/>
-          <a:p>
-            <a:r>
-              <a:rPr lang="fr-FR" dirty="0" smtClean="0"/>
-              <a:t>Première année</a:t>
+          <a:bodyPr>
+            <a:normAutofit fontScale="92500" lnSpcReduction="20000"/>
+          </a:bodyPr>
+          <a:lstStyle/>
+          <a:p>
+            <a:r>
+              <a:rPr lang="fr-FR" dirty="0" smtClean="0"/>
+              <a:t>Proximité de l’équipe pédagogique avec les élèves</a:t>
             </a:r>
           </a:p>
           <a:p>
             <a:pPr lvl="1"/>
             <a:r>
               <a:rPr lang="fr-FR" dirty="0" smtClean="0"/>
-              <a:t>Deux semestres d’enseignement</a:t>
-            </a:r>
-            <a:endParaRPr lang="fr-FR" dirty="0"/>
-          </a:p>
-          <a:p>
-            <a:r>
-              <a:rPr lang="fr-FR" dirty="0" smtClean="0"/>
-              <a:t>Passage en seconde année</a:t>
+              <a:t>Cadre et structures de lycées</a:t>
             </a:r>
           </a:p>
           <a:p>
             <a:pPr lvl="1"/>
             <a:r>
               <a:rPr lang="fr-FR" dirty="0" smtClean="0"/>
-              <a:t>Conditionné par le conseil de classe de fin d’année</a:t>
+              <a:t>Suivi individuel</a:t>
             </a:r>
           </a:p>
           <a:p>
             <a:pPr lvl="1"/>
             <a:r>
               <a:rPr lang="fr-FR" dirty="0" smtClean="0"/>
-              <a:t>Réorientation éventuelle préparée tout au long de l’année</a:t>
-            </a:r>
-            <a:endParaRPr lang="fr-FR" dirty="0"/>
-          </a:p>
-          <a:p>
-            <a:r>
-              <a:rPr lang="fr-FR" dirty="0"/>
-              <a:t>S</a:t>
-            </a:r>
-            <a:r>
-              <a:rPr lang="fr-FR" dirty="0" smtClean="0"/>
-              <a:t>econde année</a:t>
+              <a:t>Climat de travail sécurisant et agréable</a:t>
             </a:r>
           </a:p>
           <a:p>
             <a:pPr lvl="1"/>
             <a:r>
               <a:rPr lang="fr-FR" dirty="0" smtClean="0"/>
-              <a:t>Septembre – avril : enseignement</a:t>
+              <a:t>Généralement un enseignant pour une classe</a:t>
+            </a:r>
+          </a:p>
+          <a:p>
+            <a:pPr marL="0" indent="0">
+              <a:buNone/>
+            </a:pPr>
+            <a:endParaRPr lang="fr-FR" dirty="0" smtClean="0"/>
+          </a:p>
+          <a:p>
+            <a:r>
+              <a:rPr lang="fr-FR" dirty="0" smtClean="0"/>
+              <a:t>Évaluation continue tout au long des deux ans</a:t>
             </a:r>
           </a:p>
           <a:p>
             <a:pPr lvl="1"/>
             <a:r>
               <a:rPr lang="fr-FR" dirty="0" smtClean="0"/>
-              <a:t>Avril – mai : concours</a:t>
+              <a:t>Devoirs surveillés et devoirs maisons réguliers</a:t>
             </a:r>
           </a:p>
           <a:p>
             <a:pPr lvl="1"/>
             <a:r>
               <a:rPr lang="fr-FR" dirty="0" smtClean="0"/>
-              <a:t>Mai – juin : préparation spécifique aux oraux</a:t>
+              <a:t>Interrogations orales hebdomadaires (colles)</a:t>
             </a:r>
           </a:p>
           <a:p>
             <a:pPr lvl="1"/>
-            <a:r>
-              <a:rPr lang="fr-FR" dirty="0" smtClean="0"/>
-              <a:t>Juin – juillet : épreuves orales</a:t>
-            </a:r>
-          </a:p>
-          <a:p>
-            <a:pPr lvl="2"/>
             <a:endParaRPr lang="fr-FR" dirty="0" smtClean="0"/>
           </a:p>
           <a:p>
-            <a:pPr lvl="2"/>
-            <a:endParaRPr lang="fr-FR" dirty="0"/>
+            <a:r>
+              <a:rPr lang="fr-FR" dirty="0" smtClean="0"/>
+              <a:t>Un parcours sécurisé</a:t>
+            </a:r>
+          </a:p>
+          <a:p>
+            <a:pPr lvl="1"/>
+            <a:r>
+              <a:rPr lang="fr-FR" dirty="0" smtClean="0"/>
+              <a:t>Nombreuses places aux concours</a:t>
+            </a:r>
+          </a:p>
+          <a:p>
+            <a:pPr lvl="1"/>
+            <a:r>
+              <a:rPr lang="fr-FR" dirty="0" smtClean="0"/>
+              <a:t>Nombreux débouchés en sortie d’école</a:t>
+            </a:r>
+          </a:p>
+          <a:p>
+            <a:pPr lvl="1"/>
+            <a:r>
+              <a:rPr lang="fr-FR" dirty="0" smtClean="0"/>
+              <a:t>Réorientation suivie si nécessaire</a:t>
+            </a:r>
           </a:p>
         </p:txBody>
       </p:sp>
@@ -8428,7 +7408,7 @@
     </p:spTree>
     <p:extLst>
       <p:ext uri="{BB962C8B-B14F-4D97-AF65-F5344CB8AC3E}">
-        <p14:creationId xmlns:p14="http://schemas.microsoft.com/office/powerpoint/2010/main" val="828930698"/>
+        <p14:creationId xmlns:p14="http://schemas.microsoft.com/office/powerpoint/2010/main" val="1630853213"/>
       </p:ext>
     </p:extLst>
   </p:cSld>
@@ -8662,7 +7642,7 @@
             </a:br>
             <a:r>
               <a:rPr lang="fr-FR" dirty="0" smtClean="0"/>
-              <a:t>Les points forts de la formation</a:t>
+              <a:t>Les qualités attendues</a:t>
             </a:r>
             <a:endParaRPr lang="fr-FR" dirty="0"/>
           </a:p>
@@ -8680,99 +7660,49 @@
         </p:nvSpPr>
         <p:spPr/>
         <p:txBody>
-          <a:bodyPr>
-            <a:normAutofit fontScale="92500" lnSpcReduction="20000"/>
-          </a:bodyPr>
-          <a:lstStyle/>
-          <a:p>
-            <a:r>
-              <a:rPr lang="fr-FR" dirty="0" smtClean="0"/>
-              <a:t>Proximité de l’équipe pédagogique avec les élèves</a:t>
+          <a:bodyPr/>
+          <a:lstStyle/>
+          <a:p>
+            <a:r>
+              <a:rPr lang="fr-FR" dirty="0" smtClean="0"/>
+              <a:t>Sélection en CPGE </a:t>
             </a:r>
           </a:p>
           <a:p>
             <a:pPr lvl="1"/>
             <a:r>
               <a:rPr lang="fr-FR" dirty="0" smtClean="0"/>
-              <a:t>Cadre et structures de lycées</a:t>
+              <a:t>Bulletins scolaires de Première et Terminale</a:t>
+            </a:r>
+          </a:p>
+          <a:p>
+            <a:pPr lvl="2"/>
+            <a:r>
+              <a:rPr lang="fr-FR" dirty="0" smtClean="0"/>
+              <a:t>Résultats &amp; Appréciations</a:t>
+            </a:r>
+          </a:p>
+          <a:p>
+            <a:endParaRPr lang="fr-FR" dirty="0" smtClean="0"/>
+          </a:p>
+          <a:p>
+            <a:r>
+              <a:rPr lang="fr-FR" dirty="0" smtClean="0"/>
+              <a:t>Attitude requise en CPGE</a:t>
             </a:r>
           </a:p>
           <a:p>
             <a:pPr lvl="1"/>
             <a:r>
               <a:rPr lang="fr-FR" dirty="0" smtClean="0"/>
-              <a:t>Suivi individuel</a:t>
+              <a:t>Assiduité et participation en cours</a:t>
             </a:r>
           </a:p>
           <a:p>
             <a:pPr lvl="1"/>
             <a:r>
               <a:rPr lang="fr-FR" dirty="0" smtClean="0"/>
-              <a:t>Climat de travail sécurisant et agréable</a:t>
-            </a:r>
-          </a:p>
-          <a:p>
-            <a:pPr lvl="1"/>
-            <a:r>
-              <a:rPr lang="fr-FR" dirty="0" smtClean="0"/>
-              <a:t>Généralement un enseignant pour une classe</a:t>
-            </a:r>
-          </a:p>
-          <a:p>
-            <a:pPr marL="0" indent="0">
-              <a:buNone/>
-            </a:pPr>
-            <a:endParaRPr lang="fr-FR" dirty="0" smtClean="0"/>
-          </a:p>
-          <a:p>
-            <a:r>
-              <a:rPr lang="fr-FR" dirty="0" smtClean="0"/>
-              <a:t>Évaluation continue tout au long des deux ans</a:t>
-            </a:r>
-          </a:p>
-          <a:p>
-            <a:pPr lvl="1"/>
-            <a:r>
-              <a:rPr lang="fr-FR" dirty="0" smtClean="0"/>
-              <a:t>Devoirs surveillés et devoirs maisons réguliers</a:t>
-            </a:r>
-          </a:p>
-          <a:p>
-            <a:pPr lvl="1"/>
-            <a:r>
-              <a:rPr lang="fr-FR" dirty="0" smtClean="0"/>
-              <a:t>Interrogations orales hebdomadaires (colles)</a:t>
-            </a:r>
-          </a:p>
-          <a:p>
-            <a:pPr lvl="1"/>
-            <a:endParaRPr lang="fr-FR" dirty="0" smtClean="0"/>
-          </a:p>
-          <a:p>
-            <a:r>
-              <a:rPr lang="fr-FR" dirty="0" smtClean="0"/>
-              <a:t>Un parcours sécurisé</a:t>
-            </a:r>
-          </a:p>
-          <a:p>
-            <a:pPr lvl="1"/>
-            <a:r>
-              <a:rPr lang="fr-FR" dirty="0" smtClean="0"/>
-              <a:t>Nombreuses places aux concours</a:t>
-            </a:r>
-          </a:p>
-          <a:p>
-            <a:pPr lvl="1"/>
-            <a:r>
-              <a:rPr lang="fr-FR" dirty="0" smtClean="0"/>
-              <a:t>Nombreux débouchés en sortie d’école</a:t>
-            </a:r>
-          </a:p>
-          <a:p>
-            <a:pPr lvl="1"/>
-            <a:r>
-              <a:rPr lang="fr-FR" dirty="0" smtClean="0"/>
-              <a:t>Réorientation suivie si nécessaire</a:t>
+              <a:t>Travail sérieux et régulier pendant 2 ans</a:t>
             </a:r>
           </a:p>
         </p:txBody>
@@ -8796,7 +7726,7 @@
               <a:rPr lang="fr-FR" smtClean="0"/>
               <a:t>Présentation des CPGE - Institution Sainte-Marie - 15/12/2014</a:t>
             </a:r>
-            <a:endParaRPr lang="fr-FR"/>
+            <a:endParaRPr lang="fr-FR" dirty="0"/>
           </a:p>
         </p:txBody>
       </p:sp>
@@ -8827,7 +7757,7 @@
     </p:spTree>
     <p:extLst>
       <p:ext uri="{BB962C8B-B14F-4D97-AF65-F5344CB8AC3E}">
-        <p14:creationId xmlns:p14="http://schemas.microsoft.com/office/powerpoint/2010/main" val="1630853213"/>
+        <p14:creationId xmlns:p14="http://schemas.microsoft.com/office/powerpoint/2010/main" val="257158660"/>
       </p:ext>
     </p:extLst>
   </p:cSld>
@@ -8873,21 +7803,12 @@
         </p:nvSpPr>
         <p:spPr/>
         <p:txBody>
-          <a:bodyPr>
-            <a:normAutofit fontScale="90000"/>
-          </a:bodyPr>
-          <a:lstStyle/>
-          <a:p>
-            <a:r>
-              <a:rPr lang="fr-FR" dirty="0" smtClean="0"/>
-              <a:t>Les spécificités des CPGE</a:t>
-            </a:r>
-            <a:br>
-              <a:rPr lang="fr-FR" dirty="0" smtClean="0"/>
-            </a:br>
-            <a:r>
-              <a:rPr lang="fr-FR" dirty="0" smtClean="0"/>
-              <a:t>Les qualités attendues</a:t>
+          <a:bodyPr/>
+          <a:lstStyle/>
+          <a:p>
+            <a:r>
+              <a:rPr lang="fr-FR" dirty="0" smtClean="0"/>
+              <a:t>Inscription / Candidatures</a:t>
             </a:r>
             <a:endParaRPr lang="fr-FR" dirty="0"/>
           </a:p>
@@ -8895,66 +7816,7 @@
       </p:sp>
       <p:sp>
         <p:nvSpPr>
-          <p:cNvPr id="3" name="Espace réservé du contenu 2"/>
-          <p:cNvSpPr>
-            <a:spLocks noGrp="1"/>
-          </p:cNvSpPr>
-          <p:nvPr>
-            <p:ph sz="quarter" idx="1"/>
-          </p:nvPr>
-        </p:nvSpPr>
-        <p:spPr/>
-        <p:txBody>
-          <a:bodyPr/>
-          <a:lstStyle/>
-          <a:p>
-            <a:r>
-              <a:rPr lang="fr-FR" dirty="0" smtClean="0"/>
-              <a:t>Sélection en CPGE </a:t>
-            </a:r>
-          </a:p>
-          <a:p>
-            <a:pPr lvl="1"/>
-            <a:r>
-              <a:rPr lang="fr-FR" dirty="0" smtClean="0"/>
-              <a:t>Bulletins scolaires de Première et Terminale</a:t>
-            </a:r>
-          </a:p>
-          <a:p>
-            <a:pPr lvl="2"/>
-            <a:r>
-              <a:rPr lang="fr-FR" dirty="0" smtClean="0"/>
-              <a:t>Résultats &amp; Appréciations</a:t>
-            </a:r>
-          </a:p>
-          <a:p>
-            <a:endParaRPr lang="fr-FR" dirty="0" smtClean="0"/>
-          </a:p>
-          <a:p>
-            <a:r>
-              <a:rPr lang="fr-FR" dirty="0" smtClean="0"/>
-              <a:t>Attitude requise en CPGE</a:t>
-            </a:r>
-          </a:p>
-          <a:p>
-            <a:pPr lvl="1"/>
-            <a:r>
-              <a:rPr lang="fr-FR" dirty="0" smtClean="0"/>
-              <a:t>Assiduité et participation en cours</a:t>
-            </a:r>
-          </a:p>
-          <a:p>
-            <a:pPr lvl="1"/>
-            <a:r>
-              <a:rPr lang="fr-FR" dirty="0" smtClean="0"/>
-              <a:t>Travail sérieux et régulier pendant 2 ans</a:t>
-            </a:r>
-          </a:p>
-        </p:txBody>
-      </p:sp>
-      <p:sp>
-        <p:nvSpPr>
-          <p:cNvPr id="5" name="Espace réservé du pied de page 4"/>
+          <p:cNvPr id="3" name="Espace réservé du pied de page 2"/>
           <p:cNvSpPr>
             <a:spLocks noGrp="1"/>
           </p:cNvSpPr>
@@ -8994,113 +7856,6 @@
               <a:rPr lang="fr-FR" smtClean="0"/>
               <a:pPr/>
               <a:t>21</a:t>
-            </a:fld>
-            <a:endParaRPr lang="fr-FR"/>
-          </a:p>
-        </p:txBody>
-      </p:sp>
-    </p:spTree>
-    <p:extLst>
-      <p:ext uri="{BB962C8B-B14F-4D97-AF65-F5344CB8AC3E}">
-        <p14:creationId xmlns:p14="http://schemas.microsoft.com/office/powerpoint/2010/main" val="257158660"/>
-      </p:ext>
-    </p:extLst>
-  </p:cSld>
-  <p:clrMapOvr>
-    <a:masterClrMapping/>
-  </p:clrMapOvr>
-  <p:timing>
-    <p:tnLst>
-      <p:par>
-        <p:cTn id="1" dur="indefinite" restart="never" nodeType="tmRoot"/>
-      </p:par>
-    </p:tnLst>
-  </p:timing>
-</p:sld>
-</file>
-
-<file path=ppt/slides/slide22.xml><?xml version="1.0" encoding="utf-8"?>
-<p:sld xmlns:a="http://schemas.openxmlformats.org/drawingml/2006/main" xmlns:r="http://schemas.openxmlformats.org/officeDocument/2006/relationships" xmlns:p="http://schemas.openxmlformats.org/presentationml/2006/main">
-  <p:cSld>
-    <p:spTree>
-      <p:nvGrpSpPr>
-        <p:cNvPr id="1" name=""/>
-        <p:cNvGrpSpPr/>
-        <p:nvPr/>
-      </p:nvGrpSpPr>
-      <p:grpSpPr>
-        <a:xfrm>
-          <a:off x="0" y="0"/>
-          <a:ext cx="0" cy="0"/>
-          <a:chOff x="0" y="0"/>
-          <a:chExt cx="0" cy="0"/>
-        </a:xfrm>
-      </p:grpSpPr>
-      <p:sp>
-        <p:nvSpPr>
-          <p:cNvPr id="2" name="Titre 1"/>
-          <p:cNvSpPr>
-            <a:spLocks noGrp="1"/>
-          </p:cNvSpPr>
-          <p:nvPr>
-            <p:ph type="title"/>
-          </p:nvPr>
-        </p:nvSpPr>
-        <p:spPr/>
-        <p:txBody>
-          <a:bodyPr/>
-          <a:lstStyle/>
-          <a:p>
-            <a:r>
-              <a:rPr lang="fr-FR" dirty="0" smtClean="0"/>
-              <a:t>Inscription / Candidatures</a:t>
-            </a:r>
-            <a:endParaRPr lang="fr-FR" dirty="0"/>
-          </a:p>
-        </p:txBody>
-      </p:sp>
-      <p:sp>
-        <p:nvSpPr>
-          <p:cNvPr id="3" name="Espace réservé du pied de page 2"/>
-          <p:cNvSpPr>
-            <a:spLocks noGrp="1"/>
-          </p:cNvSpPr>
-          <p:nvPr>
-            <p:ph type="ftr" sz="quarter" idx="11"/>
-          </p:nvPr>
-        </p:nvSpPr>
-        <p:spPr/>
-        <p:txBody>
-          <a:bodyPr/>
-          <a:lstStyle/>
-          <a:p>
-            <a:r>
-              <a:rPr lang="fr-FR" smtClean="0"/>
-              <a:t>Présentation des CPGE - Institution Sainte-Marie - 15/12/2014</a:t>
-            </a:r>
-            <a:endParaRPr lang="fr-FR" dirty="0"/>
-          </a:p>
-        </p:txBody>
-      </p:sp>
-      <p:sp>
-        <p:nvSpPr>
-          <p:cNvPr id="4" name="Espace réservé du numéro de diapositive 3"/>
-          <p:cNvSpPr>
-            <a:spLocks noGrp="1"/>
-          </p:cNvSpPr>
-          <p:nvPr>
-            <p:ph type="sldNum" sz="quarter" idx="12"/>
-          </p:nvPr>
-        </p:nvSpPr>
-        <p:spPr/>
-        <p:txBody>
-          <a:bodyPr/>
-          <a:lstStyle/>
-          <a:p>
-            <a:fld id="{1CBB6DF8-B4DD-4E80-A138-72D154BCFFEE}" type="slidenum">
-              <a:rPr lang="fr-FR" smtClean="0"/>
-              <a:pPr/>
-              <a:t>22</a:t>
             </a:fld>
             <a:endParaRPr lang="fr-FR"/>
           </a:p>
@@ -9256,7 +8011,7 @@
 </p:sld>
 </file>
 
-<file path=ppt/slides/slide23.xml><?xml version="1.0" encoding="utf-8"?>
+<file path=ppt/slides/slide22.xml><?xml version="1.0" encoding="utf-8"?>
 <p:sld xmlns:a="http://schemas.openxmlformats.org/drawingml/2006/main" xmlns:r="http://schemas.openxmlformats.org/officeDocument/2006/relationships" xmlns:p="http://schemas.openxmlformats.org/presentationml/2006/main">
   <p:cSld>
     <p:spTree>
@@ -9387,7 +8142,7 @@
             <a:fld id="{1CBB6DF8-B4DD-4E80-A138-72D154BCFFEE}" type="slidenum">
               <a:rPr lang="fr-FR" smtClean="0"/>
               <a:pPr/>
-              <a:t>23</a:t>
+              <a:t>22</a:t>
             </a:fld>
             <a:endParaRPr lang="fr-FR"/>
           </a:p>
@@ -9651,7 +8406,6 @@
               <a:rPr lang="fr-FR" dirty="0" smtClean="0"/>
               <a:t>PCSI</a:t>
             </a:r>
-            <a:endParaRPr lang="fr-FR" dirty="0" smtClean="0"/>
           </a:p>
           <a:p>
             <a:pPr lvl="1"/>
@@ -9691,6 +8445,1534 @@
       </p:par>
     </p:tnLst>
   </p:timing>
+</p:sld>
+</file>
+
+<file path=ppt/slides/slide23.xml><?xml version="1.0" encoding="utf-8"?>
+<p:sld xmlns:a="http://schemas.openxmlformats.org/drawingml/2006/main" xmlns:r="http://schemas.openxmlformats.org/officeDocument/2006/relationships" xmlns:p="http://schemas.openxmlformats.org/presentationml/2006/main">
+  <p:cSld>
+    <p:spTree>
+      <p:nvGrpSpPr>
+        <p:cNvPr id="1" name=""/>
+        <p:cNvGrpSpPr/>
+        <p:nvPr/>
+      </p:nvGrpSpPr>
+      <p:grpSpPr>
+        <a:xfrm>
+          <a:off x="0" y="0"/>
+          <a:ext cx="0" cy="0"/>
+          <a:chOff x="0" y="0"/>
+          <a:chExt cx="0" cy="0"/>
+        </a:xfrm>
+      </p:grpSpPr>
+      <p:sp>
+        <p:nvSpPr>
+          <p:cNvPr id="2" name="Titre 1"/>
+          <p:cNvSpPr>
+            <a:spLocks noGrp="1"/>
+          </p:cNvSpPr>
+          <p:nvPr>
+            <p:ph type="title"/>
+          </p:nvPr>
+        </p:nvSpPr>
+        <p:spPr/>
+        <p:txBody>
+          <a:bodyPr>
+            <a:normAutofit fontScale="90000"/>
+          </a:bodyPr>
+          <a:lstStyle/>
+          <a:p>
+            <a:r>
+              <a:rPr lang="fr-FR" dirty="0"/>
+              <a:t>Quelques élèves </a:t>
+            </a:r>
+            <a:r>
+              <a:rPr lang="fr-FR" dirty="0" smtClean="0"/>
+              <a:t>du lycée Dumont d’Urville</a:t>
+            </a:r>
+            <a:br>
+              <a:rPr lang="fr-FR" dirty="0" smtClean="0"/>
+            </a:br>
+            <a:r>
+              <a:rPr lang="fr-FR" dirty="0" smtClean="0"/>
+              <a:t>Domaines d’application</a:t>
+            </a:r>
+            <a:endParaRPr lang="fr-FR" dirty="0"/>
+          </a:p>
+        </p:txBody>
+      </p:sp>
+      <p:sp>
+        <p:nvSpPr>
+          <p:cNvPr id="3" name="Espace réservé du pied de page 2"/>
+          <p:cNvSpPr>
+            <a:spLocks noGrp="1"/>
+          </p:cNvSpPr>
+          <p:nvPr>
+            <p:ph type="ftr" sz="quarter" idx="11"/>
+          </p:nvPr>
+        </p:nvSpPr>
+        <p:spPr/>
+        <p:txBody>
+          <a:bodyPr/>
+          <a:lstStyle/>
+          <a:p>
+            <a:r>
+              <a:rPr lang="fr-FR" smtClean="0"/>
+              <a:t>Présentation des CPGE - Institution Sainte-Marie - 15/12/2014</a:t>
+            </a:r>
+            <a:endParaRPr lang="fr-FR" dirty="0"/>
+          </a:p>
+        </p:txBody>
+      </p:sp>
+      <p:sp>
+        <p:nvSpPr>
+          <p:cNvPr id="4" name="Espace réservé du numéro de diapositive 3"/>
+          <p:cNvSpPr>
+            <a:spLocks noGrp="1"/>
+          </p:cNvSpPr>
+          <p:nvPr>
+            <p:ph type="sldNum" sz="quarter" idx="12"/>
+          </p:nvPr>
+        </p:nvSpPr>
+        <p:spPr/>
+        <p:txBody>
+          <a:bodyPr/>
+          <a:lstStyle/>
+          <a:p>
+            <a:fld id="{1CBB6DF8-B4DD-4E80-A138-72D154BCFFEE}" type="slidenum">
+              <a:rPr lang="fr-FR" smtClean="0"/>
+              <a:pPr/>
+              <a:t>23</a:t>
+            </a:fld>
+            <a:endParaRPr lang="fr-FR"/>
+          </a:p>
+        </p:txBody>
+      </p:sp>
+      <p:sp>
+        <p:nvSpPr>
+          <p:cNvPr id="5" name="Espace réservé du contenu 4"/>
+          <p:cNvSpPr>
+            <a:spLocks noGrp="1"/>
+          </p:cNvSpPr>
+          <p:nvPr>
+            <p:ph sz="quarter" idx="1"/>
+          </p:nvPr>
+        </p:nvSpPr>
+        <p:spPr>
+          <a:xfrm>
+            <a:off x="251520" y="1219200"/>
+            <a:ext cx="7128792" cy="5162128"/>
+          </a:xfrm>
+        </p:spPr>
+        <p:txBody>
+          <a:bodyPr>
+            <a:normAutofit fontScale="77500" lnSpcReduction="20000"/>
+          </a:bodyPr>
+          <a:lstStyle/>
+          <a:p>
+            <a:r>
+              <a:rPr lang="fr-FR" dirty="0" smtClean="0"/>
+              <a:t>Industrie aéronautique</a:t>
+            </a:r>
+          </a:p>
+          <a:p>
+            <a:pPr lvl="1"/>
+            <a:r>
+              <a:rPr lang="fr-FR" sz="2400" i="1" dirty="0">
+                <a:solidFill>
+                  <a:prstClr val="black"/>
+                </a:solidFill>
+                <a:latin typeface="Calibri"/>
+              </a:rPr>
+              <a:t>Mickaël </a:t>
+            </a:r>
+            <a:r>
+              <a:rPr lang="fr-FR" sz="2400" i="1" dirty="0" err="1">
+                <a:solidFill>
+                  <a:prstClr val="black"/>
+                </a:solidFill>
+                <a:latin typeface="Calibri"/>
+              </a:rPr>
+              <a:t>Lamberti</a:t>
+            </a:r>
+            <a:r>
+              <a:rPr lang="fr-FR" sz="2400" i="1" dirty="0">
+                <a:solidFill>
+                  <a:prstClr val="black"/>
+                </a:solidFill>
+                <a:latin typeface="Calibri"/>
+              </a:rPr>
+              <a:t> PCSI-PSI* 08-10 Institut supérieur Aéronautique </a:t>
+            </a:r>
+            <a:endParaRPr lang="fr-FR" sz="2400" i="1" dirty="0" smtClean="0">
+              <a:solidFill>
+                <a:prstClr val="black"/>
+              </a:solidFill>
+              <a:latin typeface="Calibri"/>
+            </a:endParaRPr>
+          </a:p>
+          <a:p>
+            <a:r>
+              <a:rPr lang="fr-FR" sz="2700" i="1" dirty="0" smtClean="0">
+                <a:solidFill>
+                  <a:prstClr val="black"/>
+                </a:solidFill>
+                <a:latin typeface="Calibri"/>
+              </a:rPr>
+              <a:t>Énergie</a:t>
+            </a:r>
+          </a:p>
+          <a:p>
+            <a:pPr lvl="1"/>
+            <a:r>
+              <a:rPr lang="fr-FR" sz="2400" i="1" dirty="0">
+                <a:solidFill>
+                  <a:prstClr val="black"/>
+                </a:solidFill>
+                <a:latin typeface="Calibri"/>
+              </a:rPr>
+              <a:t>Mélanie </a:t>
+            </a:r>
+            <a:r>
+              <a:rPr lang="fr-FR" sz="2400" i="1" dirty="0" smtClean="0">
+                <a:solidFill>
+                  <a:prstClr val="black"/>
+                </a:solidFill>
+                <a:latin typeface="Calibri"/>
+              </a:rPr>
+              <a:t>Barreau, PCSI-PC05-08,ENSGSI, gestion </a:t>
+            </a:r>
+            <a:r>
+              <a:rPr lang="fr-FR" sz="2400" i="1" dirty="0">
+                <a:solidFill>
+                  <a:prstClr val="black"/>
+                </a:solidFill>
+                <a:latin typeface="Calibri"/>
+              </a:rPr>
+              <a:t>centrale nucléaire </a:t>
+            </a:r>
+            <a:r>
+              <a:rPr lang="fr-FR" sz="2400" i="1" dirty="0" smtClean="0">
+                <a:solidFill>
+                  <a:prstClr val="black"/>
+                </a:solidFill>
+                <a:latin typeface="Calibri"/>
+              </a:rPr>
+              <a:t>EDF</a:t>
+            </a:r>
+            <a:endParaRPr lang="fr-FR" sz="2700" i="1" dirty="0" smtClean="0">
+              <a:solidFill>
+                <a:prstClr val="black"/>
+              </a:solidFill>
+              <a:latin typeface="Calibri"/>
+            </a:endParaRPr>
+          </a:p>
+          <a:p>
+            <a:r>
+              <a:rPr lang="fr-FR" sz="2700" i="1" dirty="0" smtClean="0">
+                <a:solidFill>
+                  <a:prstClr val="black"/>
+                </a:solidFill>
+                <a:latin typeface="Calibri"/>
+              </a:rPr>
+              <a:t>Télécommunication</a:t>
+            </a:r>
+          </a:p>
+          <a:p>
+            <a:r>
+              <a:rPr lang="fr-FR" sz="2700" i="1" dirty="0" smtClean="0">
+                <a:solidFill>
+                  <a:prstClr val="black"/>
+                </a:solidFill>
+                <a:latin typeface="Calibri"/>
+              </a:rPr>
+              <a:t>Électronique</a:t>
+            </a:r>
+          </a:p>
+          <a:p>
+            <a:pPr lvl="1"/>
+            <a:r>
+              <a:rPr lang="fr-FR" sz="2400" i="1" dirty="0">
+                <a:solidFill>
+                  <a:prstClr val="black"/>
+                </a:solidFill>
+                <a:latin typeface="Calibri"/>
+              </a:rPr>
+              <a:t>Kevin Oger, PCSI-PC </a:t>
+            </a:r>
+            <a:r>
+              <a:rPr lang="fr-FR" sz="2400" i="1" dirty="0" smtClean="0">
+                <a:solidFill>
+                  <a:prstClr val="black"/>
+                </a:solidFill>
+                <a:latin typeface="Calibri"/>
+              </a:rPr>
+              <a:t>05-08, </a:t>
+            </a:r>
+            <a:r>
+              <a:rPr lang="fr-FR" sz="2400" i="1" dirty="0" err="1" smtClean="0">
+                <a:solidFill>
+                  <a:prstClr val="black"/>
+                </a:solidFill>
+                <a:latin typeface="Calibri"/>
+              </a:rPr>
+              <a:t>Polytech</a:t>
+            </a:r>
+            <a:r>
+              <a:rPr lang="fr-FR" sz="2400" i="1" dirty="0" smtClean="0">
+                <a:solidFill>
+                  <a:prstClr val="black"/>
+                </a:solidFill>
+                <a:latin typeface="Calibri"/>
+              </a:rPr>
+              <a:t> Grenoble, ingénieur </a:t>
+            </a:r>
+            <a:r>
+              <a:rPr lang="fr-FR" sz="2400" i="1" dirty="0">
+                <a:solidFill>
+                  <a:prstClr val="black"/>
+                </a:solidFill>
+                <a:latin typeface="Calibri"/>
+              </a:rPr>
+              <a:t>production microprocesseur, Intel </a:t>
+            </a:r>
+            <a:r>
+              <a:rPr lang="fr-FR" sz="2400" i="1" dirty="0" smtClean="0">
+                <a:solidFill>
+                  <a:prstClr val="black"/>
+                </a:solidFill>
+                <a:latin typeface="Calibri"/>
+              </a:rPr>
+              <a:t>Irlande</a:t>
+            </a:r>
+            <a:endParaRPr lang="fr-FR" sz="2700" i="1" dirty="0" smtClean="0">
+              <a:solidFill>
+                <a:prstClr val="black"/>
+              </a:solidFill>
+              <a:latin typeface="Calibri"/>
+            </a:endParaRPr>
+          </a:p>
+          <a:p>
+            <a:r>
+              <a:rPr lang="fr-FR" sz="2700" i="1" dirty="0" smtClean="0">
+                <a:solidFill>
+                  <a:prstClr val="black"/>
+                </a:solidFill>
+                <a:latin typeface="Calibri"/>
+              </a:rPr>
+              <a:t>Bâtiment : Sécurité, Conception</a:t>
+            </a:r>
+          </a:p>
+          <a:p>
+            <a:pPr lvl="1"/>
+            <a:r>
+              <a:rPr lang="fr-FR" sz="2400" i="1" dirty="0">
+                <a:solidFill>
+                  <a:prstClr val="black"/>
+                </a:solidFill>
+                <a:latin typeface="Calibri"/>
+              </a:rPr>
+              <a:t>Maxime </a:t>
+            </a:r>
+            <a:r>
+              <a:rPr lang="fr-FR" sz="2400" i="1" dirty="0" err="1">
+                <a:solidFill>
+                  <a:prstClr val="black"/>
+                </a:solidFill>
+                <a:latin typeface="Calibri"/>
+              </a:rPr>
+              <a:t>Ottavy</a:t>
+            </a:r>
+            <a:r>
+              <a:rPr lang="fr-FR" sz="2400" i="1" dirty="0">
+                <a:solidFill>
+                  <a:prstClr val="black"/>
+                </a:solidFill>
+                <a:latin typeface="Calibri"/>
+              </a:rPr>
+              <a:t> PCSI-PC* </a:t>
+            </a:r>
+            <a:r>
+              <a:rPr lang="fr-FR" sz="2400" i="1" dirty="0" smtClean="0">
+                <a:solidFill>
+                  <a:prstClr val="black"/>
+                </a:solidFill>
+                <a:latin typeface="Calibri"/>
+              </a:rPr>
+              <a:t>05-08, ENSGTI, ingénieur </a:t>
+            </a:r>
+            <a:r>
+              <a:rPr lang="fr-FR" sz="2400" i="1" dirty="0">
+                <a:solidFill>
+                  <a:prstClr val="black"/>
+                </a:solidFill>
+                <a:latin typeface="Calibri"/>
+              </a:rPr>
+              <a:t>à l’APAVE  depuis </a:t>
+            </a:r>
+            <a:r>
+              <a:rPr lang="fr-FR" sz="2400" i="1" dirty="0" smtClean="0">
+                <a:solidFill>
+                  <a:prstClr val="black"/>
+                </a:solidFill>
+                <a:latin typeface="Calibri"/>
+              </a:rPr>
+              <a:t>2011</a:t>
+            </a:r>
+            <a:endParaRPr lang="fr-FR" sz="2700" i="1" dirty="0" smtClean="0">
+              <a:solidFill>
+                <a:prstClr val="black"/>
+              </a:solidFill>
+              <a:latin typeface="Calibri"/>
+            </a:endParaRPr>
+          </a:p>
+          <a:p>
+            <a:r>
+              <a:rPr lang="fr-FR" sz="2700" i="1" dirty="0" smtClean="0">
+                <a:solidFill>
+                  <a:prstClr val="black"/>
+                </a:solidFill>
+                <a:latin typeface="Calibri"/>
+              </a:rPr>
+              <a:t>Conception logistique</a:t>
+            </a:r>
+          </a:p>
+          <a:p>
+            <a:pPr lvl="1"/>
+            <a:r>
+              <a:rPr lang="fr-FR" sz="2400" i="1" dirty="0">
+                <a:solidFill>
+                  <a:prstClr val="black"/>
+                </a:solidFill>
+                <a:latin typeface="Calibri"/>
+              </a:rPr>
+              <a:t>Boris </a:t>
+            </a:r>
+            <a:r>
+              <a:rPr lang="fr-FR" sz="2400" i="1" dirty="0" err="1">
+                <a:solidFill>
+                  <a:prstClr val="black"/>
+                </a:solidFill>
+                <a:latin typeface="Calibri"/>
+              </a:rPr>
+              <a:t>Alunni</a:t>
+            </a:r>
+            <a:r>
+              <a:rPr lang="fr-FR" sz="2400" i="1" dirty="0">
+                <a:solidFill>
+                  <a:prstClr val="black"/>
+                </a:solidFill>
+                <a:latin typeface="Calibri"/>
+              </a:rPr>
+              <a:t>, PCSI-PC* </a:t>
+            </a:r>
+            <a:r>
+              <a:rPr lang="fr-FR" sz="2400" i="1" dirty="0" smtClean="0">
+                <a:solidFill>
+                  <a:prstClr val="black"/>
+                </a:solidFill>
+                <a:latin typeface="Calibri"/>
+              </a:rPr>
+              <a:t>05-08, INP-GI Grenoble, </a:t>
+            </a:r>
+            <a:r>
+              <a:rPr lang="fr-FR" sz="2400" i="1" dirty="0" err="1" smtClean="0">
+                <a:solidFill>
+                  <a:prstClr val="black"/>
+                </a:solidFill>
+                <a:latin typeface="Calibri"/>
+              </a:rPr>
+              <a:t>Mondelez</a:t>
+            </a:r>
+            <a:r>
+              <a:rPr lang="fr-FR" sz="2400" i="1" dirty="0" smtClean="0">
+                <a:solidFill>
+                  <a:prstClr val="black"/>
+                </a:solidFill>
+                <a:latin typeface="Calibri"/>
+              </a:rPr>
+              <a:t> International</a:t>
+            </a:r>
+            <a:endParaRPr lang="fr-FR" sz="2700" i="1" dirty="0">
+              <a:solidFill>
+                <a:prstClr val="black"/>
+              </a:solidFill>
+              <a:latin typeface="Calibri"/>
+            </a:endParaRPr>
+          </a:p>
+          <a:p>
+            <a:pPr lvl="1"/>
+            <a:r>
+              <a:rPr lang="fr-FR" sz="2400" i="1" dirty="0" err="1">
+                <a:solidFill>
+                  <a:prstClr val="black"/>
+                </a:solidFill>
+                <a:latin typeface="Calibri"/>
+              </a:rPr>
+              <a:t>Jéremy</a:t>
+            </a:r>
+            <a:r>
+              <a:rPr lang="fr-FR" sz="2400" i="1" dirty="0">
+                <a:solidFill>
+                  <a:prstClr val="black"/>
+                </a:solidFill>
+                <a:latin typeface="Calibri"/>
+              </a:rPr>
+              <a:t> </a:t>
+            </a:r>
+            <a:r>
+              <a:rPr lang="fr-FR" sz="2400" i="1" dirty="0" err="1">
+                <a:solidFill>
+                  <a:prstClr val="black"/>
+                </a:solidFill>
+                <a:latin typeface="Calibri"/>
+              </a:rPr>
+              <a:t>Beuzeron</a:t>
+            </a:r>
+            <a:r>
+              <a:rPr lang="fr-FR" sz="2400" i="1" dirty="0">
+                <a:solidFill>
+                  <a:prstClr val="black"/>
+                </a:solidFill>
+                <a:latin typeface="Calibri"/>
+              </a:rPr>
+              <a:t>, PCSI-PSI* </a:t>
+            </a:r>
+            <a:r>
+              <a:rPr lang="fr-FR" sz="2400" i="1" dirty="0" smtClean="0">
+                <a:solidFill>
+                  <a:prstClr val="black"/>
+                </a:solidFill>
+                <a:latin typeface="Calibri"/>
+              </a:rPr>
+              <a:t>05-08, INP-GI </a:t>
+            </a:r>
+            <a:r>
+              <a:rPr lang="fr-FR" sz="2400" i="1" dirty="0">
+                <a:solidFill>
+                  <a:prstClr val="black"/>
+                </a:solidFill>
+                <a:latin typeface="Calibri"/>
+              </a:rPr>
+              <a:t>Grenoble, </a:t>
+            </a:r>
+            <a:r>
+              <a:rPr lang="fr-FR" sz="2400" i="1" dirty="0" smtClean="0">
+                <a:solidFill>
+                  <a:prstClr val="black"/>
+                </a:solidFill>
+                <a:latin typeface="Calibri"/>
+              </a:rPr>
+              <a:t>DCNS </a:t>
+            </a:r>
+            <a:r>
+              <a:rPr lang="fr-FR" sz="2400" i="1" dirty="0">
+                <a:solidFill>
+                  <a:prstClr val="black"/>
+                </a:solidFill>
+                <a:latin typeface="Calibri"/>
+              </a:rPr>
+              <a:t>Toulon </a:t>
+            </a:r>
+            <a:endParaRPr lang="fr-FR" sz="2700" i="1" dirty="0" smtClean="0">
+              <a:solidFill>
+                <a:prstClr val="black"/>
+              </a:solidFill>
+              <a:latin typeface="Calibri"/>
+            </a:endParaRPr>
+          </a:p>
+          <a:p>
+            <a:endParaRPr lang="fr-FR" sz="2700" i="1" dirty="0">
+              <a:solidFill>
+                <a:prstClr val="black"/>
+              </a:solidFill>
+              <a:latin typeface="Calibri"/>
+            </a:endParaRPr>
+          </a:p>
+          <a:p>
+            <a:pPr lvl="1"/>
+            <a:endParaRPr lang="fr-FR" dirty="0"/>
+          </a:p>
+        </p:txBody>
+      </p:sp>
+      <p:pic>
+        <p:nvPicPr>
+          <p:cNvPr id="6" name="Espace réservé du contenu 4"/>
+          <p:cNvPicPr>
+            <a:picLocks noChangeAspect="1"/>
+          </p:cNvPicPr>
+          <p:nvPr/>
+        </p:nvPicPr>
+        <p:blipFill rotWithShape="1">
+          <a:blip r:embed="rId2">
+            <a:extLst>
+              <a:ext uri="{28A0092B-C50C-407E-A947-70E740481C1C}">
+                <a14:useLocalDpi xmlns:a14="http://schemas.microsoft.com/office/drawing/2010/main" val="0"/>
+              </a:ext>
+            </a:extLst>
+          </a:blip>
+          <a:srcRect l="33033" t="7862" r="-1212" b="613"/>
+          <a:stretch/>
+        </p:blipFill>
+        <p:spPr>
+          <a:xfrm>
+            <a:off x="7466218" y="1268759"/>
+            <a:ext cx="1722475" cy="1538722"/>
+          </a:xfrm>
+          <a:prstGeom prst="rect">
+            <a:avLst/>
+          </a:prstGeom>
+        </p:spPr>
+      </p:pic>
+      <p:pic>
+        <p:nvPicPr>
+          <p:cNvPr id="7" name="Image 6"/>
+          <p:cNvPicPr>
+            <a:picLocks noChangeAspect="1"/>
+          </p:cNvPicPr>
+          <p:nvPr/>
+        </p:nvPicPr>
+        <p:blipFill>
+          <a:blip r:embed="rId3">
+            <a:extLst>
+              <a:ext uri="{28A0092B-C50C-407E-A947-70E740481C1C}">
+                <a14:useLocalDpi xmlns:a14="http://schemas.microsoft.com/office/drawing/2010/main" val="0"/>
+              </a:ext>
+            </a:extLst>
+          </a:blip>
+          <a:stretch>
+            <a:fillRect/>
+          </a:stretch>
+        </p:blipFill>
+        <p:spPr>
+          <a:xfrm>
+            <a:off x="7428607" y="3295596"/>
+            <a:ext cx="1715393" cy="1141516"/>
+          </a:xfrm>
+          <a:prstGeom prst="rect">
+            <a:avLst/>
+          </a:prstGeom>
+        </p:spPr>
+      </p:pic>
+      <p:pic>
+        <p:nvPicPr>
+          <p:cNvPr id="8" name="Image 7"/>
+          <p:cNvPicPr>
+            <a:picLocks noChangeAspect="1"/>
+          </p:cNvPicPr>
+          <p:nvPr/>
+        </p:nvPicPr>
+        <p:blipFill rotWithShape="1">
+          <a:blip r:embed="rId4">
+            <a:extLst>
+              <a:ext uri="{28A0092B-C50C-407E-A947-70E740481C1C}">
+                <a14:useLocalDpi xmlns:a14="http://schemas.microsoft.com/office/drawing/2010/main" val="0"/>
+              </a:ext>
+            </a:extLst>
+          </a:blip>
+          <a:srcRect l="3646" r="3850"/>
+          <a:stretch/>
+        </p:blipFill>
+        <p:spPr>
+          <a:xfrm>
+            <a:off x="7466218" y="5013176"/>
+            <a:ext cx="1691679" cy="1044999"/>
+          </a:xfrm>
+          <a:prstGeom prst="rect">
+            <a:avLst/>
+          </a:prstGeom>
+        </p:spPr>
+      </p:pic>
+    </p:spTree>
+    <p:extLst>
+      <p:ext uri="{BB962C8B-B14F-4D97-AF65-F5344CB8AC3E}">
+        <p14:creationId xmlns:p14="http://schemas.microsoft.com/office/powerpoint/2010/main" val="2016071317"/>
+      </p:ext>
+    </p:extLst>
+  </p:cSld>
+  <p:clrMapOvr>
+    <a:masterClrMapping/>
+  </p:clrMapOvr>
+</p:sld>
+</file>
+
+<file path=ppt/slides/slide24.xml><?xml version="1.0" encoding="utf-8"?>
+<p:sld xmlns:a="http://schemas.openxmlformats.org/drawingml/2006/main" xmlns:r="http://schemas.openxmlformats.org/officeDocument/2006/relationships" xmlns:p="http://schemas.openxmlformats.org/presentationml/2006/main">
+  <p:cSld>
+    <p:spTree>
+      <p:nvGrpSpPr>
+        <p:cNvPr id="1" name=""/>
+        <p:cNvGrpSpPr/>
+        <p:nvPr/>
+      </p:nvGrpSpPr>
+      <p:grpSpPr>
+        <a:xfrm>
+          <a:off x="0" y="0"/>
+          <a:ext cx="0" cy="0"/>
+          <a:chOff x="0" y="0"/>
+          <a:chExt cx="0" cy="0"/>
+        </a:xfrm>
+      </p:grpSpPr>
+      <p:sp>
+        <p:nvSpPr>
+          <p:cNvPr id="2" name="Titre 1"/>
+          <p:cNvSpPr>
+            <a:spLocks noGrp="1"/>
+          </p:cNvSpPr>
+          <p:nvPr>
+            <p:ph type="title"/>
+          </p:nvPr>
+        </p:nvSpPr>
+        <p:spPr/>
+        <p:txBody>
+          <a:bodyPr>
+            <a:normAutofit fontScale="90000"/>
+          </a:bodyPr>
+          <a:lstStyle/>
+          <a:p>
+            <a:r>
+              <a:rPr lang="fr-FR" dirty="0"/>
+              <a:t>Quelques élèves du lycée Dumont d’Urville</a:t>
+            </a:r>
+            <a:br>
+              <a:rPr lang="fr-FR" dirty="0"/>
+            </a:br>
+            <a:r>
+              <a:rPr lang="fr-FR" dirty="0" smtClean="0"/>
+              <a:t>D’autres domaines …</a:t>
+            </a:r>
+            <a:endParaRPr lang="fr-FR" dirty="0"/>
+          </a:p>
+        </p:txBody>
+      </p:sp>
+      <p:sp>
+        <p:nvSpPr>
+          <p:cNvPr id="3" name="Espace réservé du pied de page 2"/>
+          <p:cNvSpPr>
+            <a:spLocks noGrp="1"/>
+          </p:cNvSpPr>
+          <p:nvPr>
+            <p:ph type="ftr" sz="quarter" idx="11"/>
+          </p:nvPr>
+        </p:nvSpPr>
+        <p:spPr/>
+        <p:txBody>
+          <a:bodyPr/>
+          <a:lstStyle/>
+          <a:p>
+            <a:r>
+              <a:rPr lang="fr-FR" smtClean="0"/>
+              <a:t>Présentation des CPGE - Institution Sainte-Marie - 15/12/2014</a:t>
+            </a:r>
+            <a:endParaRPr lang="fr-FR" dirty="0"/>
+          </a:p>
+        </p:txBody>
+      </p:sp>
+      <p:sp>
+        <p:nvSpPr>
+          <p:cNvPr id="4" name="Espace réservé du numéro de diapositive 3"/>
+          <p:cNvSpPr>
+            <a:spLocks noGrp="1"/>
+          </p:cNvSpPr>
+          <p:nvPr>
+            <p:ph type="sldNum" sz="quarter" idx="12"/>
+          </p:nvPr>
+        </p:nvSpPr>
+        <p:spPr/>
+        <p:txBody>
+          <a:bodyPr/>
+          <a:lstStyle/>
+          <a:p>
+            <a:fld id="{1CBB6DF8-B4DD-4E80-A138-72D154BCFFEE}" type="slidenum">
+              <a:rPr lang="fr-FR" smtClean="0"/>
+              <a:pPr/>
+              <a:t>24</a:t>
+            </a:fld>
+            <a:endParaRPr lang="fr-FR"/>
+          </a:p>
+        </p:txBody>
+      </p:sp>
+      <p:sp>
+        <p:nvSpPr>
+          <p:cNvPr id="5" name="Espace réservé du contenu 4"/>
+          <p:cNvSpPr>
+            <a:spLocks noGrp="1"/>
+          </p:cNvSpPr>
+          <p:nvPr>
+            <p:ph sz="quarter" idx="1"/>
+          </p:nvPr>
+        </p:nvSpPr>
+        <p:spPr>
+          <a:xfrm>
+            <a:off x="457200" y="1219200"/>
+            <a:ext cx="6995120" cy="4937760"/>
+          </a:xfrm>
+        </p:spPr>
+        <p:txBody>
+          <a:bodyPr>
+            <a:normAutofit/>
+          </a:bodyPr>
+          <a:lstStyle/>
+          <a:p>
+            <a:r>
+              <a:rPr lang="fr-FR" dirty="0" smtClean="0"/>
+              <a:t>Industries chimiques et biotechnologiques</a:t>
+            </a:r>
+          </a:p>
+          <a:p>
+            <a:pPr lvl="1"/>
+            <a:r>
+              <a:rPr lang="fr-FR" dirty="0"/>
+              <a:t>Mélanie </a:t>
+            </a:r>
+            <a:r>
+              <a:rPr lang="fr-FR" dirty="0" err="1"/>
+              <a:t>Redeuilh</a:t>
+            </a:r>
+            <a:r>
+              <a:rPr lang="fr-FR" dirty="0"/>
+              <a:t>, PCSI-PC </a:t>
+            </a:r>
+            <a:r>
+              <a:rPr lang="fr-FR" dirty="0" smtClean="0"/>
+              <a:t>06-08, ENSC </a:t>
+            </a:r>
+            <a:r>
+              <a:rPr lang="fr-FR" dirty="0"/>
+              <a:t>Clermont </a:t>
+            </a:r>
+            <a:r>
+              <a:rPr lang="fr-FR" dirty="0" smtClean="0"/>
+              <a:t>Ferrand, R </a:t>
+            </a:r>
+            <a:r>
+              <a:rPr lang="fr-FR" dirty="0"/>
+              <a:t>et D </a:t>
+            </a:r>
+            <a:r>
+              <a:rPr lang="fr-FR" dirty="0" err="1"/>
+              <a:t>Parex</a:t>
+            </a:r>
+            <a:r>
+              <a:rPr lang="fr-FR" dirty="0"/>
+              <a:t>, Philippines </a:t>
+            </a:r>
+          </a:p>
+          <a:p>
+            <a:endParaRPr lang="fr-FR" dirty="0" smtClean="0"/>
+          </a:p>
+          <a:p>
+            <a:r>
+              <a:rPr lang="fr-FR" dirty="0" smtClean="0"/>
+              <a:t>Industries du luxe</a:t>
+            </a:r>
+          </a:p>
+          <a:p>
+            <a:pPr lvl="1"/>
+            <a:r>
+              <a:rPr lang="fr-FR" dirty="0"/>
+              <a:t>Mélina </a:t>
+            </a:r>
+            <a:r>
+              <a:rPr lang="fr-FR" dirty="0" err="1"/>
+              <a:t>Loock</a:t>
+            </a:r>
+            <a:r>
+              <a:rPr lang="fr-FR" dirty="0"/>
+              <a:t>, PCSI-PC </a:t>
+            </a:r>
+            <a:r>
+              <a:rPr lang="fr-FR" dirty="0" smtClean="0"/>
+              <a:t>05-07, ITECH, responsable </a:t>
+            </a:r>
+            <a:r>
+              <a:rPr lang="fr-FR" dirty="0"/>
+              <a:t>production petite maroquinerie Chanel</a:t>
+            </a:r>
+          </a:p>
+          <a:p>
+            <a:endParaRPr lang="fr-FR" dirty="0"/>
+          </a:p>
+          <a:p>
+            <a:r>
+              <a:rPr lang="fr-FR" dirty="0" smtClean="0"/>
+              <a:t>Industries pharmaceutiques et cosmétologie</a:t>
+            </a:r>
+          </a:p>
+          <a:p>
+            <a:pPr lvl="1"/>
+            <a:r>
+              <a:rPr lang="fr-FR" dirty="0"/>
+              <a:t>Nathalie Fabbri, PCSI-PC </a:t>
+            </a:r>
+            <a:r>
+              <a:rPr lang="fr-FR" dirty="0" smtClean="0"/>
+              <a:t>08-10,  CPE Lyon, Stage </a:t>
+            </a:r>
+            <a:r>
+              <a:rPr lang="fr-FR" dirty="0"/>
+              <a:t>fin d’étude Sanofi Pasteur</a:t>
+            </a:r>
+          </a:p>
+          <a:p>
+            <a:endParaRPr lang="fr-FR" dirty="0"/>
+          </a:p>
+        </p:txBody>
+      </p:sp>
+      <p:pic>
+        <p:nvPicPr>
+          <p:cNvPr id="6" name="Image 5"/>
+          <p:cNvPicPr>
+            <a:picLocks noChangeAspect="1"/>
+          </p:cNvPicPr>
+          <p:nvPr/>
+        </p:nvPicPr>
+        <p:blipFill rotWithShape="1">
+          <a:blip r:embed="rId2">
+            <a:extLst>
+              <a:ext uri="{28A0092B-C50C-407E-A947-70E740481C1C}">
+                <a14:useLocalDpi xmlns:a14="http://schemas.microsoft.com/office/drawing/2010/main" val="0"/>
+              </a:ext>
+            </a:extLst>
+          </a:blip>
+          <a:srcRect l="8760" r="7149"/>
+          <a:stretch/>
+        </p:blipFill>
+        <p:spPr>
+          <a:xfrm>
+            <a:off x="7380312" y="1230372"/>
+            <a:ext cx="1763687" cy="1174530"/>
+          </a:xfrm>
+          <a:prstGeom prst="rect">
+            <a:avLst/>
+          </a:prstGeom>
+        </p:spPr>
+      </p:pic>
+      <p:pic>
+        <p:nvPicPr>
+          <p:cNvPr id="7" name="Image 6"/>
+          <p:cNvPicPr>
+            <a:picLocks noChangeAspect="1"/>
+          </p:cNvPicPr>
+          <p:nvPr/>
+        </p:nvPicPr>
+        <p:blipFill>
+          <a:blip r:embed="rId3">
+            <a:extLst>
+              <a:ext uri="{28A0092B-C50C-407E-A947-70E740481C1C}">
+                <a14:useLocalDpi xmlns:a14="http://schemas.microsoft.com/office/drawing/2010/main" val="0"/>
+              </a:ext>
+            </a:extLst>
+          </a:blip>
+          <a:stretch>
+            <a:fillRect/>
+          </a:stretch>
+        </p:blipFill>
+        <p:spPr>
+          <a:xfrm>
+            <a:off x="7343800" y="2708920"/>
+            <a:ext cx="1800200" cy="1656184"/>
+          </a:xfrm>
+          <a:prstGeom prst="rect">
+            <a:avLst/>
+          </a:prstGeom>
+        </p:spPr>
+      </p:pic>
+      <p:pic>
+        <p:nvPicPr>
+          <p:cNvPr id="8" name="Image 7"/>
+          <p:cNvPicPr>
+            <a:picLocks noChangeAspect="1"/>
+          </p:cNvPicPr>
+          <p:nvPr/>
+        </p:nvPicPr>
+        <p:blipFill>
+          <a:blip r:embed="rId4" cstate="print">
+            <a:extLst>
+              <a:ext uri="{28A0092B-C50C-407E-A947-70E740481C1C}">
+                <a14:useLocalDpi xmlns:a14="http://schemas.microsoft.com/office/drawing/2010/main" val="0"/>
+              </a:ext>
+            </a:extLst>
+          </a:blip>
+          <a:stretch>
+            <a:fillRect/>
+          </a:stretch>
+        </p:blipFill>
+        <p:spPr>
+          <a:xfrm>
+            <a:off x="7343800" y="4581128"/>
+            <a:ext cx="1830996" cy="1375790"/>
+          </a:xfrm>
+          <a:prstGeom prst="rect">
+            <a:avLst/>
+          </a:prstGeom>
+        </p:spPr>
+      </p:pic>
+    </p:spTree>
+    <p:extLst>
+      <p:ext uri="{BB962C8B-B14F-4D97-AF65-F5344CB8AC3E}">
+        <p14:creationId xmlns:p14="http://schemas.microsoft.com/office/powerpoint/2010/main" val="2161029979"/>
+      </p:ext>
+    </p:extLst>
+  </p:cSld>
+  <p:clrMapOvr>
+    <a:masterClrMapping/>
+  </p:clrMapOvr>
+</p:sld>
+</file>
+
+<file path=ppt/slides/slide25.xml><?xml version="1.0" encoding="utf-8"?>
+<p:sld xmlns:a="http://schemas.openxmlformats.org/drawingml/2006/main" xmlns:r="http://schemas.openxmlformats.org/officeDocument/2006/relationships" xmlns:p="http://schemas.openxmlformats.org/presentationml/2006/main">
+  <p:cSld>
+    <p:spTree>
+      <p:nvGrpSpPr>
+        <p:cNvPr id="1" name=""/>
+        <p:cNvGrpSpPr/>
+        <p:nvPr/>
+      </p:nvGrpSpPr>
+      <p:grpSpPr>
+        <a:xfrm>
+          <a:off x="0" y="0"/>
+          <a:ext cx="0" cy="0"/>
+          <a:chOff x="0" y="0"/>
+          <a:chExt cx="0" cy="0"/>
+        </a:xfrm>
+      </p:grpSpPr>
+      <p:sp>
+        <p:nvSpPr>
+          <p:cNvPr id="2" name="Titre 1"/>
+          <p:cNvSpPr>
+            <a:spLocks noGrp="1"/>
+          </p:cNvSpPr>
+          <p:nvPr>
+            <p:ph type="title"/>
+          </p:nvPr>
+        </p:nvSpPr>
+        <p:spPr/>
+        <p:txBody>
+          <a:bodyPr>
+            <a:normAutofit fontScale="90000"/>
+          </a:bodyPr>
+          <a:lstStyle/>
+          <a:p>
+            <a:r>
+              <a:rPr lang="fr-FR" dirty="0"/>
+              <a:t>Quelques élèves du lycée Dumont d’Urville</a:t>
+            </a:r>
+            <a:br>
+              <a:rPr lang="fr-FR" dirty="0"/>
+            </a:br>
+            <a:r>
+              <a:rPr lang="fr-FR" dirty="0"/>
+              <a:t>D’autres domaines …</a:t>
+            </a:r>
+          </a:p>
+        </p:txBody>
+      </p:sp>
+      <p:sp>
+        <p:nvSpPr>
+          <p:cNvPr id="3" name="Espace réservé du pied de page 2"/>
+          <p:cNvSpPr>
+            <a:spLocks noGrp="1"/>
+          </p:cNvSpPr>
+          <p:nvPr>
+            <p:ph type="ftr" sz="quarter" idx="11"/>
+          </p:nvPr>
+        </p:nvSpPr>
+        <p:spPr/>
+        <p:txBody>
+          <a:bodyPr/>
+          <a:lstStyle/>
+          <a:p>
+            <a:r>
+              <a:rPr lang="fr-FR" smtClean="0"/>
+              <a:t>Présentation des CPGE - Institution Sainte-Marie - 15/12/2014</a:t>
+            </a:r>
+            <a:endParaRPr lang="fr-FR" dirty="0"/>
+          </a:p>
+        </p:txBody>
+      </p:sp>
+      <p:sp>
+        <p:nvSpPr>
+          <p:cNvPr id="4" name="Espace réservé du numéro de diapositive 3"/>
+          <p:cNvSpPr>
+            <a:spLocks noGrp="1"/>
+          </p:cNvSpPr>
+          <p:nvPr>
+            <p:ph type="sldNum" sz="quarter" idx="12"/>
+          </p:nvPr>
+        </p:nvSpPr>
+        <p:spPr/>
+        <p:txBody>
+          <a:bodyPr/>
+          <a:lstStyle/>
+          <a:p>
+            <a:fld id="{1CBB6DF8-B4DD-4E80-A138-72D154BCFFEE}" type="slidenum">
+              <a:rPr lang="fr-FR" smtClean="0"/>
+              <a:pPr/>
+              <a:t>25</a:t>
+            </a:fld>
+            <a:endParaRPr lang="fr-FR"/>
+          </a:p>
+        </p:txBody>
+      </p:sp>
+      <p:sp>
+        <p:nvSpPr>
+          <p:cNvPr id="5" name="Espace réservé du contenu 4"/>
+          <p:cNvSpPr>
+            <a:spLocks noGrp="1"/>
+          </p:cNvSpPr>
+          <p:nvPr>
+            <p:ph sz="quarter" idx="1"/>
+          </p:nvPr>
+        </p:nvSpPr>
+        <p:spPr/>
+        <p:txBody>
+          <a:bodyPr>
+            <a:normAutofit/>
+          </a:bodyPr>
+          <a:lstStyle/>
+          <a:p>
+            <a:r>
+              <a:rPr lang="fr-FR" dirty="0" smtClean="0"/>
+              <a:t>Recherche fondamentale et appliquée</a:t>
+            </a:r>
+          </a:p>
+          <a:p>
+            <a:pPr lvl="1"/>
+            <a:r>
+              <a:rPr lang="fr-FR" dirty="0"/>
+              <a:t>François </a:t>
+            </a:r>
+            <a:r>
+              <a:rPr lang="fr-FR" dirty="0" smtClean="0"/>
+              <a:t>Potier, PCSI-PC</a:t>
+            </a:r>
+            <a:r>
+              <a:rPr lang="fr-FR" dirty="0"/>
+              <a:t>* </a:t>
+            </a:r>
+            <a:r>
+              <a:rPr lang="fr-FR" dirty="0" smtClean="0"/>
+              <a:t>06-08, ESPCI Paris</a:t>
+            </a:r>
+          </a:p>
+          <a:p>
+            <a:pPr lvl="2"/>
+            <a:r>
+              <a:rPr lang="fr-FR" dirty="0" smtClean="0"/>
+              <a:t>Thèse </a:t>
+            </a:r>
+            <a:r>
+              <a:rPr lang="fr-FR" dirty="0"/>
+              <a:t>en </a:t>
+            </a:r>
+            <a:r>
+              <a:rPr lang="fr-FR" dirty="0" smtClean="0"/>
+              <a:t>chimie, Laboratoire </a:t>
+            </a:r>
+            <a:r>
+              <a:rPr lang="fr-FR" dirty="0"/>
+              <a:t>de la matière condensée, </a:t>
+            </a:r>
+            <a:r>
+              <a:rPr lang="fr-FR" dirty="0" smtClean="0"/>
+              <a:t>Collège </a:t>
+            </a:r>
+            <a:r>
+              <a:rPr lang="fr-FR" dirty="0"/>
+              <a:t>de </a:t>
+            </a:r>
+            <a:r>
+              <a:rPr lang="fr-FR" dirty="0" smtClean="0"/>
+              <a:t>France</a:t>
+            </a:r>
+          </a:p>
+          <a:p>
+            <a:pPr lvl="1"/>
+            <a:r>
+              <a:rPr lang="fr-FR" dirty="0"/>
+              <a:t>Dimitri </a:t>
+            </a:r>
+            <a:r>
+              <a:rPr lang="fr-FR" dirty="0" err="1" smtClean="0"/>
+              <a:t>Fourès</a:t>
+            </a:r>
+            <a:r>
+              <a:rPr lang="fr-FR" dirty="0" smtClean="0"/>
+              <a:t>, PCSI-PC</a:t>
+            </a:r>
+            <a:r>
+              <a:rPr lang="fr-FR" dirty="0"/>
+              <a:t>* </a:t>
+            </a:r>
+            <a:r>
+              <a:rPr lang="fr-FR" dirty="0" smtClean="0"/>
+              <a:t>06-08, Licence </a:t>
+            </a:r>
+            <a:r>
+              <a:rPr lang="fr-FR" dirty="0"/>
+              <a:t>Master ENS </a:t>
+            </a:r>
+            <a:r>
+              <a:rPr lang="fr-FR" dirty="0" smtClean="0"/>
+              <a:t>Lyon,</a:t>
+            </a:r>
+          </a:p>
+          <a:p>
+            <a:pPr lvl="2"/>
+            <a:r>
+              <a:rPr lang="fr-FR" dirty="0" smtClean="0"/>
+              <a:t>Thèse </a:t>
+            </a:r>
+            <a:r>
+              <a:rPr lang="fr-FR" dirty="0"/>
+              <a:t>en mathématiques appliquées et physique </a:t>
+            </a:r>
+            <a:r>
+              <a:rPr lang="fr-FR" dirty="0" smtClean="0"/>
+              <a:t>théorique, Cambridge</a:t>
+            </a:r>
+          </a:p>
+          <a:p>
+            <a:r>
+              <a:rPr lang="fr-FR" dirty="0"/>
+              <a:t>Double </a:t>
+            </a:r>
+            <a:r>
+              <a:rPr lang="fr-FR" dirty="0" smtClean="0"/>
+              <a:t>cursus, école d’ingénieur – école </a:t>
+            </a:r>
+            <a:r>
+              <a:rPr lang="fr-FR" dirty="0"/>
+              <a:t>de </a:t>
+            </a:r>
+            <a:r>
+              <a:rPr lang="fr-FR" dirty="0" smtClean="0"/>
+              <a:t>commerce</a:t>
+            </a:r>
+            <a:endParaRPr lang="fr-FR" dirty="0"/>
+          </a:p>
+          <a:p>
+            <a:pPr lvl="1"/>
+            <a:r>
+              <a:rPr lang="fr-FR" dirty="0"/>
+              <a:t>Virginie </a:t>
+            </a:r>
+            <a:r>
+              <a:rPr lang="fr-FR" dirty="0" err="1" smtClean="0"/>
+              <a:t>Caplain</a:t>
+            </a:r>
+            <a:r>
+              <a:rPr lang="fr-FR" dirty="0" smtClean="0"/>
+              <a:t>, PCSI-PC*05-07, </a:t>
+            </a:r>
+            <a:r>
+              <a:rPr lang="fr-FR" dirty="0"/>
+              <a:t>ESTP, master HEC management </a:t>
+            </a:r>
+            <a:endParaRPr lang="fr-FR" dirty="0" smtClean="0"/>
+          </a:p>
+          <a:p>
+            <a:pPr lvl="1"/>
+            <a:r>
+              <a:rPr lang="fr-FR" dirty="0" err="1" smtClean="0"/>
+              <a:t>Eric</a:t>
+            </a:r>
+            <a:r>
+              <a:rPr lang="fr-FR" dirty="0" smtClean="0"/>
+              <a:t> Fabbri, </a:t>
+            </a:r>
+            <a:r>
+              <a:rPr lang="fr-FR" dirty="0"/>
+              <a:t>PCSI-PC* </a:t>
+            </a:r>
+            <a:r>
+              <a:rPr lang="fr-FR" dirty="0" smtClean="0"/>
+              <a:t>06-08, ENSCM</a:t>
+            </a:r>
+            <a:r>
+              <a:rPr lang="fr-FR" dirty="0"/>
+              <a:t>, ESSEC Business </a:t>
+            </a:r>
+            <a:r>
+              <a:rPr lang="fr-FR" dirty="0" err="1" smtClean="0"/>
+              <a:t>School</a:t>
+            </a:r>
+            <a:r>
+              <a:rPr lang="fr-FR" dirty="0" smtClean="0"/>
+              <a:t>, Chargé </a:t>
+            </a:r>
+            <a:r>
+              <a:rPr lang="fr-FR" dirty="0"/>
+              <a:t>d’affaires Alter </a:t>
+            </a:r>
+            <a:r>
+              <a:rPr lang="fr-FR" dirty="0" smtClean="0"/>
+              <a:t>Technologie</a:t>
+            </a:r>
+            <a:endParaRPr lang="fr-FR" dirty="0"/>
+          </a:p>
+          <a:p>
+            <a:endParaRPr lang="fr-FR" dirty="0"/>
+          </a:p>
+        </p:txBody>
+      </p:sp>
+    </p:spTree>
+    <p:extLst>
+      <p:ext uri="{BB962C8B-B14F-4D97-AF65-F5344CB8AC3E}">
+        <p14:creationId xmlns:p14="http://schemas.microsoft.com/office/powerpoint/2010/main" val="1999740131"/>
+      </p:ext>
+    </p:extLst>
+  </p:cSld>
+  <p:clrMapOvr>
+    <a:masterClrMapping/>
+  </p:clrMapOvr>
+</p:sld>
+</file>
+
+<file path=ppt/slides/slide26.xml><?xml version="1.0" encoding="utf-8"?>
+<p:sld xmlns:a="http://schemas.openxmlformats.org/drawingml/2006/main" xmlns:r="http://schemas.openxmlformats.org/officeDocument/2006/relationships" xmlns:p="http://schemas.openxmlformats.org/presentationml/2006/main">
+  <p:cSld>
+    <p:spTree>
+      <p:nvGrpSpPr>
+        <p:cNvPr id="1" name=""/>
+        <p:cNvGrpSpPr/>
+        <p:nvPr/>
+      </p:nvGrpSpPr>
+      <p:grpSpPr>
+        <a:xfrm>
+          <a:off x="0" y="0"/>
+          <a:ext cx="0" cy="0"/>
+          <a:chOff x="0" y="0"/>
+          <a:chExt cx="0" cy="0"/>
+        </a:xfrm>
+      </p:grpSpPr>
+      <p:sp>
+        <p:nvSpPr>
+          <p:cNvPr id="2" name="Titre 1"/>
+          <p:cNvSpPr>
+            <a:spLocks noGrp="1"/>
+          </p:cNvSpPr>
+          <p:nvPr>
+            <p:ph type="title"/>
+          </p:nvPr>
+        </p:nvSpPr>
+        <p:spPr/>
+        <p:txBody>
+          <a:bodyPr>
+            <a:normAutofit/>
+          </a:bodyPr>
+          <a:lstStyle/>
+          <a:p>
+            <a:r>
+              <a:rPr lang="fr-FR" dirty="0" smtClean="0"/>
+              <a:t>Quelques élèves du lycée Rouvière</a:t>
+            </a:r>
+            <a:endParaRPr lang="fr-FR" dirty="0"/>
+          </a:p>
+        </p:txBody>
+      </p:sp>
+      <p:sp>
+        <p:nvSpPr>
+          <p:cNvPr id="3" name="Espace réservé du pied de page 2"/>
+          <p:cNvSpPr>
+            <a:spLocks noGrp="1"/>
+          </p:cNvSpPr>
+          <p:nvPr>
+            <p:ph type="ftr" sz="quarter" idx="11"/>
+          </p:nvPr>
+        </p:nvSpPr>
+        <p:spPr/>
+        <p:txBody>
+          <a:bodyPr/>
+          <a:lstStyle/>
+          <a:p>
+            <a:r>
+              <a:rPr lang="fr-FR" smtClean="0"/>
+              <a:t>Présentation des CPGE - Institution Sainte-Marie - 15/12/2014</a:t>
+            </a:r>
+            <a:endParaRPr lang="fr-FR" dirty="0"/>
+          </a:p>
+        </p:txBody>
+      </p:sp>
+      <p:sp>
+        <p:nvSpPr>
+          <p:cNvPr id="4" name="Espace réservé du numéro de diapositive 3"/>
+          <p:cNvSpPr>
+            <a:spLocks noGrp="1"/>
+          </p:cNvSpPr>
+          <p:nvPr>
+            <p:ph type="sldNum" sz="quarter" idx="12"/>
+          </p:nvPr>
+        </p:nvSpPr>
+        <p:spPr/>
+        <p:txBody>
+          <a:bodyPr/>
+          <a:lstStyle/>
+          <a:p>
+            <a:fld id="{1CBB6DF8-B4DD-4E80-A138-72D154BCFFEE}" type="slidenum">
+              <a:rPr lang="fr-FR" smtClean="0"/>
+              <a:pPr/>
+              <a:t>26</a:t>
+            </a:fld>
+            <a:endParaRPr lang="fr-FR"/>
+          </a:p>
+        </p:txBody>
+      </p:sp>
+      <p:sp>
+        <p:nvSpPr>
+          <p:cNvPr id="5" name="Espace réservé du contenu 4"/>
+          <p:cNvSpPr>
+            <a:spLocks noGrp="1"/>
+          </p:cNvSpPr>
+          <p:nvPr>
+            <p:ph sz="quarter" idx="1"/>
+          </p:nvPr>
+        </p:nvSpPr>
+        <p:spPr/>
+        <p:txBody>
+          <a:bodyPr>
+            <a:normAutofit fontScale="92500" lnSpcReduction="20000"/>
+          </a:bodyPr>
+          <a:lstStyle/>
+          <a:p>
+            <a:r>
+              <a:rPr lang="fr-FR" dirty="0" smtClean="0"/>
+              <a:t>Promo 2000/2001 </a:t>
+            </a:r>
+          </a:p>
+          <a:p>
+            <a:pPr lvl="1"/>
+            <a:r>
+              <a:rPr lang="fr-FR" dirty="0" smtClean="0"/>
+              <a:t>Pierrick </a:t>
+            </a:r>
+            <a:r>
+              <a:rPr lang="fr-FR" dirty="0" smtClean="0"/>
+              <a:t>Pupier – PT – ENSAM – Ingénieur Travaux Public </a:t>
+            </a:r>
+          </a:p>
+          <a:p>
+            <a:r>
+              <a:rPr lang="fr-FR" dirty="0" smtClean="0"/>
+              <a:t>Promo 2005/2006</a:t>
+            </a:r>
+          </a:p>
+          <a:p>
+            <a:pPr lvl="1"/>
+            <a:r>
+              <a:rPr lang="fr-FR" dirty="0" smtClean="0"/>
+              <a:t>Thomas </a:t>
+            </a:r>
+            <a:r>
+              <a:rPr lang="fr-FR" dirty="0" err="1" smtClean="0"/>
+              <a:t>Silve</a:t>
+            </a:r>
+            <a:r>
+              <a:rPr lang="fr-FR" dirty="0" smtClean="0"/>
+              <a:t> – PT – </a:t>
+            </a:r>
+            <a:r>
+              <a:rPr lang="fr-FR" dirty="0" err="1" smtClean="0"/>
+              <a:t>Supelec</a:t>
+            </a:r>
+            <a:r>
+              <a:rPr lang="fr-FR" dirty="0" smtClean="0"/>
+              <a:t> – Ingénieur Informatique – Projet Amadeus – </a:t>
+            </a:r>
+            <a:r>
+              <a:rPr lang="fr-FR" dirty="0" err="1" smtClean="0"/>
+              <a:t>Silicon</a:t>
+            </a:r>
+            <a:r>
+              <a:rPr lang="fr-FR" dirty="0" smtClean="0"/>
+              <a:t> </a:t>
+            </a:r>
+            <a:r>
+              <a:rPr lang="fr-FR" dirty="0" err="1" smtClean="0"/>
+              <a:t>Valley</a:t>
+            </a:r>
+            <a:endParaRPr lang="fr-FR" dirty="0" smtClean="0"/>
+          </a:p>
+          <a:p>
+            <a:r>
+              <a:rPr lang="fr-FR" dirty="0" smtClean="0"/>
+              <a:t>Promo 2006/2007</a:t>
+            </a:r>
+          </a:p>
+          <a:p>
+            <a:pPr lvl="1"/>
+            <a:r>
+              <a:rPr lang="fr-FR" dirty="0" smtClean="0"/>
+              <a:t>Réjane Girod – PT – Centrale Nantes – Ingénieur qualité chez Michelin</a:t>
+            </a:r>
+          </a:p>
+          <a:p>
+            <a:r>
+              <a:rPr lang="fr-FR" dirty="0" smtClean="0"/>
+              <a:t>Promo 2007/2008</a:t>
+            </a:r>
+          </a:p>
+          <a:p>
+            <a:pPr lvl="1"/>
+            <a:r>
+              <a:rPr lang="fr-FR" dirty="0" smtClean="0"/>
+              <a:t>Nicolas Beraud – PT –</a:t>
+            </a:r>
+            <a:r>
+              <a:rPr lang="fr-FR" dirty="0"/>
+              <a:t> </a:t>
+            </a:r>
+            <a:r>
+              <a:rPr lang="fr-FR" dirty="0" smtClean="0"/>
+              <a:t>(ENS) Normal Sup’ Cachan – 1</a:t>
+            </a:r>
+            <a:r>
+              <a:rPr lang="fr-FR" baseline="30000" dirty="0" smtClean="0"/>
+              <a:t>er</a:t>
+            </a:r>
+            <a:r>
+              <a:rPr lang="fr-FR" dirty="0" smtClean="0"/>
+              <a:t> Agrégation Génie Mécanique – Thèse UER Lyon</a:t>
+            </a:r>
+          </a:p>
+          <a:p>
+            <a:r>
+              <a:rPr lang="fr-FR" dirty="0" smtClean="0"/>
+              <a:t>Promo 2009/2010</a:t>
+            </a:r>
+          </a:p>
+          <a:p>
+            <a:pPr lvl="1"/>
+            <a:r>
+              <a:rPr lang="fr-FR" dirty="0" smtClean="0"/>
+              <a:t>Mathieu </a:t>
+            </a:r>
+            <a:r>
+              <a:rPr lang="fr-FR" dirty="0" err="1" smtClean="0"/>
+              <a:t>Murena</a:t>
+            </a:r>
+            <a:r>
+              <a:rPr lang="fr-FR" dirty="0" smtClean="0"/>
+              <a:t> – EMI (ENSAM militaire) – Ingénieur militaire Travaux publics</a:t>
+            </a:r>
+          </a:p>
+          <a:p>
+            <a:endParaRPr lang="fr-FR" dirty="0"/>
+          </a:p>
+        </p:txBody>
+      </p:sp>
+    </p:spTree>
+    <p:extLst>
+      <p:ext uri="{BB962C8B-B14F-4D97-AF65-F5344CB8AC3E}">
+        <p14:creationId xmlns:p14="http://schemas.microsoft.com/office/powerpoint/2010/main" val="715308170"/>
+      </p:ext>
+    </p:extLst>
+  </p:cSld>
+  <p:clrMapOvr>
+    <a:masterClrMapping/>
+  </p:clrMapOvr>
 </p:sld>
 </file>
 
@@ -10817,257 +11099,6 @@
         <p:spPr/>
         <p:txBody>
           <a:bodyPr>
-            <a:normAutofit fontScale="90000"/>
-          </a:bodyPr>
-          <a:lstStyle/>
-          <a:p>
-            <a:r>
-              <a:rPr lang="fr-FR" dirty="0"/>
-              <a:t>Quelques métiers</a:t>
-            </a:r>
-            <a:br>
-              <a:rPr lang="fr-FR" dirty="0"/>
-            </a:br>
-            <a:r>
-              <a:rPr lang="fr-FR" dirty="0"/>
-              <a:t>Les métiers d’ingénieur</a:t>
-            </a:r>
-          </a:p>
-        </p:txBody>
-      </p:sp>
-      <p:sp>
-        <p:nvSpPr>
-          <p:cNvPr id="3" name="Espace réservé du pied de page 2"/>
-          <p:cNvSpPr>
-            <a:spLocks noGrp="1"/>
-          </p:cNvSpPr>
-          <p:nvPr>
-            <p:ph type="ftr" sz="quarter" idx="11"/>
-          </p:nvPr>
-        </p:nvSpPr>
-        <p:spPr/>
-        <p:txBody>
-          <a:bodyPr/>
-          <a:lstStyle/>
-          <a:p>
-            <a:r>
-              <a:rPr lang="fr-FR" smtClean="0"/>
-              <a:t>Présentation des CPGE - Institution Sainte-Marie - 15/12/2014</a:t>
-            </a:r>
-            <a:endParaRPr lang="fr-FR" dirty="0"/>
-          </a:p>
-        </p:txBody>
-      </p:sp>
-      <p:sp>
-        <p:nvSpPr>
-          <p:cNvPr id="4" name="Espace réservé du numéro de diapositive 3"/>
-          <p:cNvSpPr>
-            <a:spLocks noGrp="1"/>
-          </p:cNvSpPr>
-          <p:nvPr>
-            <p:ph type="sldNum" sz="quarter" idx="12"/>
-          </p:nvPr>
-        </p:nvSpPr>
-        <p:spPr/>
-        <p:txBody>
-          <a:bodyPr/>
-          <a:lstStyle/>
-          <a:p>
-            <a:fld id="{1CBB6DF8-B4DD-4E80-A138-72D154BCFFEE}" type="slidenum">
-              <a:rPr lang="fr-FR" smtClean="0"/>
-              <a:pPr/>
-              <a:t>5</a:t>
-            </a:fld>
-            <a:endParaRPr lang="fr-FR"/>
-          </a:p>
-        </p:txBody>
-      </p:sp>
-      <p:sp>
-        <p:nvSpPr>
-          <p:cNvPr id="5" name="Espace réservé du contenu 4"/>
-          <p:cNvSpPr>
-            <a:spLocks noGrp="1"/>
-          </p:cNvSpPr>
-          <p:nvPr>
-            <p:ph sz="quarter" idx="1"/>
-          </p:nvPr>
-        </p:nvSpPr>
-        <p:spPr/>
-        <p:txBody>
-          <a:bodyPr>
-            <a:normAutofit fontScale="92500" lnSpcReduction="20000"/>
-          </a:bodyPr>
-          <a:lstStyle/>
-          <a:p>
-            <a:r>
-              <a:rPr lang="fr-FR" dirty="0" smtClean="0"/>
-              <a:t>Promo 2000/2001 </a:t>
-            </a:r>
-          </a:p>
-          <a:p>
-            <a:pPr lvl="1"/>
-            <a:r>
-              <a:rPr lang="fr-FR" dirty="0" err="1" smtClean="0"/>
-              <a:t>Pierric</a:t>
-            </a:r>
-            <a:r>
-              <a:rPr lang="fr-FR" dirty="0" smtClean="0"/>
-              <a:t> Pupier – PT – ENSAM – Ingénieur Travaux Public </a:t>
-            </a:r>
-          </a:p>
-          <a:p>
-            <a:r>
-              <a:rPr lang="fr-FR" dirty="0" smtClean="0"/>
-              <a:t>Promo 2005/2006</a:t>
-            </a:r>
-          </a:p>
-          <a:p>
-            <a:pPr lvl="1"/>
-            <a:r>
-              <a:rPr lang="fr-FR" dirty="0" smtClean="0"/>
-              <a:t>Thomas </a:t>
-            </a:r>
-            <a:r>
-              <a:rPr lang="fr-FR" dirty="0" err="1" smtClean="0"/>
-              <a:t>Silve</a:t>
-            </a:r>
-            <a:r>
-              <a:rPr lang="fr-FR" dirty="0" smtClean="0"/>
-              <a:t> – PT – </a:t>
-            </a:r>
-            <a:r>
-              <a:rPr lang="fr-FR" dirty="0" err="1" smtClean="0"/>
-              <a:t>Supelec</a:t>
-            </a:r>
-            <a:r>
-              <a:rPr lang="fr-FR" dirty="0" smtClean="0"/>
-              <a:t> – Ingénieur Informatique – Projet Amadeus – </a:t>
-            </a:r>
-            <a:r>
-              <a:rPr lang="fr-FR" dirty="0" err="1" smtClean="0"/>
-              <a:t>Silicon</a:t>
-            </a:r>
-            <a:r>
-              <a:rPr lang="fr-FR" dirty="0" smtClean="0"/>
-              <a:t> </a:t>
-            </a:r>
-            <a:r>
-              <a:rPr lang="fr-FR" dirty="0" err="1" smtClean="0"/>
-              <a:t>Valley</a:t>
-            </a:r>
-            <a:endParaRPr lang="fr-FR" dirty="0" smtClean="0"/>
-          </a:p>
-          <a:p>
-            <a:r>
-              <a:rPr lang="fr-FR" dirty="0" smtClean="0"/>
-              <a:t>Promo 2006/2007</a:t>
-            </a:r>
-          </a:p>
-          <a:p>
-            <a:pPr lvl="1"/>
-            <a:r>
-              <a:rPr lang="fr-FR" dirty="0" smtClean="0"/>
-              <a:t>Réjane Girod – PT – Centrale Nantes – Ingénieur qualité chez Michelin</a:t>
-            </a:r>
-          </a:p>
-          <a:p>
-            <a:r>
-              <a:rPr lang="fr-FR" dirty="0" smtClean="0"/>
-              <a:t>Promo 2007/2008</a:t>
-            </a:r>
-          </a:p>
-          <a:p>
-            <a:pPr lvl="1"/>
-            <a:r>
-              <a:rPr lang="fr-FR" dirty="0" smtClean="0"/>
-              <a:t>Nicolas Beraud – PT –</a:t>
-            </a:r>
-            <a:r>
-              <a:rPr lang="fr-FR" dirty="0"/>
-              <a:t> </a:t>
-            </a:r>
-            <a:r>
-              <a:rPr lang="fr-FR" dirty="0" smtClean="0"/>
-              <a:t>(ENS) Normal Sup’ Cachan – 1</a:t>
-            </a:r>
-            <a:r>
-              <a:rPr lang="fr-FR" baseline="30000" dirty="0" smtClean="0"/>
-              <a:t>er</a:t>
-            </a:r>
-            <a:r>
-              <a:rPr lang="fr-FR" dirty="0" smtClean="0"/>
-              <a:t> Agrégation Génie Mécanique – Thèse UER Lyon</a:t>
-            </a:r>
-          </a:p>
-          <a:p>
-            <a:r>
-              <a:rPr lang="fr-FR" dirty="0" smtClean="0"/>
-              <a:t>Promo 2009/2010</a:t>
-            </a:r>
-          </a:p>
-          <a:p>
-            <a:pPr lvl="1"/>
-            <a:r>
-              <a:rPr lang="fr-FR" dirty="0" smtClean="0"/>
-              <a:t>Mathieu </a:t>
-            </a:r>
-            <a:r>
-              <a:rPr lang="fr-FR" dirty="0" err="1" smtClean="0"/>
-              <a:t>Murena</a:t>
-            </a:r>
-            <a:r>
-              <a:rPr lang="fr-FR" dirty="0" smtClean="0"/>
-              <a:t> – EMI (ENSAM militaire) – Ingénieur militaire Travaux publics</a:t>
-            </a:r>
-          </a:p>
-          <a:p>
-            <a:endParaRPr lang="fr-FR" dirty="0"/>
-          </a:p>
-        </p:txBody>
-      </p:sp>
-    </p:spTree>
-    <p:extLst>
-      <p:ext uri="{BB962C8B-B14F-4D97-AF65-F5344CB8AC3E}">
-        <p14:creationId xmlns:p14="http://schemas.microsoft.com/office/powerpoint/2010/main" val="715308170"/>
-      </p:ext>
-    </p:extLst>
-  </p:cSld>
-  <p:clrMapOvr>
-    <a:masterClrMapping/>
-  </p:clrMapOvr>
-</p:sld>
-</file>
-
-<file path=ppt/slides/slide6.xml><?xml version="1.0" encoding="utf-8"?>
-<p:sld xmlns:a="http://schemas.openxmlformats.org/drawingml/2006/main" xmlns:r="http://schemas.openxmlformats.org/officeDocument/2006/relationships" xmlns:p="http://schemas.openxmlformats.org/presentationml/2006/main">
-  <p:cSld>
-    <p:spTree>
-      <p:nvGrpSpPr>
-        <p:cNvPr id="1" name=""/>
-        <p:cNvGrpSpPr/>
-        <p:nvPr/>
-      </p:nvGrpSpPr>
-      <p:grpSpPr>
-        <a:xfrm>
-          <a:off x="0" y="0"/>
-          <a:ext cx="0" cy="0"/>
-          <a:chOff x="0" y="0"/>
-          <a:chExt cx="0" cy="0"/>
-        </a:xfrm>
-      </p:grpSpPr>
-      <p:sp>
-        <p:nvSpPr>
-          <p:cNvPr id="2" name="Titre 1"/>
-          <p:cNvSpPr>
-            <a:spLocks noGrp="1"/>
-          </p:cNvSpPr>
-          <p:nvPr>
-            <p:ph type="title"/>
-          </p:nvPr>
-        </p:nvSpPr>
-        <p:spPr/>
-        <p:txBody>
-          <a:bodyPr>
             <a:noAutofit/>
           </a:bodyPr>
           <a:lstStyle/>
@@ -11081,11 +11112,7 @@
             </a:br>
             <a:r>
               <a:rPr lang="fr-FR" sz="2400" dirty="0" smtClean="0"/>
-              <a:t> </a:t>
-            </a:r>
-            <a:r>
-              <a:rPr lang="fr-FR" sz="2400" dirty="0" smtClean="0"/>
-              <a:t>Enseignant, Enseignant Chercheur</a:t>
+              <a:t> Enseignant, Enseignant Chercheur</a:t>
             </a:r>
             <a:endParaRPr lang="fr-FR" sz="2400" dirty="0"/>
           </a:p>
@@ -11299,7 +11326,7 @@
             <a:fld id="{1CBB6DF8-B4DD-4E80-A138-72D154BCFFEE}" type="slidenum">
               <a:rPr lang="fr-FR" smtClean="0"/>
               <a:pPr/>
-              <a:t>6</a:t>
+              <a:t>5</a:t>
             </a:fld>
             <a:endParaRPr lang="fr-FR"/>
           </a:p>
@@ -11325,7 +11352,7 @@
 </p:sld>
 </file>
 
-<file path=ppt/slides/slide7.xml><?xml version="1.0" encoding="utf-8"?>
+<file path=ppt/slides/slide6.xml><?xml version="1.0" encoding="utf-8"?>
 <p:sld xmlns:a="http://schemas.openxmlformats.org/drawingml/2006/main" xmlns:r="http://schemas.openxmlformats.org/officeDocument/2006/relationships" xmlns:p="http://schemas.openxmlformats.org/presentationml/2006/main">
   <p:cSld>
     <p:spTree>
@@ -11425,7 +11452,7 @@
             <a:fld id="{1CBB6DF8-B4DD-4E80-A138-72D154BCFFEE}" type="slidenum">
               <a:rPr lang="fr-FR" smtClean="0"/>
               <a:pPr/>
-              <a:t>7</a:t>
+              <a:t>6</a:t>
             </a:fld>
             <a:endParaRPr lang="fr-FR"/>
           </a:p>
@@ -11451,7 +11478,7 @@
 </p:sld>
 </file>
 
-<file path=ppt/slides/slide8.xml><?xml version="1.0" encoding="utf-8"?>
+<file path=ppt/slides/slide7.xml><?xml version="1.0" encoding="utf-8"?>
 <p:sld xmlns:a="http://schemas.openxmlformats.org/drawingml/2006/main" xmlns:r="http://schemas.openxmlformats.org/officeDocument/2006/relationships" xmlns:p="http://schemas.openxmlformats.org/presentationml/2006/main">
   <p:cSld>
     <p:spTree>
@@ -12900,7 +12927,7 @@
             <a:fld id="{1CBB6DF8-B4DD-4E80-A138-72D154BCFFEE}" type="slidenum">
               <a:rPr lang="fr-FR" smtClean="0"/>
               <a:pPr/>
-              <a:t>8</a:t>
+              <a:t>7</a:t>
             </a:fld>
             <a:endParaRPr lang="fr-FR"/>
           </a:p>
@@ -13070,6 +13097,181 @@
 </p:sld>
 </file>
 
+<file path=ppt/slides/slide8.xml><?xml version="1.0" encoding="utf-8"?>
+<p:sld xmlns:a="http://schemas.openxmlformats.org/drawingml/2006/main" xmlns:r="http://schemas.openxmlformats.org/officeDocument/2006/relationships" xmlns:p="http://schemas.openxmlformats.org/presentationml/2006/main">
+  <p:cSld>
+    <p:spTree>
+      <p:nvGrpSpPr>
+        <p:cNvPr id="1" name=""/>
+        <p:cNvGrpSpPr/>
+        <p:nvPr/>
+      </p:nvGrpSpPr>
+      <p:grpSpPr>
+        <a:xfrm>
+          <a:off x="0" y="0"/>
+          <a:ext cx="0" cy="0"/>
+          <a:chOff x="0" y="0"/>
+          <a:chExt cx="0" cy="0"/>
+        </a:xfrm>
+      </p:grpSpPr>
+      <p:sp>
+        <p:nvSpPr>
+          <p:cNvPr id="2" name="Titre 1"/>
+          <p:cNvSpPr>
+            <a:spLocks noGrp="1"/>
+          </p:cNvSpPr>
+          <p:nvPr>
+            <p:ph type="title"/>
+          </p:nvPr>
+        </p:nvSpPr>
+        <p:spPr/>
+        <p:txBody>
+          <a:bodyPr>
+            <a:normAutofit fontScale="90000"/>
+          </a:bodyPr>
+          <a:lstStyle/>
+          <a:p>
+            <a:r>
+              <a:rPr lang="fr-FR" dirty="0" smtClean="0"/>
+              <a:t>Les Classes Préparatoires aux </a:t>
+            </a:r>
+            <a:r>
+              <a:rPr lang="fr-FR" dirty="0"/>
+              <a:t>G</a:t>
+            </a:r>
+            <a:r>
+              <a:rPr lang="fr-FR" dirty="0" smtClean="0"/>
+              <a:t>randes Écoles</a:t>
+            </a:r>
+            <a:endParaRPr lang="fr-FR" dirty="0"/>
+          </a:p>
+        </p:txBody>
+      </p:sp>
+      <p:sp>
+        <p:nvSpPr>
+          <p:cNvPr id="3" name="Espace réservé du contenu 2"/>
+          <p:cNvSpPr>
+            <a:spLocks noGrp="1"/>
+          </p:cNvSpPr>
+          <p:nvPr>
+            <p:ph sz="quarter" idx="1"/>
+          </p:nvPr>
+        </p:nvSpPr>
+        <p:spPr/>
+        <p:txBody>
+          <a:bodyPr/>
+          <a:lstStyle/>
+          <a:p>
+            <a:r>
+              <a:rPr lang="fr-FR" dirty="0" smtClean="0"/>
+              <a:t>2 ans de formations (possibilité de redoubler la seconde année)</a:t>
+            </a:r>
+          </a:p>
+          <a:p>
+            <a:endParaRPr lang="fr-FR" dirty="0" smtClean="0"/>
+          </a:p>
+          <a:p>
+            <a:pPr lvl="1"/>
+            <a:r>
+              <a:rPr lang="fr-FR" dirty="0" smtClean="0"/>
+              <a:t>Préparation à des concours d’accès aux grandes écoles (épreuves écrites puis orales) </a:t>
+            </a:r>
+          </a:p>
+          <a:p>
+            <a:pPr lvl="1"/>
+            <a:r>
+              <a:rPr lang="fr-FR" dirty="0" smtClean="0"/>
+              <a:t>Validation de crédits ECTS</a:t>
+            </a:r>
+          </a:p>
+          <a:p>
+            <a:pPr lvl="1"/>
+            <a:endParaRPr lang="fr-FR" dirty="0"/>
+          </a:p>
+          <a:p>
+            <a:r>
+              <a:rPr lang="fr-FR" dirty="0" smtClean="0"/>
+              <a:t>3 à 4 ans de formation en école d’ingénieur</a:t>
+            </a:r>
+          </a:p>
+          <a:p>
+            <a:endParaRPr lang="fr-FR" dirty="0"/>
+          </a:p>
+          <a:p>
+            <a:r>
+              <a:rPr lang="fr-FR" dirty="0" smtClean="0"/>
+              <a:t>Éventuellement 3 ans de doctorat</a:t>
+            </a:r>
+          </a:p>
+        </p:txBody>
+      </p:sp>
+      <p:sp>
+        <p:nvSpPr>
+          <p:cNvPr id="5" name="Espace réservé du pied de page 4"/>
+          <p:cNvSpPr>
+            <a:spLocks noGrp="1"/>
+          </p:cNvSpPr>
+          <p:nvPr>
+            <p:ph type="ftr" sz="quarter" idx="11"/>
+          </p:nvPr>
+        </p:nvSpPr>
+        <p:spPr/>
+        <p:txBody>
+          <a:bodyPr/>
+          <a:lstStyle/>
+          <a:p>
+            <a:r>
+              <a:rPr lang="fr-FR" smtClean="0"/>
+              <a:t>Présentation des CPGE - Institution Sainte-Marie - 15/12/2014</a:t>
+            </a:r>
+            <a:endParaRPr lang="fr-FR"/>
+          </a:p>
+        </p:txBody>
+      </p:sp>
+      <p:sp>
+        <p:nvSpPr>
+          <p:cNvPr id="6" name="Espace réservé du numéro de diapositive 5"/>
+          <p:cNvSpPr>
+            <a:spLocks noGrp="1"/>
+          </p:cNvSpPr>
+          <p:nvPr>
+            <p:ph type="sldNum" sz="quarter" idx="12"/>
+          </p:nvPr>
+        </p:nvSpPr>
+        <p:spPr/>
+        <p:txBody>
+          <a:bodyPr/>
+          <a:lstStyle/>
+          <a:p>
+            <a:fld id="{1CBB6DF8-B4DD-4E80-A138-72D154BCFFEE}" type="slidenum">
+              <a:rPr lang="fr-FR" smtClean="0"/>
+              <a:pPr/>
+              <a:t>8</a:t>
+            </a:fld>
+            <a:endParaRPr lang="fr-FR"/>
+          </a:p>
+        </p:txBody>
+      </p:sp>
+    </p:spTree>
+    <p:extLst>
+      <p:ext uri="{BB962C8B-B14F-4D97-AF65-F5344CB8AC3E}">
+        <p14:creationId xmlns:p14="http://schemas.microsoft.com/office/powerpoint/2010/main" val="254375803"/>
+      </p:ext>
+    </p:extLst>
+  </p:cSld>
+  <p:clrMapOvr>
+    <a:masterClrMapping/>
+  </p:clrMapOvr>
+  <p:timing>
+    <p:tnLst>
+      <p:par>
+        <p:cTn id="1" dur="indefinite" restart="never" nodeType="tmRoot"/>
+      </p:par>
+    </p:tnLst>
+  </p:timing>
+</p:sld>
+</file>
+
 <file path=ppt/slides/slide9.xml><?xml version="1.0" encoding="utf-8"?>
 <p:sld xmlns:a="http://schemas.openxmlformats.org/drawingml/2006/main" xmlns:r="http://schemas.openxmlformats.org/officeDocument/2006/relationships" xmlns:p="http://schemas.openxmlformats.org/presentationml/2006/main">
   <p:cSld>
@@ -13099,22 +13301,12 @@
         </p:nvSpPr>
         <p:spPr/>
         <p:txBody>
-          <a:bodyPr>
-            <a:normAutofit fontScale="90000"/>
-          </a:bodyPr>
-          <a:lstStyle/>
-          <a:p>
-            <a:r>
-              <a:rPr lang="fr-FR" dirty="0" smtClean="0"/>
-              <a:t>Les Classes Préparatoires aux </a:t>
-            </a:r>
-            <a:r>
-              <a:rPr lang="fr-FR" dirty="0"/>
-              <a:t>G</a:t>
-            </a:r>
-            <a:r>
-              <a:rPr lang="fr-FR" dirty="0" smtClean="0"/>
-              <a:t>randes Écoles</a:t>
+          <a:bodyPr/>
+          <a:lstStyle/>
+          <a:p>
+            <a:r>
+              <a:rPr lang="fr-FR" dirty="0" smtClean="0"/>
+              <a:t>Quelle prépa pour quelle école ?</a:t>
             </a:r>
             <a:endParaRPr lang="fr-FR" dirty="0"/>
           </a:p>
@@ -13122,65 +13314,7 @@
       </p:sp>
       <p:sp>
         <p:nvSpPr>
-          <p:cNvPr id="3" name="Espace réservé du contenu 2"/>
-          <p:cNvSpPr>
-            <a:spLocks noGrp="1"/>
-          </p:cNvSpPr>
-          <p:nvPr>
-            <p:ph sz="quarter" idx="1"/>
-          </p:nvPr>
-        </p:nvSpPr>
-        <p:spPr/>
-        <p:txBody>
-          <a:bodyPr/>
-          <a:lstStyle/>
-          <a:p>
-            <a:r>
-              <a:rPr lang="fr-FR" dirty="0" smtClean="0"/>
-              <a:t>2 ans de formations (possibilité de redoubler la seconde année)</a:t>
-            </a:r>
-          </a:p>
-          <a:p>
-            <a:endParaRPr lang="fr-FR" dirty="0" smtClean="0"/>
-          </a:p>
-          <a:p>
-            <a:pPr lvl="1"/>
-            <a:r>
-              <a:rPr lang="fr-FR" dirty="0" smtClean="0"/>
-              <a:t>Préparation à des concours d’accès aux grandes écoles (épreuves écrites puis orales) </a:t>
-            </a:r>
-          </a:p>
-          <a:p>
-            <a:pPr lvl="1"/>
-            <a:r>
-              <a:rPr lang="fr-FR" dirty="0" smtClean="0"/>
-              <a:t>Validation de crédits ECTS</a:t>
-            </a:r>
-          </a:p>
-          <a:p>
-            <a:pPr lvl="1"/>
-            <a:endParaRPr lang="fr-FR" dirty="0"/>
-          </a:p>
-          <a:p>
-            <a:r>
-              <a:rPr lang="fr-FR" dirty="0" smtClean="0"/>
-              <a:t>3 à 4 ans de formation en école d’ingénieur</a:t>
-            </a:r>
-          </a:p>
-          <a:p>
-            <a:endParaRPr lang="fr-FR" dirty="0"/>
-          </a:p>
-          <a:p>
-            <a:r>
-              <a:rPr lang="fr-FR" dirty="0" smtClean="0"/>
-              <a:t>Éventuellement 3 ans de doctorat</a:t>
-            </a:r>
-          </a:p>
-        </p:txBody>
-      </p:sp>
-      <p:sp>
-        <p:nvSpPr>
-          <p:cNvPr id="5" name="Espace réservé du pied de page 4"/>
+          <p:cNvPr id="3" name="Espace réservé du pied de page 2"/>
           <p:cNvSpPr>
             <a:spLocks noGrp="1"/>
           </p:cNvSpPr>
@@ -13197,13 +13331,1154 @@
               <a:rPr lang="fr-FR" smtClean="0"/>
               <a:t>Présentation des CPGE - Institution Sainte-Marie - 15/12/2014</a:t>
             </a:r>
-            <a:endParaRPr lang="fr-FR"/>
-          </a:p>
-        </p:txBody>
-      </p:sp>
-      <p:sp>
-        <p:nvSpPr>
-          <p:cNvPr id="6" name="Espace réservé du numéro de diapositive 5"/>
+            <a:endParaRPr lang="fr-FR" dirty="0"/>
+          </a:p>
+        </p:txBody>
+      </p:sp>
+      <p:sp>
+        <p:nvSpPr>
+          <p:cNvPr id="5" name="Rectangle 4"/>
+          <p:cNvSpPr/>
+          <p:nvPr/>
+        </p:nvSpPr>
+        <p:spPr>
+          <a:xfrm>
+            <a:off x="225922" y="5805264"/>
+            <a:ext cx="8666558" cy="432048"/>
+          </a:xfrm>
+          <a:prstGeom prst="rect">
+            <a:avLst/>
+          </a:prstGeom>
+        </p:spPr>
+        <p:style>
+          <a:lnRef idx="2">
+            <a:schemeClr val="accent1">
+              <a:shade val="50000"/>
+            </a:schemeClr>
+          </a:lnRef>
+          <a:fillRef idx="1">
+            <a:schemeClr val="accent1"/>
+          </a:fillRef>
+          <a:effectRef idx="0">
+            <a:schemeClr val="accent1"/>
+          </a:effectRef>
+          <a:fontRef idx="minor">
+            <a:schemeClr val="lt1"/>
+          </a:fontRef>
+        </p:style>
+        <p:txBody>
+          <a:bodyPr rtlCol="0" anchor="ctr"/>
+          <a:lstStyle/>
+          <a:p>
+            <a:pPr algn="ctr"/>
+            <a:r>
+              <a:rPr lang="fr-FR" sz="1600" b="1" dirty="0" smtClean="0"/>
+              <a:t>Baccalauréat Scientifique</a:t>
+            </a:r>
+            <a:endParaRPr lang="fr-FR" sz="1600" b="1" dirty="0"/>
+          </a:p>
+        </p:txBody>
+      </p:sp>
+      <p:sp>
+        <p:nvSpPr>
+          <p:cNvPr id="6" name="Rectangle 5"/>
+          <p:cNvSpPr/>
+          <p:nvPr/>
+        </p:nvSpPr>
+        <p:spPr>
+          <a:xfrm>
+            <a:off x="225922" y="5181298"/>
+            <a:ext cx="2545878" cy="440784"/>
+          </a:xfrm>
+          <a:prstGeom prst="rect">
+            <a:avLst/>
+          </a:prstGeom>
+        </p:spPr>
+        <p:style>
+          <a:lnRef idx="2">
+            <a:schemeClr val="accent5">
+              <a:shade val="50000"/>
+            </a:schemeClr>
+          </a:lnRef>
+          <a:fillRef idx="1">
+            <a:schemeClr val="accent5"/>
+          </a:fillRef>
+          <a:effectRef idx="0">
+            <a:schemeClr val="accent5"/>
+          </a:effectRef>
+          <a:fontRef idx="minor">
+            <a:schemeClr val="lt1"/>
+          </a:fontRef>
+        </p:style>
+        <p:txBody>
+          <a:bodyPr rtlCol="0" anchor="ctr"/>
+          <a:lstStyle/>
+          <a:p>
+            <a:pPr algn="ctr"/>
+            <a:r>
+              <a:rPr lang="fr-FR" sz="1400" b="1" dirty="0" smtClean="0"/>
+              <a:t>PTSI – PCSI – MPSI</a:t>
+            </a:r>
+            <a:endParaRPr lang="fr-FR" sz="1400" b="1" dirty="0"/>
+          </a:p>
+        </p:txBody>
+      </p:sp>
+      <p:sp>
+        <p:nvSpPr>
+          <p:cNvPr id="7" name="Rectangle 6"/>
+          <p:cNvSpPr/>
+          <p:nvPr/>
+        </p:nvSpPr>
+        <p:spPr>
+          <a:xfrm>
+            <a:off x="3635896" y="5181298"/>
+            <a:ext cx="2520280" cy="440784"/>
+          </a:xfrm>
+          <a:prstGeom prst="rect">
+            <a:avLst/>
+          </a:prstGeom>
+        </p:spPr>
+        <p:style>
+          <a:lnRef idx="2">
+            <a:schemeClr val="accent5">
+              <a:shade val="50000"/>
+            </a:schemeClr>
+          </a:lnRef>
+          <a:fillRef idx="1">
+            <a:schemeClr val="accent5"/>
+          </a:fillRef>
+          <a:effectRef idx="0">
+            <a:schemeClr val="accent5"/>
+          </a:effectRef>
+          <a:fontRef idx="minor">
+            <a:schemeClr val="lt1"/>
+          </a:fontRef>
+        </p:style>
+        <p:txBody>
+          <a:bodyPr rtlCol="0" anchor="ctr"/>
+          <a:lstStyle/>
+          <a:p>
+            <a:pPr algn="ctr"/>
+            <a:r>
+              <a:rPr lang="fr-FR" sz="1400" b="1" dirty="0" smtClean="0"/>
+              <a:t>BCPST</a:t>
+            </a:r>
+            <a:endParaRPr lang="fr-FR" sz="1400" b="1" dirty="0"/>
+          </a:p>
+        </p:txBody>
+      </p:sp>
+      <p:sp>
+        <p:nvSpPr>
+          <p:cNvPr id="8" name="Rectangle 7"/>
+          <p:cNvSpPr/>
+          <p:nvPr/>
+        </p:nvSpPr>
+        <p:spPr>
+          <a:xfrm>
+            <a:off x="6706642" y="5181298"/>
+            <a:ext cx="2185838" cy="440784"/>
+          </a:xfrm>
+          <a:prstGeom prst="rect">
+            <a:avLst/>
+          </a:prstGeom>
+        </p:spPr>
+        <p:style>
+          <a:lnRef idx="2">
+            <a:schemeClr val="accent5">
+              <a:shade val="50000"/>
+            </a:schemeClr>
+          </a:lnRef>
+          <a:fillRef idx="1">
+            <a:schemeClr val="accent5"/>
+          </a:fillRef>
+          <a:effectRef idx="0">
+            <a:schemeClr val="accent5"/>
+          </a:effectRef>
+          <a:fontRef idx="minor">
+            <a:schemeClr val="lt1"/>
+          </a:fontRef>
+        </p:style>
+        <p:txBody>
+          <a:bodyPr rtlCol="0" anchor="ctr"/>
+          <a:lstStyle/>
+          <a:p>
+            <a:pPr algn="ctr"/>
+            <a:r>
+              <a:rPr lang="fr-FR" sz="1400" b="1" dirty="0" smtClean="0"/>
+              <a:t>Prépa EC</a:t>
+            </a:r>
+            <a:endParaRPr lang="fr-FR" sz="1400" b="1" dirty="0"/>
+          </a:p>
+        </p:txBody>
+      </p:sp>
+      <p:sp>
+        <p:nvSpPr>
+          <p:cNvPr id="9" name="Espace réservé du contenu 8"/>
+          <p:cNvSpPr>
+            <a:spLocks noGrp="1"/>
+          </p:cNvSpPr>
+          <p:nvPr>
+            <p:ph sz="quarter" idx="1"/>
+          </p:nvPr>
+        </p:nvSpPr>
+        <p:spPr>
+          <a:xfrm>
+            <a:off x="2411760" y="1988840"/>
+            <a:ext cx="1584177" cy="2295912"/>
+          </a:xfrm>
+          <a:prstGeom prst="rect">
+            <a:avLst/>
+          </a:prstGeom>
+        </p:spPr>
+        <p:style>
+          <a:lnRef idx="2">
+            <a:schemeClr val="accent3">
+              <a:shade val="50000"/>
+            </a:schemeClr>
+          </a:lnRef>
+          <a:fillRef idx="1">
+            <a:schemeClr val="accent3"/>
+          </a:fillRef>
+          <a:effectRef idx="0">
+            <a:schemeClr val="accent3"/>
+          </a:effectRef>
+          <a:fontRef idx="minor">
+            <a:schemeClr val="lt1"/>
+          </a:fontRef>
+        </p:style>
+        <p:txBody>
+          <a:bodyPr rtlCol="0" anchor="ctr">
+            <a:normAutofit/>
+          </a:bodyPr>
+          <a:lstStyle/>
+          <a:p>
+            <a:pPr marL="0" indent="0" algn="ctr">
+              <a:buNone/>
+            </a:pPr>
+            <a:r>
+              <a:rPr lang="fr-FR" sz="1600" b="1" dirty="0" smtClean="0"/>
+              <a:t>Écoles Normales Supérieurs</a:t>
+            </a:r>
+          </a:p>
+          <a:p>
+            <a:pPr marL="0" indent="0" algn="ctr">
+              <a:buNone/>
+            </a:pPr>
+            <a:r>
+              <a:rPr lang="fr-FR" sz="1600" b="1" dirty="0" smtClean="0"/>
+              <a:t>Écoles d’ingénieur </a:t>
+            </a:r>
+          </a:p>
+          <a:p>
+            <a:pPr marL="0" indent="0" algn="ctr">
+              <a:buNone/>
+            </a:pPr>
+            <a:r>
+              <a:rPr lang="fr-FR" sz="1600" b="1" dirty="0" smtClean="0"/>
+              <a:t>(Chimie Paris, ESPCI, Réseau </a:t>
+            </a:r>
+            <a:r>
+              <a:rPr lang="fr-FR" sz="1600" b="1" dirty="0" err="1" smtClean="0"/>
+              <a:t>Polytech</a:t>
+            </a:r>
+            <a:r>
+              <a:rPr lang="fr-FR" sz="1600" b="1" dirty="0" smtClean="0"/>
+              <a:t> …)</a:t>
+            </a:r>
+            <a:endParaRPr lang="fr-FR" sz="1600" b="1" dirty="0"/>
+          </a:p>
+        </p:txBody>
+      </p:sp>
+      <p:sp>
+        <p:nvSpPr>
+          <p:cNvPr id="10" name="Espace réservé du contenu 8"/>
+          <p:cNvSpPr txBox="1">
+            <a:spLocks/>
+          </p:cNvSpPr>
+          <p:nvPr/>
+        </p:nvSpPr>
+        <p:spPr>
+          <a:xfrm>
+            <a:off x="256738" y="1999469"/>
+            <a:ext cx="1938998" cy="2295912"/>
+          </a:xfrm>
+          <a:prstGeom prst="rect">
+            <a:avLst/>
+          </a:prstGeom>
+        </p:spPr>
+        <p:style>
+          <a:lnRef idx="2">
+            <a:schemeClr val="accent3">
+              <a:shade val="50000"/>
+            </a:schemeClr>
+          </a:lnRef>
+          <a:fillRef idx="1">
+            <a:schemeClr val="accent3"/>
+          </a:fillRef>
+          <a:effectRef idx="0">
+            <a:schemeClr val="accent3"/>
+          </a:effectRef>
+          <a:fontRef idx="minor">
+            <a:schemeClr val="lt1"/>
+          </a:fontRef>
+        </p:style>
+        <p:txBody>
+          <a:bodyPr rot="0" spcFirstLastPara="0" vertOverflow="overflow" horzOverflow="overflow" vert="horz" wrap="square" lIns="91440" tIns="45720" rIns="91440" bIns="45720" numCol="1" spcCol="0" rtlCol="0" fromWordArt="0" anchor="ctr" anchorCtr="0" forceAA="0" compatLnSpc="1">
+            <a:prstTxWarp prst="textNoShape">
+              <a:avLst/>
+            </a:prstTxWarp>
+            <a:noAutofit/>
+          </a:bodyPr>
+          <a:lstStyle>
+            <a:lvl1pPr marL="274320" indent="-274320" algn="l" rtl="0" eaLnBrk="1" latinLnBrk="0" hangingPunct="1">
+              <a:spcBef>
+                <a:spcPts val="600"/>
+              </a:spcBef>
+              <a:buClr>
+                <a:schemeClr val="accent1"/>
+              </a:buClr>
+              <a:buSzPct val="76000"/>
+              <a:buFont typeface="Wingdings 3"/>
+              <a:buChar char=""/>
+              <a:defRPr kumimoji="0" sz="2600" kern="1200">
+                <a:solidFill>
+                  <a:schemeClr val="lt1"/>
+                </a:solidFill>
+                <a:latin typeface="+mn-lt"/>
+                <a:ea typeface="+mn-ea"/>
+                <a:cs typeface="+mn-cs"/>
+              </a:defRPr>
+            </a:lvl1pPr>
+            <a:lvl2pPr marL="548640" indent="-274320" algn="l" rtl="0" eaLnBrk="1" latinLnBrk="0" hangingPunct="1">
+              <a:spcBef>
+                <a:spcPts val="500"/>
+              </a:spcBef>
+              <a:buClr>
+                <a:schemeClr val="accent2"/>
+              </a:buClr>
+              <a:buSzPct val="76000"/>
+              <a:buFont typeface="Wingdings 3"/>
+              <a:buChar char=""/>
+              <a:defRPr kumimoji="0" sz="2300" kern="1200">
+                <a:solidFill>
+                  <a:schemeClr val="lt1"/>
+                </a:solidFill>
+                <a:latin typeface="+mn-lt"/>
+                <a:ea typeface="+mn-ea"/>
+                <a:cs typeface="+mn-cs"/>
+              </a:defRPr>
+            </a:lvl2pPr>
+            <a:lvl3pPr marL="822960" indent="-228600" algn="l" rtl="0" eaLnBrk="1" latinLnBrk="0" hangingPunct="1">
+              <a:spcBef>
+                <a:spcPts val="500"/>
+              </a:spcBef>
+              <a:buClr>
+                <a:schemeClr val="bg1">
+                  <a:shade val="50000"/>
+                </a:schemeClr>
+              </a:buClr>
+              <a:buSzPct val="76000"/>
+              <a:buFont typeface="Wingdings 3"/>
+              <a:buChar char=""/>
+              <a:defRPr kumimoji="0" sz="2000" kern="1200">
+                <a:solidFill>
+                  <a:schemeClr val="lt1"/>
+                </a:solidFill>
+                <a:latin typeface="+mn-lt"/>
+                <a:ea typeface="+mn-ea"/>
+                <a:cs typeface="+mn-cs"/>
+              </a:defRPr>
+            </a:lvl3pPr>
+            <a:lvl4pPr marL="1097280" indent="-228600" algn="l" rtl="0" eaLnBrk="1" latinLnBrk="0" hangingPunct="1">
+              <a:spcBef>
+                <a:spcPts val="400"/>
+              </a:spcBef>
+              <a:buClr>
+                <a:schemeClr val="accent2">
+                  <a:shade val="75000"/>
+                </a:schemeClr>
+              </a:buClr>
+              <a:buSzPct val="70000"/>
+              <a:buFont typeface="Wingdings"/>
+              <a:buChar char=""/>
+              <a:defRPr kumimoji="0" sz="1800" kern="1200">
+                <a:solidFill>
+                  <a:schemeClr val="lt1"/>
+                </a:solidFill>
+                <a:latin typeface="+mn-lt"/>
+                <a:ea typeface="+mn-ea"/>
+                <a:cs typeface="+mn-cs"/>
+              </a:defRPr>
+            </a:lvl4pPr>
+            <a:lvl5pPr marL="1371600" indent="-228600" algn="l" rtl="0" eaLnBrk="1" latinLnBrk="0" hangingPunct="1">
+              <a:spcBef>
+                <a:spcPts val="300"/>
+              </a:spcBef>
+              <a:buClr>
+                <a:schemeClr val="accent2"/>
+              </a:buClr>
+              <a:buSzPct val="70000"/>
+              <a:buFont typeface="Wingdings"/>
+              <a:buChar char=""/>
+              <a:defRPr kumimoji="0" sz="1600" kern="1200">
+                <a:solidFill>
+                  <a:schemeClr val="lt1"/>
+                </a:solidFill>
+                <a:latin typeface="+mn-lt"/>
+                <a:ea typeface="+mn-ea"/>
+                <a:cs typeface="+mn-cs"/>
+              </a:defRPr>
+            </a:lvl5pPr>
+            <a:lvl6pPr marL="1645920" indent="-182880" algn="l" rtl="0" eaLnBrk="1" latinLnBrk="0" hangingPunct="1">
+              <a:spcBef>
+                <a:spcPts val="300"/>
+              </a:spcBef>
+              <a:buClr>
+                <a:srgbClr val="9FB8CD">
+                  <a:shade val="75000"/>
+                </a:srgbClr>
+              </a:buClr>
+              <a:buSzPct val="75000"/>
+              <a:buFont typeface="Wingdings 3"/>
+              <a:buChar char=""/>
+              <a:defRPr kumimoji="0" lang="en-US" sz="1600" kern="1200" smtClean="0">
+                <a:solidFill>
+                  <a:schemeClr val="lt1"/>
+                </a:solidFill>
+                <a:latin typeface="+mn-lt"/>
+                <a:ea typeface="+mn-ea"/>
+                <a:cs typeface="+mn-cs"/>
+              </a:defRPr>
+            </a:lvl6pPr>
+            <a:lvl7pPr marL="1828800" indent="-182880" algn="l" rtl="0" eaLnBrk="1" latinLnBrk="0" hangingPunct="1">
+              <a:spcBef>
+                <a:spcPts val="300"/>
+              </a:spcBef>
+              <a:buClr>
+                <a:srgbClr val="727CA3">
+                  <a:shade val="75000"/>
+                </a:srgbClr>
+              </a:buClr>
+              <a:buSzPct val="75000"/>
+              <a:buFont typeface="Wingdings 3"/>
+              <a:buChar char=""/>
+              <a:defRPr kumimoji="0" lang="en-US" sz="1400" kern="1200" smtClean="0">
+                <a:solidFill>
+                  <a:schemeClr val="lt1"/>
+                </a:solidFill>
+                <a:latin typeface="+mn-lt"/>
+                <a:ea typeface="+mn-ea"/>
+                <a:cs typeface="+mn-cs"/>
+              </a:defRPr>
+            </a:lvl7pPr>
+            <a:lvl8pPr marL="2011680" indent="-182880" algn="l" rtl="0" eaLnBrk="1" latinLnBrk="0" hangingPunct="1">
+              <a:spcBef>
+                <a:spcPts val="300"/>
+              </a:spcBef>
+              <a:buClr>
+                <a:prstClr val="white">
+                  <a:shade val="50000"/>
+                </a:prstClr>
+              </a:buClr>
+              <a:buSzPct val="75000"/>
+              <a:buFont typeface="Wingdings 3"/>
+              <a:buChar char=""/>
+              <a:defRPr kumimoji="0" lang="en-US" sz="1400" kern="1200" smtClean="0">
+                <a:solidFill>
+                  <a:schemeClr val="lt1"/>
+                </a:solidFill>
+                <a:latin typeface="+mn-lt"/>
+                <a:ea typeface="+mn-ea"/>
+                <a:cs typeface="+mn-cs"/>
+              </a:defRPr>
+            </a:lvl8pPr>
+            <a:lvl9pPr marL="2194560" indent="-182880" algn="l" rtl="0" eaLnBrk="1" latinLnBrk="0" hangingPunct="1">
+              <a:spcBef>
+                <a:spcPts val="300"/>
+              </a:spcBef>
+              <a:buClr>
+                <a:srgbClr val="9FB8CD"/>
+              </a:buClr>
+              <a:buSzPct val="75000"/>
+              <a:buFont typeface="Wingdings 3"/>
+              <a:buChar char=""/>
+              <a:defRPr kumimoji="0" lang="en-US" sz="1200" kern="1200" smtClean="0">
+                <a:solidFill>
+                  <a:schemeClr val="lt1"/>
+                </a:solidFill>
+                <a:latin typeface="+mn-lt"/>
+                <a:ea typeface="+mn-ea"/>
+                <a:cs typeface="+mn-cs"/>
+              </a:defRPr>
+            </a:lvl9pPr>
+          </a:lstStyle>
+          <a:p>
+            <a:pPr marL="0" indent="0" algn="ctr">
+              <a:buFont typeface="Wingdings 3"/>
+              <a:buNone/>
+            </a:pPr>
+            <a:r>
+              <a:rPr lang="fr-FR" sz="1600" b="1" dirty="0" smtClean="0"/>
+              <a:t>Écoles d’ingénieur</a:t>
+            </a:r>
+          </a:p>
+          <a:p>
+            <a:pPr marL="0" indent="0" algn="ctr">
+              <a:buFont typeface="Wingdings 3"/>
+              <a:buNone/>
+            </a:pPr>
+            <a:endParaRPr lang="fr-FR" sz="1600" b="1" dirty="0" smtClean="0"/>
+          </a:p>
+          <a:p>
+            <a:pPr marL="0" indent="0" algn="ctr">
+              <a:buFont typeface="Wingdings 3"/>
+              <a:buNone/>
+            </a:pPr>
+            <a:r>
+              <a:rPr lang="fr-FR" sz="1600" b="1" dirty="0" smtClean="0"/>
+              <a:t>Polytechnique, Centrale, Mines, Ponts, Arts et Métiers Paris Tech, ENSI …</a:t>
+            </a:r>
+            <a:endParaRPr lang="fr-FR" sz="1600" b="1" dirty="0"/>
+          </a:p>
+        </p:txBody>
+      </p:sp>
+      <p:sp>
+        <p:nvSpPr>
+          <p:cNvPr id="11" name="Rectangle 10"/>
+          <p:cNvSpPr/>
+          <p:nvPr/>
+        </p:nvSpPr>
+        <p:spPr>
+          <a:xfrm>
+            <a:off x="225922" y="4581128"/>
+            <a:ext cx="2545878" cy="440784"/>
+          </a:xfrm>
+          <a:prstGeom prst="rect">
+            <a:avLst/>
+          </a:prstGeom>
+        </p:spPr>
+        <p:style>
+          <a:lnRef idx="2">
+            <a:schemeClr val="accent2">
+              <a:shade val="50000"/>
+            </a:schemeClr>
+          </a:lnRef>
+          <a:fillRef idx="1">
+            <a:schemeClr val="accent2"/>
+          </a:fillRef>
+          <a:effectRef idx="0">
+            <a:schemeClr val="accent2"/>
+          </a:effectRef>
+          <a:fontRef idx="minor">
+            <a:schemeClr val="lt1"/>
+          </a:fontRef>
+        </p:style>
+        <p:txBody>
+          <a:bodyPr rtlCol="0" anchor="ctr"/>
+          <a:lstStyle/>
+          <a:p>
+            <a:pPr algn="ctr"/>
+            <a:r>
+              <a:rPr lang="fr-FR" sz="1400" b="1" dirty="0" smtClean="0"/>
+              <a:t>Concours spécifiques</a:t>
+            </a:r>
+            <a:endParaRPr lang="fr-FR" sz="1400" b="1" dirty="0"/>
+          </a:p>
+        </p:txBody>
+      </p:sp>
+      <p:sp>
+        <p:nvSpPr>
+          <p:cNvPr id="13" name="Rectangle 12"/>
+          <p:cNvSpPr/>
+          <p:nvPr/>
+        </p:nvSpPr>
+        <p:spPr>
+          <a:xfrm>
+            <a:off x="3623097" y="4581128"/>
+            <a:ext cx="2545878" cy="440784"/>
+          </a:xfrm>
+          <a:prstGeom prst="rect">
+            <a:avLst/>
+          </a:prstGeom>
+        </p:spPr>
+        <p:style>
+          <a:lnRef idx="2">
+            <a:schemeClr val="accent2">
+              <a:shade val="50000"/>
+            </a:schemeClr>
+          </a:lnRef>
+          <a:fillRef idx="1">
+            <a:schemeClr val="accent2"/>
+          </a:fillRef>
+          <a:effectRef idx="0">
+            <a:schemeClr val="accent2"/>
+          </a:effectRef>
+          <a:fontRef idx="minor">
+            <a:schemeClr val="lt1"/>
+          </a:fontRef>
+        </p:style>
+        <p:txBody>
+          <a:bodyPr rtlCol="0" anchor="ctr"/>
+          <a:lstStyle/>
+          <a:p>
+            <a:pPr algn="ctr"/>
+            <a:r>
+              <a:rPr lang="fr-FR" sz="1400" b="1" dirty="0" smtClean="0"/>
+              <a:t>Concours spécifiques</a:t>
+            </a:r>
+            <a:endParaRPr lang="fr-FR" sz="1400" b="1" dirty="0"/>
+          </a:p>
+        </p:txBody>
+      </p:sp>
+      <p:sp>
+        <p:nvSpPr>
+          <p:cNvPr id="14" name="Rectangle 13"/>
+          <p:cNvSpPr/>
+          <p:nvPr/>
+        </p:nvSpPr>
+        <p:spPr>
+          <a:xfrm>
+            <a:off x="6706642" y="4581128"/>
+            <a:ext cx="2185838" cy="440784"/>
+          </a:xfrm>
+          <a:prstGeom prst="rect">
+            <a:avLst/>
+          </a:prstGeom>
+        </p:spPr>
+        <p:style>
+          <a:lnRef idx="2">
+            <a:schemeClr val="accent2">
+              <a:shade val="50000"/>
+            </a:schemeClr>
+          </a:lnRef>
+          <a:fillRef idx="1">
+            <a:schemeClr val="accent2"/>
+          </a:fillRef>
+          <a:effectRef idx="0">
+            <a:schemeClr val="accent2"/>
+          </a:effectRef>
+          <a:fontRef idx="minor">
+            <a:schemeClr val="lt1"/>
+          </a:fontRef>
+        </p:style>
+        <p:txBody>
+          <a:bodyPr rtlCol="0" anchor="ctr"/>
+          <a:lstStyle/>
+          <a:p>
+            <a:pPr algn="ctr"/>
+            <a:r>
+              <a:rPr lang="fr-FR" sz="1400" b="1" dirty="0" smtClean="0"/>
+              <a:t>Concours spécifiques</a:t>
+            </a:r>
+            <a:endParaRPr lang="fr-FR" sz="1400" b="1" dirty="0"/>
+          </a:p>
+        </p:txBody>
+      </p:sp>
+      <p:sp>
+        <p:nvSpPr>
+          <p:cNvPr id="15" name="Espace réservé du contenu 8"/>
+          <p:cNvSpPr txBox="1">
+            <a:spLocks/>
+          </p:cNvSpPr>
+          <p:nvPr/>
+        </p:nvSpPr>
+        <p:spPr>
+          <a:xfrm>
+            <a:off x="4283968" y="1999469"/>
+            <a:ext cx="1872208" cy="2295912"/>
+          </a:xfrm>
+          <a:prstGeom prst="rect">
+            <a:avLst/>
+          </a:prstGeom>
+        </p:spPr>
+        <p:style>
+          <a:lnRef idx="2">
+            <a:schemeClr val="accent3">
+              <a:shade val="50000"/>
+            </a:schemeClr>
+          </a:lnRef>
+          <a:fillRef idx="1">
+            <a:schemeClr val="accent3"/>
+          </a:fillRef>
+          <a:effectRef idx="0">
+            <a:schemeClr val="accent3"/>
+          </a:effectRef>
+          <a:fontRef idx="minor">
+            <a:schemeClr val="lt1"/>
+          </a:fontRef>
+        </p:style>
+        <p:txBody>
+          <a:bodyPr rot="0" spcFirstLastPara="0" vertOverflow="overflow" horzOverflow="overflow" vert="horz" wrap="square" lIns="91440" tIns="45720" rIns="91440" bIns="45720" numCol="1" spcCol="0" rtlCol="0" fromWordArt="0" anchor="ctr" anchorCtr="0" forceAA="0" compatLnSpc="1">
+            <a:prstTxWarp prst="textNoShape">
+              <a:avLst/>
+            </a:prstTxWarp>
+            <a:noAutofit/>
+          </a:bodyPr>
+          <a:lstStyle>
+            <a:lvl1pPr marL="274320" indent="-274320" algn="l" rtl="0" eaLnBrk="1" latinLnBrk="0" hangingPunct="1">
+              <a:spcBef>
+                <a:spcPts val="600"/>
+              </a:spcBef>
+              <a:buClr>
+                <a:schemeClr val="accent1"/>
+              </a:buClr>
+              <a:buSzPct val="76000"/>
+              <a:buFont typeface="Wingdings 3"/>
+              <a:buChar char=""/>
+              <a:defRPr kumimoji="0" sz="2600" kern="1200">
+                <a:solidFill>
+                  <a:schemeClr val="lt1"/>
+                </a:solidFill>
+                <a:latin typeface="+mn-lt"/>
+                <a:ea typeface="+mn-ea"/>
+                <a:cs typeface="+mn-cs"/>
+              </a:defRPr>
+            </a:lvl1pPr>
+            <a:lvl2pPr marL="548640" indent="-274320" algn="l" rtl="0" eaLnBrk="1" latinLnBrk="0" hangingPunct="1">
+              <a:spcBef>
+                <a:spcPts val="500"/>
+              </a:spcBef>
+              <a:buClr>
+                <a:schemeClr val="accent2"/>
+              </a:buClr>
+              <a:buSzPct val="76000"/>
+              <a:buFont typeface="Wingdings 3"/>
+              <a:buChar char=""/>
+              <a:defRPr kumimoji="0" sz="2300" kern="1200">
+                <a:solidFill>
+                  <a:schemeClr val="lt1"/>
+                </a:solidFill>
+                <a:latin typeface="+mn-lt"/>
+                <a:ea typeface="+mn-ea"/>
+                <a:cs typeface="+mn-cs"/>
+              </a:defRPr>
+            </a:lvl2pPr>
+            <a:lvl3pPr marL="822960" indent="-228600" algn="l" rtl="0" eaLnBrk="1" latinLnBrk="0" hangingPunct="1">
+              <a:spcBef>
+                <a:spcPts val="500"/>
+              </a:spcBef>
+              <a:buClr>
+                <a:schemeClr val="bg1">
+                  <a:shade val="50000"/>
+                </a:schemeClr>
+              </a:buClr>
+              <a:buSzPct val="76000"/>
+              <a:buFont typeface="Wingdings 3"/>
+              <a:buChar char=""/>
+              <a:defRPr kumimoji="0" sz="2000" kern="1200">
+                <a:solidFill>
+                  <a:schemeClr val="lt1"/>
+                </a:solidFill>
+                <a:latin typeface="+mn-lt"/>
+                <a:ea typeface="+mn-ea"/>
+                <a:cs typeface="+mn-cs"/>
+              </a:defRPr>
+            </a:lvl3pPr>
+            <a:lvl4pPr marL="1097280" indent="-228600" algn="l" rtl="0" eaLnBrk="1" latinLnBrk="0" hangingPunct="1">
+              <a:spcBef>
+                <a:spcPts val="400"/>
+              </a:spcBef>
+              <a:buClr>
+                <a:schemeClr val="accent2">
+                  <a:shade val="75000"/>
+                </a:schemeClr>
+              </a:buClr>
+              <a:buSzPct val="70000"/>
+              <a:buFont typeface="Wingdings"/>
+              <a:buChar char=""/>
+              <a:defRPr kumimoji="0" sz="1800" kern="1200">
+                <a:solidFill>
+                  <a:schemeClr val="lt1"/>
+                </a:solidFill>
+                <a:latin typeface="+mn-lt"/>
+                <a:ea typeface="+mn-ea"/>
+                <a:cs typeface="+mn-cs"/>
+              </a:defRPr>
+            </a:lvl4pPr>
+            <a:lvl5pPr marL="1371600" indent="-228600" algn="l" rtl="0" eaLnBrk="1" latinLnBrk="0" hangingPunct="1">
+              <a:spcBef>
+                <a:spcPts val="300"/>
+              </a:spcBef>
+              <a:buClr>
+                <a:schemeClr val="accent2"/>
+              </a:buClr>
+              <a:buSzPct val="70000"/>
+              <a:buFont typeface="Wingdings"/>
+              <a:buChar char=""/>
+              <a:defRPr kumimoji="0" sz="1600" kern="1200">
+                <a:solidFill>
+                  <a:schemeClr val="lt1"/>
+                </a:solidFill>
+                <a:latin typeface="+mn-lt"/>
+                <a:ea typeface="+mn-ea"/>
+                <a:cs typeface="+mn-cs"/>
+              </a:defRPr>
+            </a:lvl5pPr>
+            <a:lvl6pPr marL="1645920" indent="-182880" algn="l" rtl="0" eaLnBrk="1" latinLnBrk="0" hangingPunct="1">
+              <a:spcBef>
+                <a:spcPts val="300"/>
+              </a:spcBef>
+              <a:buClr>
+                <a:srgbClr val="9FB8CD">
+                  <a:shade val="75000"/>
+                </a:srgbClr>
+              </a:buClr>
+              <a:buSzPct val="75000"/>
+              <a:buFont typeface="Wingdings 3"/>
+              <a:buChar char=""/>
+              <a:defRPr kumimoji="0" lang="en-US" sz="1600" kern="1200" smtClean="0">
+                <a:solidFill>
+                  <a:schemeClr val="lt1"/>
+                </a:solidFill>
+                <a:latin typeface="+mn-lt"/>
+                <a:ea typeface="+mn-ea"/>
+                <a:cs typeface="+mn-cs"/>
+              </a:defRPr>
+            </a:lvl6pPr>
+            <a:lvl7pPr marL="1828800" indent="-182880" algn="l" rtl="0" eaLnBrk="1" latinLnBrk="0" hangingPunct="1">
+              <a:spcBef>
+                <a:spcPts val="300"/>
+              </a:spcBef>
+              <a:buClr>
+                <a:srgbClr val="727CA3">
+                  <a:shade val="75000"/>
+                </a:srgbClr>
+              </a:buClr>
+              <a:buSzPct val="75000"/>
+              <a:buFont typeface="Wingdings 3"/>
+              <a:buChar char=""/>
+              <a:defRPr kumimoji="0" lang="en-US" sz="1400" kern="1200" smtClean="0">
+                <a:solidFill>
+                  <a:schemeClr val="lt1"/>
+                </a:solidFill>
+                <a:latin typeface="+mn-lt"/>
+                <a:ea typeface="+mn-ea"/>
+                <a:cs typeface="+mn-cs"/>
+              </a:defRPr>
+            </a:lvl7pPr>
+            <a:lvl8pPr marL="2011680" indent="-182880" algn="l" rtl="0" eaLnBrk="1" latinLnBrk="0" hangingPunct="1">
+              <a:spcBef>
+                <a:spcPts val="300"/>
+              </a:spcBef>
+              <a:buClr>
+                <a:prstClr val="white">
+                  <a:shade val="50000"/>
+                </a:prstClr>
+              </a:buClr>
+              <a:buSzPct val="75000"/>
+              <a:buFont typeface="Wingdings 3"/>
+              <a:buChar char=""/>
+              <a:defRPr kumimoji="0" lang="en-US" sz="1400" kern="1200" smtClean="0">
+                <a:solidFill>
+                  <a:schemeClr val="lt1"/>
+                </a:solidFill>
+                <a:latin typeface="+mn-lt"/>
+                <a:ea typeface="+mn-ea"/>
+                <a:cs typeface="+mn-cs"/>
+              </a:defRPr>
+            </a:lvl8pPr>
+            <a:lvl9pPr marL="2194560" indent="-182880" algn="l" rtl="0" eaLnBrk="1" latinLnBrk="0" hangingPunct="1">
+              <a:spcBef>
+                <a:spcPts val="300"/>
+              </a:spcBef>
+              <a:buClr>
+                <a:srgbClr val="9FB8CD"/>
+              </a:buClr>
+              <a:buSzPct val="75000"/>
+              <a:buFont typeface="Wingdings 3"/>
+              <a:buChar char=""/>
+              <a:defRPr kumimoji="0" lang="en-US" sz="1200" kern="1200" smtClean="0">
+                <a:solidFill>
+                  <a:schemeClr val="lt1"/>
+                </a:solidFill>
+                <a:latin typeface="+mn-lt"/>
+                <a:ea typeface="+mn-ea"/>
+                <a:cs typeface="+mn-cs"/>
+              </a:defRPr>
+            </a:lvl9pPr>
+          </a:lstStyle>
+          <a:p>
+            <a:pPr marL="0" indent="0" algn="ctr">
+              <a:buFont typeface="Wingdings 3"/>
+              <a:buNone/>
+            </a:pPr>
+            <a:r>
+              <a:rPr lang="fr-FR" sz="1600" b="1" dirty="0" smtClean="0"/>
+              <a:t>Écoles vétérinaires</a:t>
+            </a:r>
+          </a:p>
+          <a:p>
+            <a:pPr marL="0" indent="0" algn="ctr">
+              <a:buFont typeface="Wingdings 3"/>
+              <a:buNone/>
+            </a:pPr>
+            <a:r>
+              <a:rPr lang="fr-FR" sz="1600" b="1" dirty="0" smtClean="0"/>
+              <a:t>Écoles agronomiques</a:t>
+            </a:r>
+            <a:endParaRPr lang="fr-FR" sz="1600" b="1" dirty="0"/>
+          </a:p>
+        </p:txBody>
+      </p:sp>
+      <p:sp>
+        <p:nvSpPr>
+          <p:cNvPr id="16" name="Espace réservé du contenu 8"/>
+          <p:cNvSpPr txBox="1">
+            <a:spLocks/>
+          </p:cNvSpPr>
+          <p:nvPr/>
+        </p:nvSpPr>
+        <p:spPr>
+          <a:xfrm>
+            <a:off x="6706642" y="1999469"/>
+            <a:ext cx="2185838" cy="2295912"/>
+          </a:xfrm>
+          <a:prstGeom prst="rect">
+            <a:avLst/>
+          </a:prstGeom>
+        </p:spPr>
+        <p:style>
+          <a:lnRef idx="2">
+            <a:schemeClr val="accent3">
+              <a:shade val="50000"/>
+            </a:schemeClr>
+          </a:lnRef>
+          <a:fillRef idx="1">
+            <a:schemeClr val="accent3"/>
+          </a:fillRef>
+          <a:effectRef idx="0">
+            <a:schemeClr val="accent3"/>
+          </a:effectRef>
+          <a:fontRef idx="minor">
+            <a:schemeClr val="lt1"/>
+          </a:fontRef>
+        </p:style>
+        <p:txBody>
+          <a:bodyPr rot="0" spcFirstLastPara="0" vertOverflow="overflow" horzOverflow="overflow" vert="horz" wrap="square" lIns="91440" tIns="45720" rIns="91440" bIns="45720" numCol="1" spcCol="0" rtlCol="0" fromWordArt="0" anchor="ctr" anchorCtr="0" forceAA="0" compatLnSpc="1">
+            <a:prstTxWarp prst="textNoShape">
+              <a:avLst/>
+            </a:prstTxWarp>
+            <a:noAutofit/>
+          </a:bodyPr>
+          <a:lstStyle>
+            <a:lvl1pPr marL="274320" indent="-274320" algn="l" rtl="0" eaLnBrk="1" latinLnBrk="0" hangingPunct="1">
+              <a:spcBef>
+                <a:spcPts val="600"/>
+              </a:spcBef>
+              <a:buClr>
+                <a:schemeClr val="accent1"/>
+              </a:buClr>
+              <a:buSzPct val="76000"/>
+              <a:buFont typeface="Wingdings 3"/>
+              <a:buChar char=""/>
+              <a:defRPr kumimoji="0" sz="2600" kern="1200">
+                <a:solidFill>
+                  <a:schemeClr val="lt1"/>
+                </a:solidFill>
+                <a:latin typeface="+mn-lt"/>
+                <a:ea typeface="+mn-ea"/>
+                <a:cs typeface="+mn-cs"/>
+              </a:defRPr>
+            </a:lvl1pPr>
+            <a:lvl2pPr marL="548640" indent="-274320" algn="l" rtl="0" eaLnBrk="1" latinLnBrk="0" hangingPunct="1">
+              <a:spcBef>
+                <a:spcPts val="500"/>
+              </a:spcBef>
+              <a:buClr>
+                <a:schemeClr val="accent2"/>
+              </a:buClr>
+              <a:buSzPct val="76000"/>
+              <a:buFont typeface="Wingdings 3"/>
+              <a:buChar char=""/>
+              <a:defRPr kumimoji="0" sz="2300" kern="1200">
+                <a:solidFill>
+                  <a:schemeClr val="lt1"/>
+                </a:solidFill>
+                <a:latin typeface="+mn-lt"/>
+                <a:ea typeface="+mn-ea"/>
+                <a:cs typeface="+mn-cs"/>
+              </a:defRPr>
+            </a:lvl2pPr>
+            <a:lvl3pPr marL="822960" indent="-228600" algn="l" rtl="0" eaLnBrk="1" latinLnBrk="0" hangingPunct="1">
+              <a:spcBef>
+                <a:spcPts val="500"/>
+              </a:spcBef>
+              <a:buClr>
+                <a:schemeClr val="bg1">
+                  <a:shade val="50000"/>
+                </a:schemeClr>
+              </a:buClr>
+              <a:buSzPct val="76000"/>
+              <a:buFont typeface="Wingdings 3"/>
+              <a:buChar char=""/>
+              <a:defRPr kumimoji="0" sz="2000" kern="1200">
+                <a:solidFill>
+                  <a:schemeClr val="lt1"/>
+                </a:solidFill>
+                <a:latin typeface="+mn-lt"/>
+                <a:ea typeface="+mn-ea"/>
+                <a:cs typeface="+mn-cs"/>
+              </a:defRPr>
+            </a:lvl3pPr>
+            <a:lvl4pPr marL="1097280" indent="-228600" algn="l" rtl="0" eaLnBrk="1" latinLnBrk="0" hangingPunct="1">
+              <a:spcBef>
+                <a:spcPts val="400"/>
+              </a:spcBef>
+              <a:buClr>
+                <a:schemeClr val="accent2">
+                  <a:shade val="75000"/>
+                </a:schemeClr>
+              </a:buClr>
+              <a:buSzPct val="70000"/>
+              <a:buFont typeface="Wingdings"/>
+              <a:buChar char=""/>
+              <a:defRPr kumimoji="0" sz="1800" kern="1200">
+                <a:solidFill>
+                  <a:schemeClr val="lt1"/>
+                </a:solidFill>
+                <a:latin typeface="+mn-lt"/>
+                <a:ea typeface="+mn-ea"/>
+                <a:cs typeface="+mn-cs"/>
+              </a:defRPr>
+            </a:lvl4pPr>
+            <a:lvl5pPr marL="1371600" indent="-228600" algn="l" rtl="0" eaLnBrk="1" latinLnBrk="0" hangingPunct="1">
+              <a:spcBef>
+                <a:spcPts val="300"/>
+              </a:spcBef>
+              <a:buClr>
+                <a:schemeClr val="accent2"/>
+              </a:buClr>
+              <a:buSzPct val="70000"/>
+              <a:buFont typeface="Wingdings"/>
+              <a:buChar char=""/>
+              <a:defRPr kumimoji="0" sz="1600" kern="1200">
+                <a:solidFill>
+                  <a:schemeClr val="lt1"/>
+                </a:solidFill>
+                <a:latin typeface="+mn-lt"/>
+                <a:ea typeface="+mn-ea"/>
+                <a:cs typeface="+mn-cs"/>
+              </a:defRPr>
+            </a:lvl5pPr>
+            <a:lvl6pPr marL="1645920" indent="-182880" algn="l" rtl="0" eaLnBrk="1" latinLnBrk="0" hangingPunct="1">
+              <a:spcBef>
+                <a:spcPts val="300"/>
+              </a:spcBef>
+              <a:buClr>
+                <a:srgbClr val="9FB8CD">
+                  <a:shade val="75000"/>
+                </a:srgbClr>
+              </a:buClr>
+              <a:buSzPct val="75000"/>
+              <a:buFont typeface="Wingdings 3"/>
+              <a:buChar char=""/>
+              <a:defRPr kumimoji="0" lang="en-US" sz="1600" kern="1200" smtClean="0">
+                <a:solidFill>
+                  <a:schemeClr val="lt1"/>
+                </a:solidFill>
+                <a:latin typeface="+mn-lt"/>
+                <a:ea typeface="+mn-ea"/>
+                <a:cs typeface="+mn-cs"/>
+              </a:defRPr>
+            </a:lvl6pPr>
+            <a:lvl7pPr marL="1828800" indent="-182880" algn="l" rtl="0" eaLnBrk="1" latinLnBrk="0" hangingPunct="1">
+              <a:spcBef>
+                <a:spcPts val="300"/>
+              </a:spcBef>
+              <a:buClr>
+                <a:srgbClr val="727CA3">
+                  <a:shade val="75000"/>
+                </a:srgbClr>
+              </a:buClr>
+              <a:buSzPct val="75000"/>
+              <a:buFont typeface="Wingdings 3"/>
+              <a:buChar char=""/>
+              <a:defRPr kumimoji="0" lang="en-US" sz="1400" kern="1200" smtClean="0">
+                <a:solidFill>
+                  <a:schemeClr val="lt1"/>
+                </a:solidFill>
+                <a:latin typeface="+mn-lt"/>
+                <a:ea typeface="+mn-ea"/>
+                <a:cs typeface="+mn-cs"/>
+              </a:defRPr>
+            </a:lvl7pPr>
+            <a:lvl8pPr marL="2011680" indent="-182880" algn="l" rtl="0" eaLnBrk="1" latinLnBrk="0" hangingPunct="1">
+              <a:spcBef>
+                <a:spcPts val="300"/>
+              </a:spcBef>
+              <a:buClr>
+                <a:prstClr val="white">
+                  <a:shade val="50000"/>
+                </a:prstClr>
+              </a:buClr>
+              <a:buSzPct val="75000"/>
+              <a:buFont typeface="Wingdings 3"/>
+              <a:buChar char=""/>
+              <a:defRPr kumimoji="0" lang="en-US" sz="1400" kern="1200" smtClean="0">
+                <a:solidFill>
+                  <a:schemeClr val="lt1"/>
+                </a:solidFill>
+                <a:latin typeface="+mn-lt"/>
+                <a:ea typeface="+mn-ea"/>
+                <a:cs typeface="+mn-cs"/>
+              </a:defRPr>
+            </a:lvl8pPr>
+            <a:lvl9pPr marL="2194560" indent="-182880" algn="l" rtl="0" eaLnBrk="1" latinLnBrk="0" hangingPunct="1">
+              <a:spcBef>
+                <a:spcPts val="300"/>
+              </a:spcBef>
+              <a:buClr>
+                <a:srgbClr val="9FB8CD"/>
+              </a:buClr>
+              <a:buSzPct val="75000"/>
+              <a:buFont typeface="Wingdings 3"/>
+              <a:buChar char=""/>
+              <a:defRPr kumimoji="0" lang="en-US" sz="1200" kern="1200" smtClean="0">
+                <a:solidFill>
+                  <a:schemeClr val="lt1"/>
+                </a:solidFill>
+                <a:latin typeface="+mn-lt"/>
+                <a:ea typeface="+mn-ea"/>
+                <a:cs typeface="+mn-cs"/>
+              </a:defRPr>
+            </a:lvl9pPr>
+          </a:lstStyle>
+          <a:p>
+            <a:pPr marL="0" indent="0" algn="ctr">
+              <a:buFont typeface="Wingdings 3"/>
+              <a:buNone/>
+            </a:pPr>
+            <a:r>
+              <a:rPr lang="fr-FR" sz="1600" b="1" dirty="0" smtClean="0"/>
+              <a:t>Écoles de commerce Écoles de management</a:t>
+            </a:r>
+          </a:p>
+          <a:p>
+            <a:pPr marL="0" indent="0" algn="ctr">
+              <a:buNone/>
+            </a:pPr>
+            <a:r>
+              <a:rPr lang="fr-FR" sz="1600" b="1" dirty="0"/>
+              <a:t>(HEC, ESSEC, </a:t>
+            </a:r>
+            <a:r>
+              <a:rPr lang="fr-FR" sz="1600" b="1" dirty="0" smtClean="0"/>
+              <a:t>ESCP, …)</a:t>
+            </a:r>
+            <a:endParaRPr lang="fr-FR" sz="1600" b="1" dirty="0"/>
+          </a:p>
+          <a:p>
+            <a:pPr marL="0" indent="0" algn="ctr">
+              <a:buFont typeface="Wingdings 3"/>
+              <a:buNone/>
+            </a:pPr>
+            <a:endParaRPr lang="fr-FR" sz="1600" b="1" dirty="0"/>
+          </a:p>
+        </p:txBody>
+      </p:sp>
+      <p:sp>
+        <p:nvSpPr>
+          <p:cNvPr id="17" name="Espace réservé du numéro de diapositive 16"/>
           <p:cNvSpPr>
             <a:spLocks noGrp="1"/>
           </p:cNvSpPr>
@@ -13228,7 +14503,7 @@
     </p:spTree>
     <p:extLst>
       <p:ext uri="{BB962C8B-B14F-4D97-AF65-F5344CB8AC3E}">
-        <p14:creationId xmlns:p14="http://schemas.microsoft.com/office/powerpoint/2010/main" val="254375803"/>
+        <p14:creationId xmlns:p14="http://schemas.microsoft.com/office/powerpoint/2010/main" val="1039484304"/>
       </p:ext>
     </p:extLst>
   </p:cSld>

--- a/Rouviere/PresentationCPGE_ISM.pptx
+++ b/Rouviere/PresentationCPGE_ISM.pptx
@@ -5,7 +5,7 @@
     <p:sldMasterId id="2147483948" r:id="rId1"/>
   </p:sldMasterIdLst>
   <p:notesMasterIdLst>
-    <p:notesMasterId r:id="rId28"/>
+    <p:notesMasterId r:id="rId29"/>
   </p:notesMasterIdLst>
   <p:sldIdLst>
     <p:sldId id="256" r:id="rId2"/>
@@ -16,7 +16,7 @@
     <p:sldId id="267" r:id="rId7"/>
     <p:sldId id="268" r:id="rId8"/>
     <p:sldId id="269" r:id="rId9"/>
-    <p:sldId id="270" r:id="rId10"/>
+    <p:sldId id="292" r:id="rId10"/>
     <p:sldId id="271" r:id="rId11"/>
     <p:sldId id="282" r:id="rId12"/>
     <p:sldId id="278" r:id="rId13"/>
@@ -34,6 +34,7 @@
     <p:sldId id="290" r:id="rId25"/>
     <p:sldId id="291" r:id="rId26"/>
     <p:sldId id="286" r:id="rId27"/>
+    <p:sldId id="270" r:id="rId28"/>
   </p:sldIdLst>
   <p:sldSz cx="9144000" cy="6858000" type="screen4x3"/>
   <p:notesSz cx="6858000" cy="9144000"/>
@@ -395,31 +396,34 @@
           <c:explosion val="25"/>
           <c:cat>
             <c:strRef>
-              <c:f>Feuil1!$A$2:$A$9</c:f>
+              <c:f>Feuil1!$A$2:$A$10</c:f>
               <c:strCache>
-                <c:ptCount val="8"/>
+                <c:ptCount val="9"/>
                 <c:pt idx="0">
                   <c:v>Mathématiques</c:v>
                 </c:pt>
                 <c:pt idx="1">
-                  <c:v>Physique-Chimie</c:v>
+                  <c:v>Physique</c:v>
                 </c:pt>
                 <c:pt idx="2">
+                  <c:v>Chimie</c:v>
+                </c:pt>
+                <c:pt idx="3">
                   <c:v>Sciences Industrielles de l'Ingénieur</c:v>
                 </c:pt>
-                <c:pt idx="3">
+                <c:pt idx="4">
                   <c:v>Informatique</c:v>
                 </c:pt>
-                <c:pt idx="4">
+                <c:pt idx="5">
                   <c:v>Français et Philosophie</c:v>
                 </c:pt>
-                <c:pt idx="5">
+                <c:pt idx="6">
                   <c:v>LV1</c:v>
                 </c:pt>
-                <c:pt idx="6">
+                <c:pt idx="7">
                   <c:v>EPS</c:v>
                 </c:pt>
-                <c:pt idx="7">
+                <c:pt idx="8">
                   <c:v>TIPE</c:v>
                 </c:pt>
               </c:strCache>
@@ -427,21 +431,21 @@
           </c:cat>
           <c:val>
             <c:numRef>
-              <c:f>Feuil1!$B$2:$B$9</c:f>
+              <c:f>Feuil1!$B$2:$B$10</c:f>
               <c:numCache>
                 <c:formatCode>General</c:formatCode>
-                <c:ptCount val="8"/>
+                <c:ptCount val="9"/>
                 <c:pt idx="0">
                   <c:v>10</c:v>
                 </c:pt>
                 <c:pt idx="1">
-                  <c:v>12</c:v>
+                  <c:v>8</c:v>
                 </c:pt>
                 <c:pt idx="2">
                   <c:v>4</c:v>
                 </c:pt>
                 <c:pt idx="3">
-                  <c:v>2</c:v>
+                  <c:v>4</c:v>
                 </c:pt>
                 <c:pt idx="4">
                   <c:v>2</c:v>
@@ -453,6 +457,9 @@
                   <c:v>2</c:v>
                 </c:pt>
                 <c:pt idx="7">
+                  <c:v>2</c:v>
+                </c:pt>
+                <c:pt idx="8">
                   <c:v>2</c:v>
                 </c:pt>
               </c:numCache>
@@ -796,11 +803,11 @@
           <c:showBubbleSize val="0"/>
         </c:dLbls>
         <c:gapWidth val="100"/>
-        <c:axId val="95553792"/>
-        <c:axId val="95608832"/>
+        <c:axId val="40531456"/>
+        <c:axId val="40532992"/>
       </c:barChart>
       <c:catAx>
-        <c:axId val="95553792"/>
+        <c:axId val="40531456"/>
         <c:scaling>
           <c:orientation val="minMax"/>
         </c:scaling>
@@ -819,7 +826,7 @@
             <a:endParaRPr lang="fr-FR"/>
           </a:p>
         </c:txPr>
-        <c:crossAx val="95608832"/>
+        <c:crossAx val="40532992"/>
         <c:crosses val="autoZero"/>
         <c:auto val="1"/>
         <c:lblAlgn val="ctr"/>
@@ -827,7 +834,7 @@
         <c:noMultiLvlLbl val="0"/>
       </c:catAx>
       <c:valAx>
-        <c:axId val="95608832"/>
+        <c:axId val="40532992"/>
         <c:scaling>
           <c:orientation val="minMax"/>
           <c:max val="12"/>
@@ -840,7 +847,7 @@
         <c:majorTickMark val="out"/>
         <c:minorTickMark val="none"/>
         <c:tickLblPos val="nextTo"/>
-        <c:crossAx val="95553792"/>
+        <c:crossAx val="40531456"/>
         <c:crosses val="autoZero"/>
         <c:crossBetween val="between"/>
       </c:valAx>
@@ -922,19 +929,22 @@
           <c:invertIfNegative val="0"/>
           <c:cat>
             <c:strRef>
-              <c:f>Feuil1!$A$2:$A$5</c:f>
+              <c:f>Feuil1!$A$2:$A$6</c:f>
               <c:strCache>
-                <c:ptCount val="4"/>
+                <c:ptCount val="5"/>
                 <c:pt idx="0">
                   <c:v>Mathématiques</c:v>
                 </c:pt>
                 <c:pt idx="1">
-                  <c:v>Physique-Chimie</c:v>
+                  <c:v>Physique</c:v>
                 </c:pt>
                 <c:pt idx="2">
+                  <c:v>Chimie</c:v>
+                </c:pt>
+                <c:pt idx="3">
                   <c:v>Sciences Industrielles de l'Ingénieur</c:v>
                 </c:pt>
-                <c:pt idx="3">
+                <c:pt idx="4">
                   <c:v>Lettres - LV</c:v>
                 </c:pt>
               </c:strCache>
@@ -942,20 +952,23 @@
           </c:cat>
           <c:val>
             <c:numRef>
-              <c:f>Feuil1!$B$2:$B$5</c:f>
+              <c:f>Feuil1!$B$2:$B$6</c:f>
               <c:numCache>
                 <c:formatCode>General</c:formatCode>
-                <c:ptCount val="4"/>
+                <c:ptCount val="5"/>
                 <c:pt idx="0">
                   <c:v>10</c:v>
                 </c:pt>
                 <c:pt idx="1">
-                  <c:v>12</c:v>
+                  <c:v>8</c:v>
                 </c:pt>
                 <c:pt idx="2">
                   <c:v>4</c:v>
                 </c:pt>
                 <c:pt idx="3">
+                  <c:v>4</c:v>
+                </c:pt>
+                <c:pt idx="4">
                   <c:v>4</c:v>
                 </c:pt>
               </c:numCache>
@@ -971,11 +984,11 @@
           <c:showBubbleSize val="0"/>
         </c:dLbls>
         <c:gapWidth val="100"/>
-        <c:axId val="95665536"/>
-        <c:axId val="95667328"/>
+        <c:axId val="40540800"/>
+        <c:axId val="40563072"/>
       </c:barChart>
       <c:catAx>
-        <c:axId val="95665536"/>
+        <c:axId val="40540800"/>
         <c:scaling>
           <c:orientation val="minMax"/>
         </c:scaling>
@@ -994,7 +1007,7 @@
             <a:endParaRPr lang="fr-FR"/>
           </a:p>
         </c:txPr>
-        <c:crossAx val="95667328"/>
+        <c:crossAx val="40563072"/>
         <c:crosses val="autoZero"/>
         <c:auto val="1"/>
         <c:lblAlgn val="ctr"/>
@@ -1002,7 +1015,7 @@
         <c:noMultiLvlLbl val="0"/>
       </c:catAx>
       <c:valAx>
-        <c:axId val="95667328"/>
+        <c:axId val="40563072"/>
         <c:scaling>
           <c:orientation val="minMax"/>
           <c:max val="12"/>
@@ -1015,7 +1028,7 @@
         <c:majorTickMark val="out"/>
         <c:minorTickMark val="none"/>
         <c:tickLblPos val="nextTo"/>
-        <c:crossAx val="95665536"/>
+        <c:crossAx val="40540800"/>
         <c:crosses val="autoZero"/>
         <c:crossBetween val="between"/>
       </c:valAx>
@@ -1146,11 +1159,11 @@
           <c:showBubbleSize val="0"/>
         </c:dLbls>
         <c:gapWidth val="100"/>
-        <c:axId val="98489088"/>
-        <c:axId val="98490624"/>
+        <c:axId val="40681472"/>
+        <c:axId val="40683008"/>
       </c:barChart>
       <c:catAx>
-        <c:axId val="98489088"/>
+        <c:axId val="40681472"/>
         <c:scaling>
           <c:orientation val="minMax"/>
         </c:scaling>
@@ -1169,7 +1182,7 @@
             <a:endParaRPr lang="fr-FR"/>
           </a:p>
         </c:txPr>
-        <c:crossAx val="98490624"/>
+        <c:crossAx val="40683008"/>
         <c:crosses val="autoZero"/>
         <c:auto val="1"/>
         <c:lblAlgn val="ctr"/>
@@ -1177,7 +1190,7 @@
         <c:noMultiLvlLbl val="0"/>
       </c:catAx>
       <c:valAx>
-        <c:axId val="98490624"/>
+        <c:axId val="40683008"/>
         <c:scaling>
           <c:orientation val="minMax"/>
           <c:max val="12"/>
@@ -1190,7 +1203,7 @@
         <c:majorTickMark val="out"/>
         <c:minorTickMark val="none"/>
         <c:tickLblPos val="nextTo"/>
-        <c:crossAx val="98489088"/>
+        <c:crossAx val="40681472"/>
         <c:crosses val="autoZero"/>
         <c:crossBetween val="between"/>
       </c:valAx>
@@ -1298,7 +1311,7 @@
             <a:fld id="{D27F0A6E-5B86-4EF6-83C5-0BD3A3DA83B6}" type="datetimeFigureOut">
               <a:rPr lang="fr-FR" smtClean="0"/>
               <a:pPr/>
-              <a:t>14/12/2014</a:t>
+              <a:t>15/12/2014</a:t>
             </a:fld>
             <a:endParaRPr lang="fr-FR"/>
           </a:p>
@@ -1710,7 +1723,7 @@
           <a:p>
             <a:fld id="{9412A1D1-8C66-446D-B3B3-A88879C385FA}" type="datetime1">
               <a:rPr lang="fr-FR" smtClean="0"/>
-              <a:t>14/12/2014</a:t>
+              <a:t>15/12/2014</a:t>
             </a:fld>
             <a:endParaRPr lang="fr-FR"/>
           </a:p>
@@ -2085,7 +2098,7 @@
           <a:p>
             <a:fld id="{C15501DB-A77A-4625-8395-F77309C61A1C}" type="datetime1">
               <a:rPr lang="fr-FR" smtClean="0"/>
-              <a:t>14/12/2014</a:t>
+              <a:t>15/12/2014</a:t>
             </a:fld>
             <a:endParaRPr lang="fr-FR"/>
           </a:p>
@@ -2265,7 +2278,7 @@
           <a:p>
             <a:fld id="{2D07BBF2-E29B-4A17-BF8B-44E90D04E049}" type="datetime1">
               <a:rPr lang="fr-FR" smtClean="0"/>
-              <a:t>14/12/2014</a:t>
+              <a:t>15/12/2014</a:t>
             </a:fld>
             <a:endParaRPr lang="fr-FR"/>
           </a:p>
@@ -2505,7 +2518,7 @@
           <a:p>
             <a:fld id="{0C40AECC-2940-437D-8FB9-83BEF197BECF}" type="datetime1">
               <a:rPr lang="fr-FR" smtClean="0"/>
-              <a:t>14/12/2014</a:t>
+              <a:t>15/12/2014</a:t>
             </a:fld>
             <a:endParaRPr lang="fr-FR"/>
           </a:p>
@@ -2795,7 +2808,7 @@
           <a:p>
             <a:fld id="{E0E26395-D0D1-468A-8B92-F7D75501F986}" type="datetime1">
               <a:rPr lang="fr-FR" smtClean="0"/>
-              <a:t>14/12/2014</a:t>
+              <a:t>15/12/2014</a:t>
             </a:fld>
             <a:endParaRPr lang="fr-FR"/>
           </a:p>
@@ -3031,7 +3044,7 @@
           <a:p>
             <a:fld id="{01276086-76D7-4EEB-97B2-1BB4CD304EF7}" type="datetime1">
               <a:rPr lang="fr-FR" smtClean="0"/>
-              <a:t>14/12/2014</a:t>
+              <a:t>15/12/2014</a:t>
             </a:fld>
             <a:endParaRPr lang="fr-FR"/>
           </a:p>
@@ -3388,7 +3401,7 @@
           <a:p>
             <a:fld id="{D5BE2650-7565-47DB-B507-A23AE880A393}" type="datetime1">
               <a:rPr lang="fr-FR" smtClean="0"/>
-              <a:t>14/12/2014</a:t>
+              <a:t>15/12/2014</a:t>
             </a:fld>
             <a:endParaRPr lang="fr-FR"/>
           </a:p>
@@ -3625,7 +3638,7 @@
           <a:p>
             <a:fld id="{9B5E0AE3-DD66-4999-A6EE-7F7C4179CE32}" type="datetime1">
               <a:rPr lang="fr-FR" smtClean="0"/>
-              <a:t>14/12/2014</a:t>
+              <a:t>15/12/2014</a:t>
             </a:fld>
             <a:endParaRPr lang="fr-FR"/>
           </a:p>
@@ -3770,7 +3783,7 @@
           <a:p>
             <a:fld id="{C1690454-7951-4068-B636-23098A1CD4E7}" type="datetime1">
               <a:rPr lang="fr-FR" smtClean="0"/>
-              <a:t>14/12/2014</a:t>
+              <a:t>15/12/2014</a:t>
             </a:fld>
             <a:endParaRPr lang="fr-FR"/>
           </a:p>
@@ -4052,7 +4065,7 @@
           <a:p>
             <a:fld id="{7E61C516-2415-400F-896D-A617517EFEE3}" type="datetime1">
               <a:rPr lang="fr-FR" smtClean="0"/>
-              <a:t>14/12/2014</a:t>
+              <a:t>15/12/2014</a:t>
             </a:fld>
             <a:endParaRPr lang="fr-FR"/>
           </a:p>
@@ -4464,7 +4477,7 @@
           <a:p>
             <a:fld id="{A8BB4EBE-0302-49B1-B944-C9B4EA9E2D04}" type="datetime1">
               <a:rPr lang="fr-FR" smtClean="0"/>
-              <a:t>14/12/2014</a:t>
+              <a:t>15/12/2014</a:t>
             </a:fld>
             <a:endParaRPr lang="fr-FR"/>
           </a:p>
@@ -4807,7 +4820,7 @@
           <a:p>
             <a:fld id="{C0484D32-8F09-4A1E-B4CB-EE9CAC92F4A6}" type="datetime1">
               <a:rPr lang="fr-FR" smtClean="0"/>
-              <a:t>14/12/2014</a:t>
+              <a:t>15/12/2014</a:t>
             </a:fld>
             <a:endParaRPr lang="fr-FR"/>
           </a:p>
@@ -5362,18 +5375,46 @@
             <p:ph type="ctrTitle"/>
           </p:nvPr>
         </p:nvSpPr>
-        <p:spPr/>
+        <p:spPr>
+          <a:xfrm>
+            <a:off x="251520" y="3645024"/>
+            <a:ext cx="7825680" cy="1231776"/>
+          </a:xfrm>
+        </p:spPr>
         <p:txBody>
           <a:bodyPr>
-            <a:normAutofit fontScale="90000"/>
+            <a:noAutofit/>
           </a:bodyPr>
           <a:lstStyle/>
           <a:p>
             <a:r>
-              <a:rPr lang="fr-FR" dirty="0" smtClean="0"/>
-              <a:t>Devenez ingénieur, manager, vétérinaire, enseignant ou chercheur</a:t>
-            </a:r>
-            <a:endParaRPr lang="fr-FR" dirty="0"/>
+              <a:rPr lang="fr-FR" sz="3600" dirty="0" smtClean="0"/>
+              <a:t>Devenez </a:t>
+            </a:r>
+            <a:r>
+              <a:rPr lang="fr-FR" sz="3600" dirty="0" smtClean="0"/>
+              <a:t>ingénieur, </a:t>
+            </a:r>
+            <a:r>
+              <a:rPr lang="fr-FR" sz="3600" dirty="0" smtClean="0"/>
+              <a:t>enseignant </a:t>
+            </a:r>
+            <a:r>
+              <a:rPr lang="fr-FR" sz="3600" dirty="0" smtClean="0"/>
+              <a:t/>
+            </a:r>
+            <a:br>
+              <a:rPr lang="fr-FR" sz="3600" dirty="0" smtClean="0"/>
+            </a:br>
+            <a:r>
+              <a:rPr lang="fr-FR" sz="3600" dirty="0" smtClean="0"/>
+              <a:t>ou </a:t>
+            </a:r>
+            <a:r>
+              <a:rPr lang="fr-FR" sz="3600" dirty="0" smtClean="0"/>
+              <a:t>chercheur</a:t>
+            </a:r>
+            <a:endParaRPr lang="fr-FR" sz="3600" dirty="0"/>
           </a:p>
         </p:txBody>
       </p:sp>
@@ -5998,6 +6039,13 @@
     <a:masterClrMapping/>
   </p:clrMapOvr>
   <p:transition spd="slow"/>
+  <p:timing>
+    <p:tnLst>
+      <p:par>
+        <p:cTn id="1" dur="indefinite" restart="never" nodeType="tmRoot"/>
+      </p:par>
+    </p:tnLst>
+  </p:timing>
 </p:sld>
 </file>
 
@@ -6188,7 +6236,7 @@
             <p:ph sz="quarter" idx="1"/>
             <p:extLst>
               <p:ext uri="{D42A27DB-BD31-4B8C-83A1-F6EECF244321}">
-                <p14:modId xmlns:p14="http://schemas.microsoft.com/office/powerpoint/2010/main" val="2225978901"/>
+                <p14:modId xmlns:p14="http://schemas.microsoft.com/office/powerpoint/2010/main" val="1494435750"/>
               </p:ext>
             </p:extLst>
           </p:nvPr>
@@ -6526,7 +6574,7 @@
           <p:nvPr>
             <p:extLst>
               <p:ext uri="{D42A27DB-BD31-4B8C-83A1-F6EECF244321}">
-                <p14:modId xmlns:p14="http://schemas.microsoft.com/office/powerpoint/2010/main" val="607418616"/>
+                <p14:modId xmlns:p14="http://schemas.microsoft.com/office/powerpoint/2010/main" val="321100743"/>
               </p:ext>
             </p:extLst>
           </p:nvPr>
@@ -6576,6 +6624,13 @@
   <p:clrMapOvr>
     <a:masterClrMapping/>
   </p:clrMapOvr>
+  <p:timing>
+    <p:tnLst>
+      <p:par>
+        <p:cTn id="1" dur="indefinite" restart="never" nodeType="tmRoot"/>
+      </p:par>
+    </p:tnLst>
+  </p:timing>
 </p:sld>
 </file>
 
@@ -6811,7 +6866,12 @@
             <p:ph sz="quarter" idx="1"/>
           </p:nvPr>
         </p:nvSpPr>
-        <p:spPr/>
+        <p:spPr>
+          <a:xfrm>
+            <a:off x="457200" y="1219200"/>
+            <a:ext cx="8229600" cy="5378152"/>
+          </a:xfrm>
+        </p:spPr>
         <p:txBody>
           <a:bodyPr>
             <a:normAutofit fontScale="77500" lnSpcReduction="20000"/>
@@ -6886,6 +6946,10 @@
             </a:r>
           </a:p>
           <a:p>
+            <a:pPr lvl="2"/>
+            <a:endParaRPr lang="fr-FR" dirty="0" smtClean="0"/>
+          </a:p>
+          <a:p>
             <a:r>
               <a:rPr lang="fr-FR" dirty="0" smtClean="0"/>
               <a:t>Profil « Biologie – Chimie »</a:t>
@@ -6897,6 +6961,10 @@
               <a:rPr lang="fr-FR" dirty="0" smtClean="0"/>
               <a:t>BCPST</a:t>
             </a:r>
+          </a:p>
+          <a:p>
+            <a:pPr lvl="1"/>
+            <a:endParaRPr lang="fr-FR" dirty="0" smtClean="0"/>
           </a:p>
           <a:p>
             <a:r>
@@ -6984,6 +7052,13 @@
   <p:clrMapOvr>
     <a:masterClrMapping/>
   </p:clrMapOvr>
+  <p:timing>
+    <p:tnLst>
+      <p:par>
+        <p:cTn id="1" dur="indefinite" restart="never" nodeType="tmRoot"/>
+      </p:par>
+    </p:tnLst>
+  </p:timing>
 </p:sld>
 </file>
 
@@ -8008,6 +8083,13 @@
   <p:clrMapOvr>
     <a:masterClrMapping/>
   </p:clrMapOvr>
+  <p:timing>
+    <p:tnLst>
+      <p:par>
+        <p:cTn id="1" dur="indefinite" restart="never" nodeType="tmRoot"/>
+      </p:par>
+    </p:tnLst>
+  </p:timing>
 </p:sld>
 </file>
 
@@ -8055,54 +8137,6 @@
       </p:sp>
       <p:sp>
         <p:nvSpPr>
-          <p:cNvPr id="3" name="Espace réservé du contenu 2"/>
-          <p:cNvSpPr>
-            <a:spLocks noGrp="1"/>
-          </p:cNvSpPr>
-          <p:nvPr>
-            <p:ph sz="quarter" idx="1"/>
-          </p:nvPr>
-        </p:nvSpPr>
-        <p:spPr>
-          <a:xfrm>
-            <a:off x="4572000" y="1268760"/>
-            <a:ext cx="4114800" cy="4937760"/>
-          </a:xfrm>
-        </p:spPr>
-        <p:txBody>
-          <a:bodyPr>
-            <a:normAutofit/>
-          </a:bodyPr>
-          <a:lstStyle/>
-          <a:p>
-            <a:r>
-              <a:rPr lang="fr-FR" sz="1800" dirty="0" smtClean="0"/>
-              <a:t>ECS</a:t>
-            </a:r>
-          </a:p>
-          <a:p>
-            <a:pPr lvl="1"/>
-            <a:r>
-              <a:rPr lang="fr-FR" sz="1600" dirty="0" smtClean="0"/>
-              <a:t>Lycée Dumont D'Urville à Toulon</a:t>
-            </a:r>
-          </a:p>
-          <a:p>
-            <a:pPr lvl="2"/>
-            <a:r>
-              <a:rPr lang="fr-FR" sz="1400" dirty="0" smtClean="0">
-                <a:solidFill>
-                  <a:srgbClr val="FF0000"/>
-                </a:solidFill>
-              </a:rPr>
-              <a:t>PO le </a:t>
-            </a:r>
-            <a:endParaRPr lang="fr-FR" sz="1300" dirty="0" smtClean="0"/>
-          </a:p>
-        </p:txBody>
-      </p:sp>
-      <p:sp>
-        <p:nvSpPr>
           <p:cNvPr id="5" name="Espace réservé du pied de page 4"/>
           <p:cNvSpPr>
             <a:spLocks noGrp="1"/>
@@ -8159,7 +8193,7 @@
         <p:spPr>
           <a:xfrm>
             <a:off x="609600" y="1371600"/>
-            <a:ext cx="4114800" cy="4937760"/>
+            <a:ext cx="7562800" cy="4937760"/>
           </a:xfrm>
           <a:prstGeom prst="rect">
             <a:avLst/>
@@ -8379,33 +8413,9 @@
           <a:p>
             <a:r>
               <a:rPr lang="fr-FR" dirty="0" smtClean="0"/>
-              <a:t>MPSI</a:t>
-            </a:r>
-          </a:p>
-          <a:p>
-            <a:pPr lvl="1"/>
-            <a:r>
-              <a:rPr lang="fr-FR" dirty="0" smtClean="0"/>
-              <a:t>Lycée Dumont D'Urville à Toulon</a:t>
-            </a:r>
-          </a:p>
-          <a:p>
-            <a:pPr lvl="2"/>
-            <a:r>
-              <a:rPr lang="fr-FR" dirty="0" smtClean="0">
-                <a:solidFill>
-                  <a:srgbClr val="FF0000"/>
-                </a:solidFill>
-              </a:rPr>
-              <a:t>PO le 24/01/2015</a:t>
+              <a:t>PCSI – MPSI</a:t>
             </a:r>
             <a:endParaRPr lang="fr-FR" dirty="0" smtClean="0"/>
-          </a:p>
-          <a:p>
-            <a:r>
-              <a:rPr lang="fr-FR" dirty="0" smtClean="0"/>
-              <a:t>PCSI</a:t>
-            </a:r>
           </a:p>
           <a:p>
             <a:pPr lvl="1"/>
@@ -8423,6 +8433,51 @@
                 </a:solidFill>
               </a:rPr>
               <a:t>PO le </a:t>
+            </a:r>
+            <a:r>
+              <a:rPr lang="fr-FR" dirty="0" smtClean="0">
+                <a:solidFill>
+                  <a:srgbClr val="FF0000"/>
+                </a:solidFill>
+              </a:rPr>
+              <a:t>17/01/2015</a:t>
+            </a:r>
+            <a:endParaRPr lang="fr-FR" dirty="0" smtClean="0"/>
+          </a:p>
+          <a:p>
+            <a:r>
+              <a:rPr lang="fr-FR" dirty="0" smtClean="0"/>
+              <a:t>Rencontre avec les élèves de prépa</a:t>
+            </a:r>
+          </a:p>
+          <a:p>
+            <a:pPr lvl="1"/>
+            <a:r>
+              <a:rPr lang="fr-FR" dirty="0" smtClean="0"/>
+              <a:t>Lycée </a:t>
+            </a:r>
+            <a:r>
+              <a:rPr lang="fr-FR" dirty="0" smtClean="0"/>
+              <a:t>Dumont D'Urville à Toulon</a:t>
+            </a:r>
+          </a:p>
+          <a:p>
+            <a:pPr lvl="2"/>
+            <a:r>
+              <a:rPr lang="fr-FR" dirty="0" smtClean="0">
+                <a:solidFill>
+                  <a:srgbClr val="FF0000"/>
+                </a:solidFill>
+              </a:rPr>
+              <a:t>Le Mercredi 13/01/2015</a:t>
+            </a:r>
+            <a:r>
+              <a:rPr lang="fr-FR" dirty="0" smtClean="0">
+                <a:solidFill>
+                  <a:srgbClr val="FF0000"/>
+                </a:solidFill>
+              </a:rPr>
+              <a:t> </a:t>
             </a:r>
             <a:endParaRPr lang="fr-FR" dirty="0" smtClean="0"/>
           </a:p>
@@ -9093,6 +9148,13 @@
   <p:clrMapOvr>
     <a:masterClrMapping/>
   </p:clrMapOvr>
+  <p:timing>
+    <p:tnLst>
+      <p:par>
+        <p:cTn id="1" dur="indefinite" restart="never" nodeType="tmRoot"/>
+      </p:par>
+    </p:tnLst>
+  </p:timing>
 </p:sld>
 </file>
 
@@ -9418,6 +9480,13 @@
   <p:clrMapOvr>
     <a:masterClrMapping/>
   </p:clrMapOvr>
+  <p:timing>
+    <p:tnLst>
+      <p:par>
+        <p:cTn id="1" dur="indefinite" restart="never" nodeType="tmRoot"/>
+      </p:par>
+    </p:tnLst>
+  </p:timing>
 </p:sld>
 </file>
 
@@ -9846,11 +9915,7 @@
             <a:pPr lvl="1"/>
             <a:r>
               <a:rPr lang="fr-FR" dirty="0" smtClean="0"/>
-              <a:t>Pierrick </a:t>
-            </a:r>
-            <a:r>
-              <a:rPr lang="fr-FR" dirty="0" smtClean="0"/>
-              <a:t>Pupier – PT – ENSAM – Ingénieur Travaux Public </a:t>
+              <a:t>Pierrick Pupier – PT – ENSAM – Ingénieur Travaux Public </a:t>
             </a:r>
           </a:p>
           <a:p>
@@ -9973,6 +10038,1227 @@
   <p:clrMapOvr>
     <a:masterClrMapping/>
   </p:clrMapOvr>
+</p:sld>
+</file>
+
+<file path=ppt/slides/slide27.xml><?xml version="1.0" encoding="utf-8"?>
+<p:sld xmlns:a="http://schemas.openxmlformats.org/drawingml/2006/main" xmlns:r="http://schemas.openxmlformats.org/officeDocument/2006/relationships" xmlns:p="http://schemas.openxmlformats.org/presentationml/2006/main">
+  <p:cSld>
+    <p:spTree>
+      <p:nvGrpSpPr>
+        <p:cNvPr id="1" name=""/>
+        <p:cNvGrpSpPr/>
+        <p:nvPr/>
+      </p:nvGrpSpPr>
+      <p:grpSpPr>
+        <a:xfrm>
+          <a:off x="0" y="0"/>
+          <a:ext cx="0" cy="0"/>
+          <a:chOff x="0" y="0"/>
+          <a:chExt cx="0" cy="0"/>
+        </a:xfrm>
+      </p:grpSpPr>
+      <p:sp>
+        <p:nvSpPr>
+          <p:cNvPr id="2" name="Titre 1"/>
+          <p:cNvSpPr>
+            <a:spLocks noGrp="1"/>
+          </p:cNvSpPr>
+          <p:nvPr>
+            <p:ph type="title"/>
+          </p:nvPr>
+        </p:nvSpPr>
+        <p:spPr/>
+        <p:txBody>
+          <a:bodyPr/>
+          <a:lstStyle/>
+          <a:p>
+            <a:r>
+              <a:rPr lang="fr-FR" dirty="0" smtClean="0"/>
+              <a:t>Quelle prépa pour quelle école ?</a:t>
+            </a:r>
+            <a:endParaRPr lang="fr-FR" dirty="0"/>
+          </a:p>
+        </p:txBody>
+      </p:sp>
+      <p:sp>
+        <p:nvSpPr>
+          <p:cNvPr id="3" name="Espace réservé du pied de page 2"/>
+          <p:cNvSpPr>
+            <a:spLocks noGrp="1"/>
+          </p:cNvSpPr>
+          <p:nvPr>
+            <p:ph type="ftr" sz="quarter" idx="11"/>
+          </p:nvPr>
+        </p:nvSpPr>
+        <p:spPr/>
+        <p:txBody>
+          <a:bodyPr/>
+          <a:lstStyle/>
+          <a:p>
+            <a:r>
+              <a:rPr lang="fr-FR" smtClean="0"/>
+              <a:t>Présentation des CPGE - Institution Sainte-Marie - 15/12/2014</a:t>
+            </a:r>
+            <a:endParaRPr lang="fr-FR" dirty="0"/>
+          </a:p>
+        </p:txBody>
+      </p:sp>
+      <p:sp>
+        <p:nvSpPr>
+          <p:cNvPr id="5" name="Rectangle 4"/>
+          <p:cNvSpPr/>
+          <p:nvPr/>
+        </p:nvSpPr>
+        <p:spPr>
+          <a:xfrm>
+            <a:off x="225922" y="5805264"/>
+            <a:ext cx="8666558" cy="432048"/>
+          </a:xfrm>
+          <a:prstGeom prst="rect">
+            <a:avLst/>
+          </a:prstGeom>
+        </p:spPr>
+        <p:style>
+          <a:lnRef idx="2">
+            <a:schemeClr val="accent1">
+              <a:shade val="50000"/>
+            </a:schemeClr>
+          </a:lnRef>
+          <a:fillRef idx="1">
+            <a:schemeClr val="accent1"/>
+          </a:fillRef>
+          <a:effectRef idx="0">
+            <a:schemeClr val="accent1"/>
+          </a:effectRef>
+          <a:fontRef idx="minor">
+            <a:schemeClr val="lt1"/>
+          </a:fontRef>
+        </p:style>
+        <p:txBody>
+          <a:bodyPr rtlCol="0" anchor="ctr"/>
+          <a:lstStyle/>
+          <a:p>
+            <a:pPr algn="ctr"/>
+            <a:r>
+              <a:rPr lang="fr-FR" sz="1600" b="1" dirty="0" smtClean="0"/>
+              <a:t>Baccalauréat Scientifique</a:t>
+            </a:r>
+            <a:endParaRPr lang="fr-FR" sz="1600" b="1" dirty="0"/>
+          </a:p>
+        </p:txBody>
+      </p:sp>
+      <p:sp>
+        <p:nvSpPr>
+          <p:cNvPr id="6" name="Rectangle 5"/>
+          <p:cNvSpPr/>
+          <p:nvPr/>
+        </p:nvSpPr>
+        <p:spPr>
+          <a:xfrm>
+            <a:off x="225922" y="5181298"/>
+            <a:ext cx="3625998" cy="440784"/>
+          </a:xfrm>
+          <a:prstGeom prst="rect">
+            <a:avLst/>
+          </a:prstGeom>
+        </p:spPr>
+        <p:style>
+          <a:lnRef idx="2">
+            <a:schemeClr val="accent5">
+              <a:shade val="50000"/>
+            </a:schemeClr>
+          </a:lnRef>
+          <a:fillRef idx="1">
+            <a:schemeClr val="accent5"/>
+          </a:fillRef>
+          <a:effectRef idx="0">
+            <a:schemeClr val="accent5"/>
+          </a:effectRef>
+          <a:fontRef idx="minor">
+            <a:schemeClr val="lt1"/>
+          </a:fontRef>
+        </p:style>
+        <p:txBody>
+          <a:bodyPr rtlCol="0" anchor="ctr"/>
+          <a:lstStyle/>
+          <a:p>
+            <a:pPr algn="ctr"/>
+            <a:r>
+              <a:rPr lang="fr-FR" sz="1400" b="1" dirty="0" smtClean="0"/>
+              <a:t>PTSI – PCSI – MPSI</a:t>
+            </a:r>
+            <a:endParaRPr lang="fr-FR" sz="1400" b="1" dirty="0"/>
+          </a:p>
+        </p:txBody>
+      </p:sp>
+      <p:sp>
+        <p:nvSpPr>
+          <p:cNvPr id="7" name="Rectangle 6"/>
+          <p:cNvSpPr/>
+          <p:nvPr/>
+        </p:nvSpPr>
+        <p:spPr>
+          <a:xfrm>
+            <a:off x="4290122" y="5181298"/>
+            <a:ext cx="1866054" cy="440784"/>
+          </a:xfrm>
+          <a:prstGeom prst="rect">
+            <a:avLst/>
+          </a:prstGeom>
+        </p:spPr>
+        <p:style>
+          <a:lnRef idx="2">
+            <a:schemeClr val="accent5">
+              <a:shade val="50000"/>
+            </a:schemeClr>
+          </a:lnRef>
+          <a:fillRef idx="1">
+            <a:schemeClr val="accent5"/>
+          </a:fillRef>
+          <a:effectRef idx="0">
+            <a:schemeClr val="accent5"/>
+          </a:effectRef>
+          <a:fontRef idx="minor">
+            <a:schemeClr val="lt1"/>
+          </a:fontRef>
+        </p:style>
+        <p:txBody>
+          <a:bodyPr rtlCol="0" anchor="ctr"/>
+          <a:lstStyle/>
+          <a:p>
+            <a:pPr algn="ctr"/>
+            <a:r>
+              <a:rPr lang="fr-FR" sz="1400" b="1" dirty="0" smtClean="0"/>
+              <a:t>BCPST</a:t>
+            </a:r>
+            <a:endParaRPr lang="fr-FR" sz="1400" b="1" dirty="0"/>
+          </a:p>
+        </p:txBody>
+      </p:sp>
+      <p:sp>
+        <p:nvSpPr>
+          <p:cNvPr id="8" name="Rectangle 7"/>
+          <p:cNvSpPr/>
+          <p:nvPr/>
+        </p:nvSpPr>
+        <p:spPr>
+          <a:xfrm>
+            <a:off x="6706642" y="5181298"/>
+            <a:ext cx="2185838" cy="440784"/>
+          </a:xfrm>
+          <a:prstGeom prst="rect">
+            <a:avLst/>
+          </a:prstGeom>
+        </p:spPr>
+        <p:style>
+          <a:lnRef idx="2">
+            <a:schemeClr val="accent5">
+              <a:shade val="50000"/>
+            </a:schemeClr>
+          </a:lnRef>
+          <a:fillRef idx="1">
+            <a:schemeClr val="accent5"/>
+          </a:fillRef>
+          <a:effectRef idx="0">
+            <a:schemeClr val="accent5"/>
+          </a:effectRef>
+          <a:fontRef idx="minor">
+            <a:schemeClr val="lt1"/>
+          </a:fontRef>
+        </p:style>
+        <p:txBody>
+          <a:bodyPr rtlCol="0" anchor="ctr"/>
+          <a:lstStyle/>
+          <a:p>
+            <a:pPr algn="ctr"/>
+            <a:r>
+              <a:rPr lang="fr-FR" sz="1400" b="1" dirty="0" smtClean="0"/>
+              <a:t>Prépa EC</a:t>
+            </a:r>
+            <a:endParaRPr lang="fr-FR" sz="1400" b="1" dirty="0"/>
+          </a:p>
+        </p:txBody>
+      </p:sp>
+      <p:sp>
+        <p:nvSpPr>
+          <p:cNvPr id="10" name="Espace réservé du contenu 8"/>
+          <p:cNvSpPr txBox="1">
+            <a:spLocks/>
+          </p:cNvSpPr>
+          <p:nvPr/>
+        </p:nvSpPr>
+        <p:spPr>
+          <a:xfrm>
+            <a:off x="256738" y="1999469"/>
+            <a:ext cx="3595182" cy="2295912"/>
+          </a:xfrm>
+          <a:prstGeom prst="rect">
+            <a:avLst/>
+          </a:prstGeom>
+        </p:spPr>
+        <p:style>
+          <a:lnRef idx="2">
+            <a:schemeClr val="accent3">
+              <a:shade val="50000"/>
+            </a:schemeClr>
+          </a:lnRef>
+          <a:fillRef idx="1">
+            <a:schemeClr val="accent3"/>
+          </a:fillRef>
+          <a:effectRef idx="0">
+            <a:schemeClr val="accent3"/>
+          </a:effectRef>
+          <a:fontRef idx="minor">
+            <a:schemeClr val="lt1"/>
+          </a:fontRef>
+        </p:style>
+        <p:txBody>
+          <a:bodyPr rot="0" spcFirstLastPara="0" vertOverflow="overflow" horzOverflow="overflow" vert="horz" wrap="square" lIns="91440" tIns="45720" rIns="91440" bIns="45720" numCol="1" spcCol="0" rtlCol="0" fromWordArt="0" anchor="ctr" anchorCtr="0" forceAA="0" compatLnSpc="1">
+            <a:prstTxWarp prst="textNoShape">
+              <a:avLst/>
+            </a:prstTxWarp>
+            <a:noAutofit/>
+          </a:bodyPr>
+          <a:lstStyle>
+            <a:lvl1pPr marL="274320" indent="-274320" algn="l" rtl="0" eaLnBrk="1" latinLnBrk="0" hangingPunct="1">
+              <a:spcBef>
+                <a:spcPts val="600"/>
+              </a:spcBef>
+              <a:buClr>
+                <a:schemeClr val="accent1"/>
+              </a:buClr>
+              <a:buSzPct val="76000"/>
+              <a:buFont typeface="Wingdings 3"/>
+              <a:buChar char=""/>
+              <a:defRPr kumimoji="0" sz="2600" kern="1200">
+                <a:solidFill>
+                  <a:schemeClr val="lt1"/>
+                </a:solidFill>
+                <a:latin typeface="+mn-lt"/>
+                <a:ea typeface="+mn-ea"/>
+                <a:cs typeface="+mn-cs"/>
+              </a:defRPr>
+            </a:lvl1pPr>
+            <a:lvl2pPr marL="548640" indent="-274320" algn="l" rtl="0" eaLnBrk="1" latinLnBrk="0" hangingPunct="1">
+              <a:spcBef>
+                <a:spcPts val="500"/>
+              </a:spcBef>
+              <a:buClr>
+                <a:schemeClr val="accent2"/>
+              </a:buClr>
+              <a:buSzPct val="76000"/>
+              <a:buFont typeface="Wingdings 3"/>
+              <a:buChar char=""/>
+              <a:defRPr kumimoji="0" sz="2300" kern="1200">
+                <a:solidFill>
+                  <a:schemeClr val="lt1"/>
+                </a:solidFill>
+                <a:latin typeface="+mn-lt"/>
+                <a:ea typeface="+mn-ea"/>
+                <a:cs typeface="+mn-cs"/>
+              </a:defRPr>
+            </a:lvl2pPr>
+            <a:lvl3pPr marL="822960" indent="-228600" algn="l" rtl="0" eaLnBrk="1" latinLnBrk="0" hangingPunct="1">
+              <a:spcBef>
+                <a:spcPts val="500"/>
+              </a:spcBef>
+              <a:buClr>
+                <a:schemeClr val="bg1">
+                  <a:shade val="50000"/>
+                </a:schemeClr>
+              </a:buClr>
+              <a:buSzPct val="76000"/>
+              <a:buFont typeface="Wingdings 3"/>
+              <a:buChar char=""/>
+              <a:defRPr kumimoji="0" sz="2000" kern="1200">
+                <a:solidFill>
+                  <a:schemeClr val="lt1"/>
+                </a:solidFill>
+                <a:latin typeface="+mn-lt"/>
+                <a:ea typeface="+mn-ea"/>
+                <a:cs typeface="+mn-cs"/>
+              </a:defRPr>
+            </a:lvl3pPr>
+            <a:lvl4pPr marL="1097280" indent="-228600" algn="l" rtl="0" eaLnBrk="1" latinLnBrk="0" hangingPunct="1">
+              <a:spcBef>
+                <a:spcPts val="400"/>
+              </a:spcBef>
+              <a:buClr>
+                <a:schemeClr val="accent2">
+                  <a:shade val="75000"/>
+                </a:schemeClr>
+              </a:buClr>
+              <a:buSzPct val="70000"/>
+              <a:buFont typeface="Wingdings"/>
+              <a:buChar char=""/>
+              <a:defRPr kumimoji="0" sz="1800" kern="1200">
+                <a:solidFill>
+                  <a:schemeClr val="lt1"/>
+                </a:solidFill>
+                <a:latin typeface="+mn-lt"/>
+                <a:ea typeface="+mn-ea"/>
+                <a:cs typeface="+mn-cs"/>
+              </a:defRPr>
+            </a:lvl4pPr>
+            <a:lvl5pPr marL="1371600" indent="-228600" algn="l" rtl="0" eaLnBrk="1" latinLnBrk="0" hangingPunct="1">
+              <a:spcBef>
+                <a:spcPts val="300"/>
+              </a:spcBef>
+              <a:buClr>
+                <a:schemeClr val="accent2"/>
+              </a:buClr>
+              <a:buSzPct val="70000"/>
+              <a:buFont typeface="Wingdings"/>
+              <a:buChar char=""/>
+              <a:defRPr kumimoji="0" sz="1600" kern="1200">
+                <a:solidFill>
+                  <a:schemeClr val="lt1"/>
+                </a:solidFill>
+                <a:latin typeface="+mn-lt"/>
+                <a:ea typeface="+mn-ea"/>
+                <a:cs typeface="+mn-cs"/>
+              </a:defRPr>
+            </a:lvl5pPr>
+            <a:lvl6pPr marL="1645920" indent="-182880" algn="l" rtl="0" eaLnBrk="1" latinLnBrk="0" hangingPunct="1">
+              <a:spcBef>
+                <a:spcPts val="300"/>
+              </a:spcBef>
+              <a:buClr>
+                <a:srgbClr val="9FB8CD">
+                  <a:shade val="75000"/>
+                </a:srgbClr>
+              </a:buClr>
+              <a:buSzPct val="75000"/>
+              <a:buFont typeface="Wingdings 3"/>
+              <a:buChar char=""/>
+              <a:defRPr kumimoji="0" lang="en-US" sz="1600" kern="1200" smtClean="0">
+                <a:solidFill>
+                  <a:schemeClr val="lt1"/>
+                </a:solidFill>
+                <a:latin typeface="+mn-lt"/>
+                <a:ea typeface="+mn-ea"/>
+                <a:cs typeface="+mn-cs"/>
+              </a:defRPr>
+            </a:lvl6pPr>
+            <a:lvl7pPr marL="1828800" indent="-182880" algn="l" rtl="0" eaLnBrk="1" latinLnBrk="0" hangingPunct="1">
+              <a:spcBef>
+                <a:spcPts val="300"/>
+              </a:spcBef>
+              <a:buClr>
+                <a:srgbClr val="727CA3">
+                  <a:shade val="75000"/>
+                </a:srgbClr>
+              </a:buClr>
+              <a:buSzPct val="75000"/>
+              <a:buFont typeface="Wingdings 3"/>
+              <a:buChar char=""/>
+              <a:defRPr kumimoji="0" lang="en-US" sz="1400" kern="1200" smtClean="0">
+                <a:solidFill>
+                  <a:schemeClr val="lt1"/>
+                </a:solidFill>
+                <a:latin typeface="+mn-lt"/>
+                <a:ea typeface="+mn-ea"/>
+                <a:cs typeface="+mn-cs"/>
+              </a:defRPr>
+            </a:lvl7pPr>
+            <a:lvl8pPr marL="2011680" indent="-182880" algn="l" rtl="0" eaLnBrk="1" latinLnBrk="0" hangingPunct="1">
+              <a:spcBef>
+                <a:spcPts val="300"/>
+              </a:spcBef>
+              <a:buClr>
+                <a:prstClr val="white">
+                  <a:shade val="50000"/>
+                </a:prstClr>
+              </a:buClr>
+              <a:buSzPct val="75000"/>
+              <a:buFont typeface="Wingdings 3"/>
+              <a:buChar char=""/>
+              <a:defRPr kumimoji="0" lang="en-US" sz="1400" kern="1200" smtClean="0">
+                <a:solidFill>
+                  <a:schemeClr val="lt1"/>
+                </a:solidFill>
+                <a:latin typeface="+mn-lt"/>
+                <a:ea typeface="+mn-ea"/>
+                <a:cs typeface="+mn-cs"/>
+              </a:defRPr>
+            </a:lvl8pPr>
+            <a:lvl9pPr marL="2194560" indent="-182880" algn="l" rtl="0" eaLnBrk="1" latinLnBrk="0" hangingPunct="1">
+              <a:spcBef>
+                <a:spcPts val="300"/>
+              </a:spcBef>
+              <a:buClr>
+                <a:srgbClr val="9FB8CD"/>
+              </a:buClr>
+              <a:buSzPct val="75000"/>
+              <a:buFont typeface="Wingdings 3"/>
+              <a:buChar char=""/>
+              <a:defRPr kumimoji="0" lang="en-US" sz="1200" kern="1200" smtClean="0">
+                <a:solidFill>
+                  <a:schemeClr val="lt1"/>
+                </a:solidFill>
+                <a:latin typeface="+mn-lt"/>
+                <a:ea typeface="+mn-ea"/>
+                <a:cs typeface="+mn-cs"/>
+              </a:defRPr>
+            </a:lvl9pPr>
+          </a:lstStyle>
+          <a:p>
+            <a:pPr marL="0" indent="0" algn="ctr">
+              <a:buFont typeface="Wingdings 3"/>
+              <a:buNone/>
+            </a:pPr>
+            <a:r>
+              <a:rPr lang="fr-FR" sz="1600" b="1" dirty="0" smtClean="0"/>
+              <a:t>Écoles d’ingénieur</a:t>
+            </a:r>
+          </a:p>
+          <a:p>
+            <a:pPr marL="0" indent="0" algn="ctr">
+              <a:buNone/>
+            </a:pPr>
+            <a:r>
+              <a:rPr lang="fr-FR" sz="1600" b="1" dirty="0"/>
+              <a:t>Polytechnique, Centrale, Mines, Ponts, Arts et Métiers Paris Tech, ENSI …</a:t>
+            </a:r>
+          </a:p>
+          <a:p>
+            <a:pPr marL="0" indent="0" algn="ctr">
+              <a:buNone/>
+            </a:pPr>
+            <a:r>
+              <a:rPr lang="fr-FR" sz="1600" b="1" dirty="0" smtClean="0"/>
+              <a:t>Écoles </a:t>
+            </a:r>
+            <a:r>
+              <a:rPr lang="fr-FR" sz="1600" b="1" dirty="0"/>
+              <a:t>Normales Supérieures</a:t>
+            </a:r>
+          </a:p>
+          <a:p>
+            <a:pPr marL="0" indent="0" algn="ctr">
+              <a:buNone/>
+            </a:pPr>
+            <a:r>
+              <a:rPr lang="fr-FR" sz="1600" b="1" dirty="0"/>
+              <a:t>Écoles </a:t>
+            </a:r>
+            <a:r>
+              <a:rPr lang="fr-FR" sz="1600" b="1" dirty="0" smtClean="0"/>
+              <a:t>d’ingénieur</a:t>
+            </a:r>
+          </a:p>
+          <a:p>
+            <a:pPr marL="0" indent="0" algn="ctr">
+              <a:buNone/>
+            </a:pPr>
+            <a:r>
+              <a:rPr lang="fr-FR" sz="1600" b="1" dirty="0" smtClean="0"/>
+              <a:t> </a:t>
+            </a:r>
+            <a:endParaRPr lang="fr-FR" sz="1600" b="1" dirty="0"/>
+          </a:p>
+          <a:p>
+            <a:pPr marL="0" indent="0" algn="ctr">
+              <a:buNone/>
+            </a:pPr>
+            <a:r>
+              <a:rPr lang="fr-FR" sz="1600" b="1" dirty="0"/>
+              <a:t>(Chimie Paris, ESPCI, Réseau </a:t>
+            </a:r>
+            <a:r>
+              <a:rPr lang="fr-FR" sz="1600" b="1" dirty="0" err="1"/>
+              <a:t>Polytech</a:t>
+            </a:r>
+            <a:r>
+              <a:rPr lang="fr-FR" sz="1600" b="1" dirty="0"/>
+              <a:t> …)</a:t>
+            </a:r>
+          </a:p>
+          <a:p>
+            <a:pPr marL="0" indent="0" algn="ctr">
+              <a:buFont typeface="Wingdings 3"/>
+              <a:buNone/>
+            </a:pPr>
+            <a:endParaRPr lang="fr-FR" sz="1600" b="1" dirty="0" smtClean="0"/>
+          </a:p>
+        </p:txBody>
+      </p:sp>
+      <p:sp>
+        <p:nvSpPr>
+          <p:cNvPr id="11" name="Rectangle 10"/>
+          <p:cNvSpPr/>
+          <p:nvPr/>
+        </p:nvSpPr>
+        <p:spPr>
+          <a:xfrm>
+            <a:off x="225922" y="4581128"/>
+            <a:ext cx="3625998" cy="440784"/>
+          </a:xfrm>
+          <a:prstGeom prst="rect">
+            <a:avLst/>
+          </a:prstGeom>
+        </p:spPr>
+        <p:style>
+          <a:lnRef idx="2">
+            <a:schemeClr val="accent2">
+              <a:shade val="50000"/>
+            </a:schemeClr>
+          </a:lnRef>
+          <a:fillRef idx="1">
+            <a:schemeClr val="accent2"/>
+          </a:fillRef>
+          <a:effectRef idx="0">
+            <a:schemeClr val="accent2"/>
+          </a:effectRef>
+          <a:fontRef idx="minor">
+            <a:schemeClr val="lt1"/>
+          </a:fontRef>
+        </p:style>
+        <p:txBody>
+          <a:bodyPr rtlCol="0" anchor="ctr"/>
+          <a:lstStyle/>
+          <a:p>
+            <a:pPr algn="ctr"/>
+            <a:r>
+              <a:rPr lang="fr-FR" sz="1400" b="1" dirty="0" smtClean="0"/>
+              <a:t>Concours spécifiques</a:t>
+            </a:r>
+            <a:endParaRPr lang="fr-FR" sz="1400" b="1" dirty="0"/>
+          </a:p>
+        </p:txBody>
+      </p:sp>
+      <p:sp>
+        <p:nvSpPr>
+          <p:cNvPr id="13" name="Rectangle 12"/>
+          <p:cNvSpPr/>
+          <p:nvPr/>
+        </p:nvSpPr>
+        <p:spPr>
+          <a:xfrm>
+            <a:off x="4283967" y="4581128"/>
+            <a:ext cx="1885007" cy="440784"/>
+          </a:xfrm>
+          <a:prstGeom prst="rect">
+            <a:avLst/>
+          </a:prstGeom>
+        </p:spPr>
+        <p:style>
+          <a:lnRef idx="2">
+            <a:schemeClr val="accent2">
+              <a:shade val="50000"/>
+            </a:schemeClr>
+          </a:lnRef>
+          <a:fillRef idx="1">
+            <a:schemeClr val="accent2"/>
+          </a:fillRef>
+          <a:effectRef idx="0">
+            <a:schemeClr val="accent2"/>
+          </a:effectRef>
+          <a:fontRef idx="minor">
+            <a:schemeClr val="lt1"/>
+          </a:fontRef>
+        </p:style>
+        <p:txBody>
+          <a:bodyPr rtlCol="0" anchor="ctr"/>
+          <a:lstStyle/>
+          <a:p>
+            <a:pPr algn="ctr"/>
+            <a:r>
+              <a:rPr lang="fr-FR" sz="1400" b="1" dirty="0" smtClean="0"/>
+              <a:t>Concours spécifiques</a:t>
+            </a:r>
+            <a:endParaRPr lang="fr-FR" sz="1400" b="1" dirty="0"/>
+          </a:p>
+        </p:txBody>
+      </p:sp>
+      <p:sp>
+        <p:nvSpPr>
+          <p:cNvPr id="14" name="Rectangle 13"/>
+          <p:cNvSpPr/>
+          <p:nvPr/>
+        </p:nvSpPr>
+        <p:spPr>
+          <a:xfrm>
+            <a:off x="6706642" y="4581128"/>
+            <a:ext cx="2185838" cy="440784"/>
+          </a:xfrm>
+          <a:prstGeom prst="rect">
+            <a:avLst/>
+          </a:prstGeom>
+        </p:spPr>
+        <p:style>
+          <a:lnRef idx="2">
+            <a:schemeClr val="accent2">
+              <a:shade val="50000"/>
+            </a:schemeClr>
+          </a:lnRef>
+          <a:fillRef idx="1">
+            <a:schemeClr val="accent2"/>
+          </a:fillRef>
+          <a:effectRef idx="0">
+            <a:schemeClr val="accent2"/>
+          </a:effectRef>
+          <a:fontRef idx="minor">
+            <a:schemeClr val="lt1"/>
+          </a:fontRef>
+        </p:style>
+        <p:txBody>
+          <a:bodyPr rtlCol="0" anchor="ctr"/>
+          <a:lstStyle/>
+          <a:p>
+            <a:pPr algn="ctr"/>
+            <a:r>
+              <a:rPr lang="fr-FR" sz="1400" b="1" dirty="0" smtClean="0"/>
+              <a:t>Concours spécifiques</a:t>
+            </a:r>
+            <a:endParaRPr lang="fr-FR" sz="1400" b="1" dirty="0"/>
+          </a:p>
+        </p:txBody>
+      </p:sp>
+      <p:sp>
+        <p:nvSpPr>
+          <p:cNvPr id="15" name="Espace réservé du contenu 8"/>
+          <p:cNvSpPr txBox="1">
+            <a:spLocks/>
+          </p:cNvSpPr>
+          <p:nvPr/>
+        </p:nvSpPr>
+        <p:spPr>
+          <a:xfrm>
+            <a:off x="4283968" y="1999469"/>
+            <a:ext cx="1872208" cy="2295912"/>
+          </a:xfrm>
+          <a:prstGeom prst="rect">
+            <a:avLst/>
+          </a:prstGeom>
+        </p:spPr>
+        <p:style>
+          <a:lnRef idx="2">
+            <a:schemeClr val="accent3">
+              <a:shade val="50000"/>
+            </a:schemeClr>
+          </a:lnRef>
+          <a:fillRef idx="1">
+            <a:schemeClr val="accent3"/>
+          </a:fillRef>
+          <a:effectRef idx="0">
+            <a:schemeClr val="accent3"/>
+          </a:effectRef>
+          <a:fontRef idx="minor">
+            <a:schemeClr val="lt1"/>
+          </a:fontRef>
+        </p:style>
+        <p:txBody>
+          <a:bodyPr rot="0" spcFirstLastPara="0" vertOverflow="overflow" horzOverflow="overflow" vert="horz" wrap="square" lIns="91440" tIns="45720" rIns="91440" bIns="45720" numCol="1" spcCol="0" rtlCol="0" fromWordArt="0" anchor="ctr" anchorCtr="0" forceAA="0" compatLnSpc="1">
+            <a:prstTxWarp prst="textNoShape">
+              <a:avLst/>
+            </a:prstTxWarp>
+            <a:noAutofit/>
+          </a:bodyPr>
+          <a:lstStyle>
+            <a:lvl1pPr marL="274320" indent="-274320" algn="l" rtl="0" eaLnBrk="1" latinLnBrk="0" hangingPunct="1">
+              <a:spcBef>
+                <a:spcPts val="600"/>
+              </a:spcBef>
+              <a:buClr>
+                <a:schemeClr val="accent1"/>
+              </a:buClr>
+              <a:buSzPct val="76000"/>
+              <a:buFont typeface="Wingdings 3"/>
+              <a:buChar char=""/>
+              <a:defRPr kumimoji="0" sz="2600" kern="1200">
+                <a:solidFill>
+                  <a:schemeClr val="lt1"/>
+                </a:solidFill>
+                <a:latin typeface="+mn-lt"/>
+                <a:ea typeface="+mn-ea"/>
+                <a:cs typeface="+mn-cs"/>
+              </a:defRPr>
+            </a:lvl1pPr>
+            <a:lvl2pPr marL="548640" indent="-274320" algn="l" rtl="0" eaLnBrk="1" latinLnBrk="0" hangingPunct="1">
+              <a:spcBef>
+                <a:spcPts val="500"/>
+              </a:spcBef>
+              <a:buClr>
+                <a:schemeClr val="accent2"/>
+              </a:buClr>
+              <a:buSzPct val="76000"/>
+              <a:buFont typeface="Wingdings 3"/>
+              <a:buChar char=""/>
+              <a:defRPr kumimoji="0" sz="2300" kern="1200">
+                <a:solidFill>
+                  <a:schemeClr val="lt1"/>
+                </a:solidFill>
+                <a:latin typeface="+mn-lt"/>
+                <a:ea typeface="+mn-ea"/>
+                <a:cs typeface="+mn-cs"/>
+              </a:defRPr>
+            </a:lvl2pPr>
+            <a:lvl3pPr marL="822960" indent="-228600" algn="l" rtl="0" eaLnBrk="1" latinLnBrk="0" hangingPunct="1">
+              <a:spcBef>
+                <a:spcPts val="500"/>
+              </a:spcBef>
+              <a:buClr>
+                <a:schemeClr val="bg1">
+                  <a:shade val="50000"/>
+                </a:schemeClr>
+              </a:buClr>
+              <a:buSzPct val="76000"/>
+              <a:buFont typeface="Wingdings 3"/>
+              <a:buChar char=""/>
+              <a:defRPr kumimoji="0" sz="2000" kern="1200">
+                <a:solidFill>
+                  <a:schemeClr val="lt1"/>
+                </a:solidFill>
+                <a:latin typeface="+mn-lt"/>
+                <a:ea typeface="+mn-ea"/>
+                <a:cs typeface="+mn-cs"/>
+              </a:defRPr>
+            </a:lvl3pPr>
+            <a:lvl4pPr marL="1097280" indent="-228600" algn="l" rtl="0" eaLnBrk="1" latinLnBrk="0" hangingPunct="1">
+              <a:spcBef>
+                <a:spcPts val="400"/>
+              </a:spcBef>
+              <a:buClr>
+                <a:schemeClr val="accent2">
+                  <a:shade val="75000"/>
+                </a:schemeClr>
+              </a:buClr>
+              <a:buSzPct val="70000"/>
+              <a:buFont typeface="Wingdings"/>
+              <a:buChar char=""/>
+              <a:defRPr kumimoji="0" sz="1800" kern="1200">
+                <a:solidFill>
+                  <a:schemeClr val="lt1"/>
+                </a:solidFill>
+                <a:latin typeface="+mn-lt"/>
+                <a:ea typeface="+mn-ea"/>
+                <a:cs typeface="+mn-cs"/>
+              </a:defRPr>
+            </a:lvl4pPr>
+            <a:lvl5pPr marL="1371600" indent="-228600" algn="l" rtl="0" eaLnBrk="1" latinLnBrk="0" hangingPunct="1">
+              <a:spcBef>
+                <a:spcPts val="300"/>
+              </a:spcBef>
+              <a:buClr>
+                <a:schemeClr val="accent2"/>
+              </a:buClr>
+              <a:buSzPct val="70000"/>
+              <a:buFont typeface="Wingdings"/>
+              <a:buChar char=""/>
+              <a:defRPr kumimoji="0" sz="1600" kern="1200">
+                <a:solidFill>
+                  <a:schemeClr val="lt1"/>
+                </a:solidFill>
+                <a:latin typeface="+mn-lt"/>
+                <a:ea typeface="+mn-ea"/>
+                <a:cs typeface="+mn-cs"/>
+              </a:defRPr>
+            </a:lvl5pPr>
+            <a:lvl6pPr marL="1645920" indent="-182880" algn="l" rtl="0" eaLnBrk="1" latinLnBrk="0" hangingPunct="1">
+              <a:spcBef>
+                <a:spcPts val="300"/>
+              </a:spcBef>
+              <a:buClr>
+                <a:srgbClr val="9FB8CD">
+                  <a:shade val="75000"/>
+                </a:srgbClr>
+              </a:buClr>
+              <a:buSzPct val="75000"/>
+              <a:buFont typeface="Wingdings 3"/>
+              <a:buChar char=""/>
+              <a:defRPr kumimoji="0" lang="en-US" sz="1600" kern="1200" smtClean="0">
+                <a:solidFill>
+                  <a:schemeClr val="lt1"/>
+                </a:solidFill>
+                <a:latin typeface="+mn-lt"/>
+                <a:ea typeface="+mn-ea"/>
+                <a:cs typeface="+mn-cs"/>
+              </a:defRPr>
+            </a:lvl6pPr>
+            <a:lvl7pPr marL="1828800" indent="-182880" algn="l" rtl="0" eaLnBrk="1" latinLnBrk="0" hangingPunct="1">
+              <a:spcBef>
+                <a:spcPts val="300"/>
+              </a:spcBef>
+              <a:buClr>
+                <a:srgbClr val="727CA3">
+                  <a:shade val="75000"/>
+                </a:srgbClr>
+              </a:buClr>
+              <a:buSzPct val="75000"/>
+              <a:buFont typeface="Wingdings 3"/>
+              <a:buChar char=""/>
+              <a:defRPr kumimoji="0" lang="en-US" sz="1400" kern="1200" smtClean="0">
+                <a:solidFill>
+                  <a:schemeClr val="lt1"/>
+                </a:solidFill>
+                <a:latin typeface="+mn-lt"/>
+                <a:ea typeface="+mn-ea"/>
+                <a:cs typeface="+mn-cs"/>
+              </a:defRPr>
+            </a:lvl7pPr>
+            <a:lvl8pPr marL="2011680" indent="-182880" algn="l" rtl="0" eaLnBrk="1" latinLnBrk="0" hangingPunct="1">
+              <a:spcBef>
+                <a:spcPts val="300"/>
+              </a:spcBef>
+              <a:buClr>
+                <a:prstClr val="white">
+                  <a:shade val="50000"/>
+                </a:prstClr>
+              </a:buClr>
+              <a:buSzPct val="75000"/>
+              <a:buFont typeface="Wingdings 3"/>
+              <a:buChar char=""/>
+              <a:defRPr kumimoji="0" lang="en-US" sz="1400" kern="1200" smtClean="0">
+                <a:solidFill>
+                  <a:schemeClr val="lt1"/>
+                </a:solidFill>
+                <a:latin typeface="+mn-lt"/>
+                <a:ea typeface="+mn-ea"/>
+                <a:cs typeface="+mn-cs"/>
+              </a:defRPr>
+            </a:lvl8pPr>
+            <a:lvl9pPr marL="2194560" indent="-182880" algn="l" rtl="0" eaLnBrk="1" latinLnBrk="0" hangingPunct="1">
+              <a:spcBef>
+                <a:spcPts val="300"/>
+              </a:spcBef>
+              <a:buClr>
+                <a:srgbClr val="9FB8CD"/>
+              </a:buClr>
+              <a:buSzPct val="75000"/>
+              <a:buFont typeface="Wingdings 3"/>
+              <a:buChar char=""/>
+              <a:defRPr kumimoji="0" lang="en-US" sz="1200" kern="1200" smtClean="0">
+                <a:solidFill>
+                  <a:schemeClr val="lt1"/>
+                </a:solidFill>
+                <a:latin typeface="+mn-lt"/>
+                <a:ea typeface="+mn-ea"/>
+                <a:cs typeface="+mn-cs"/>
+              </a:defRPr>
+            </a:lvl9pPr>
+          </a:lstStyle>
+          <a:p>
+            <a:pPr marL="0" indent="0" algn="ctr">
+              <a:buFont typeface="Wingdings 3"/>
+              <a:buNone/>
+            </a:pPr>
+            <a:r>
+              <a:rPr lang="fr-FR" sz="1600" b="1" dirty="0" smtClean="0"/>
+              <a:t>Écoles vétérinaires</a:t>
+            </a:r>
+          </a:p>
+          <a:p>
+            <a:pPr marL="0" indent="0" algn="ctr">
+              <a:buFont typeface="Wingdings 3"/>
+              <a:buNone/>
+            </a:pPr>
+            <a:r>
+              <a:rPr lang="fr-FR" sz="1600" b="1" dirty="0" smtClean="0"/>
+              <a:t>Écoles agronomiques</a:t>
+            </a:r>
+            <a:endParaRPr lang="fr-FR" sz="1600" b="1" dirty="0"/>
+          </a:p>
+        </p:txBody>
+      </p:sp>
+      <p:sp>
+        <p:nvSpPr>
+          <p:cNvPr id="16" name="Espace réservé du contenu 8"/>
+          <p:cNvSpPr txBox="1">
+            <a:spLocks/>
+          </p:cNvSpPr>
+          <p:nvPr/>
+        </p:nvSpPr>
+        <p:spPr>
+          <a:xfrm>
+            <a:off x="6706642" y="1999469"/>
+            <a:ext cx="2185838" cy="2295912"/>
+          </a:xfrm>
+          <a:prstGeom prst="rect">
+            <a:avLst/>
+          </a:prstGeom>
+        </p:spPr>
+        <p:style>
+          <a:lnRef idx="2">
+            <a:schemeClr val="accent3">
+              <a:shade val="50000"/>
+            </a:schemeClr>
+          </a:lnRef>
+          <a:fillRef idx="1">
+            <a:schemeClr val="accent3"/>
+          </a:fillRef>
+          <a:effectRef idx="0">
+            <a:schemeClr val="accent3"/>
+          </a:effectRef>
+          <a:fontRef idx="minor">
+            <a:schemeClr val="lt1"/>
+          </a:fontRef>
+        </p:style>
+        <p:txBody>
+          <a:bodyPr rot="0" spcFirstLastPara="0" vertOverflow="overflow" horzOverflow="overflow" vert="horz" wrap="square" lIns="91440" tIns="45720" rIns="91440" bIns="45720" numCol="1" spcCol="0" rtlCol="0" fromWordArt="0" anchor="ctr" anchorCtr="0" forceAA="0" compatLnSpc="1">
+            <a:prstTxWarp prst="textNoShape">
+              <a:avLst/>
+            </a:prstTxWarp>
+            <a:noAutofit/>
+          </a:bodyPr>
+          <a:lstStyle>
+            <a:lvl1pPr marL="274320" indent="-274320" algn="l" rtl="0" eaLnBrk="1" latinLnBrk="0" hangingPunct="1">
+              <a:spcBef>
+                <a:spcPts val="600"/>
+              </a:spcBef>
+              <a:buClr>
+                <a:schemeClr val="accent1"/>
+              </a:buClr>
+              <a:buSzPct val="76000"/>
+              <a:buFont typeface="Wingdings 3"/>
+              <a:buChar char=""/>
+              <a:defRPr kumimoji="0" sz="2600" kern="1200">
+                <a:solidFill>
+                  <a:schemeClr val="lt1"/>
+                </a:solidFill>
+                <a:latin typeface="+mn-lt"/>
+                <a:ea typeface="+mn-ea"/>
+                <a:cs typeface="+mn-cs"/>
+              </a:defRPr>
+            </a:lvl1pPr>
+            <a:lvl2pPr marL="548640" indent="-274320" algn="l" rtl="0" eaLnBrk="1" latinLnBrk="0" hangingPunct="1">
+              <a:spcBef>
+                <a:spcPts val="500"/>
+              </a:spcBef>
+              <a:buClr>
+                <a:schemeClr val="accent2"/>
+              </a:buClr>
+              <a:buSzPct val="76000"/>
+              <a:buFont typeface="Wingdings 3"/>
+              <a:buChar char=""/>
+              <a:defRPr kumimoji="0" sz="2300" kern="1200">
+                <a:solidFill>
+                  <a:schemeClr val="lt1"/>
+                </a:solidFill>
+                <a:latin typeface="+mn-lt"/>
+                <a:ea typeface="+mn-ea"/>
+                <a:cs typeface="+mn-cs"/>
+              </a:defRPr>
+            </a:lvl2pPr>
+            <a:lvl3pPr marL="822960" indent="-228600" algn="l" rtl="0" eaLnBrk="1" latinLnBrk="0" hangingPunct="1">
+              <a:spcBef>
+                <a:spcPts val="500"/>
+              </a:spcBef>
+              <a:buClr>
+                <a:schemeClr val="bg1">
+                  <a:shade val="50000"/>
+                </a:schemeClr>
+              </a:buClr>
+              <a:buSzPct val="76000"/>
+              <a:buFont typeface="Wingdings 3"/>
+              <a:buChar char=""/>
+              <a:defRPr kumimoji="0" sz="2000" kern="1200">
+                <a:solidFill>
+                  <a:schemeClr val="lt1"/>
+                </a:solidFill>
+                <a:latin typeface="+mn-lt"/>
+                <a:ea typeface="+mn-ea"/>
+                <a:cs typeface="+mn-cs"/>
+              </a:defRPr>
+            </a:lvl3pPr>
+            <a:lvl4pPr marL="1097280" indent="-228600" algn="l" rtl="0" eaLnBrk="1" latinLnBrk="0" hangingPunct="1">
+              <a:spcBef>
+                <a:spcPts val="400"/>
+              </a:spcBef>
+              <a:buClr>
+                <a:schemeClr val="accent2">
+                  <a:shade val="75000"/>
+                </a:schemeClr>
+              </a:buClr>
+              <a:buSzPct val="70000"/>
+              <a:buFont typeface="Wingdings"/>
+              <a:buChar char=""/>
+              <a:defRPr kumimoji="0" sz="1800" kern="1200">
+                <a:solidFill>
+                  <a:schemeClr val="lt1"/>
+                </a:solidFill>
+                <a:latin typeface="+mn-lt"/>
+                <a:ea typeface="+mn-ea"/>
+                <a:cs typeface="+mn-cs"/>
+              </a:defRPr>
+            </a:lvl4pPr>
+            <a:lvl5pPr marL="1371600" indent="-228600" algn="l" rtl="0" eaLnBrk="1" latinLnBrk="0" hangingPunct="1">
+              <a:spcBef>
+                <a:spcPts val="300"/>
+              </a:spcBef>
+              <a:buClr>
+                <a:schemeClr val="accent2"/>
+              </a:buClr>
+              <a:buSzPct val="70000"/>
+              <a:buFont typeface="Wingdings"/>
+              <a:buChar char=""/>
+              <a:defRPr kumimoji="0" sz="1600" kern="1200">
+                <a:solidFill>
+                  <a:schemeClr val="lt1"/>
+                </a:solidFill>
+                <a:latin typeface="+mn-lt"/>
+                <a:ea typeface="+mn-ea"/>
+                <a:cs typeface="+mn-cs"/>
+              </a:defRPr>
+            </a:lvl5pPr>
+            <a:lvl6pPr marL="1645920" indent="-182880" algn="l" rtl="0" eaLnBrk="1" latinLnBrk="0" hangingPunct="1">
+              <a:spcBef>
+                <a:spcPts val="300"/>
+              </a:spcBef>
+              <a:buClr>
+                <a:srgbClr val="9FB8CD">
+                  <a:shade val="75000"/>
+                </a:srgbClr>
+              </a:buClr>
+              <a:buSzPct val="75000"/>
+              <a:buFont typeface="Wingdings 3"/>
+              <a:buChar char=""/>
+              <a:defRPr kumimoji="0" lang="en-US" sz="1600" kern="1200" smtClean="0">
+                <a:solidFill>
+                  <a:schemeClr val="lt1"/>
+                </a:solidFill>
+                <a:latin typeface="+mn-lt"/>
+                <a:ea typeface="+mn-ea"/>
+                <a:cs typeface="+mn-cs"/>
+              </a:defRPr>
+            </a:lvl6pPr>
+            <a:lvl7pPr marL="1828800" indent="-182880" algn="l" rtl="0" eaLnBrk="1" latinLnBrk="0" hangingPunct="1">
+              <a:spcBef>
+                <a:spcPts val="300"/>
+              </a:spcBef>
+              <a:buClr>
+                <a:srgbClr val="727CA3">
+                  <a:shade val="75000"/>
+                </a:srgbClr>
+              </a:buClr>
+              <a:buSzPct val="75000"/>
+              <a:buFont typeface="Wingdings 3"/>
+              <a:buChar char=""/>
+              <a:defRPr kumimoji="0" lang="en-US" sz="1400" kern="1200" smtClean="0">
+                <a:solidFill>
+                  <a:schemeClr val="lt1"/>
+                </a:solidFill>
+                <a:latin typeface="+mn-lt"/>
+                <a:ea typeface="+mn-ea"/>
+                <a:cs typeface="+mn-cs"/>
+              </a:defRPr>
+            </a:lvl7pPr>
+            <a:lvl8pPr marL="2011680" indent="-182880" algn="l" rtl="0" eaLnBrk="1" latinLnBrk="0" hangingPunct="1">
+              <a:spcBef>
+                <a:spcPts val="300"/>
+              </a:spcBef>
+              <a:buClr>
+                <a:prstClr val="white">
+                  <a:shade val="50000"/>
+                </a:prstClr>
+              </a:buClr>
+              <a:buSzPct val="75000"/>
+              <a:buFont typeface="Wingdings 3"/>
+              <a:buChar char=""/>
+              <a:defRPr kumimoji="0" lang="en-US" sz="1400" kern="1200" smtClean="0">
+                <a:solidFill>
+                  <a:schemeClr val="lt1"/>
+                </a:solidFill>
+                <a:latin typeface="+mn-lt"/>
+                <a:ea typeface="+mn-ea"/>
+                <a:cs typeface="+mn-cs"/>
+              </a:defRPr>
+            </a:lvl8pPr>
+            <a:lvl9pPr marL="2194560" indent="-182880" algn="l" rtl="0" eaLnBrk="1" latinLnBrk="0" hangingPunct="1">
+              <a:spcBef>
+                <a:spcPts val="300"/>
+              </a:spcBef>
+              <a:buClr>
+                <a:srgbClr val="9FB8CD"/>
+              </a:buClr>
+              <a:buSzPct val="75000"/>
+              <a:buFont typeface="Wingdings 3"/>
+              <a:buChar char=""/>
+              <a:defRPr kumimoji="0" lang="en-US" sz="1200" kern="1200" smtClean="0">
+                <a:solidFill>
+                  <a:schemeClr val="lt1"/>
+                </a:solidFill>
+                <a:latin typeface="+mn-lt"/>
+                <a:ea typeface="+mn-ea"/>
+                <a:cs typeface="+mn-cs"/>
+              </a:defRPr>
+            </a:lvl9pPr>
+          </a:lstStyle>
+          <a:p>
+            <a:pPr marL="0" indent="0" algn="ctr">
+              <a:buFont typeface="Wingdings 3"/>
+              <a:buNone/>
+            </a:pPr>
+            <a:r>
+              <a:rPr lang="fr-FR" sz="1600" b="1" dirty="0" smtClean="0"/>
+              <a:t>Écoles de commerce Écoles de management</a:t>
+            </a:r>
+          </a:p>
+          <a:p>
+            <a:pPr marL="0" indent="0" algn="ctr">
+              <a:buNone/>
+            </a:pPr>
+            <a:r>
+              <a:rPr lang="fr-FR" sz="1600" b="1" dirty="0"/>
+              <a:t>(HEC, ESSEC, </a:t>
+            </a:r>
+            <a:r>
+              <a:rPr lang="fr-FR" sz="1600" b="1" dirty="0" smtClean="0"/>
+              <a:t>ESCP, …)</a:t>
+            </a:r>
+            <a:endParaRPr lang="fr-FR" sz="1600" b="1" dirty="0"/>
+          </a:p>
+          <a:p>
+            <a:pPr marL="0" indent="0" algn="ctr">
+              <a:buFont typeface="Wingdings 3"/>
+              <a:buNone/>
+            </a:pPr>
+            <a:endParaRPr lang="fr-FR" sz="1600" b="1" dirty="0"/>
+          </a:p>
+        </p:txBody>
+      </p:sp>
+      <p:sp>
+        <p:nvSpPr>
+          <p:cNvPr id="17" name="Espace réservé du numéro de diapositive 16"/>
+          <p:cNvSpPr>
+            <a:spLocks noGrp="1"/>
+          </p:cNvSpPr>
+          <p:nvPr>
+            <p:ph type="sldNum" sz="quarter" idx="12"/>
+          </p:nvPr>
+        </p:nvSpPr>
+        <p:spPr/>
+        <p:txBody>
+          <a:bodyPr/>
+          <a:lstStyle/>
+          <a:p>
+            <a:fld id="{1CBB6DF8-B4DD-4E80-A138-72D154BCFFEE}" type="slidenum">
+              <a:rPr lang="fr-FR" smtClean="0"/>
+              <a:pPr/>
+              <a:t>27</a:t>
+            </a:fld>
+            <a:endParaRPr lang="fr-FR"/>
+          </a:p>
+        </p:txBody>
+      </p:sp>
+    </p:spTree>
+    <p:extLst>
+      <p:ext uri="{BB962C8B-B14F-4D97-AF65-F5344CB8AC3E}">
+        <p14:creationId xmlns:p14="http://schemas.microsoft.com/office/powerpoint/2010/main" val="1039484304"/>
+      </p:ext>
+    </p:extLst>
+  </p:cSld>
+  <p:clrMapOvr>
+    <a:masterClrMapping/>
+  </p:clrMapOvr>
+  <p:timing>
+    <p:tnLst>
+      <p:par>
+        <p:cTn id="1" dur="indefinite" restart="never" nodeType="tmRoot"/>
+      </p:par>
+    </p:tnLst>
+  </p:timing>
 </p:sld>
 </file>
 
@@ -13306,7 +14592,7 @@
           <a:p>
             <a:r>
               <a:rPr lang="fr-FR" dirty="0" smtClean="0"/>
-              <a:t>Quelle prépa pour quelle école ?</a:t>
+              <a:t>Les grandes écoles scientifiques</a:t>
             </a:r>
             <a:endParaRPr lang="fr-FR" dirty="0"/>
           </a:p>
@@ -13337,1148 +14623,7 @@
       </p:sp>
       <p:sp>
         <p:nvSpPr>
-          <p:cNvPr id="5" name="Rectangle 4"/>
-          <p:cNvSpPr/>
-          <p:nvPr/>
-        </p:nvSpPr>
-        <p:spPr>
-          <a:xfrm>
-            <a:off x="225922" y="5805264"/>
-            <a:ext cx="8666558" cy="432048"/>
-          </a:xfrm>
-          <a:prstGeom prst="rect">
-            <a:avLst/>
-          </a:prstGeom>
-        </p:spPr>
-        <p:style>
-          <a:lnRef idx="2">
-            <a:schemeClr val="accent1">
-              <a:shade val="50000"/>
-            </a:schemeClr>
-          </a:lnRef>
-          <a:fillRef idx="1">
-            <a:schemeClr val="accent1"/>
-          </a:fillRef>
-          <a:effectRef idx="0">
-            <a:schemeClr val="accent1"/>
-          </a:effectRef>
-          <a:fontRef idx="minor">
-            <a:schemeClr val="lt1"/>
-          </a:fontRef>
-        </p:style>
-        <p:txBody>
-          <a:bodyPr rtlCol="0" anchor="ctr"/>
-          <a:lstStyle/>
-          <a:p>
-            <a:pPr algn="ctr"/>
-            <a:r>
-              <a:rPr lang="fr-FR" sz="1600" b="1" dirty="0" smtClean="0"/>
-              <a:t>Baccalauréat Scientifique</a:t>
-            </a:r>
-            <a:endParaRPr lang="fr-FR" sz="1600" b="1" dirty="0"/>
-          </a:p>
-        </p:txBody>
-      </p:sp>
-      <p:sp>
-        <p:nvSpPr>
-          <p:cNvPr id="6" name="Rectangle 5"/>
-          <p:cNvSpPr/>
-          <p:nvPr/>
-        </p:nvSpPr>
-        <p:spPr>
-          <a:xfrm>
-            <a:off x="225922" y="5181298"/>
-            <a:ext cx="2545878" cy="440784"/>
-          </a:xfrm>
-          <a:prstGeom prst="rect">
-            <a:avLst/>
-          </a:prstGeom>
-        </p:spPr>
-        <p:style>
-          <a:lnRef idx="2">
-            <a:schemeClr val="accent5">
-              <a:shade val="50000"/>
-            </a:schemeClr>
-          </a:lnRef>
-          <a:fillRef idx="1">
-            <a:schemeClr val="accent5"/>
-          </a:fillRef>
-          <a:effectRef idx="0">
-            <a:schemeClr val="accent5"/>
-          </a:effectRef>
-          <a:fontRef idx="minor">
-            <a:schemeClr val="lt1"/>
-          </a:fontRef>
-        </p:style>
-        <p:txBody>
-          <a:bodyPr rtlCol="0" anchor="ctr"/>
-          <a:lstStyle/>
-          <a:p>
-            <a:pPr algn="ctr"/>
-            <a:r>
-              <a:rPr lang="fr-FR" sz="1400" b="1" dirty="0" smtClean="0"/>
-              <a:t>PTSI – PCSI – MPSI</a:t>
-            </a:r>
-            <a:endParaRPr lang="fr-FR" sz="1400" b="1" dirty="0"/>
-          </a:p>
-        </p:txBody>
-      </p:sp>
-      <p:sp>
-        <p:nvSpPr>
-          <p:cNvPr id="7" name="Rectangle 6"/>
-          <p:cNvSpPr/>
-          <p:nvPr/>
-        </p:nvSpPr>
-        <p:spPr>
-          <a:xfrm>
-            <a:off x="3635896" y="5181298"/>
-            <a:ext cx="2520280" cy="440784"/>
-          </a:xfrm>
-          <a:prstGeom prst="rect">
-            <a:avLst/>
-          </a:prstGeom>
-        </p:spPr>
-        <p:style>
-          <a:lnRef idx="2">
-            <a:schemeClr val="accent5">
-              <a:shade val="50000"/>
-            </a:schemeClr>
-          </a:lnRef>
-          <a:fillRef idx="1">
-            <a:schemeClr val="accent5"/>
-          </a:fillRef>
-          <a:effectRef idx="0">
-            <a:schemeClr val="accent5"/>
-          </a:effectRef>
-          <a:fontRef idx="minor">
-            <a:schemeClr val="lt1"/>
-          </a:fontRef>
-        </p:style>
-        <p:txBody>
-          <a:bodyPr rtlCol="0" anchor="ctr"/>
-          <a:lstStyle/>
-          <a:p>
-            <a:pPr algn="ctr"/>
-            <a:r>
-              <a:rPr lang="fr-FR" sz="1400" b="1" dirty="0" smtClean="0"/>
-              <a:t>BCPST</a:t>
-            </a:r>
-            <a:endParaRPr lang="fr-FR" sz="1400" b="1" dirty="0"/>
-          </a:p>
-        </p:txBody>
-      </p:sp>
-      <p:sp>
-        <p:nvSpPr>
-          <p:cNvPr id="8" name="Rectangle 7"/>
-          <p:cNvSpPr/>
-          <p:nvPr/>
-        </p:nvSpPr>
-        <p:spPr>
-          <a:xfrm>
-            <a:off x="6706642" y="5181298"/>
-            <a:ext cx="2185838" cy="440784"/>
-          </a:xfrm>
-          <a:prstGeom prst="rect">
-            <a:avLst/>
-          </a:prstGeom>
-        </p:spPr>
-        <p:style>
-          <a:lnRef idx="2">
-            <a:schemeClr val="accent5">
-              <a:shade val="50000"/>
-            </a:schemeClr>
-          </a:lnRef>
-          <a:fillRef idx="1">
-            <a:schemeClr val="accent5"/>
-          </a:fillRef>
-          <a:effectRef idx="0">
-            <a:schemeClr val="accent5"/>
-          </a:effectRef>
-          <a:fontRef idx="minor">
-            <a:schemeClr val="lt1"/>
-          </a:fontRef>
-        </p:style>
-        <p:txBody>
-          <a:bodyPr rtlCol="0" anchor="ctr"/>
-          <a:lstStyle/>
-          <a:p>
-            <a:pPr algn="ctr"/>
-            <a:r>
-              <a:rPr lang="fr-FR" sz="1400" b="1" dirty="0" smtClean="0"/>
-              <a:t>Prépa EC</a:t>
-            </a:r>
-            <a:endParaRPr lang="fr-FR" sz="1400" b="1" dirty="0"/>
-          </a:p>
-        </p:txBody>
-      </p:sp>
-      <p:sp>
-        <p:nvSpPr>
-          <p:cNvPr id="9" name="Espace réservé du contenu 8"/>
-          <p:cNvSpPr>
-            <a:spLocks noGrp="1"/>
-          </p:cNvSpPr>
-          <p:nvPr>
-            <p:ph sz="quarter" idx="1"/>
-          </p:nvPr>
-        </p:nvSpPr>
-        <p:spPr>
-          <a:xfrm>
-            <a:off x="2411760" y="1988840"/>
-            <a:ext cx="1584177" cy="2295912"/>
-          </a:xfrm>
-          <a:prstGeom prst="rect">
-            <a:avLst/>
-          </a:prstGeom>
-        </p:spPr>
-        <p:style>
-          <a:lnRef idx="2">
-            <a:schemeClr val="accent3">
-              <a:shade val="50000"/>
-            </a:schemeClr>
-          </a:lnRef>
-          <a:fillRef idx="1">
-            <a:schemeClr val="accent3"/>
-          </a:fillRef>
-          <a:effectRef idx="0">
-            <a:schemeClr val="accent3"/>
-          </a:effectRef>
-          <a:fontRef idx="minor">
-            <a:schemeClr val="lt1"/>
-          </a:fontRef>
-        </p:style>
-        <p:txBody>
-          <a:bodyPr rtlCol="0" anchor="ctr">
-            <a:normAutofit/>
-          </a:bodyPr>
-          <a:lstStyle/>
-          <a:p>
-            <a:pPr marL="0" indent="0" algn="ctr">
-              <a:buNone/>
-            </a:pPr>
-            <a:r>
-              <a:rPr lang="fr-FR" sz="1600" b="1" dirty="0" smtClean="0"/>
-              <a:t>Écoles Normales Supérieurs</a:t>
-            </a:r>
-          </a:p>
-          <a:p>
-            <a:pPr marL="0" indent="0" algn="ctr">
-              <a:buNone/>
-            </a:pPr>
-            <a:r>
-              <a:rPr lang="fr-FR" sz="1600" b="1" dirty="0" smtClean="0"/>
-              <a:t>Écoles d’ingénieur </a:t>
-            </a:r>
-          </a:p>
-          <a:p>
-            <a:pPr marL="0" indent="0" algn="ctr">
-              <a:buNone/>
-            </a:pPr>
-            <a:r>
-              <a:rPr lang="fr-FR" sz="1600" b="1" dirty="0" smtClean="0"/>
-              <a:t>(Chimie Paris, ESPCI, Réseau </a:t>
-            </a:r>
-            <a:r>
-              <a:rPr lang="fr-FR" sz="1600" b="1" dirty="0" err="1" smtClean="0"/>
-              <a:t>Polytech</a:t>
-            </a:r>
-            <a:r>
-              <a:rPr lang="fr-FR" sz="1600" b="1" dirty="0" smtClean="0"/>
-              <a:t> …)</a:t>
-            </a:r>
-            <a:endParaRPr lang="fr-FR" sz="1600" b="1" dirty="0"/>
-          </a:p>
-        </p:txBody>
-      </p:sp>
-      <p:sp>
-        <p:nvSpPr>
-          <p:cNvPr id="10" name="Espace réservé du contenu 8"/>
-          <p:cNvSpPr txBox="1">
-            <a:spLocks/>
-          </p:cNvSpPr>
-          <p:nvPr/>
-        </p:nvSpPr>
-        <p:spPr>
-          <a:xfrm>
-            <a:off x="256738" y="1999469"/>
-            <a:ext cx="1938998" cy="2295912"/>
-          </a:xfrm>
-          <a:prstGeom prst="rect">
-            <a:avLst/>
-          </a:prstGeom>
-        </p:spPr>
-        <p:style>
-          <a:lnRef idx="2">
-            <a:schemeClr val="accent3">
-              <a:shade val="50000"/>
-            </a:schemeClr>
-          </a:lnRef>
-          <a:fillRef idx="1">
-            <a:schemeClr val="accent3"/>
-          </a:fillRef>
-          <a:effectRef idx="0">
-            <a:schemeClr val="accent3"/>
-          </a:effectRef>
-          <a:fontRef idx="minor">
-            <a:schemeClr val="lt1"/>
-          </a:fontRef>
-        </p:style>
-        <p:txBody>
-          <a:bodyPr rot="0" spcFirstLastPara="0" vertOverflow="overflow" horzOverflow="overflow" vert="horz" wrap="square" lIns="91440" tIns="45720" rIns="91440" bIns="45720" numCol="1" spcCol="0" rtlCol="0" fromWordArt="0" anchor="ctr" anchorCtr="0" forceAA="0" compatLnSpc="1">
-            <a:prstTxWarp prst="textNoShape">
-              <a:avLst/>
-            </a:prstTxWarp>
-            <a:noAutofit/>
-          </a:bodyPr>
-          <a:lstStyle>
-            <a:lvl1pPr marL="274320" indent="-274320" algn="l" rtl="0" eaLnBrk="1" latinLnBrk="0" hangingPunct="1">
-              <a:spcBef>
-                <a:spcPts val="600"/>
-              </a:spcBef>
-              <a:buClr>
-                <a:schemeClr val="accent1"/>
-              </a:buClr>
-              <a:buSzPct val="76000"/>
-              <a:buFont typeface="Wingdings 3"/>
-              <a:buChar char=""/>
-              <a:defRPr kumimoji="0" sz="2600" kern="1200">
-                <a:solidFill>
-                  <a:schemeClr val="lt1"/>
-                </a:solidFill>
-                <a:latin typeface="+mn-lt"/>
-                <a:ea typeface="+mn-ea"/>
-                <a:cs typeface="+mn-cs"/>
-              </a:defRPr>
-            </a:lvl1pPr>
-            <a:lvl2pPr marL="548640" indent="-274320" algn="l" rtl="0" eaLnBrk="1" latinLnBrk="0" hangingPunct="1">
-              <a:spcBef>
-                <a:spcPts val="500"/>
-              </a:spcBef>
-              <a:buClr>
-                <a:schemeClr val="accent2"/>
-              </a:buClr>
-              <a:buSzPct val="76000"/>
-              <a:buFont typeface="Wingdings 3"/>
-              <a:buChar char=""/>
-              <a:defRPr kumimoji="0" sz="2300" kern="1200">
-                <a:solidFill>
-                  <a:schemeClr val="lt1"/>
-                </a:solidFill>
-                <a:latin typeface="+mn-lt"/>
-                <a:ea typeface="+mn-ea"/>
-                <a:cs typeface="+mn-cs"/>
-              </a:defRPr>
-            </a:lvl2pPr>
-            <a:lvl3pPr marL="822960" indent="-228600" algn="l" rtl="0" eaLnBrk="1" latinLnBrk="0" hangingPunct="1">
-              <a:spcBef>
-                <a:spcPts val="500"/>
-              </a:spcBef>
-              <a:buClr>
-                <a:schemeClr val="bg1">
-                  <a:shade val="50000"/>
-                </a:schemeClr>
-              </a:buClr>
-              <a:buSzPct val="76000"/>
-              <a:buFont typeface="Wingdings 3"/>
-              <a:buChar char=""/>
-              <a:defRPr kumimoji="0" sz="2000" kern="1200">
-                <a:solidFill>
-                  <a:schemeClr val="lt1"/>
-                </a:solidFill>
-                <a:latin typeface="+mn-lt"/>
-                <a:ea typeface="+mn-ea"/>
-                <a:cs typeface="+mn-cs"/>
-              </a:defRPr>
-            </a:lvl3pPr>
-            <a:lvl4pPr marL="1097280" indent="-228600" algn="l" rtl="0" eaLnBrk="1" latinLnBrk="0" hangingPunct="1">
-              <a:spcBef>
-                <a:spcPts val="400"/>
-              </a:spcBef>
-              <a:buClr>
-                <a:schemeClr val="accent2">
-                  <a:shade val="75000"/>
-                </a:schemeClr>
-              </a:buClr>
-              <a:buSzPct val="70000"/>
-              <a:buFont typeface="Wingdings"/>
-              <a:buChar char=""/>
-              <a:defRPr kumimoji="0" sz="1800" kern="1200">
-                <a:solidFill>
-                  <a:schemeClr val="lt1"/>
-                </a:solidFill>
-                <a:latin typeface="+mn-lt"/>
-                <a:ea typeface="+mn-ea"/>
-                <a:cs typeface="+mn-cs"/>
-              </a:defRPr>
-            </a:lvl4pPr>
-            <a:lvl5pPr marL="1371600" indent="-228600" algn="l" rtl="0" eaLnBrk="1" latinLnBrk="0" hangingPunct="1">
-              <a:spcBef>
-                <a:spcPts val="300"/>
-              </a:spcBef>
-              <a:buClr>
-                <a:schemeClr val="accent2"/>
-              </a:buClr>
-              <a:buSzPct val="70000"/>
-              <a:buFont typeface="Wingdings"/>
-              <a:buChar char=""/>
-              <a:defRPr kumimoji="0" sz="1600" kern="1200">
-                <a:solidFill>
-                  <a:schemeClr val="lt1"/>
-                </a:solidFill>
-                <a:latin typeface="+mn-lt"/>
-                <a:ea typeface="+mn-ea"/>
-                <a:cs typeface="+mn-cs"/>
-              </a:defRPr>
-            </a:lvl5pPr>
-            <a:lvl6pPr marL="1645920" indent="-182880" algn="l" rtl="0" eaLnBrk="1" latinLnBrk="0" hangingPunct="1">
-              <a:spcBef>
-                <a:spcPts val="300"/>
-              </a:spcBef>
-              <a:buClr>
-                <a:srgbClr val="9FB8CD">
-                  <a:shade val="75000"/>
-                </a:srgbClr>
-              </a:buClr>
-              <a:buSzPct val="75000"/>
-              <a:buFont typeface="Wingdings 3"/>
-              <a:buChar char=""/>
-              <a:defRPr kumimoji="0" lang="en-US" sz="1600" kern="1200" smtClean="0">
-                <a:solidFill>
-                  <a:schemeClr val="lt1"/>
-                </a:solidFill>
-                <a:latin typeface="+mn-lt"/>
-                <a:ea typeface="+mn-ea"/>
-                <a:cs typeface="+mn-cs"/>
-              </a:defRPr>
-            </a:lvl6pPr>
-            <a:lvl7pPr marL="1828800" indent="-182880" algn="l" rtl="0" eaLnBrk="1" latinLnBrk="0" hangingPunct="1">
-              <a:spcBef>
-                <a:spcPts val="300"/>
-              </a:spcBef>
-              <a:buClr>
-                <a:srgbClr val="727CA3">
-                  <a:shade val="75000"/>
-                </a:srgbClr>
-              </a:buClr>
-              <a:buSzPct val="75000"/>
-              <a:buFont typeface="Wingdings 3"/>
-              <a:buChar char=""/>
-              <a:defRPr kumimoji="0" lang="en-US" sz="1400" kern="1200" smtClean="0">
-                <a:solidFill>
-                  <a:schemeClr val="lt1"/>
-                </a:solidFill>
-                <a:latin typeface="+mn-lt"/>
-                <a:ea typeface="+mn-ea"/>
-                <a:cs typeface="+mn-cs"/>
-              </a:defRPr>
-            </a:lvl7pPr>
-            <a:lvl8pPr marL="2011680" indent="-182880" algn="l" rtl="0" eaLnBrk="1" latinLnBrk="0" hangingPunct="1">
-              <a:spcBef>
-                <a:spcPts val="300"/>
-              </a:spcBef>
-              <a:buClr>
-                <a:prstClr val="white">
-                  <a:shade val="50000"/>
-                </a:prstClr>
-              </a:buClr>
-              <a:buSzPct val="75000"/>
-              <a:buFont typeface="Wingdings 3"/>
-              <a:buChar char=""/>
-              <a:defRPr kumimoji="0" lang="en-US" sz="1400" kern="1200" smtClean="0">
-                <a:solidFill>
-                  <a:schemeClr val="lt1"/>
-                </a:solidFill>
-                <a:latin typeface="+mn-lt"/>
-                <a:ea typeface="+mn-ea"/>
-                <a:cs typeface="+mn-cs"/>
-              </a:defRPr>
-            </a:lvl8pPr>
-            <a:lvl9pPr marL="2194560" indent="-182880" algn="l" rtl="0" eaLnBrk="1" latinLnBrk="0" hangingPunct="1">
-              <a:spcBef>
-                <a:spcPts val="300"/>
-              </a:spcBef>
-              <a:buClr>
-                <a:srgbClr val="9FB8CD"/>
-              </a:buClr>
-              <a:buSzPct val="75000"/>
-              <a:buFont typeface="Wingdings 3"/>
-              <a:buChar char=""/>
-              <a:defRPr kumimoji="0" lang="en-US" sz="1200" kern="1200" smtClean="0">
-                <a:solidFill>
-                  <a:schemeClr val="lt1"/>
-                </a:solidFill>
-                <a:latin typeface="+mn-lt"/>
-                <a:ea typeface="+mn-ea"/>
-                <a:cs typeface="+mn-cs"/>
-              </a:defRPr>
-            </a:lvl9pPr>
-          </a:lstStyle>
-          <a:p>
-            <a:pPr marL="0" indent="0" algn="ctr">
-              <a:buFont typeface="Wingdings 3"/>
-              <a:buNone/>
-            </a:pPr>
-            <a:r>
-              <a:rPr lang="fr-FR" sz="1600" b="1" dirty="0" smtClean="0"/>
-              <a:t>Écoles d’ingénieur</a:t>
-            </a:r>
-          </a:p>
-          <a:p>
-            <a:pPr marL="0" indent="0" algn="ctr">
-              <a:buFont typeface="Wingdings 3"/>
-              <a:buNone/>
-            </a:pPr>
-            <a:endParaRPr lang="fr-FR" sz="1600" b="1" dirty="0" smtClean="0"/>
-          </a:p>
-          <a:p>
-            <a:pPr marL="0" indent="0" algn="ctr">
-              <a:buFont typeface="Wingdings 3"/>
-              <a:buNone/>
-            </a:pPr>
-            <a:r>
-              <a:rPr lang="fr-FR" sz="1600" b="1" dirty="0" smtClean="0"/>
-              <a:t>Polytechnique, Centrale, Mines, Ponts, Arts et Métiers Paris Tech, ENSI …</a:t>
-            </a:r>
-            <a:endParaRPr lang="fr-FR" sz="1600" b="1" dirty="0"/>
-          </a:p>
-        </p:txBody>
-      </p:sp>
-      <p:sp>
-        <p:nvSpPr>
-          <p:cNvPr id="11" name="Rectangle 10"/>
-          <p:cNvSpPr/>
-          <p:nvPr/>
-        </p:nvSpPr>
-        <p:spPr>
-          <a:xfrm>
-            <a:off x="225922" y="4581128"/>
-            <a:ext cx="2545878" cy="440784"/>
-          </a:xfrm>
-          <a:prstGeom prst="rect">
-            <a:avLst/>
-          </a:prstGeom>
-        </p:spPr>
-        <p:style>
-          <a:lnRef idx="2">
-            <a:schemeClr val="accent2">
-              <a:shade val="50000"/>
-            </a:schemeClr>
-          </a:lnRef>
-          <a:fillRef idx="1">
-            <a:schemeClr val="accent2"/>
-          </a:fillRef>
-          <a:effectRef idx="0">
-            <a:schemeClr val="accent2"/>
-          </a:effectRef>
-          <a:fontRef idx="minor">
-            <a:schemeClr val="lt1"/>
-          </a:fontRef>
-        </p:style>
-        <p:txBody>
-          <a:bodyPr rtlCol="0" anchor="ctr"/>
-          <a:lstStyle/>
-          <a:p>
-            <a:pPr algn="ctr"/>
-            <a:r>
-              <a:rPr lang="fr-FR" sz="1400" b="1" dirty="0" smtClean="0"/>
-              <a:t>Concours spécifiques</a:t>
-            </a:r>
-            <a:endParaRPr lang="fr-FR" sz="1400" b="1" dirty="0"/>
-          </a:p>
-        </p:txBody>
-      </p:sp>
-      <p:sp>
-        <p:nvSpPr>
-          <p:cNvPr id="13" name="Rectangle 12"/>
-          <p:cNvSpPr/>
-          <p:nvPr/>
-        </p:nvSpPr>
-        <p:spPr>
-          <a:xfrm>
-            <a:off x="3623097" y="4581128"/>
-            <a:ext cx="2545878" cy="440784"/>
-          </a:xfrm>
-          <a:prstGeom prst="rect">
-            <a:avLst/>
-          </a:prstGeom>
-        </p:spPr>
-        <p:style>
-          <a:lnRef idx="2">
-            <a:schemeClr val="accent2">
-              <a:shade val="50000"/>
-            </a:schemeClr>
-          </a:lnRef>
-          <a:fillRef idx="1">
-            <a:schemeClr val="accent2"/>
-          </a:fillRef>
-          <a:effectRef idx="0">
-            <a:schemeClr val="accent2"/>
-          </a:effectRef>
-          <a:fontRef idx="minor">
-            <a:schemeClr val="lt1"/>
-          </a:fontRef>
-        </p:style>
-        <p:txBody>
-          <a:bodyPr rtlCol="0" anchor="ctr"/>
-          <a:lstStyle/>
-          <a:p>
-            <a:pPr algn="ctr"/>
-            <a:r>
-              <a:rPr lang="fr-FR" sz="1400" b="1" dirty="0" smtClean="0"/>
-              <a:t>Concours spécifiques</a:t>
-            </a:r>
-            <a:endParaRPr lang="fr-FR" sz="1400" b="1" dirty="0"/>
-          </a:p>
-        </p:txBody>
-      </p:sp>
-      <p:sp>
-        <p:nvSpPr>
-          <p:cNvPr id="14" name="Rectangle 13"/>
-          <p:cNvSpPr/>
-          <p:nvPr/>
-        </p:nvSpPr>
-        <p:spPr>
-          <a:xfrm>
-            <a:off x="6706642" y="4581128"/>
-            <a:ext cx="2185838" cy="440784"/>
-          </a:xfrm>
-          <a:prstGeom prst="rect">
-            <a:avLst/>
-          </a:prstGeom>
-        </p:spPr>
-        <p:style>
-          <a:lnRef idx="2">
-            <a:schemeClr val="accent2">
-              <a:shade val="50000"/>
-            </a:schemeClr>
-          </a:lnRef>
-          <a:fillRef idx="1">
-            <a:schemeClr val="accent2"/>
-          </a:fillRef>
-          <a:effectRef idx="0">
-            <a:schemeClr val="accent2"/>
-          </a:effectRef>
-          <a:fontRef idx="minor">
-            <a:schemeClr val="lt1"/>
-          </a:fontRef>
-        </p:style>
-        <p:txBody>
-          <a:bodyPr rtlCol="0" anchor="ctr"/>
-          <a:lstStyle/>
-          <a:p>
-            <a:pPr algn="ctr"/>
-            <a:r>
-              <a:rPr lang="fr-FR" sz="1400" b="1" dirty="0" smtClean="0"/>
-              <a:t>Concours spécifiques</a:t>
-            </a:r>
-            <a:endParaRPr lang="fr-FR" sz="1400" b="1" dirty="0"/>
-          </a:p>
-        </p:txBody>
-      </p:sp>
-      <p:sp>
-        <p:nvSpPr>
-          <p:cNvPr id="15" name="Espace réservé du contenu 8"/>
-          <p:cNvSpPr txBox="1">
-            <a:spLocks/>
-          </p:cNvSpPr>
-          <p:nvPr/>
-        </p:nvSpPr>
-        <p:spPr>
-          <a:xfrm>
-            <a:off x="4283968" y="1999469"/>
-            <a:ext cx="1872208" cy="2295912"/>
-          </a:xfrm>
-          <a:prstGeom prst="rect">
-            <a:avLst/>
-          </a:prstGeom>
-        </p:spPr>
-        <p:style>
-          <a:lnRef idx="2">
-            <a:schemeClr val="accent3">
-              <a:shade val="50000"/>
-            </a:schemeClr>
-          </a:lnRef>
-          <a:fillRef idx="1">
-            <a:schemeClr val="accent3"/>
-          </a:fillRef>
-          <a:effectRef idx="0">
-            <a:schemeClr val="accent3"/>
-          </a:effectRef>
-          <a:fontRef idx="minor">
-            <a:schemeClr val="lt1"/>
-          </a:fontRef>
-        </p:style>
-        <p:txBody>
-          <a:bodyPr rot="0" spcFirstLastPara="0" vertOverflow="overflow" horzOverflow="overflow" vert="horz" wrap="square" lIns="91440" tIns="45720" rIns="91440" bIns="45720" numCol="1" spcCol="0" rtlCol="0" fromWordArt="0" anchor="ctr" anchorCtr="0" forceAA="0" compatLnSpc="1">
-            <a:prstTxWarp prst="textNoShape">
-              <a:avLst/>
-            </a:prstTxWarp>
-            <a:noAutofit/>
-          </a:bodyPr>
-          <a:lstStyle>
-            <a:lvl1pPr marL="274320" indent="-274320" algn="l" rtl="0" eaLnBrk="1" latinLnBrk="0" hangingPunct="1">
-              <a:spcBef>
-                <a:spcPts val="600"/>
-              </a:spcBef>
-              <a:buClr>
-                <a:schemeClr val="accent1"/>
-              </a:buClr>
-              <a:buSzPct val="76000"/>
-              <a:buFont typeface="Wingdings 3"/>
-              <a:buChar char=""/>
-              <a:defRPr kumimoji="0" sz="2600" kern="1200">
-                <a:solidFill>
-                  <a:schemeClr val="lt1"/>
-                </a:solidFill>
-                <a:latin typeface="+mn-lt"/>
-                <a:ea typeface="+mn-ea"/>
-                <a:cs typeface="+mn-cs"/>
-              </a:defRPr>
-            </a:lvl1pPr>
-            <a:lvl2pPr marL="548640" indent="-274320" algn="l" rtl="0" eaLnBrk="1" latinLnBrk="0" hangingPunct="1">
-              <a:spcBef>
-                <a:spcPts val="500"/>
-              </a:spcBef>
-              <a:buClr>
-                <a:schemeClr val="accent2"/>
-              </a:buClr>
-              <a:buSzPct val="76000"/>
-              <a:buFont typeface="Wingdings 3"/>
-              <a:buChar char=""/>
-              <a:defRPr kumimoji="0" sz="2300" kern="1200">
-                <a:solidFill>
-                  <a:schemeClr val="lt1"/>
-                </a:solidFill>
-                <a:latin typeface="+mn-lt"/>
-                <a:ea typeface="+mn-ea"/>
-                <a:cs typeface="+mn-cs"/>
-              </a:defRPr>
-            </a:lvl2pPr>
-            <a:lvl3pPr marL="822960" indent="-228600" algn="l" rtl="0" eaLnBrk="1" latinLnBrk="0" hangingPunct="1">
-              <a:spcBef>
-                <a:spcPts val="500"/>
-              </a:spcBef>
-              <a:buClr>
-                <a:schemeClr val="bg1">
-                  <a:shade val="50000"/>
-                </a:schemeClr>
-              </a:buClr>
-              <a:buSzPct val="76000"/>
-              <a:buFont typeface="Wingdings 3"/>
-              <a:buChar char=""/>
-              <a:defRPr kumimoji="0" sz="2000" kern="1200">
-                <a:solidFill>
-                  <a:schemeClr val="lt1"/>
-                </a:solidFill>
-                <a:latin typeface="+mn-lt"/>
-                <a:ea typeface="+mn-ea"/>
-                <a:cs typeface="+mn-cs"/>
-              </a:defRPr>
-            </a:lvl3pPr>
-            <a:lvl4pPr marL="1097280" indent="-228600" algn="l" rtl="0" eaLnBrk="1" latinLnBrk="0" hangingPunct="1">
-              <a:spcBef>
-                <a:spcPts val="400"/>
-              </a:spcBef>
-              <a:buClr>
-                <a:schemeClr val="accent2">
-                  <a:shade val="75000"/>
-                </a:schemeClr>
-              </a:buClr>
-              <a:buSzPct val="70000"/>
-              <a:buFont typeface="Wingdings"/>
-              <a:buChar char=""/>
-              <a:defRPr kumimoji="0" sz="1800" kern="1200">
-                <a:solidFill>
-                  <a:schemeClr val="lt1"/>
-                </a:solidFill>
-                <a:latin typeface="+mn-lt"/>
-                <a:ea typeface="+mn-ea"/>
-                <a:cs typeface="+mn-cs"/>
-              </a:defRPr>
-            </a:lvl4pPr>
-            <a:lvl5pPr marL="1371600" indent="-228600" algn="l" rtl="0" eaLnBrk="1" latinLnBrk="0" hangingPunct="1">
-              <a:spcBef>
-                <a:spcPts val="300"/>
-              </a:spcBef>
-              <a:buClr>
-                <a:schemeClr val="accent2"/>
-              </a:buClr>
-              <a:buSzPct val="70000"/>
-              <a:buFont typeface="Wingdings"/>
-              <a:buChar char=""/>
-              <a:defRPr kumimoji="0" sz="1600" kern="1200">
-                <a:solidFill>
-                  <a:schemeClr val="lt1"/>
-                </a:solidFill>
-                <a:latin typeface="+mn-lt"/>
-                <a:ea typeface="+mn-ea"/>
-                <a:cs typeface="+mn-cs"/>
-              </a:defRPr>
-            </a:lvl5pPr>
-            <a:lvl6pPr marL="1645920" indent="-182880" algn="l" rtl="0" eaLnBrk="1" latinLnBrk="0" hangingPunct="1">
-              <a:spcBef>
-                <a:spcPts val="300"/>
-              </a:spcBef>
-              <a:buClr>
-                <a:srgbClr val="9FB8CD">
-                  <a:shade val="75000"/>
-                </a:srgbClr>
-              </a:buClr>
-              <a:buSzPct val="75000"/>
-              <a:buFont typeface="Wingdings 3"/>
-              <a:buChar char=""/>
-              <a:defRPr kumimoji="0" lang="en-US" sz="1600" kern="1200" smtClean="0">
-                <a:solidFill>
-                  <a:schemeClr val="lt1"/>
-                </a:solidFill>
-                <a:latin typeface="+mn-lt"/>
-                <a:ea typeface="+mn-ea"/>
-                <a:cs typeface="+mn-cs"/>
-              </a:defRPr>
-            </a:lvl6pPr>
-            <a:lvl7pPr marL="1828800" indent="-182880" algn="l" rtl="0" eaLnBrk="1" latinLnBrk="0" hangingPunct="1">
-              <a:spcBef>
-                <a:spcPts val="300"/>
-              </a:spcBef>
-              <a:buClr>
-                <a:srgbClr val="727CA3">
-                  <a:shade val="75000"/>
-                </a:srgbClr>
-              </a:buClr>
-              <a:buSzPct val="75000"/>
-              <a:buFont typeface="Wingdings 3"/>
-              <a:buChar char=""/>
-              <a:defRPr kumimoji="0" lang="en-US" sz="1400" kern="1200" smtClean="0">
-                <a:solidFill>
-                  <a:schemeClr val="lt1"/>
-                </a:solidFill>
-                <a:latin typeface="+mn-lt"/>
-                <a:ea typeface="+mn-ea"/>
-                <a:cs typeface="+mn-cs"/>
-              </a:defRPr>
-            </a:lvl7pPr>
-            <a:lvl8pPr marL="2011680" indent="-182880" algn="l" rtl="0" eaLnBrk="1" latinLnBrk="0" hangingPunct="1">
-              <a:spcBef>
-                <a:spcPts val="300"/>
-              </a:spcBef>
-              <a:buClr>
-                <a:prstClr val="white">
-                  <a:shade val="50000"/>
-                </a:prstClr>
-              </a:buClr>
-              <a:buSzPct val="75000"/>
-              <a:buFont typeface="Wingdings 3"/>
-              <a:buChar char=""/>
-              <a:defRPr kumimoji="0" lang="en-US" sz="1400" kern="1200" smtClean="0">
-                <a:solidFill>
-                  <a:schemeClr val="lt1"/>
-                </a:solidFill>
-                <a:latin typeface="+mn-lt"/>
-                <a:ea typeface="+mn-ea"/>
-                <a:cs typeface="+mn-cs"/>
-              </a:defRPr>
-            </a:lvl8pPr>
-            <a:lvl9pPr marL="2194560" indent="-182880" algn="l" rtl="0" eaLnBrk="1" latinLnBrk="0" hangingPunct="1">
-              <a:spcBef>
-                <a:spcPts val="300"/>
-              </a:spcBef>
-              <a:buClr>
-                <a:srgbClr val="9FB8CD"/>
-              </a:buClr>
-              <a:buSzPct val="75000"/>
-              <a:buFont typeface="Wingdings 3"/>
-              <a:buChar char=""/>
-              <a:defRPr kumimoji="0" lang="en-US" sz="1200" kern="1200" smtClean="0">
-                <a:solidFill>
-                  <a:schemeClr val="lt1"/>
-                </a:solidFill>
-                <a:latin typeface="+mn-lt"/>
-                <a:ea typeface="+mn-ea"/>
-                <a:cs typeface="+mn-cs"/>
-              </a:defRPr>
-            </a:lvl9pPr>
-          </a:lstStyle>
-          <a:p>
-            <a:pPr marL="0" indent="0" algn="ctr">
-              <a:buFont typeface="Wingdings 3"/>
-              <a:buNone/>
-            </a:pPr>
-            <a:r>
-              <a:rPr lang="fr-FR" sz="1600" b="1" dirty="0" smtClean="0"/>
-              <a:t>Écoles vétérinaires</a:t>
-            </a:r>
-          </a:p>
-          <a:p>
-            <a:pPr marL="0" indent="0" algn="ctr">
-              <a:buFont typeface="Wingdings 3"/>
-              <a:buNone/>
-            </a:pPr>
-            <a:r>
-              <a:rPr lang="fr-FR" sz="1600" b="1" dirty="0" smtClean="0"/>
-              <a:t>Écoles agronomiques</a:t>
-            </a:r>
-            <a:endParaRPr lang="fr-FR" sz="1600" b="1" dirty="0"/>
-          </a:p>
-        </p:txBody>
-      </p:sp>
-      <p:sp>
-        <p:nvSpPr>
-          <p:cNvPr id="16" name="Espace réservé du contenu 8"/>
-          <p:cNvSpPr txBox="1">
-            <a:spLocks/>
-          </p:cNvSpPr>
-          <p:nvPr/>
-        </p:nvSpPr>
-        <p:spPr>
-          <a:xfrm>
-            <a:off x="6706642" y="1999469"/>
-            <a:ext cx="2185838" cy="2295912"/>
-          </a:xfrm>
-          <a:prstGeom prst="rect">
-            <a:avLst/>
-          </a:prstGeom>
-        </p:spPr>
-        <p:style>
-          <a:lnRef idx="2">
-            <a:schemeClr val="accent3">
-              <a:shade val="50000"/>
-            </a:schemeClr>
-          </a:lnRef>
-          <a:fillRef idx="1">
-            <a:schemeClr val="accent3"/>
-          </a:fillRef>
-          <a:effectRef idx="0">
-            <a:schemeClr val="accent3"/>
-          </a:effectRef>
-          <a:fontRef idx="minor">
-            <a:schemeClr val="lt1"/>
-          </a:fontRef>
-        </p:style>
-        <p:txBody>
-          <a:bodyPr rot="0" spcFirstLastPara="0" vertOverflow="overflow" horzOverflow="overflow" vert="horz" wrap="square" lIns="91440" tIns="45720" rIns="91440" bIns="45720" numCol="1" spcCol="0" rtlCol="0" fromWordArt="0" anchor="ctr" anchorCtr="0" forceAA="0" compatLnSpc="1">
-            <a:prstTxWarp prst="textNoShape">
-              <a:avLst/>
-            </a:prstTxWarp>
-            <a:noAutofit/>
-          </a:bodyPr>
-          <a:lstStyle>
-            <a:lvl1pPr marL="274320" indent="-274320" algn="l" rtl="0" eaLnBrk="1" latinLnBrk="0" hangingPunct="1">
-              <a:spcBef>
-                <a:spcPts val="600"/>
-              </a:spcBef>
-              <a:buClr>
-                <a:schemeClr val="accent1"/>
-              </a:buClr>
-              <a:buSzPct val="76000"/>
-              <a:buFont typeface="Wingdings 3"/>
-              <a:buChar char=""/>
-              <a:defRPr kumimoji="0" sz="2600" kern="1200">
-                <a:solidFill>
-                  <a:schemeClr val="lt1"/>
-                </a:solidFill>
-                <a:latin typeface="+mn-lt"/>
-                <a:ea typeface="+mn-ea"/>
-                <a:cs typeface="+mn-cs"/>
-              </a:defRPr>
-            </a:lvl1pPr>
-            <a:lvl2pPr marL="548640" indent="-274320" algn="l" rtl="0" eaLnBrk="1" latinLnBrk="0" hangingPunct="1">
-              <a:spcBef>
-                <a:spcPts val="500"/>
-              </a:spcBef>
-              <a:buClr>
-                <a:schemeClr val="accent2"/>
-              </a:buClr>
-              <a:buSzPct val="76000"/>
-              <a:buFont typeface="Wingdings 3"/>
-              <a:buChar char=""/>
-              <a:defRPr kumimoji="0" sz="2300" kern="1200">
-                <a:solidFill>
-                  <a:schemeClr val="lt1"/>
-                </a:solidFill>
-                <a:latin typeface="+mn-lt"/>
-                <a:ea typeface="+mn-ea"/>
-                <a:cs typeface="+mn-cs"/>
-              </a:defRPr>
-            </a:lvl2pPr>
-            <a:lvl3pPr marL="822960" indent="-228600" algn="l" rtl="0" eaLnBrk="1" latinLnBrk="0" hangingPunct="1">
-              <a:spcBef>
-                <a:spcPts val="500"/>
-              </a:spcBef>
-              <a:buClr>
-                <a:schemeClr val="bg1">
-                  <a:shade val="50000"/>
-                </a:schemeClr>
-              </a:buClr>
-              <a:buSzPct val="76000"/>
-              <a:buFont typeface="Wingdings 3"/>
-              <a:buChar char=""/>
-              <a:defRPr kumimoji="0" sz="2000" kern="1200">
-                <a:solidFill>
-                  <a:schemeClr val="lt1"/>
-                </a:solidFill>
-                <a:latin typeface="+mn-lt"/>
-                <a:ea typeface="+mn-ea"/>
-                <a:cs typeface="+mn-cs"/>
-              </a:defRPr>
-            </a:lvl3pPr>
-            <a:lvl4pPr marL="1097280" indent="-228600" algn="l" rtl="0" eaLnBrk="1" latinLnBrk="0" hangingPunct="1">
-              <a:spcBef>
-                <a:spcPts val="400"/>
-              </a:spcBef>
-              <a:buClr>
-                <a:schemeClr val="accent2">
-                  <a:shade val="75000"/>
-                </a:schemeClr>
-              </a:buClr>
-              <a:buSzPct val="70000"/>
-              <a:buFont typeface="Wingdings"/>
-              <a:buChar char=""/>
-              <a:defRPr kumimoji="0" sz="1800" kern="1200">
-                <a:solidFill>
-                  <a:schemeClr val="lt1"/>
-                </a:solidFill>
-                <a:latin typeface="+mn-lt"/>
-                <a:ea typeface="+mn-ea"/>
-                <a:cs typeface="+mn-cs"/>
-              </a:defRPr>
-            </a:lvl4pPr>
-            <a:lvl5pPr marL="1371600" indent="-228600" algn="l" rtl="0" eaLnBrk="1" latinLnBrk="0" hangingPunct="1">
-              <a:spcBef>
-                <a:spcPts val="300"/>
-              </a:spcBef>
-              <a:buClr>
-                <a:schemeClr val="accent2"/>
-              </a:buClr>
-              <a:buSzPct val="70000"/>
-              <a:buFont typeface="Wingdings"/>
-              <a:buChar char=""/>
-              <a:defRPr kumimoji="0" sz="1600" kern="1200">
-                <a:solidFill>
-                  <a:schemeClr val="lt1"/>
-                </a:solidFill>
-                <a:latin typeface="+mn-lt"/>
-                <a:ea typeface="+mn-ea"/>
-                <a:cs typeface="+mn-cs"/>
-              </a:defRPr>
-            </a:lvl5pPr>
-            <a:lvl6pPr marL="1645920" indent="-182880" algn="l" rtl="0" eaLnBrk="1" latinLnBrk="0" hangingPunct="1">
-              <a:spcBef>
-                <a:spcPts val="300"/>
-              </a:spcBef>
-              <a:buClr>
-                <a:srgbClr val="9FB8CD">
-                  <a:shade val="75000"/>
-                </a:srgbClr>
-              </a:buClr>
-              <a:buSzPct val="75000"/>
-              <a:buFont typeface="Wingdings 3"/>
-              <a:buChar char=""/>
-              <a:defRPr kumimoji="0" lang="en-US" sz="1600" kern="1200" smtClean="0">
-                <a:solidFill>
-                  <a:schemeClr val="lt1"/>
-                </a:solidFill>
-                <a:latin typeface="+mn-lt"/>
-                <a:ea typeface="+mn-ea"/>
-                <a:cs typeface="+mn-cs"/>
-              </a:defRPr>
-            </a:lvl6pPr>
-            <a:lvl7pPr marL="1828800" indent="-182880" algn="l" rtl="0" eaLnBrk="1" latinLnBrk="0" hangingPunct="1">
-              <a:spcBef>
-                <a:spcPts val="300"/>
-              </a:spcBef>
-              <a:buClr>
-                <a:srgbClr val="727CA3">
-                  <a:shade val="75000"/>
-                </a:srgbClr>
-              </a:buClr>
-              <a:buSzPct val="75000"/>
-              <a:buFont typeface="Wingdings 3"/>
-              <a:buChar char=""/>
-              <a:defRPr kumimoji="0" lang="en-US" sz="1400" kern="1200" smtClean="0">
-                <a:solidFill>
-                  <a:schemeClr val="lt1"/>
-                </a:solidFill>
-                <a:latin typeface="+mn-lt"/>
-                <a:ea typeface="+mn-ea"/>
-                <a:cs typeface="+mn-cs"/>
-              </a:defRPr>
-            </a:lvl7pPr>
-            <a:lvl8pPr marL="2011680" indent="-182880" algn="l" rtl="0" eaLnBrk="1" latinLnBrk="0" hangingPunct="1">
-              <a:spcBef>
-                <a:spcPts val="300"/>
-              </a:spcBef>
-              <a:buClr>
-                <a:prstClr val="white">
-                  <a:shade val="50000"/>
-                </a:prstClr>
-              </a:buClr>
-              <a:buSzPct val="75000"/>
-              <a:buFont typeface="Wingdings 3"/>
-              <a:buChar char=""/>
-              <a:defRPr kumimoji="0" lang="en-US" sz="1400" kern="1200" smtClean="0">
-                <a:solidFill>
-                  <a:schemeClr val="lt1"/>
-                </a:solidFill>
-                <a:latin typeface="+mn-lt"/>
-                <a:ea typeface="+mn-ea"/>
-                <a:cs typeface="+mn-cs"/>
-              </a:defRPr>
-            </a:lvl8pPr>
-            <a:lvl9pPr marL="2194560" indent="-182880" algn="l" rtl="0" eaLnBrk="1" latinLnBrk="0" hangingPunct="1">
-              <a:spcBef>
-                <a:spcPts val="300"/>
-              </a:spcBef>
-              <a:buClr>
-                <a:srgbClr val="9FB8CD"/>
-              </a:buClr>
-              <a:buSzPct val="75000"/>
-              <a:buFont typeface="Wingdings 3"/>
-              <a:buChar char=""/>
-              <a:defRPr kumimoji="0" lang="en-US" sz="1200" kern="1200" smtClean="0">
-                <a:solidFill>
-                  <a:schemeClr val="lt1"/>
-                </a:solidFill>
-                <a:latin typeface="+mn-lt"/>
-                <a:ea typeface="+mn-ea"/>
-                <a:cs typeface="+mn-cs"/>
-              </a:defRPr>
-            </a:lvl9pPr>
-          </a:lstStyle>
-          <a:p>
-            <a:pPr marL="0" indent="0" algn="ctr">
-              <a:buFont typeface="Wingdings 3"/>
-              <a:buNone/>
-            </a:pPr>
-            <a:r>
-              <a:rPr lang="fr-FR" sz="1600" b="1" dirty="0" smtClean="0"/>
-              <a:t>Écoles de commerce Écoles de management</a:t>
-            </a:r>
-          </a:p>
-          <a:p>
-            <a:pPr marL="0" indent="0" algn="ctr">
-              <a:buNone/>
-            </a:pPr>
-            <a:r>
-              <a:rPr lang="fr-FR" sz="1600" b="1" dirty="0"/>
-              <a:t>(HEC, ESSEC, </a:t>
-            </a:r>
-            <a:r>
-              <a:rPr lang="fr-FR" sz="1600" b="1" dirty="0" smtClean="0"/>
-              <a:t>ESCP, …)</a:t>
-            </a:r>
-            <a:endParaRPr lang="fr-FR" sz="1600" b="1" dirty="0"/>
-          </a:p>
-          <a:p>
-            <a:pPr marL="0" indent="0" algn="ctr">
-              <a:buFont typeface="Wingdings 3"/>
-              <a:buNone/>
-            </a:pPr>
-            <a:endParaRPr lang="fr-FR" sz="1600" b="1" dirty="0"/>
-          </a:p>
-        </p:txBody>
-      </p:sp>
-      <p:sp>
-        <p:nvSpPr>
-          <p:cNvPr id="17" name="Espace réservé du numéro de diapositive 16"/>
+          <p:cNvPr id="4" name="Espace réservé du numéro de diapositive 3"/>
           <p:cNvSpPr>
             <a:spLocks noGrp="1"/>
           </p:cNvSpPr>
@@ -14500,10 +14645,97 @@
           </a:p>
         </p:txBody>
       </p:sp>
+      <p:sp>
+        <p:nvSpPr>
+          <p:cNvPr id="5" name="Espace réservé du contenu 4"/>
+          <p:cNvSpPr>
+            <a:spLocks noGrp="1"/>
+          </p:cNvSpPr>
+          <p:nvPr>
+            <p:ph sz="quarter" idx="1"/>
+          </p:nvPr>
+        </p:nvSpPr>
+        <p:spPr/>
+        <p:txBody>
+          <a:bodyPr/>
+          <a:lstStyle/>
+          <a:p>
+            <a:r>
+              <a:rPr lang="fr-FR" dirty="0" smtClean="0"/>
+              <a:t>École </a:t>
+            </a:r>
+            <a:r>
+              <a:rPr lang="fr-FR" dirty="0"/>
+              <a:t>Polytechnique</a:t>
+            </a:r>
+          </a:p>
+          <a:p>
+            <a:r>
+              <a:rPr lang="fr-FR" dirty="0" smtClean="0"/>
+              <a:t>Écoles </a:t>
+            </a:r>
+            <a:r>
+              <a:rPr lang="fr-FR" dirty="0"/>
+              <a:t>Normales Supérieures: 3 écoles</a:t>
+            </a:r>
+          </a:p>
+          <a:p>
+            <a:r>
+              <a:rPr lang="fr-FR" dirty="0"/>
+              <a:t>Groupe Mines – Ponts: 9 écoles</a:t>
+            </a:r>
+          </a:p>
+          <a:p>
+            <a:r>
+              <a:rPr lang="fr-FR" dirty="0"/>
+              <a:t>Groupe Centrale – Supélec: 10 écoles</a:t>
+            </a:r>
+          </a:p>
+          <a:p>
+            <a:r>
+              <a:rPr lang="fr-FR" dirty="0"/>
+              <a:t>ENSAM (Arts et Métiers): 11 écoles</a:t>
+            </a:r>
+          </a:p>
+          <a:p>
+            <a:r>
+              <a:rPr lang="fr-FR" dirty="0"/>
+              <a:t>Groupe CCP : les ENSI : 33 écoles</a:t>
+            </a:r>
+          </a:p>
+          <a:p>
+            <a:r>
+              <a:rPr lang="fr-FR" dirty="0" smtClean="0"/>
+              <a:t>Écoles </a:t>
+            </a:r>
+            <a:r>
+              <a:rPr lang="fr-FR" dirty="0"/>
+              <a:t>militaires: Navale, Air…</a:t>
+            </a:r>
+          </a:p>
+          <a:p>
+            <a:r>
+              <a:rPr lang="fr-FR" dirty="0"/>
+              <a:t>E3A dont ESTP et les </a:t>
+            </a:r>
+            <a:r>
+              <a:rPr lang="fr-FR" dirty="0" err="1"/>
+              <a:t>Polytech</a:t>
+            </a:r>
+            <a:r>
+              <a:rPr lang="fr-FR" dirty="0"/>
+              <a:t>: 70 écoles</a:t>
+            </a:r>
+          </a:p>
+          <a:p>
+            <a:endParaRPr lang="fr-FR" dirty="0"/>
+          </a:p>
+        </p:txBody>
+      </p:sp>
     </p:spTree>
     <p:extLst>
       <p:ext uri="{BB962C8B-B14F-4D97-AF65-F5344CB8AC3E}">
-        <p14:creationId xmlns:p14="http://schemas.microsoft.com/office/powerpoint/2010/main" val="1039484304"/>
+        <p14:creationId xmlns:p14="http://schemas.microsoft.com/office/powerpoint/2010/main" val="1685991170"/>
       </p:ext>
     </p:extLst>
   </p:cSld>
